--- a/Trimestre 2/Chefcito (1).pptx
+++ b/Trimestre 2/Chefcito (1).pptx
@@ -1,36 +1,45 @@
 
 <file path=ppt/presentation.xml><?xml version="1.0" encoding="utf-8"?>
-<p:presentation xmlns:a="http://schemas.openxmlformats.org/drawingml/2006/main" xmlns:r="http://schemas.openxmlformats.org/officeDocument/2006/relationships" xmlns:mc="http://schemas.openxmlformats.org/markup-compatibility/2006" xmlns:mv="urn:schemas-microsoft-com:mac:vml" xmlns:p="http://schemas.openxmlformats.org/presentationml/2006/main" xmlns:c="http://schemas.openxmlformats.org/drawingml/2006/chart" xmlns:dgm="http://schemas.openxmlformats.org/drawingml/2006/diagram" xmlns:o="urn:schemas-microsoft-com:office:office" xmlns:v="urn:schemas-microsoft-com:vml" xmlns:pvml="urn:schemas-microsoft-com:office:powerpoint" xmlns:com="http://schemas.openxmlformats.org/drawingml/2006/compatibility" xmlns:p14="http://schemas.microsoft.com/office/powerpoint/2010/main" xmlns:p15="http://schemas.microsoft.com/office/powerpoint/2012/main" xmlns:ahyp="http://schemas.microsoft.com/office/drawing/2018/hyperlinkcolor" autoCompressPictures="0" embedTrueTypeFonts="1" strictFirstAndLastChars="0" saveSubsetFonts="1">
+<p:presentation xmlns:a="http://schemas.openxmlformats.org/drawingml/2006/main" xmlns:r="http://schemas.openxmlformats.org/officeDocument/2006/relationships" xmlns:p="http://schemas.openxmlformats.org/presentationml/2006/main" strictFirstAndLastChars="0" embedTrueTypeFonts="1" saveSubsetFonts="1" autoCompressPictures="0">
   <p:sldMasterIdLst>
-    <p:sldMasterId id="2147483659" r:id="rId3"/>
+    <p:sldMasterId id="2147483659" r:id="rId1"/>
   </p:sldMasterIdLst>
   <p:notesMasterIdLst>
-    <p:notesMasterId r:id="rId4"/>
+    <p:notesMasterId r:id="rId15"/>
   </p:notesMasterIdLst>
   <p:sldIdLst>
-    <p:sldId id="256" r:id="rId5"/>
-    <p:sldId id="257" r:id="rId6"/>
-    <p:sldId id="258" r:id="rId7"/>
-    <p:sldId id="259" r:id="rId8"/>
-    <p:sldId id="260" r:id="rId9"/>
-    <p:sldId id="261" r:id="rId10"/>
-    <p:sldId id="262" r:id="rId11"/>
-    <p:sldId id="263" r:id="rId12"/>
-    <p:sldId id="264" r:id="rId13"/>
-    <p:sldId id="265" r:id="rId14"/>
-    <p:sldId id="266" r:id="rId15"/>
+    <p:sldId id="256" r:id="rId2"/>
+    <p:sldId id="257" r:id="rId3"/>
+    <p:sldId id="258" r:id="rId4"/>
+    <p:sldId id="259" r:id="rId5"/>
+    <p:sldId id="260" r:id="rId6"/>
+    <p:sldId id="261" r:id="rId7"/>
+    <p:sldId id="262" r:id="rId8"/>
+    <p:sldId id="263" r:id="rId9"/>
+    <p:sldId id="264" r:id="rId10"/>
+    <p:sldId id="265" r:id="rId11"/>
+    <p:sldId id="267" r:id="rId12"/>
+    <p:sldId id="268" r:id="rId13"/>
+    <p:sldId id="266" r:id="rId14"/>
   </p:sldIdLst>
-  <p:sldSz cy="6858000" cx="12192000"/>
+  <p:sldSz cx="12192000" cy="6858000"/>
   <p:notesSz cx="6858000" cy="9144000"/>
   <p:embeddedFontLst>
     <p:embeddedFont>
-      <p:font typeface="Libre Franklin Black"/>
-      <p:bold r:id="rId16"/>
-      <p:boldItalic r:id="rId17"/>
+      <p:font typeface="Consolas" panose="020B0609020204030204" pitchFamily="49" charset="0"/>
+      <p:regular r:id="rId16"/>
+      <p:bold r:id="rId17"/>
+      <p:italic r:id="rId18"/>
+      <p:boldItalic r:id="rId19"/>
+    </p:embeddedFont>
+    <p:embeddedFont>
+      <p:font typeface="Libre Franklin Black" pitchFamily="2" charset="0"/>
+      <p:bold r:id="rId20"/>
+      <p:boldItalic r:id="rId21"/>
     </p:embeddedFont>
   </p:embeddedFontLst>
   <p:defaultTextStyle>
-    <a:defPPr lvl="0" marR="0" rtl="0" algn="l">
+    <a:defPPr marR="0" lvl="0" algn="l" rtl="0">
       <a:lnSpc>
         <a:spcPct val="100000"/>
       </a:lnSpc>
@@ -41,7 +50,7 @@
         <a:spcPts val="0"/>
       </a:spcAft>
     </a:defPPr>
-    <a:lvl1pPr lvl="0" marR="0" rtl="0" algn="l">
+    <a:lvl1pPr marR="0" lvl="0" algn="l" rtl="0">
       <a:lnSpc>
         <a:spcPct val="100000"/>
       </a:lnSpc>
@@ -55,7 +64,7 @@
         <a:srgbClr val="000000"/>
       </a:buClr>
       <a:buFont typeface="Arial"/>
-      <a:defRPr b="0" i="0" sz="1400" u="none" cap="none" strike="noStrike">
+      <a:defRPr sz="1400" b="0" i="0" u="none" strike="noStrike" cap="none">
         <a:solidFill>
           <a:srgbClr val="000000"/>
         </a:solidFill>
@@ -65,7 +74,7 @@
         <a:sym typeface="Arial"/>
       </a:defRPr>
     </a:lvl1pPr>
-    <a:lvl2pPr lvl="1" marR="0" rtl="0" algn="l">
+    <a:lvl2pPr marR="0" lvl="1" algn="l" rtl="0">
       <a:lnSpc>
         <a:spcPct val="100000"/>
       </a:lnSpc>
@@ -79,7 +88,7 @@
         <a:srgbClr val="000000"/>
       </a:buClr>
       <a:buFont typeface="Arial"/>
-      <a:defRPr b="0" i="0" sz="1400" u="none" cap="none" strike="noStrike">
+      <a:defRPr sz="1400" b="0" i="0" u="none" strike="noStrike" cap="none">
         <a:solidFill>
           <a:srgbClr val="000000"/>
         </a:solidFill>
@@ -89,7 +98,7 @@
         <a:sym typeface="Arial"/>
       </a:defRPr>
     </a:lvl2pPr>
-    <a:lvl3pPr lvl="2" marR="0" rtl="0" algn="l">
+    <a:lvl3pPr marR="0" lvl="2" algn="l" rtl="0">
       <a:lnSpc>
         <a:spcPct val="100000"/>
       </a:lnSpc>
@@ -103,7 +112,7 @@
         <a:srgbClr val="000000"/>
       </a:buClr>
       <a:buFont typeface="Arial"/>
-      <a:defRPr b="0" i="0" sz="1400" u="none" cap="none" strike="noStrike">
+      <a:defRPr sz="1400" b="0" i="0" u="none" strike="noStrike" cap="none">
         <a:solidFill>
           <a:srgbClr val="000000"/>
         </a:solidFill>
@@ -113,7 +122,7 @@
         <a:sym typeface="Arial"/>
       </a:defRPr>
     </a:lvl3pPr>
-    <a:lvl4pPr lvl="3" marR="0" rtl="0" algn="l">
+    <a:lvl4pPr marR="0" lvl="3" algn="l" rtl="0">
       <a:lnSpc>
         <a:spcPct val="100000"/>
       </a:lnSpc>
@@ -127,7 +136,7 @@
         <a:srgbClr val="000000"/>
       </a:buClr>
       <a:buFont typeface="Arial"/>
-      <a:defRPr b="0" i="0" sz="1400" u="none" cap="none" strike="noStrike">
+      <a:defRPr sz="1400" b="0" i="0" u="none" strike="noStrike" cap="none">
         <a:solidFill>
           <a:srgbClr val="000000"/>
         </a:solidFill>
@@ -137,7 +146,7 @@
         <a:sym typeface="Arial"/>
       </a:defRPr>
     </a:lvl4pPr>
-    <a:lvl5pPr lvl="4" marR="0" rtl="0" algn="l">
+    <a:lvl5pPr marR="0" lvl="4" algn="l" rtl="0">
       <a:lnSpc>
         <a:spcPct val="100000"/>
       </a:lnSpc>
@@ -151,7 +160,7 @@
         <a:srgbClr val="000000"/>
       </a:buClr>
       <a:buFont typeface="Arial"/>
-      <a:defRPr b="0" i="0" sz="1400" u="none" cap="none" strike="noStrike">
+      <a:defRPr sz="1400" b="0" i="0" u="none" strike="noStrike" cap="none">
         <a:solidFill>
           <a:srgbClr val="000000"/>
         </a:solidFill>
@@ -161,7 +170,7 @@
         <a:sym typeface="Arial"/>
       </a:defRPr>
     </a:lvl5pPr>
-    <a:lvl6pPr lvl="5" marR="0" rtl="0" algn="l">
+    <a:lvl6pPr marR="0" lvl="5" algn="l" rtl="0">
       <a:lnSpc>
         <a:spcPct val="100000"/>
       </a:lnSpc>
@@ -175,7 +184,7 @@
         <a:srgbClr val="000000"/>
       </a:buClr>
       <a:buFont typeface="Arial"/>
-      <a:defRPr b="0" i="0" sz="1400" u="none" cap="none" strike="noStrike">
+      <a:defRPr sz="1400" b="0" i="0" u="none" strike="noStrike" cap="none">
         <a:solidFill>
           <a:srgbClr val="000000"/>
         </a:solidFill>
@@ -185,7 +194,7 @@
         <a:sym typeface="Arial"/>
       </a:defRPr>
     </a:lvl6pPr>
-    <a:lvl7pPr lvl="6" marR="0" rtl="0" algn="l">
+    <a:lvl7pPr marR="0" lvl="6" algn="l" rtl="0">
       <a:lnSpc>
         <a:spcPct val="100000"/>
       </a:lnSpc>
@@ -199,7 +208,7 @@
         <a:srgbClr val="000000"/>
       </a:buClr>
       <a:buFont typeface="Arial"/>
-      <a:defRPr b="0" i="0" sz="1400" u="none" cap="none" strike="noStrike">
+      <a:defRPr sz="1400" b="0" i="0" u="none" strike="noStrike" cap="none">
         <a:solidFill>
           <a:srgbClr val="000000"/>
         </a:solidFill>
@@ -209,7 +218,7 @@
         <a:sym typeface="Arial"/>
       </a:defRPr>
     </a:lvl7pPr>
-    <a:lvl8pPr lvl="7" marR="0" rtl="0" algn="l">
+    <a:lvl8pPr marR="0" lvl="7" algn="l" rtl="0">
       <a:lnSpc>
         <a:spcPct val="100000"/>
       </a:lnSpc>
@@ -223,7 +232,7 @@
         <a:srgbClr val="000000"/>
       </a:buClr>
       <a:buFont typeface="Arial"/>
-      <a:defRPr b="0" i="0" sz="1400" u="none" cap="none" strike="noStrike">
+      <a:defRPr sz="1400" b="0" i="0" u="none" strike="noStrike" cap="none">
         <a:solidFill>
           <a:srgbClr val="000000"/>
         </a:solidFill>
@@ -233,7 +242,7 @@
         <a:sym typeface="Arial"/>
       </a:defRPr>
     </a:lvl8pPr>
-    <a:lvl9pPr lvl="8" marR="0" rtl="0" algn="l">
+    <a:lvl9pPr marR="0" lvl="8" algn="l" rtl="0">
       <a:lnSpc>
         <a:spcPct val="100000"/>
       </a:lnSpc>
@@ -247,7 +256,7 @@
         <a:srgbClr val="000000"/>
       </a:buClr>
       <a:buFont typeface="Arial"/>
-      <a:defRPr b="0" i="0" sz="1400" u="none" cap="none" strike="noStrike">
+      <a:defRPr sz="1400" b="0" i="0" u="none" strike="noStrike" cap="none">
         <a:solidFill>
           <a:srgbClr val="000000"/>
         </a:solidFill>
@@ -262,11 +271,16 @@
 </file>
 
 <file path=ppt/notesMasters/notesMaster1.xml><?xml version="1.0" encoding="utf-8"?>
-<p:notesMaster xmlns:a="http://schemas.openxmlformats.org/drawingml/2006/main" xmlns:r="http://schemas.openxmlformats.org/officeDocument/2006/relationships" xmlns:mc="http://schemas.openxmlformats.org/markup-compatibility/2006" xmlns:mv="urn:schemas-microsoft-com:mac:vml" xmlns:p="http://schemas.openxmlformats.org/presentationml/2006/main" xmlns:c="http://schemas.openxmlformats.org/drawingml/2006/chart" xmlns:dgm="http://schemas.openxmlformats.org/drawingml/2006/diagram" xmlns:o="urn:schemas-microsoft-com:office:office" xmlns:v="urn:schemas-microsoft-com:vml" xmlns:pvml="urn:schemas-microsoft-com:office:powerpoint" xmlns:com="http://schemas.openxmlformats.org/drawingml/2006/compatibility" xmlns:p14="http://schemas.microsoft.com/office/powerpoint/2010/main" xmlns:p15="http://schemas.microsoft.com/office/powerpoint/2012/main" xmlns:ahyp="http://schemas.microsoft.com/office/drawing/2018/hyperlinkcolor">
+<p:notesMaster xmlns:a="http://schemas.openxmlformats.org/drawingml/2006/main" xmlns:r="http://schemas.openxmlformats.org/officeDocument/2006/relationships" xmlns:p="http://schemas.openxmlformats.org/presentationml/2006/main">
   <p:cSld>
+    <p:bg>
+      <p:bgRef idx="1001">
+        <a:schemeClr val="bg1"/>
+      </p:bgRef>
+    </p:bg>
     <p:spTree>
       <p:nvGrpSpPr>
-        <p:cNvPr id="2" name="Shape 2"/>
+        <p:cNvPr id="1" name="Shape 2"/>
         <p:cNvGrpSpPr/>
         <p:nvPr/>
       </p:nvGrpSpPr>
@@ -281,9 +295,11 @@
       <p:sp>
         <p:nvSpPr>
           <p:cNvPr id="3" name="Google Shape;3;n"/>
-          <p:cNvSpPr/>
+          <p:cNvSpPr>
+            <a:spLocks noGrp="1" noRot="1" noChangeAspect="1"/>
+          </p:cNvSpPr>
           <p:nvPr>
-            <p:ph idx="2" type="sldImg"/>
+            <p:ph type="sldImg" idx="2"/>
           </p:nvPr>
         </p:nvSpPr>
         <p:spPr>
@@ -292,9 +308,13 @@
             <a:ext cx="4572225" cy="3429000"/>
           </a:xfrm>
           <a:custGeom>
-            <a:rect b="b" l="l" r="r" t="t"/>
+            <a:avLst/>
+            <a:gdLst/>
+            <a:ahLst/>
+            <a:cxnLst/>
+            <a:rect l="l" t="t" r="r" b="b"/>
             <a:pathLst>
-              <a:path extrusionOk="0" h="120000" w="120000">
+              <a:path w="120000" h="120000" extrusionOk="0">
                 <a:moveTo>
                   <a:pt x="0" y="0"/>
                 </a:moveTo>
@@ -312,23 +332,25 @@
             </a:pathLst>
           </a:custGeom>
           <a:noFill/>
-          <a:ln cap="flat" cmpd="sng" w="9525">
+          <a:ln w="9525" cap="flat" cmpd="sng">
             <a:solidFill>
               <a:srgbClr val="000000"/>
             </a:solidFill>
             <a:prstDash val="solid"/>
             <a:round/>
-            <a:headEnd len="sm" w="sm" type="none"/>
-            <a:tailEnd len="sm" w="sm" type="none"/>
+            <a:headEnd type="none" w="sm" len="sm"/>
+            <a:tailEnd type="none" w="sm" len="sm"/>
           </a:ln>
         </p:spPr>
       </p:sp>
       <p:sp>
         <p:nvSpPr>
           <p:cNvPr id="4" name="Google Shape;4;n"/>
-          <p:cNvSpPr txBox="1"/>
+          <p:cNvSpPr txBox="1">
+            <a:spLocks noGrp="1"/>
+          </p:cNvSpPr>
           <p:nvPr>
-            <p:ph idx="1" type="body"/>
+            <p:ph type="body" idx="1"/>
           </p:nvPr>
         </p:nvSpPr>
         <p:spPr>
@@ -345,11 +367,11 @@
           </a:ln>
         </p:spPr>
         <p:txBody>
-          <a:bodyPr anchorCtr="0" anchor="t" bIns="91425" lIns="91425" spcFirstLastPara="1" rIns="91425" wrap="square" tIns="91425">
+          <a:bodyPr spcFirstLastPara="1" wrap="square" lIns="91425" tIns="91425" rIns="91425" bIns="91425" anchor="t" anchorCtr="0">
             <a:noAutofit/>
           </a:bodyPr>
           <a:lstStyle>
-            <a:lvl1pPr indent="-298450" lvl="0" marL="457200">
+            <a:lvl1pPr marL="457200" lvl="0" indent="-298450">
               <a:spcBef>
                 <a:spcPts val="0"/>
               </a:spcBef>
@@ -360,7 +382,7 @@
               <a:buChar char="●"/>
               <a:defRPr sz="1100"/>
             </a:lvl1pPr>
-            <a:lvl2pPr indent="-298450" lvl="1" marL="914400">
+            <a:lvl2pPr marL="914400" lvl="1" indent="-298450">
               <a:spcBef>
                 <a:spcPts val="0"/>
               </a:spcBef>
@@ -371,7 +393,7 @@
               <a:buChar char="○"/>
               <a:defRPr sz="1100"/>
             </a:lvl2pPr>
-            <a:lvl3pPr indent="-298450" lvl="2" marL="1371600">
+            <a:lvl3pPr marL="1371600" lvl="2" indent="-298450">
               <a:spcBef>
                 <a:spcPts val="0"/>
               </a:spcBef>
@@ -382,7 +404,7 @@
               <a:buChar char="■"/>
               <a:defRPr sz="1100"/>
             </a:lvl3pPr>
-            <a:lvl4pPr indent="-298450" lvl="3" marL="1828800">
+            <a:lvl4pPr marL="1828800" lvl="3" indent="-298450">
               <a:spcBef>
                 <a:spcPts val="0"/>
               </a:spcBef>
@@ -393,7 +415,7 @@
               <a:buChar char="●"/>
               <a:defRPr sz="1100"/>
             </a:lvl4pPr>
-            <a:lvl5pPr indent="-298450" lvl="4" marL="2286000">
+            <a:lvl5pPr marL="2286000" lvl="4" indent="-298450">
               <a:spcBef>
                 <a:spcPts val="0"/>
               </a:spcBef>
@@ -404,7 +426,7 @@
               <a:buChar char="○"/>
               <a:defRPr sz="1100"/>
             </a:lvl5pPr>
-            <a:lvl6pPr indent="-298450" lvl="5" marL="2743200">
+            <a:lvl6pPr marL="2743200" lvl="5" indent="-298450">
               <a:spcBef>
                 <a:spcPts val="0"/>
               </a:spcBef>
@@ -415,7 +437,7 @@
               <a:buChar char="■"/>
               <a:defRPr sz="1100"/>
             </a:lvl6pPr>
-            <a:lvl7pPr indent="-298450" lvl="6" marL="3200400">
+            <a:lvl7pPr marL="3200400" lvl="6" indent="-298450">
               <a:spcBef>
                 <a:spcPts val="0"/>
               </a:spcBef>
@@ -426,7 +448,7 @@
               <a:buChar char="●"/>
               <a:defRPr sz="1100"/>
             </a:lvl7pPr>
-            <a:lvl8pPr indent="-298450" lvl="7" marL="3657600">
+            <a:lvl8pPr marL="3657600" lvl="7" indent="-298450">
               <a:spcBef>
                 <a:spcPts val="0"/>
               </a:spcBef>
@@ -437,7 +459,7 @@
               <a:buChar char="○"/>
               <a:defRPr sz="1100"/>
             </a:lvl8pPr>
-            <a:lvl9pPr indent="-298450" lvl="8" marL="4114800">
+            <a:lvl9pPr marL="4114800" lvl="8" indent="-298450">
               <a:spcBef>
                 <a:spcPts val="0"/>
               </a:spcBef>
@@ -449,14 +471,16 @@
               <a:defRPr sz="1100"/>
             </a:lvl9pPr>
           </a:lstStyle>
-          <a:p/>
+          <a:p>
+            <a:endParaRPr/>
+          </a:p>
         </p:txBody>
       </p:sp>
     </p:spTree>
   </p:cSld>
-  <p:clrMap accent1="accent1" accent2="accent2" accent3="accent3" accent4="accent4" accent5="accent5" accent6="accent6" bg1="lt1" bg2="dk2" tx1="dk1" tx2="lt2" folHlink="folHlink" hlink="hlink"/>
+  <p:clrMap bg1="lt1" tx1="dk1" bg2="dk2" tx2="lt2" accent1="accent1" accent2="accent2" accent3="accent3" accent4="accent4" accent5="accent5" accent6="accent6" hlink="hlink" folHlink="folHlink"/>
   <p:notesStyle>
-    <a:defPPr lvl="0" marR="0" rtl="0" algn="l">
+    <a:defPPr marR="0" lvl="0" algn="l" rtl="0">
       <a:lnSpc>
         <a:spcPct val="100000"/>
       </a:lnSpc>
@@ -467,7 +491,7 @@
         <a:spcPts val="0"/>
       </a:spcAft>
     </a:defPPr>
-    <a:lvl1pPr lvl="0" marR="0" rtl="0" algn="l">
+    <a:lvl1pPr marR="0" lvl="0" algn="l" rtl="0">
       <a:lnSpc>
         <a:spcPct val="100000"/>
       </a:lnSpc>
@@ -481,7 +505,7 @@
         <a:srgbClr val="000000"/>
       </a:buClr>
       <a:buFont typeface="Arial"/>
-      <a:defRPr b="0" i="0" sz="1400" u="none" cap="none" strike="noStrike">
+      <a:defRPr sz="1400" b="0" i="0" u="none" strike="noStrike" cap="none">
         <a:solidFill>
           <a:srgbClr val="000000"/>
         </a:solidFill>
@@ -491,7 +515,7 @@
         <a:sym typeface="Arial"/>
       </a:defRPr>
     </a:lvl1pPr>
-    <a:lvl2pPr lvl="1" marR="0" rtl="0" algn="l">
+    <a:lvl2pPr marR="0" lvl="1" algn="l" rtl="0">
       <a:lnSpc>
         <a:spcPct val="100000"/>
       </a:lnSpc>
@@ -505,7 +529,7 @@
         <a:srgbClr val="000000"/>
       </a:buClr>
       <a:buFont typeface="Arial"/>
-      <a:defRPr b="0" i="0" sz="1400" u="none" cap="none" strike="noStrike">
+      <a:defRPr sz="1400" b="0" i="0" u="none" strike="noStrike" cap="none">
         <a:solidFill>
           <a:srgbClr val="000000"/>
         </a:solidFill>
@@ -515,7 +539,7 @@
         <a:sym typeface="Arial"/>
       </a:defRPr>
     </a:lvl2pPr>
-    <a:lvl3pPr lvl="2" marR="0" rtl="0" algn="l">
+    <a:lvl3pPr marR="0" lvl="2" algn="l" rtl="0">
       <a:lnSpc>
         <a:spcPct val="100000"/>
       </a:lnSpc>
@@ -529,7 +553,7 @@
         <a:srgbClr val="000000"/>
       </a:buClr>
       <a:buFont typeface="Arial"/>
-      <a:defRPr b="0" i="0" sz="1400" u="none" cap="none" strike="noStrike">
+      <a:defRPr sz="1400" b="0" i="0" u="none" strike="noStrike" cap="none">
         <a:solidFill>
           <a:srgbClr val="000000"/>
         </a:solidFill>
@@ -539,7 +563,7 @@
         <a:sym typeface="Arial"/>
       </a:defRPr>
     </a:lvl3pPr>
-    <a:lvl4pPr lvl="3" marR="0" rtl="0" algn="l">
+    <a:lvl4pPr marR="0" lvl="3" algn="l" rtl="0">
       <a:lnSpc>
         <a:spcPct val="100000"/>
       </a:lnSpc>
@@ -553,7 +577,7 @@
         <a:srgbClr val="000000"/>
       </a:buClr>
       <a:buFont typeface="Arial"/>
-      <a:defRPr b="0" i="0" sz="1400" u="none" cap="none" strike="noStrike">
+      <a:defRPr sz="1400" b="0" i="0" u="none" strike="noStrike" cap="none">
         <a:solidFill>
           <a:srgbClr val="000000"/>
         </a:solidFill>
@@ -563,7 +587,7 @@
         <a:sym typeface="Arial"/>
       </a:defRPr>
     </a:lvl4pPr>
-    <a:lvl5pPr lvl="4" marR="0" rtl="0" algn="l">
+    <a:lvl5pPr marR="0" lvl="4" algn="l" rtl="0">
       <a:lnSpc>
         <a:spcPct val="100000"/>
       </a:lnSpc>
@@ -577,7 +601,7 @@
         <a:srgbClr val="000000"/>
       </a:buClr>
       <a:buFont typeface="Arial"/>
-      <a:defRPr b="0" i="0" sz="1400" u="none" cap="none" strike="noStrike">
+      <a:defRPr sz="1400" b="0" i="0" u="none" strike="noStrike" cap="none">
         <a:solidFill>
           <a:srgbClr val="000000"/>
         </a:solidFill>
@@ -587,7 +611,7 @@
         <a:sym typeface="Arial"/>
       </a:defRPr>
     </a:lvl5pPr>
-    <a:lvl6pPr lvl="5" marR="0" rtl="0" algn="l">
+    <a:lvl6pPr marR="0" lvl="5" algn="l" rtl="0">
       <a:lnSpc>
         <a:spcPct val="100000"/>
       </a:lnSpc>
@@ -601,7 +625,7 @@
         <a:srgbClr val="000000"/>
       </a:buClr>
       <a:buFont typeface="Arial"/>
-      <a:defRPr b="0" i="0" sz="1400" u="none" cap="none" strike="noStrike">
+      <a:defRPr sz="1400" b="0" i="0" u="none" strike="noStrike" cap="none">
         <a:solidFill>
           <a:srgbClr val="000000"/>
         </a:solidFill>
@@ -611,7 +635,7 @@
         <a:sym typeface="Arial"/>
       </a:defRPr>
     </a:lvl6pPr>
-    <a:lvl7pPr lvl="6" marR="0" rtl="0" algn="l">
+    <a:lvl7pPr marR="0" lvl="6" algn="l" rtl="0">
       <a:lnSpc>
         <a:spcPct val="100000"/>
       </a:lnSpc>
@@ -625,7 +649,7 @@
         <a:srgbClr val="000000"/>
       </a:buClr>
       <a:buFont typeface="Arial"/>
-      <a:defRPr b="0" i="0" sz="1400" u="none" cap="none" strike="noStrike">
+      <a:defRPr sz="1400" b="0" i="0" u="none" strike="noStrike" cap="none">
         <a:solidFill>
           <a:srgbClr val="000000"/>
         </a:solidFill>
@@ -635,7 +659,7 @@
         <a:sym typeface="Arial"/>
       </a:defRPr>
     </a:lvl7pPr>
-    <a:lvl8pPr lvl="7" marR="0" rtl="0" algn="l">
+    <a:lvl8pPr marR="0" lvl="7" algn="l" rtl="0">
       <a:lnSpc>
         <a:spcPct val="100000"/>
       </a:lnSpc>
@@ -649,7 +673,7 @@
         <a:srgbClr val="000000"/>
       </a:buClr>
       <a:buFont typeface="Arial"/>
-      <a:defRPr b="0" i="0" sz="1400" u="none" cap="none" strike="noStrike">
+      <a:defRPr sz="1400" b="0" i="0" u="none" strike="noStrike" cap="none">
         <a:solidFill>
           <a:srgbClr val="000000"/>
         </a:solidFill>
@@ -659,7 +683,7 @@
         <a:sym typeface="Arial"/>
       </a:defRPr>
     </a:lvl8pPr>
-    <a:lvl9pPr lvl="8" marR="0" rtl="0" algn="l">
+    <a:lvl9pPr marR="0" lvl="8" algn="l" rtl="0">
       <a:lnSpc>
         <a:spcPct val="100000"/>
       </a:lnSpc>
@@ -673,7 +697,7 @@
         <a:srgbClr val="000000"/>
       </a:buClr>
       <a:buFont typeface="Arial"/>
-      <a:defRPr b="0" i="0" sz="1400" u="none" cap="none" strike="noStrike">
+      <a:defRPr sz="1400" b="0" i="0" u="none" strike="noStrike" cap="none">
         <a:solidFill>
           <a:srgbClr val="000000"/>
         </a:solidFill>
@@ -688,11 +712,11 @@
 </file>
 
 <file path=ppt/notesSlides/notesSlide1.xml><?xml version="1.0" encoding="utf-8"?>
-<p:notes xmlns:a="http://schemas.openxmlformats.org/drawingml/2006/main" xmlns:r="http://schemas.openxmlformats.org/officeDocument/2006/relationships" xmlns:mc="http://schemas.openxmlformats.org/markup-compatibility/2006" xmlns:mv="urn:schemas-microsoft-com:mac:vml" xmlns:p="http://schemas.openxmlformats.org/presentationml/2006/main" xmlns:c="http://schemas.openxmlformats.org/drawingml/2006/chart" xmlns:dgm="http://schemas.openxmlformats.org/drawingml/2006/diagram" xmlns:o="urn:schemas-microsoft-com:office:office" xmlns:v="urn:schemas-microsoft-com:vml" xmlns:pvml="urn:schemas-microsoft-com:office:powerpoint" xmlns:com="http://schemas.openxmlformats.org/drawingml/2006/compatibility" xmlns:p14="http://schemas.microsoft.com/office/powerpoint/2010/main" xmlns:p15="http://schemas.microsoft.com/office/powerpoint/2012/main" xmlns:ahyp="http://schemas.microsoft.com/office/drawing/2018/hyperlinkcolor" showMasterPhAnim="0" showMasterSp="0">
+<p:notes xmlns:a="http://schemas.openxmlformats.org/drawingml/2006/main" xmlns:r="http://schemas.openxmlformats.org/officeDocument/2006/relationships" xmlns:p="http://schemas.openxmlformats.org/presentationml/2006/main" showMasterSp="0" showMasterPhAnim="0">
   <p:cSld>
     <p:spTree>
       <p:nvGrpSpPr>
-        <p:cNvPr id="85" name="Shape 85"/>
+        <p:cNvPr id="1" name="Shape 85"/>
         <p:cNvGrpSpPr/>
         <p:nvPr/>
       </p:nvGrpSpPr>
@@ -707,9 +731,11 @@
       <p:sp>
         <p:nvSpPr>
           <p:cNvPr id="86" name="Google Shape;86;p1:notes"/>
-          <p:cNvSpPr txBox="1"/>
+          <p:cNvSpPr txBox="1">
+            <a:spLocks noGrp="1"/>
+          </p:cNvSpPr>
           <p:nvPr>
-            <p:ph idx="1" type="body"/>
+            <p:ph type="body" idx="1"/>
           </p:nvPr>
         </p:nvSpPr>
         <p:spPr>
@@ -722,12 +748,12 @@
           </a:prstGeom>
         </p:spPr>
         <p:txBody>
-          <a:bodyPr anchorCtr="0" anchor="t" bIns="91425" lIns="91425" spcFirstLastPara="1" rIns="91425" wrap="square" tIns="91425">
+          <a:bodyPr spcFirstLastPara="1" wrap="square" lIns="91425" tIns="91425" rIns="91425" bIns="91425" anchor="t" anchorCtr="0">
             <a:noAutofit/>
           </a:bodyPr>
           <a:lstStyle/>
           <a:p>
-            <a:pPr indent="0" lvl="0" marL="0" rtl="0" algn="l">
+            <a:pPr marL="0" lvl="0" indent="0" algn="l" rtl="0">
               <a:spcBef>
                 <a:spcPts val="0"/>
               </a:spcBef>
@@ -736,9 +762,6 @@
               </a:spcAft>
               <a:buNone/>
             </a:pPr>
-            <a:r>
-              <a:t/>
-            </a:r>
             <a:endParaRPr/>
           </a:p>
         </p:txBody>
@@ -746,9 +769,11 @@
       <p:sp>
         <p:nvSpPr>
           <p:cNvPr id="87" name="Google Shape;87;p1:notes"/>
-          <p:cNvSpPr/>
+          <p:cNvSpPr>
+            <a:spLocks noGrp="1" noRot="1" noChangeAspect="1"/>
+          </p:cNvSpPr>
           <p:nvPr>
-            <p:ph idx="2" type="sldImg"/>
+            <p:ph type="sldImg" idx="2"/>
           </p:nvPr>
         </p:nvSpPr>
         <p:spPr>
@@ -757,9 +782,13 @@
             <a:ext cx="4572225" cy="3429000"/>
           </a:xfrm>
           <a:custGeom>
-            <a:rect b="b" l="l" r="r" t="t"/>
+            <a:avLst/>
+            <a:gdLst/>
+            <a:ahLst/>
+            <a:cxnLst/>
+            <a:rect l="l" t="t" r="r" b="b"/>
             <a:pathLst>
-              <a:path extrusionOk="0" h="120000" w="120000">
+              <a:path w="120000" h="120000" extrusionOk="0">
                 <a:moveTo>
                   <a:pt x="0" y="0"/>
                 </a:moveTo>
@@ -787,11 +816,11 @@
 </file>
 
 <file path=ppt/notesSlides/notesSlide10.xml><?xml version="1.0" encoding="utf-8"?>
-<p:notes xmlns:a="http://schemas.openxmlformats.org/drawingml/2006/main" xmlns:r="http://schemas.openxmlformats.org/officeDocument/2006/relationships" xmlns:mc="http://schemas.openxmlformats.org/markup-compatibility/2006" xmlns:mv="urn:schemas-microsoft-com:mac:vml" xmlns:p="http://schemas.openxmlformats.org/presentationml/2006/main" xmlns:c="http://schemas.openxmlformats.org/drawingml/2006/chart" xmlns:dgm="http://schemas.openxmlformats.org/drawingml/2006/diagram" xmlns:o="urn:schemas-microsoft-com:office:office" xmlns:v="urn:schemas-microsoft-com:vml" xmlns:pvml="urn:schemas-microsoft-com:office:powerpoint" xmlns:com="http://schemas.openxmlformats.org/drawingml/2006/compatibility" xmlns:p14="http://schemas.microsoft.com/office/powerpoint/2010/main" xmlns:p15="http://schemas.microsoft.com/office/powerpoint/2012/main" xmlns:ahyp="http://schemas.microsoft.com/office/drawing/2018/hyperlinkcolor" showMasterPhAnim="0" showMasterSp="0">
+<p:notes xmlns:a="http://schemas.openxmlformats.org/drawingml/2006/main" xmlns:r="http://schemas.openxmlformats.org/officeDocument/2006/relationships" xmlns:p="http://schemas.openxmlformats.org/presentationml/2006/main" showMasterSp="0" showMasterPhAnim="0">
   <p:cSld>
     <p:spTree>
       <p:nvGrpSpPr>
-        <p:cNvPr id="197" name="Shape 197"/>
+        <p:cNvPr id="1" name="Shape 197"/>
         <p:cNvGrpSpPr/>
         <p:nvPr/>
       </p:nvGrpSpPr>
@@ -806,20 +835,26 @@
       <p:sp>
         <p:nvSpPr>
           <p:cNvPr id="198" name="Google Shape;198;g255ba816bbb_0_76:notes"/>
-          <p:cNvSpPr/>
+          <p:cNvSpPr>
+            <a:spLocks noGrp="1" noRot="1" noChangeAspect="1"/>
+          </p:cNvSpPr>
           <p:nvPr>
-            <p:ph idx="2" type="sldImg"/>
+            <p:ph type="sldImg" idx="2"/>
           </p:nvPr>
         </p:nvSpPr>
         <p:spPr>
           <a:xfrm>
-            <a:off x="1143225" y="685800"/>
-            <a:ext cx="4572300" cy="3429000"/>
+            <a:off x="381000" y="685800"/>
+            <a:ext cx="6096000" cy="3429000"/>
           </a:xfrm>
           <a:custGeom>
-            <a:rect b="b" l="l" r="r" t="t"/>
+            <a:avLst/>
+            <a:gdLst/>
+            <a:ahLst/>
+            <a:cxnLst/>
+            <a:rect l="l" t="t" r="r" b="b"/>
             <a:pathLst>
-              <a:path extrusionOk="0" h="120000" w="120000">
+              <a:path w="120000" h="120000" extrusionOk="0">
                 <a:moveTo>
                   <a:pt x="0" y="0"/>
                 </a:moveTo>
@@ -841,9 +876,11 @@
       <p:sp>
         <p:nvSpPr>
           <p:cNvPr id="199" name="Google Shape;199;g255ba816bbb_0_76:notes"/>
-          <p:cNvSpPr txBox="1"/>
+          <p:cNvSpPr txBox="1">
+            <a:spLocks noGrp="1"/>
+          </p:cNvSpPr>
           <p:nvPr>
-            <p:ph idx="1" type="body"/>
+            <p:ph type="body" idx="1"/>
           </p:nvPr>
         </p:nvSpPr>
         <p:spPr>
@@ -856,12 +893,12 @@
           </a:prstGeom>
         </p:spPr>
         <p:txBody>
-          <a:bodyPr anchorCtr="0" anchor="t" bIns="91425" lIns="91425" spcFirstLastPara="1" rIns="91425" wrap="square" tIns="91425">
+          <a:bodyPr spcFirstLastPara="1" wrap="square" lIns="91425" tIns="91425" rIns="91425" bIns="91425" anchor="t" anchorCtr="0">
             <a:noAutofit/>
           </a:bodyPr>
           <a:lstStyle/>
           <a:p>
-            <a:pPr indent="0" lvl="0" marL="0" rtl="0" algn="l">
+            <a:pPr marL="0" lvl="0" indent="0" algn="l" rtl="0">
               <a:spcBef>
                 <a:spcPts val="0"/>
               </a:spcBef>
@@ -870,9 +907,6 @@
               </a:spcAft>
               <a:buNone/>
             </a:pPr>
-            <a:r>
-              <a:t/>
-            </a:r>
             <a:endParaRPr/>
           </a:p>
         </p:txBody>
@@ -886,11 +920,11 @@
 </file>
 
 <file path=ppt/notesSlides/notesSlide11.xml><?xml version="1.0" encoding="utf-8"?>
-<p:notes xmlns:a="http://schemas.openxmlformats.org/drawingml/2006/main" xmlns:r="http://schemas.openxmlformats.org/officeDocument/2006/relationships" xmlns:mc="http://schemas.openxmlformats.org/markup-compatibility/2006" xmlns:mv="urn:schemas-microsoft-com:mac:vml" xmlns:p="http://schemas.openxmlformats.org/presentationml/2006/main" xmlns:c="http://schemas.openxmlformats.org/drawingml/2006/chart" xmlns:dgm="http://schemas.openxmlformats.org/drawingml/2006/diagram" xmlns:o="urn:schemas-microsoft-com:office:office" xmlns:v="urn:schemas-microsoft-com:vml" xmlns:pvml="urn:schemas-microsoft-com:office:powerpoint" xmlns:com="http://schemas.openxmlformats.org/drawingml/2006/compatibility" xmlns:p14="http://schemas.microsoft.com/office/powerpoint/2010/main" xmlns:p15="http://schemas.microsoft.com/office/powerpoint/2012/main" xmlns:ahyp="http://schemas.microsoft.com/office/drawing/2018/hyperlinkcolor" showMasterPhAnim="0" showMasterSp="0">
+<p:notes xmlns:a="http://schemas.openxmlformats.org/drawingml/2006/main" xmlns:r="http://schemas.openxmlformats.org/officeDocument/2006/relationships" xmlns:p="http://schemas.openxmlformats.org/presentationml/2006/main" showMasterSp="0" showMasterPhAnim="0">
   <p:cSld>
     <p:spTree>
       <p:nvGrpSpPr>
-        <p:cNvPr id="213" name="Shape 213"/>
+        <p:cNvPr id="1" name="Shape 213"/>
         <p:cNvGrpSpPr/>
         <p:nvPr/>
       </p:nvGrpSpPr>
@@ -905,9 +939,11 @@
       <p:sp>
         <p:nvSpPr>
           <p:cNvPr id="214" name="Google Shape;214;g1e4508d7579_3_9:notes"/>
-          <p:cNvSpPr/>
+          <p:cNvSpPr>
+            <a:spLocks noGrp="1" noRot="1" noChangeAspect="1"/>
+          </p:cNvSpPr>
           <p:nvPr>
-            <p:ph idx="2" type="sldImg"/>
+            <p:ph type="sldImg" idx="2"/>
           </p:nvPr>
         </p:nvSpPr>
         <p:spPr>
@@ -916,9 +952,13 @@
             <a:ext cx="4572300" cy="3429000"/>
           </a:xfrm>
           <a:custGeom>
-            <a:rect b="b" l="l" r="r" t="t"/>
+            <a:avLst/>
+            <a:gdLst/>
+            <a:ahLst/>
+            <a:cxnLst/>
+            <a:rect l="l" t="t" r="r" b="b"/>
             <a:pathLst>
-              <a:path extrusionOk="0" h="120000" w="120000">
+              <a:path w="120000" h="120000" extrusionOk="0">
                 <a:moveTo>
                   <a:pt x="0" y="0"/>
                 </a:moveTo>
@@ -940,9 +980,11 @@
       <p:sp>
         <p:nvSpPr>
           <p:cNvPr id="215" name="Google Shape;215;g1e4508d7579_3_9:notes"/>
-          <p:cNvSpPr txBox="1"/>
+          <p:cNvSpPr txBox="1">
+            <a:spLocks noGrp="1"/>
+          </p:cNvSpPr>
           <p:nvPr>
-            <p:ph idx="1" type="body"/>
+            <p:ph type="body" idx="1"/>
           </p:nvPr>
         </p:nvSpPr>
         <p:spPr>
@@ -955,12 +997,12 @@
           </a:prstGeom>
         </p:spPr>
         <p:txBody>
-          <a:bodyPr anchorCtr="0" anchor="t" bIns="91425" lIns="91425" spcFirstLastPara="1" rIns="91425" wrap="square" tIns="91425">
+          <a:bodyPr spcFirstLastPara="1" wrap="square" lIns="91425" tIns="91425" rIns="91425" bIns="91425" anchor="t" anchorCtr="0">
             <a:noAutofit/>
           </a:bodyPr>
           <a:lstStyle/>
           <a:p>
-            <a:pPr indent="0" lvl="0" marL="0" rtl="0" algn="l">
+            <a:pPr marL="0" lvl="0" indent="0" algn="l" rtl="0">
               <a:spcBef>
                 <a:spcPts val="0"/>
               </a:spcBef>
@@ -969,9 +1011,6 @@
               </a:spcAft>
               <a:buNone/>
             </a:pPr>
-            <a:r>
-              <a:t/>
-            </a:r>
             <a:endParaRPr/>
           </a:p>
         </p:txBody>
@@ -985,11 +1024,11 @@
 </file>
 
 <file path=ppt/notesSlides/notesSlide2.xml><?xml version="1.0" encoding="utf-8"?>
-<p:notes xmlns:a="http://schemas.openxmlformats.org/drawingml/2006/main" xmlns:r="http://schemas.openxmlformats.org/officeDocument/2006/relationships" xmlns:mc="http://schemas.openxmlformats.org/markup-compatibility/2006" xmlns:mv="urn:schemas-microsoft-com:mac:vml" xmlns:p="http://schemas.openxmlformats.org/presentationml/2006/main" xmlns:c="http://schemas.openxmlformats.org/drawingml/2006/chart" xmlns:dgm="http://schemas.openxmlformats.org/drawingml/2006/diagram" xmlns:o="urn:schemas-microsoft-com:office:office" xmlns:v="urn:schemas-microsoft-com:vml" xmlns:pvml="urn:schemas-microsoft-com:office:powerpoint" xmlns:com="http://schemas.openxmlformats.org/drawingml/2006/compatibility" xmlns:p14="http://schemas.microsoft.com/office/powerpoint/2010/main" xmlns:p15="http://schemas.microsoft.com/office/powerpoint/2012/main" xmlns:ahyp="http://schemas.microsoft.com/office/drawing/2018/hyperlinkcolor" showMasterPhAnim="0" showMasterSp="0">
+<p:notes xmlns:a="http://schemas.openxmlformats.org/drawingml/2006/main" xmlns:r="http://schemas.openxmlformats.org/officeDocument/2006/relationships" xmlns:p="http://schemas.openxmlformats.org/presentationml/2006/main" showMasterSp="0" showMasterPhAnim="0">
   <p:cSld>
     <p:spTree>
       <p:nvGrpSpPr>
-        <p:cNvPr id="109" name="Shape 109"/>
+        <p:cNvPr id="1" name="Shape 109"/>
         <p:cNvGrpSpPr/>
         <p:nvPr/>
       </p:nvGrpSpPr>
@@ -1004,9 +1043,11 @@
       <p:sp>
         <p:nvSpPr>
           <p:cNvPr id="110" name="Google Shape;110;p2:notes"/>
-          <p:cNvSpPr txBox="1"/>
+          <p:cNvSpPr txBox="1">
+            <a:spLocks noGrp="1"/>
+          </p:cNvSpPr>
           <p:nvPr>
-            <p:ph idx="1" type="body"/>
+            <p:ph type="body" idx="1"/>
           </p:nvPr>
         </p:nvSpPr>
         <p:spPr>
@@ -1019,12 +1060,12 @@
           </a:prstGeom>
         </p:spPr>
         <p:txBody>
-          <a:bodyPr anchorCtr="0" anchor="t" bIns="91425" lIns="91425" spcFirstLastPara="1" rIns="91425" wrap="square" tIns="91425">
+          <a:bodyPr spcFirstLastPara="1" wrap="square" lIns="91425" tIns="91425" rIns="91425" bIns="91425" anchor="t" anchorCtr="0">
             <a:noAutofit/>
           </a:bodyPr>
           <a:lstStyle/>
           <a:p>
-            <a:pPr indent="0" lvl="0" marL="0" rtl="0" algn="l">
+            <a:pPr marL="0" lvl="0" indent="0" algn="l" rtl="0">
               <a:spcBef>
                 <a:spcPts val="0"/>
               </a:spcBef>
@@ -1033,9 +1074,6 @@
               </a:spcAft>
               <a:buNone/>
             </a:pPr>
-            <a:r>
-              <a:t/>
-            </a:r>
             <a:endParaRPr/>
           </a:p>
         </p:txBody>
@@ -1043,9 +1081,11 @@
       <p:sp>
         <p:nvSpPr>
           <p:cNvPr id="111" name="Google Shape;111;p2:notes"/>
-          <p:cNvSpPr/>
+          <p:cNvSpPr>
+            <a:spLocks noGrp="1" noRot="1" noChangeAspect="1"/>
+          </p:cNvSpPr>
           <p:nvPr>
-            <p:ph idx="2" type="sldImg"/>
+            <p:ph type="sldImg" idx="2"/>
           </p:nvPr>
         </p:nvSpPr>
         <p:spPr>
@@ -1054,9 +1094,13 @@
             <a:ext cx="4572225" cy="3429000"/>
           </a:xfrm>
           <a:custGeom>
-            <a:rect b="b" l="l" r="r" t="t"/>
+            <a:avLst/>
+            <a:gdLst/>
+            <a:ahLst/>
+            <a:cxnLst/>
+            <a:rect l="l" t="t" r="r" b="b"/>
             <a:pathLst>
-              <a:path extrusionOk="0" h="120000" w="120000">
+              <a:path w="120000" h="120000" extrusionOk="0">
                 <a:moveTo>
                   <a:pt x="0" y="0"/>
                 </a:moveTo>
@@ -1084,11 +1128,11 @@
 </file>
 
 <file path=ppt/notesSlides/notesSlide3.xml><?xml version="1.0" encoding="utf-8"?>
-<p:notes xmlns:a="http://schemas.openxmlformats.org/drawingml/2006/main" xmlns:r="http://schemas.openxmlformats.org/officeDocument/2006/relationships" xmlns:mc="http://schemas.openxmlformats.org/markup-compatibility/2006" xmlns:mv="urn:schemas-microsoft-com:mac:vml" xmlns:p="http://schemas.openxmlformats.org/presentationml/2006/main" xmlns:c="http://schemas.openxmlformats.org/drawingml/2006/chart" xmlns:dgm="http://schemas.openxmlformats.org/drawingml/2006/diagram" xmlns:o="urn:schemas-microsoft-com:office:office" xmlns:v="urn:schemas-microsoft-com:vml" xmlns:pvml="urn:schemas-microsoft-com:office:powerpoint" xmlns:com="http://schemas.openxmlformats.org/drawingml/2006/compatibility" xmlns:p14="http://schemas.microsoft.com/office/powerpoint/2010/main" xmlns:p15="http://schemas.microsoft.com/office/powerpoint/2012/main" xmlns:ahyp="http://schemas.microsoft.com/office/drawing/2018/hyperlinkcolor" showMasterPhAnim="0" showMasterSp="0">
+<p:notes xmlns:a="http://schemas.openxmlformats.org/drawingml/2006/main" xmlns:r="http://schemas.openxmlformats.org/officeDocument/2006/relationships" xmlns:p="http://schemas.openxmlformats.org/presentationml/2006/main" showMasterSp="0" showMasterPhAnim="0">
   <p:cSld>
     <p:spTree>
       <p:nvGrpSpPr>
-        <p:cNvPr id="120" name="Shape 120"/>
+        <p:cNvPr id="1" name="Shape 120"/>
         <p:cNvGrpSpPr/>
         <p:nvPr/>
       </p:nvGrpSpPr>
@@ -1103,9 +1147,11 @@
       <p:sp>
         <p:nvSpPr>
           <p:cNvPr id="121" name="Google Shape;121;p3:notes"/>
-          <p:cNvSpPr txBox="1"/>
+          <p:cNvSpPr txBox="1">
+            <a:spLocks noGrp="1"/>
+          </p:cNvSpPr>
           <p:nvPr>
-            <p:ph idx="1" type="body"/>
+            <p:ph type="body" idx="1"/>
           </p:nvPr>
         </p:nvSpPr>
         <p:spPr>
@@ -1118,12 +1164,12 @@
           </a:prstGeom>
         </p:spPr>
         <p:txBody>
-          <a:bodyPr anchorCtr="0" anchor="t" bIns="91425" lIns="91425" spcFirstLastPara="1" rIns="91425" wrap="square" tIns="91425">
+          <a:bodyPr spcFirstLastPara="1" wrap="square" lIns="91425" tIns="91425" rIns="91425" bIns="91425" anchor="t" anchorCtr="0">
             <a:noAutofit/>
           </a:bodyPr>
           <a:lstStyle/>
           <a:p>
-            <a:pPr indent="0" lvl="0" marL="0" rtl="0" algn="l">
+            <a:pPr marL="0" lvl="0" indent="0" algn="l" rtl="0">
               <a:spcBef>
                 <a:spcPts val="0"/>
               </a:spcBef>
@@ -1132,9 +1178,6 @@
               </a:spcAft>
               <a:buNone/>
             </a:pPr>
-            <a:r>
-              <a:t/>
-            </a:r>
             <a:endParaRPr/>
           </a:p>
         </p:txBody>
@@ -1142,9 +1185,11 @@
       <p:sp>
         <p:nvSpPr>
           <p:cNvPr id="122" name="Google Shape;122;p3:notes"/>
-          <p:cNvSpPr/>
+          <p:cNvSpPr>
+            <a:spLocks noGrp="1" noRot="1" noChangeAspect="1"/>
+          </p:cNvSpPr>
           <p:nvPr>
-            <p:ph idx="2" type="sldImg"/>
+            <p:ph type="sldImg" idx="2"/>
           </p:nvPr>
         </p:nvSpPr>
         <p:spPr>
@@ -1153,9 +1198,13 @@
             <a:ext cx="4572225" cy="3429000"/>
           </a:xfrm>
           <a:custGeom>
-            <a:rect b="b" l="l" r="r" t="t"/>
+            <a:avLst/>
+            <a:gdLst/>
+            <a:ahLst/>
+            <a:cxnLst/>
+            <a:rect l="l" t="t" r="r" b="b"/>
             <a:pathLst>
-              <a:path extrusionOk="0" h="120000" w="120000">
+              <a:path w="120000" h="120000" extrusionOk="0">
                 <a:moveTo>
                   <a:pt x="0" y="0"/>
                 </a:moveTo>
@@ -1183,11 +1232,11 @@
 </file>
 
 <file path=ppt/notesSlides/notesSlide4.xml><?xml version="1.0" encoding="utf-8"?>
-<p:notes xmlns:a="http://schemas.openxmlformats.org/drawingml/2006/main" xmlns:r="http://schemas.openxmlformats.org/officeDocument/2006/relationships" xmlns:mc="http://schemas.openxmlformats.org/markup-compatibility/2006" xmlns:mv="urn:schemas-microsoft-com:mac:vml" xmlns:p="http://schemas.openxmlformats.org/presentationml/2006/main" xmlns:c="http://schemas.openxmlformats.org/drawingml/2006/chart" xmlns:dgm="http://schemas.openxmlformats.org/drawingml/2006/diagram" xmlns:o="urn:schemas-microsoft-com:office:office" xmlns:v="urn:schemas-microsoft-com:vml" xmlns:pvml="urn:schemas-microsoft-com:office:powerpoint" xmlns:com="http://schemas.openxmlformats.org/drawingml/2006/compatibility" xmlns:p14="http://schemas.microsoft.com/office/powerpoint/2010/main" xmlns:p15="http://schemas.microsoft.com/office/powerpoint/2012/main" xmlns:ahyp="http://schemas.microsoft.com/office/drawing/2018/hyperlinkcolor" showMasterPhAnim="0" showMasterSp="0">
+<p:notes xmlns:a="http://schemas.openxmlformats.org/drawingml/2006/main" xmlns:r="http://schemas.openxmlformats.org/officeDocument/2006/relationships" xmlns:p="http://schemas.openxmlformats.org/presentationml/2006/main" showMasterSp="0" showMasterPhAnim="0">
   <p:cSld>
     <p:spTree>
       <p:nvGrpSpPr>
-        <p:cNvPr id="130" name="Shape 130"/>
+        <p:cNvPr id="1" name="Shape 130"/>
         <p:cNvGrpSpPr/>
         <p:nvPr/>
       </p:nvGrpSpPr>
@@ -1202,20 +1251,26 @@
       <p:sp>
         <p:nvSpPr>
           <p:cNvPr id="131" name="Google Shape;131;g255ba816bbb_0_24:notes"/>
-          <p:cNvSpPr/>
+          <p:cNvSpPr>
+            <a:spLocks noGrp="1" noRot="1" noChangeAspect="1"/>
+          </p:cNvSpPr>
           <p:nvPr>
-            <p:ph idx="2" type="sldImg"/>
+            <p:ph type="sldImg" idx="2"/>
           </p:nvPr>
         </p:nvSpPr>
         <p:spPr>
           <a:xfrm>
-            <a:off x="1143225" y="685800"/>
-            <a:ext cx="4572300" cy="3429000"/>
+            <a:off x="381000" y="685800"/>
+            <a:ext cx="6096000" cy="3429000"/>
           </a:xfrm>
           <a:custGeom>
-            <a:rect b="b" l="l" r="r" t="t"/>
+            <a:avLst/>
+            <a:gdLst/>
+            <a:ahLst/>
+            <a:cxnLst/>
+            <a:rect l="l" t="t" r="r" b="b"/>
             <a:pathLst>
-              <a:path extrusionOk="0" h="120000" w="120000">
+              <a:path w="120000" h="120000" extrusionOk="0">
                 <a:moveTo>
                   <a:pt x="0" y="0"/>
                 </a:moveTo>
@@ -1237,9 +1292,11 @@
       <p:sp>
         <p:nvSpPr>
           <p:cNvPr id="132" name="Google Shape;132;g255ba816bbb_0_24:notes"/>
-          <p:cNvSpPr txBox="1"/>
+          <p:cNvSpPr txBox="1">
+            <a:spLocks noGrp="1"/>
+          </p:cNvSpPr>
           <p:nvPr>
-            <p:ph idx="1" type="body"/>
+            <p:ph type="body" idx="1"/>
           </p:nvPr>
         </p:nvSpPr>
         <p:spPr>
@@ -1252,12 +1309,12 @@
           </a:prstGeom>
         </p:spPr>
         <p:txBody>
-          <a:bodyPr anchorCtr="0" anchor="t" bIns="91425" lIns="91425" spcFirstLastPara="1" rIns="91425" wrap="square" tIns="91425">
+          <a:bodyPr spcFirstLastPara="1" wrap="square" lIns="91425" tIns="91425" rIns="91425" bIns="91425" anchor="t" anchorCtr="0">
             <a:noAutofit/>
           </a:bodyPr>
           <a:lstStyle/>
           <a:p>
-            <a:pPr indent="0" lvl="0" marL="0" rtl="0" algn="l">
+            <a:pPr marL="0" lvl="0" indent="0" algn="l" rtl="0">
               <a:spcBef>
                 <a:spcPts val="0"/>
               </a:spcBef>
@@ -1266,9 +1323,6 @@
               </a:spcAft>
               <a:buNone/>
             </a:pPr>
-            <a:r>
-              <a:t/>
-            </a:r>
             <a:endParaRPr/>
           </a:p>
         </p:txBody>
@@ -1282,11 +1336,11 @@
 </file>
 
 <file path=ppt/notesSlides/notesSlide5.xml><?xml version="1.0" encoding="utf-8"?>
-<p:notes xmlns:a="http://schemas.openxmlformats.org/drawingml/2006/main" xmlns:r="http://schemas.openxmlformats.org/officeDocument/2006/relationships" xmlns:mc="http://schemas.openxmlformats.org/markup-compatibility/2006" xmlns:mv="urn:schemas-microsoft-com:mac:vml" xmlns:p="http://schemas.openxmlformats.org/presentationml/2006/main" xmlns:c="http://schemas.openxmlformats.org/drawingml/2006/chart" xmlns:dgm="http://schemas.openxmlformats.org/drawingml/2006/diagram" xmlns:o="urn:schemas-microsoft-com:office:office" xmlns:v="urn:schemas-microsoft-com:vml" xmlns:pvml="urn:schemas-microsoft-com:office:powerpoint" xmlns:com="http://schemas.openxmlformats.org/drawingml/2006/compatibility" xmlns:p14="http://schemas.microsoft.com/office/powerpoint/2010/main" xmlns:p15="http://schemas.microsoft.com/office/powerpoint/2012/main" xmlns:ahyp="http://schemas.microsoft.com/office/drawing/2018/hyperlinkcolor" showMasterPhAnim="0" showMasterSp="0">
+<p:notes xmlns:a="http://schemas.openxmlformats.org/drawingml/2006/main" xmlns:r="http://schemas.openxmlformats.org/officeDocument/2006/relationships" xmlns:p="http://schemas.openxmlformats.org/presentationml/2006/main" showMasterSp="0" showMasterPhAnim="0">
   <p:cSld>
     <p:spTree>
       <p:nvGrpSpPr>
-        <p:cNvPr id="140" name="Shape 140"/>
+        <p:cNvPr id="1" name="Shape 140"/>
         <p:cNvGrpSpPr/>
         <p:nvPr/>
       </p:nvGrpSpPr>
@@ -1301,9 +1355,11 @@
       <p:sp>
         <p:nvSpPr>
           <p:cNvPr id="141" name="Google Shape;141;g255ba816bbb_0_61:notes"/>
-          <p:cNvSpPr/>
+          <p:cNvSpPr>
+            <a:spLocks noGrp="1" noRot="1" noChangeAspect="1"/>
+          </p:cNvSpPr>
           <p:nvPr>
-            <p:ph idx="2" type="sldImg"/>
+            <p:ph type="sldImg" idx="2"/>
           </p:nvPr>
         </p:nvSpPr>
         <p:spPr>
@@ -1312,9 +1368,13 @@
             <a:ext cx="4572300" cy="3429000"/>
           </a:xfrm>
           <a:custGeom>
-            <a:rect b="b" l="l" r="r" t="t"/>
+            <a:avLst/>
+            <a:gdLst/>
+            <a:ahLst/>
+            <a:cxnLst/>
+            <a:rect l="l" t="t" r="r" b="b"/>
             <a:pathLst>
-              <a:path extrusionOk="0" h="120000" w="120000">
+              <a:path w="120000" h="120000" extrusionOk="0">
                 <a:moveTo>
                   <a:pt x="0" y="0"/>
                 </a:moveTo>
@@ -1336,9 +1396,11 @@
       <p:sp>
         <p:nvSpPr>
           <p:cNvPr id="142" name="Google Shape;142;g255ba816bbb_0_61:notes"/>
-          <p:cNvSpPr txBox="1"/>
+          <p:cNvSpPr txBox="1">
+            <a:spLocks noGrp="1"/>
+          </p:cNvSpPr>
           <p:nvPr>
-            <p:ph idx="1" type="body"/>
+            <p:ph type="body" idx="1"/>
           </p:nvPr>
         </p:nvSpPr>
         <p:spPr>
@@ -1351,12 +1413,12 @@
           </a:prstGeom>
         </p:spPr>
         <p:txBody>
-          <a:bodyPr anchorCtr="0" anchor="t" bIns="91425" lIns="91425" spcFirstLastPara="1" rIns="91425" wrap="square" tIns="91425">
+          <a:bodyPr spcFirstLastPara="1" wrap="square" lIns="91425" tIns="91425" rIns="91425" bIns="91425" anchor="t" anchorCtr="0">
             <a:noAutofit/>
           </a:bodyPr>
           <a:lstStyle/>
           <a:p>
-            <a:pPr indent="0" lvl="0" marL="0" rtl="0" algn="l">
+            <a:pPr marL="0" lvl="0" indent="0" algn="l" rtl="0">
               <a:spcBef>
                 <a:spcPts val="0"/>
               </a:spcBef>
@@ -1365,9 +1427,6 @@
               </a:spcAft>
               <a:buNone/>
             </a:pPr>
-            <a:r>
-              <a:t/>
-            </a:r>
             <a:endParaRPr/>
           </a:p>
         </p:txBody>
@@ -1381,11 +1440,11 @@
 </file>
 
 <file path=ppt/notesSlides/notesSlide6.xml><?xml version="1.0" encoding="utf-8"?>
-<p:notes xmlns:a="http://schemas.openxmlformats.org/drawingml/2006/main" xmlns:r="http://schemas.openxmlformats.org/officeDocument/2006/relationships" xmlns:mc="http://schemas.openxmlformats.org/markup-compatibility/2006" xmlns:mv="urn:schemas-microsoft-com:mac:vml" xmlns:p="http://schemas.openxmlformats.org/presentationml/2006/main" xmlns:c="http://schemas.openxmlformats.org/drawingml/2006/chart" xmlns:dgm="http://schemas.openxmlformats.org/drawingml/2006/diagram" xmlns:o="urn:schemas-microsoft-com:office:office" xmlns:v="urn:schemas-microsoft-com:vml" xmlns:pvml="urn:schemas-microsoft-com:office:powerpoint" xmlns:com="http://schemas.openxmlformats.org/drawingml/2006/compatibility" xmlns:p14="http://schemas.microsoft.com/office/powerpoint/2010/main" xmlns:p15="http://schemas.microsoft.com/office/powerpoint/2012/main" xmlns:ahyp="http://schemas.microsoft.com/office/drawing/2018/hyperlinkcolor" showMasterPhAnim="0" showMasterSp="0">
+<p:notes xmlns:a="http://schemas.openxmlformats.org/drawingml/2006/main" xmlns:r="http://schemas.openxmlformats.org/officeDocument/2006/relationships" xmlns:p="http://schemas.openxmlformats.org/presentationml/2006/main" showMasterSp="0" showMasterPhAnim="0">
   <p:cSld>
     <p:spTree>
       <p:nvGrpSpPr>
-        <p:cNvPr id="150" name="Shape 150"/>
+        <p:cNvPr id="1" name="Shape 150"/>
         <p:cNvGrpSpPr/>
         <p:nvPr/>
       </p:nvGrpSpPr>
@@ -1400,9 +1459,11 @@
       <p:sp>
         <p:nvSpPr>
           <p:cNvPr id="151" name="Google Shape;151;g255ba816bbb_0_67:notes"/>
-          <p:cNvSpPr/>
+          <p:cNvSpPr>
+            <a:spLocks noGrp="1" noRot="1" noChangeAspect="1"/>
+          </p:cNvSpPr>
           <p:nvPr>
-            <p:ph idx="2" type="sldImg"/>
+            <p:ph type="sldImg" idx="2"/>
           </p:nvPr>
         </p:nvSpPr>
         <p:spPr>
@@ -1411,9 +1472,13 @@
             <a:ext cx="4572300" cy="3429000"/>
           </a:xfrm>
           <a:custGeom>
-            <a:rect b="b" l="l" r="r" t="t"/>
+            <a:avLst/>
+            <a:gdLst/>
+            <a:ahLst/>
+            <a:cxnLst/>
+            <a:rect l="l" t="t" r="r" b="b"/>
             <a:pathLst>
-              <a:path extrusionOk="0" h="120000" w="120000">
+              <a:path w="120000" h="120000" extrusionOk="0">
                 <a:moveTo>
                   <a:pt x="0" y="0"/>
                 </a:moveTo>
@@ -1435,9 +1500,11 @@
       <p:sp>
         <p:nvSpPr>
           <p:cNvPr id="152" name="Google Shape;152;g255ba816bbb_0_67:notes"/>
-          <p:cNvSpPr txBox="1"/>
+          <p:cNvSpPr txBox="1">
+            <a:spLocks noGrp="1"/>
+          </p:cNvSpPr>
           <p:nvPr>
-            <p:ph idx="1" type="body"/>
+            <p:ph type="body" idx="1"/>
           </p:nvPr>
         </p:nvSpPr>
         <p:spPr>
@@ -1450,12 +1517,12 @@
           </a:prstGeom>
         </p:spPr>
         <p:txBody>
-          <a:bodyPr anchorCtr="0" anchor="t" bIns="91425" lIns="91425" spcFirstLastPara="1" rIns="91425" wrap="square" tIns="91425">
+          <a:bodyPr spcFirstLastPara="1" wrap="square" lIns="91425" tIns="91425" rIns="91425" bIns="91425" anchor="t" anchorCtr="0">
             <a:noAutofit/>
           </a:bodyPr>
           <a:lstStyle/>
           <a:p>
-            <a:pPr indent="0" lvl="0" marL="0" rtl="0" algn="l">
+            <a:pPr marL="0" lvl="0" indent="0" algn="l" rtl="0">
               <a:spcBef>
                 <a:spcPts val="0"/>
               </a:spcBef>
@@ -1464,9 +1531,6 @@
               </a:spcAft>
               <a:buNone/>
             </a:pPr>
-            <a:r>
-              <a:t/>
-            </a:r>
             <a:endParaRPr/>
           </a:p>
         </p:txBody>
@@ -1480,11 +1544,11 @@
 </file>
 
 <file path=ppt/notesSlides/notesSlide7.xml><?xml version="1.0" encoding="utf-8"?>
-<p:notes xmlns:a="http://schemas.openxmlformats.org/drawingml/2006/main" xmlns:r="http://schemas.openxmlformats.org/officeDocument/2006/relationships" xmlns:mc="http://schemas.openxmlformats.org/markup-compatibility/2006" xmlns:mv="urn:schemas-microsoft-com:mac:vml" xmlns:p="http://schemas.openxmlformats.org/presentationml/2006/main" xmlns:c="http://schemas.openxmlformats.org/drawingml/2006/chart" xmlns:dgm="http://schemas.openxmlformats.org/drawingml/2006/diagram" xmlns:o="urn:schemas-microsoft-com:office:office" xmlns:v="urn:schemas-microsoft-com:vml" xmlns:pvml="urn:schemas-microsoft-com:office:powerpoint" xmlns:com="http://schemas.openxmlformats.org/drawingml/2006/compatibility" xmlns:p14="http://schemas.microsoft.com/office/powerpoint/2010/main" xmlns:p15="http://schemas.microsoft.com/office/powerpoint/2012/main" xmlns:ahyp="http://schemas.microsoft.com/office/drawing/2018/hyperlinkcolor" showMasterPhAnim="0" showMasterSp="0">
+<p:notes xmlns:a="http://schemas.openxmlformats.org/drawingml/2006/main" xmlns:r="http://schemas.openxmlformats.org/officeDocument/2006/relationships" xmlns:p="http://schemas.openxmlformats.org/presentationml/2006/main" showMasterSp="0" showMasterPhAnim="0">
   <p:cSld>
     <p:spTree>
       <p:nvGrpSpPr>
-        <p:cNvPr id="160" name="Shape 160"/>
+        <p:cNvPr id="1" name="Shape 160"/>
         <p:cNvGrpSpPr/>
         <p:nvPr/>
       </p:nvGrpSpPr>
@@ -1499,20 +1563,26 @@
       <p:sp>
         <p:nvSpPr>
           <p:cNvPr id="161" name="Google Shape;161;g255ba816bbb_0_40:notes"/>
-          <p:cNvSpPr/>
+          <p:cNvSpPr>
+            <a:spLocks noGrp="1" noRot="1" noChangeAspect="1"/>
+          </p:cNvSpPr>
           <p:nvPr>
-            <p:ph idx="2" type="sldImg"/>
+            <p:ph type="sldImg" idx="2"/>
           </p:nvPr>
         </p:nvSpPr>
         <p:spPr>
           <a:xfrm>
-            <a:off x="1143225" y="685800"/>
-            <a:ext cx="4572300" cy="3429000"/>
+            <a:off x="381000" y="685800"/>
+            <a:ext cx="6096000" cy="3429000"/>
           </a:xfrm>
           <a:custGeom>
-            <a:rect b="b" l="l" r="r" t="t"/>
+            <a:avLst/>
+            <a:gdLst/>
+            <a:ahLst/>
+            <a:cxnLst/>
+            <a:rect l="l" t="t" r="r" b="b"/>
             <a:pathLst>
-              <a:path extrusionOk="0" h="120000" w="120000">
+              <a:path w="120000" h="120000" extrusionOk="0">
                 <a:moveTo>
                   <a:pt x="0" y="0"/>
                 </a:moveTo>
@@ -1534,9 +1604,11 @@
       <p:sp>
         <p:nvSpPr>
           <p:cNvPr id="162" name="Google Shape;162;g255ba816bbb_0_40:notes"/>
-          <p:cNvSpPr txBox="1"/>
+          <p:cNvSpPr txBox="1">
+            <a:spLocks noGrp="1"/>
+          </p:cNvSpPr>
           <p:nvPr>
-            <p:ph idx="1" type="body"/>
+            <p:ph type="body" idx="1"/>
           </p:nvPr>
         </p:nvSpPr>
         <p:spPr>
@@ -1549,12 +1621,12 @@
           </a:prstGeom>
         </p:spPr>
         <p:txBody>
-          <a:bodyPr anchorCtr="0" anchor="t" bIns="91425" lIns="91425" spcFirstLastPara="1" rIns="91425" wrap="square" tIns="91425">
+          <a:bodyPr spcFirstLastPara="1" wrap="square" lIns="91425" tIns="91425" rIns="91425" bIns="91425" anchor="t" anchorCtr="0">
             <a:noAutofit/>
           </a:bodyPr>
           <a:lstStyle/>
           <a:p>
-            <a:pPr indent="0" lvl="0" marL="0" rtl="0" algn="l">
+            <a:pPr marL="0" lvl="0" indent="0" algn="l" rtl="0">
               <a:spcBef>
                 <a:spcPts val="0"/>
               </a:spcBef>
@@ -1563,9 +1635,6 @@
               </a:spcAft>
               <a:buNone/>
             </a:pPr>
-            <a:r>
-              <a:t/>
-            </a:r>
             <a:endParaRPr/>
           </a:p>
         </p:txBody>
@@ -1579,11 +1648,11 @@
 </file>
 
 <file path=ppt/notesSlides/notesSlide8.xml><?xml version="1.0" encoding="utf-8"?>
-<p:notes xmlns:a="http://schemas.openxmlformats.org/drawingml/2006/main" xmlns:r="http://schemas.openxmlformats.org/officeDocument/2006/relationships" xmlns:mc="http://schemas.openxmlformats.org/markup-compatibility/2006" xmlns:mv="urn:schemas-microsoft-com:mac:vml" xmlns:p="http://schemas.openxmlformats.org/presentationml/2006/main" xmlns:c="http://schemas.openxmlformats.org/drawingml/2006/chart" xmlns:dgm="http://schemas.openxmlformats.org/drawingml/2006/diagram" xmlns:o="urn:schemas-microsoft-com:office:office" xmlns:v="urn:schemas-microsoft-com:vml" xmlns:pvml="urn:schemas-microsoft-com:office:powerpoint" xmlns:com="http://schemas.openxmlformats.org/drawingml/2006/compatibility" xmlns:p14="http://schemas.microsoft.com/office/powerpoint/2010/main" xmlns:p15="http://schemas.microsoft.com/office/powerpoint/2012/main" xmlns:ahyp="http://schemas.microsoft.com/office/drawing/2018/hyperlinkcolor" showMasterPhAnim="0" showMasterSp="0">
+<p:notes xmlns:a="http://schemas.openxmlformats.org/drawingml/2006/main" xmlns:r="http://schemas.openxmlformats.org/officeDocument/2006/relationships" xmlns:p="http://schemas.openxmlformats.org/presentationml/2006/main" showMasterSp="0" showMasterPhAnim="0">
   <p:cSld>
     <p:spTree>
       <p:nvGrpSpPr>
-        <p:cNvPr id="171" name="Shape 171"/>
+        <p:cNvPr id="1" name="Shape 171"/>
         <p:cNvGrpSpPr/>
         <p:nvPr/>
       </p:nvGrpSpPr>
@@ -1598,9 +1667,11 @@
       <p:sp>
         <p:nvSpPr>
           <p:cNvPr id="172" name="Google Shape;172;g255ba816bbb_0_49:notes"/>
-          <p:cNvSpPr/>
+          <p:cNvSpPr>
+            <a:spLocks noGrp="1" noRot="1" noChangeAspect="1"/>
+          </p:cNvSpPr>
           <p:nvPr>
-            <p:ph idx="2" type="sldImg"/>
+            <p:ph type="sldImg" idx="2"/>
           </p:nvPr>
         </p:nvSpPr>
         <p:spPr>
@@ -1609,9 +1680,13 @@
             <a:ext cx="4572300" cy="3429000"/>
           </a:xfrm>
           <a:custGeom>
-            <a:rect b="b" l="l" r="r" t="t"/>
+            <a:avLst/>
+            <a:gdLst/>
+            <a:ahLst/>
+            <a:cxnLst/>
+            <a:rect l="l" t="t" r="r" b="b"/>
             <a:pathLst>
-              <a:path extrusionOk="0" h="120000" w="120000">
+              <a:path w="120000" h="120000" extrusionOk="0">
                 <a:moveTo>
                   <a:pt x="0" y="0"/>
                 </a:moveTo>
@@ -1633,9 +1708,11 @@
       <p:sp>
         <p:nvSpPr>
           <p:cNvPr id="173" name="Google Shape;173;g255ba816bbb_0_49:notes"/>
-          <p:cNvSpPr txBox="1"/>
+          <p:cNvSpPr txBox="1">
+            <a:spLocks noGrp="1"/>
+          </p:cNvSpPr>
           <p:nvPr>
-            <p:ph idx="1" type="body"/>
+            <p:ph type="body" idx="1"/>
           </p:nvPr>
         </p:nvSpPr>
         <p:spPr>
@@ -1648,12 +1725,12 @@
           </a:prstGeom>
         </p:spPr>
         <p:txBody>
-          <a:bodyPr anchorCtr="0" anchor="t" bIns="91425" lIns="91425" spcFirstLastPara="1" rIns="91425" wrap="square" tIns="91425">
+          <a:bodyPr spcFirstLastPara="1" wrap="square" lIns="91425" tIns="91425" rIns="91425" bIns="91425" anchor="t" anchorCtr="0">
             <a:noAutofit/>
           </a:bodyPr>
           <a:lstStyle/>
           <a:p>
-            <a:pPr indent="0" lvl="0" marL="0" rtl="0" algn="l">
+            <a:pPr marL="0" lvl="0" indent="0" algn="l" rtl="0">
               <a:spcBef>
                 <a:spcPts val="0"/>
               </a:spcBef>
@@ -1662,9 +1739,6 @@
               </a:spcAft>
               <a:buNone/>
             </a:pPr>
-            <a:r>
-              <a:t/>
-            </a:r>
             <a:endParaRPr/>
           </a:p>
         </p:txBody>
@@ -1678,11 +1752,11 @@
 </file>
 
 <file path=ppt/notesSlides/notesSlide9.xml><?xml version="1.0" encoding="utf-8"?>
-<p:notes xmlns:a="http://schemas.openxmlformats.org/drawingml/2006/main" xmlns:r="http://schemas.openxmlformats.org/officeDocument/2006/relationships" xmlns:mc="http://schemas.openxmlformats.org/markup-compatibility/2006" xmlns:mv="urn:schemas-microsoft-com:mac:vml" xmlns:p="http://schemas.openxmlformats.org/presentationml/2006/main" xmlns:c="http://schemas.openxmlformats.org/drawingml/2006/chart" xmlns:dgm="http://schemas.openxmlformats.org/drawingml/2006/diagram" xmlns:o="urn:schemas-microsoft-com:office:office" xmlns:v="urn:schemas-microsoft-com:vml" xmlns:pvml="urn:schemas-microsoft-com:office:powerpoint" xmlns:com="http://schemas.openxmlformats.org/drawingml/2006/compatibility" xmlns:p14="http://schemas.microsoft.com/office/powerpoint/2010/main" xmlns:p15="http://schemas.microsoft.com/office/powerpoint/2012/main" xmlns:ahyp="http://schemas.microsoft.com/office/drawing/2018/hyperlinkcolor" showMasterPhAnim="0" showMasterSp="0">
+<p:notes xmlns:a="http://schemas.openxmlformats.org/drawingml/2006/main" xmlns:r="http://schemas.openxmlformats.org/officeDocument/2006/relationships" xmlns:p="http://schemas.openxmlformats.org/presentationml/2006/main" showMasterSp="0" showMasterPhAnim="0">
   <p:cSld>
     <p:spTree>
       <p:nvGrpSpPr>
-        <p:cNvPr id="182" name="Shape 182"/>
+        <p:cNvPr id="1" name="Shape 182"/>
         <p:cNvGrpSpPr/>
         <p:nvPr/>
       </p:nvGrpSpPr>
@@ -1697,9 +1771,11 @@
       <p:sp>
         <p:nvSpPr>
           <p:cNvPr id="183" name="Google Shape;183;g255ba816bbb_0_56:notes"/>
-          <p:cNvSpPr/>
+          <p:cNvSpPr>
+            <a:spLocks noGrp="1" noRot="1" noChangeAspect="1"/>
+          </p:cNvSpPr>
           <p:nvPr>
-            <p:ph idx="2" type="sldImg"/>
+            <p:ph type="sldImg" idx="2"/>
           </p:nvPr>
         </p:nvSpPr>
         <p:spPr>
@@ -1708,9 +1784,13 @@
             <a:ext cx="4572300" cy="3429000"/>
           </a:xfrm>
           <a:custGeom>
-            <a:rect b="b" l="l" r="r" t="t"/>
+            <a:avLst/>
+            <a:gdLst/>
+            <a:ahLst/>
+            <a:cxnLst/>
+            <a:rect l="l" t="t" r="r" b="b"/>
             <a:pathLst>
-              <a:path extrusionOk="0" h="120000" w="120000">
+              <a:path w="120000" h="120000" extrusionOk="0">
                 <a:moveTo>
                   <a:pt x="0" y="0"/>
                 </a:moveTo>
@@ -1732,9 +1812,11 @@
       <p:sp>
         <p:nvSpPr>
           <p:cNvPr id="184" name="Google Shape;184;g255ba816bbb_0_56:notes"/>
-          <p:cNvSpPr txBox="1"/>
+          <p:cNvSpPr txBox="1">
+            <a:spLocks noGrp="1"/>
+          </p:cNvSpPr>
           <p:nvPr>
-            <p:ph idx="1" type="body"/>
+            <p:ph type="body" idx="1"/>
           </p:nvPr>
         </p:nvSpPr>
         <p:spPr>
@@ -1747,12 +1829,12 @@
           </a:prstGeom>
         </p:spPr>
         <p:txBody>
-          <a:bodyPr anchorCtr="0" anchor="t" bIns="91425" lIns="91425" spcFirstLastPara="1" rIns="91425" wrap="square" tIns="91425">
+          <a:bodyPr spcFirstLastPara="1" wrap="square" lIns="91425" tIns="91425" rIns="91425" bIns="91425" anchor="t" anchorCtr="0">
             <a:noAutofit/>
           </a:bodyPr>
           <a:lstStyle/>
           <a:p>
-            <a:pPr indent="0" lvl="0" marL="0" rtl="0" algn="l">
+            <a:pPr marL="0" lvl="0" indent="0" algn="l" rtl="0">
               <a:spcBef>
                 <a:spcPts val="0"/>
               </a:spcBef>
@@ -1761,9 +1843,6 @@
               </a:spcAft>
               <a:buNone/>
             </a:pPr>
-            <a:r>
-              <a:t/>
-            </a:r>
             <a:endParaRPr/>
           </a:p>
         </p:txBody>
@@ -1777,11 +1856,11 @@
 </file>
 
 <file path=ppt/slideLayouts/slideLayout1.xml><?xml version="1.0" encoding="utf-8"?>
-<p:sldLayout xmlns:a="http://schemas.openxmlformats.org/drawingml/2006/main" xmlns:r="http://schemas.openxmlformats.org/officeDocument/2006/relationships" xmlns:mc="http://schemas.openxmlformats.org/markup-compatibility/2006" xmlns:mv="urn:schemas-microsoft-com:mac:vml" xmlns:p="http://schemas.openxmlformats.org/presentationml/2006/main" xmlns:c="http://schemas.openxmlformats.org/drawingml/2006/chart" xmlns:dgm="http://schemas.openxmlformats.org/drawingml/2006/diagram" xmlns:o="urn:schemas-microsoft-com:office:office" xmlns:v="urn:schemas-microsoft-com:vml" xmlns:pvml="urn:schemas-microsoft-com:office:powerpoint" xmlns:com="http://schemas.openxmlformats.org/drawingml/2006/compatibility" xmlns:p14="http://schemas.microsoft.com/office/powerpoint/2010/main" xmlns:p15="http://schemas.microsoft.com/office/powerpoint/2012/main" xmlns:ahyp="http://schemas.microsoft.com/office/drawing/2018/hyperlinkcolor" matchingName="Title Slide" type="title">
+<p:sldLayout xmlns:a="http://schemas.openxmlformats.org/drawingml/2006/main" xmlns:r="http://schemas.openxmlformats.org/officeDocument/2006/relationships" xmlns:p="http://schemas.openxmlformats.org/presentationml/2006/main" matchingName="Title Slide" type="title">
   <p:cSld name="TITLE">
     <p:spTree>
       <p:nvGrpSpPr>
-        <p:cNvPr id="16" name="Shape 16"/>
+        <p:cNvPr id="1" name="Shape 16"/>
         <p:cNvGrpSpPr/>
         <p:nvPr/>
       </p:nvGrpSpPr>
@@ -1796,7 +1875,9 @@
       <p:sp>
         <p:nvSpPr>
           <p:cNvPr id="17" name="Google Shape;17;p2"/>
-          <p:cNvSpPr txBox="1"/>
+          <p:cNvSpPr txBox="1">
+            <a:spLocks noGrp="1"/>
+          </p:cNvSpPr>
           <p:nvPr>
             <p:ph type="ctrTitle"/>
           </p:nvPr>
@@ -1815,7 +1896,7 @@
           </a:ln>
         </p:spPr>
         <p:txBody>
-          <a:bodyPr anchorCtr="0" anchor="b" bIns="45700" lIns="91425" spcFirstLastPara="1" rIns="91425" wrap="square" tIns="45700">
+          <a:bodyPr spcFirstLastPara="1" wrap="square" lIns="91425" tIns="45700" rIns="91425" bIns="45700" anchor="b" anchorCtr="0">
             <a:normAutofit/>
           </a:bodyPr>
           <a:lstStyle>
@@ -1926,15 +2007,19 @@
               <a:defRPr/>
             </a:lvl9pPr>
           </a:lstStyle>
-          <a:p/>
+          <a:p>
+            <a:endParaRPr/>
+          </a:p>
         </p:txBody>
       </p:sp>
       <p:sp>
         <p:nvSpPr>
           <p:cNvPr id="18" name="Google Shape;18;p2"/>
-          <p:cNvSpPr txBox="1"/>
+          <p:cNvSpPr txBox="1">
+            <a:spLocks noGrp="1"/>
+          </p:cNvSpPr>
           <p:nvPr>
-            <p:ph idx="1" type="subTitle"/>
+            <p:ph type="subTitle" idx="1"/>
           </p:nvPr>
         </p:nvSpPr>
         <p:spPr>
@@ -1951,7 +2036,7 @@
           </a:ln>
         </p:spPr>
         <p:txBody>
-          <a:bodyPr anchorCtr="0" anchor="t" bIns="45700" lIns="91425" spcFirstLastPara="1" rIns="91425" wrap="square" tIns="45700">
+          <a:bodyPr spcFirstLastPara="1" wrap="square" lIns="91425" tIns="45700" rIns="91425" bIns="45700" anchor="t" anchorCtr="0">
             <a:normAutofit/>
           </a:bodyPr>
           <a:lstStyle>
@@ -2109,15 +2194,19 @@
               <a:defRPr sz="1600"/>
             </a:lvl9pPr>
           </a:lstStyle>
-          <a:p/>
+          <a:p>
+            <a:endParaRPr/>
+          </a:p>
         </p:txBody>
       </p:sp>
       <p:sp>
         <p:nvSpPr>
           <p:cNvPr id="19" name="Google Shape;19;p2"/>
-          <p:cNvSpPr txBox="1"/>
+          <p:cNvSpPr txBox="1">
+            <a:spLocks noGrp="1"/>
+          </p:cNvSpPr>
           <p:nvPr>
-            <p:ph idx="10" type="dt"/>
+            <p:ph type="dt" idx="10"/>
           </p:nvPr>
         </p:nvSpPr>
         <p:spPr>
@@ -2134,7 +2223,7 @@
           </a:ln>
         </p:spPr>
         <p:txBody>
-          <a:bodyPr anchorCtr="0" anchor="ctr" bIns="45700" lIns="91425" spcFirstLastPara="1" rIns="91425" wrap="square" tIns="45700">
+          <a:bodyPr spcFirstLastPara="1" wrap="square" lIns="91425" tIns="45700" rIns="91425" bIns="45700" anchor="ctr" anchorCtr="0">
             <a:noAutofit/>
           </a:bodyPr>
           <a:lstStyle>
@@ -2238,15 +2327,19 @@
               <a:defRPr/>
             </a:lvl9pPr>
           </a:lstStyle>
-          <a:p/>
+          <a:p>
+            <a:endParaRPr/>
+          </a:p>
         </p:txBody>
       </p:sp>
       <p:sp>
         <p:nvSpPr>
           <p:cNvPr id="20" name="Google Shape;20;p2"/>
-          <p:cNvSpPr txBox="1"/>
+          <p:cNvSpPr txBox="1">
+            <a:spLocks noGrp="1"/>
+          </p:cNvSpPr>
           <p:nvPr>
-            <p:ph idx="11" type="ftr"/>
+            <p:ph type="ftr" idx="11"/>
           </p:nvPr>
         </p:nvSpPr>
         <p:spPr>
@@ -2263,7 +2356,7 @@
           </a:ln>
         </p:spPr>
         <p:txBody>
-          <a:bodyPr anchorCtr="0" anchor="ctr" bIns="45700" lIns="91425" spcFirstLastPara="1" rIns="91425" wrap="square" tIns="45700">
+          <a:bodyPr spcFirstLastPara="1" wrap="square" lIns="91425" tIns="45700" rIns="91425" bIns="45700" anchor="ctr" anchorCtr="0">
             <a:noAutofit/>
           </a:bodyPr>
           <a:lstStyle>
@@ -2367,15 +2460,19 @@
               <a:defRPr/>
             </a:lvl9pPr>
           </a:lstStyle>
-          <a:p/>
+          <a:p>
+            <a:endParaRPr/>
+          </a:p>
         </p:txBody>
       </p:sp>
       <p:sp>
         <p:nvSpPr>
           <p:cNvPr id="21" name="Google Shape;21;p2"/>
-          <p:cNvSpPr txBox="1"/>
+          <p:cNvSpPr txBox="1">
+            <a:spLocks noGrp="1"/>
+          </p:cNvSpPr>
           <p:nvPr>
-            <p:ph idx="12" type="sldNum"/>
+            <p:ph type="sldNum" idx="12"/>
           </p:nvPr>
         </p:nvSpPr>
         <p:spPr>
@@ -2392,67 +2489,67 @@
           </a:ln>
         </p:spPr>
         <p:txBody>
-          <a:bodyPr anchorCtr="0" anchor="ctr" bIns="45700" lIns="91425" spcFirstLastPara="1" rIns="91425" wrap="square" tIns="45700">
+          <a:bodyPr spcFirstLastPara="1" wrap="square" lIns="91425" tIns="45700" rIns="91425" bIns="45700" anchor="ctr" anchorCtr="0">
             <a:noAutofit/>
           </a:bodyPr>
           <a:lstStyle>
-            <a:lvl1pPr indent="0" lvl="0" marL="0" algn="r">
+            <a:lvl1pPr marL="0" lvl="0" indent="0" algn="r">
               <a:spcBef>
                 <a:spcPts val="0"/>
               </a:spcBef>
               <a:buNone/>
               <a:defRPr/>
             </a:lvl1pPr>
-            <a:lvl2pPr indent="0" lvl="1" marL="0" algn="r">
+            <a:lvl2pPr marL="0" lvl="1" indent="0" algn="r">
               <a:spcBef>
                 <a:spcPts val="0"/>
               </a:spcBef>
               <a:buNone/>
               <a:defRPr/>
             </a:lvl2pPr>
-            <a:lvl3pPr indent="0" lvl="2" marL="0" algn="r">
+            <a:lvl3pPr marL="0" lvl="2" indent="0" algn="r">
               <a:spcBef>
                 <a:spcPts val="0"/>
               </a:spcBef>
               <a:buNone/>
               <a:defRPr/>
             </a:lvl3pPr>
-            <a:lvl4pPr indent="0" lvl="3" marL="0" algn="r">
+            <a:lvl4pPr marL="0" lvl="3" indent="0" algn="r">
               <a:spcBef>
                 <a:spcPts val="0"/>
               </a:spcBef>
               <a:buNone/>
               <a:defRPr/>
             </a:lvl4pPr>
-            <a:lvl5pPr indent="0" lvl="4" marL="0" algn="r">
+            <a:lvl5pPr marL="0" lvl="4" indent="0" algn="r">
               <a:spcBef>
                 <a:spcPts val="0"/>
               </a:spcBef>
               <a:buNone/>
               <a:defRPr/>
             </a:lvl5pPr>
-            <a:lvl6pPr indent="0" lvl="5" marL="0" algn="r">
+            <a:lvl6pPr marL="0" lvl="5" indent="0" algn="r">
               <a:spcBef>
                 <a:spcPts val="0"/>
               </a:spcBef>
               <a:buNone/>
               <a:defRPr/>
             </a:lvl6pPr>
-            <a:lvl7pPr indent="0" lvl="6" marL="0" algn="r">
+            <a:lvl7pPr marL="0" lvl="6" indent="0" algn="r">
               <a:spcBef>
                 <a:spcPts val="0"/>
               </a:spcBef>
               <a:buNone/>
               <a:defRPr/>
             </a:lvl7pPr>
-            <a:lvl8pPr indent="0" lvl="7" marL="0" algn="r">
+            <a:lvl8pPr marL="0" lvl="7" indent="0" algn="r">
               <a:spcBef>
                 <a:spcPts val="0"/>
               </a:spcBef>
               <a:buNone/>
               <a:defRPr/>
             </a:lvl8pPr>
-            <a:lvl9pPr indent="0" lvl="8" marL="0" algn="r">
+            <a:lvl9pPr marL="0" lvl="8" indent="0" algn="r">
               <a:spcBef>
                 <a:spcPts val="0"/>
               </a:spcBef>
@@ -2461,7 +2558,7 @@
             </a:lvl9pPr>
           </a:lstStyle>
           <a:p>
-            <a:pPr indent="0" lvl="0" marL="0" rtl="0" algn="r">
+            <a:pPr marL="0" lvl="0" indent="0" algn="r" rtl="0">
               <a:spcBef>
                 <a:spcPts val="0"/>
               </a:spcBef>
@@ -2472,7 +2569,7 @@
             </a:pPr>
             <a:fld id="{00000000-1234-1234-1234-123412341234}" type="slidenum">
               <a:rPr lang="en-US"/>
-              <a:t>‹#›</a:t>
+              <a:t>‹Nº›</a:t>
             </a:fld>
             <a:endParaRPr/>
           </a:p>
@@ -2487,11 +2584,11 @@
 </file>
 
 <file path=ppt/slideLayouts/slideLayout10.xml><?xml version="1.0" encoding="utf-8"?>
-<p:sldLayout xmlns:a="http://schemas.openxmlformats.org/drawingml/2006/main" xmlns:r="http://schemas.openxmlformats.org/officeDocument/2006/relationships" xmlns:mc="http://schemas.openxmlformats.org/markup-compatibility/2006" xmlns:mv="urn:schemas-microsoft-com:mac:vml" xmlns:p="http://schemas.openxmlformats.org/presentationml/2006/main" xmlns:c="http://schemas.openxmlformats.org/drawingml/2006/chart" xmlns:dgm="http://schemas.openxmlformats.org/drawingml/2006/diagram" xmlns:o="urn:schemas-microsoft-com:office:office" xmlns:v="urn:schemas-microsoft-com:vml" xmlns:pvml="urn:schemas-microsoft-com:office:powerpoint" xmlns:com="http://schemas.openxmlformats.org/drawingml/2006/compatibility" xmlns:p14="http://schemas.microsoft.com/office/powerpoint/2010/main" xmlns:p15="http://schemas.microsoft.com/office/powerpoint/2012/main" xmlns:ahyp="http://schemas.microsoft.com/office/drawing/2018/hyperlinkcolor" matchingName="Title and Vertical Text" type="vertTx">
+<p:sldLayout xmlns:a="http://schemas.openxmlformats.org/drawingml/2006/main" xmlns:r="http://schemas.openxmlformats.org/officeDocument/2006/relationships" xmlns:p="http://schemas.openxmlformats.org/presentationml/2006/main" matchingName="Title and Vertical Text" type="vertTx">
   <p:cSld name="VERTICAL_TEXT">
     <p:spTree>
       <p:nvGrpSpPr>
-        <p:cNvPr id="73" name="Shape 73"/>
+        <p:cNvPr id="1" name="Shape 73"/>
         <p:cNvGrpSpPr/>
         <p:nvPr/>
       </p:nvGrpSpPr>
@@ -2506,7 +2603,9 @@
       <p:sp>
         <p:nvSpPr>
           <p:cNvPr id="74" name="Google Shape;74;p11"/>
-          <p:cNvSpPr txBox="1"/>
+          <p:cNvSpPr txBox="1">
+            <a:spLocks noGrp="1"/>
+          </p:cNvSpPr>
           <p:nvPr>
             <p:ph type="title"/>
           </p:nvPr>
@@ -2525,7 +2624,7 @@
           </a:ln>
         </p:spPr>
         <p:txBody>
-          <a:bodyPr anchorCtr="0" anchor="b" bIns="45700" lIns="91425" spcFirstLastPara="1" rIns="91425" wrap="square" tIns="45700">
+          <a:bodyPr spcFirstLastPara="1" wrap="square" lIns="91425" tIns="45700" rIns="91425" bIns="45700" anchor="b" anchorCtr="0">
             <a:normAutofit/>
           </a:bodyPr>
           <a:lstStyle>
@@ -2635,15 +2734,19 @@
               <a:defRPr/>
             </a:lvl9pPr>
           </a:lstStyle>
-          <a:p/>
+          <a:p>
+            <a:endParaRPr/>
+          </a:p>
         </p:txBody>
       </p:sp>
       <p:sp>
         <p:nvSpPr>
           <p:cNvPr id="75" name="Google Shape;75;p11"/>
-          <p:cNvSpPr txBox="1"/>
+          <p:cNvSpPr txBox="1">
+            <a:spLocks noGrp="1"/>
+          </p:cNvSpPr>
           <p:nvPr>
-            <p:ph idx="1" type="body"/>
+            <p:ph type="body" idx="1"/>
           </p:nvPr>
         </p:nvSpPr>
         <p:spPr>
@@ -2660,11 +2763,11 @@
           </a:ln>
         </p:spPr>
         <p:txBody>
-          <a:bodyPr anchorCtr="0" anchor="t" bIns="45700" lIns="91425" spcFirstLastPara="1" rIns="91425" wrap="square" tIns="45700">
+          <a:bodyPr spcFirstLastPara="1" wrap="square" lIns="91425" tIns="45700" rIns="91425" bIns="45700" anchor="t" anchorCtr="0">
             <a:normAutofit/>
           </a:bodyPr>
           <a:lstStyle>
-            <a:lvl1pPr indent="-342900" lvl="0" marL="457200" algn="l">
+            <a:lvl1pPr marL="457200" lvl="0" indent="-342900" algn="l">
               <a:lnSpc>
                 <a:spcPct val="120000"/>
               </a:lnSpc>
@@ -2681,7 +2784,7 @@
               <a:buChar char="•"/>
               <a:defRPr/>
             </a:lvl1pPr>
-            <a:lvl2pPr indent="-342900" lvl="1" marL="914400" algn="l">
+            <a:lvl2pPr marL="914400" lvl="1" indent="-342900" algn="l">
               <a:lnSpc>
                 <a:spcPct val="120000"/>
               </a:lnSpc>
@@ -2698,7 +2801,7 @@
               <a:buChar char="+"/>
               <a:defRPr/>
             </a:lvl2pPr>
-            <a:lvl3pPr indent="-342900" lvl="2" marL="1371600" algn="l">
+            <a:lvl3pPr marL="1371600" lvl="2" indent="-342900" algn="l">
               <a:lnSpc>
                 <a:spcPct val="120000"/>
               </a:lnSpc>
@@ -2715,7 +2818,7 @@
               <a:buChar char="•"/>
               <a:defRPr/>
             </a:lvl3pPr>
-            <a:lvl4pPr indent="-342900" lvl="3" marL="1828800" algn="l">
+            <a:lvl4pPr marL="1828800" lvl="3" indent="-342900" algn="l">
               <a:lnSpc>
                 <a:spcPct val="120000"/>
               </a:lnSpc>
@@ -2732,7 +2835,7 @@
               <a:buChar char="+"/>
               <a:defRPr/>
             </a:lvl4pPr>
-            <a:lvl5pPr indent="-342900" lvl="4" marL="2286000" algn="l">
+            <a:lvl5pPr marL="2286000" lvl="4" indent="-342900" algn="l">
               <a:lnSpc>
                 <a:spcPct val="120000"/>
               </a:lnSpc>
@@ -2749,7 +2852,7 @@
               <a:buChar char="•"/>
               <a:defRPr/>
             </a:lvl5pPr>
-            <a:lvl6pPr indent="-342900" lvl="5" marL="2743200" algn="l">
+            <a:lvl6pPr marL="2743200" lvl="5" indent="-342900" algn="l">
               <a:lnSpc>
                 <a:spcPct val="90000"/>
               </a:lnSpc>
@@ -2766,7 +2869,7 @@
               <a:buChar char="•"/>
               <a:defRPr/>
             </a:lvl6pPr>
-            <a:lvl7pPr indent="-342900" lvl="6" marL="3200400" algn="l">
+            <a:lvl7pPr marL="3200400" lvl="6" indent="-342900" algn="l">
               <a:lnSpc>
                 <a:spcPct val="90000"/>
               </a:lnSpc>
@@ -2783,7 +2886,7 @@
               <a:buChar char="•"/>
               <a:defRPr/>
             </a:lvl7pPr>
-            <a:lvl8pPr indent="-342900" lvl="7" marL="3657600" algn="l">
+            <a:lvl8pPr marL="3657600" lvl="7" indent="-342900" algn="l">
               <a:lnSpc>
                 <a:spcPct val="90000"/>
               </a:lnSpc>
@@ -2800,7 +2903,7 @@
               <a:buChar char="•"/>
               <a:defRPr/>
             </a:lvl8pPr>
-            <a:lvl9pPr indent="-342900" lvl="8" marL="4114800" algn="l">
+            <a:lvl9pPr marL="4114800" lvl="8" indent="-342900" algn="l">
               <a:lnSpc>
                 <a:spcPct val="90000"/>
               </a:lnSpc>
@@ -2818,15 +2921,19 @@
               <a:defRPr/>
             </a:lvl9pPr>
           </a:lstStyle>
-          <a:p/>
+          <a:p>
+            <a:endParaRPr/>
+          </a:p>
         </p:txBody>
       </p:sp>
       <p:sp>
         <p:nvSpPr>
           <p:cNvPr id="76" name="Google Shape;76;p11"/>
-          <p:cNvSpPr txBox="1"/>
+          <p:cNvSpPr txBox="1">
+            <a:spLocks noGrp="1"/>
+          </p:cNvSpPr>
           <p:nvPr>
-            <p:ph idx="10" type="dt"/>
+            <p:ph type="dt" idx="10"/>
           </p:nvPr>
         </p:nvSpPr>
         <p:spPr>
@@ -2843,7 +2950,7 @@
           </a:ln>
         </p:spPr>
         <p:txBody>
-          <a:bodyPr anchorCtr="0" anchor="ctr" bIns="45700" lIns="91425" spcFirstLastPara="1" rIns="91425" wrap="square" tIns="45700">
+          <a:bodyPr spcFirstLastPara="1" wrap="square" lIns="91425" tIns="45700" rIns="91425" bIns="45700" anchor="ctr" anchorCtr="0">
             <a:noAutofit/>
           </a:bodyPr>
           <a:lstStyle>
@@ -2947,15 +3054,19 @@
               <a:defRPr/>
             </a:lvl9pPr>
           </a:lstStyle>
-          <a:p/>
+          <a:p>
+            <a:endParaRPr/>
+          </a:p>
         </p:txBody>
       </p:sp>
       <p:sp>
         <p:nvSpPr>
           <p:cNvPr id="77" name="Google Shape;77;p11"/>
-          <p:cNvSpPr txBox="1"/>
+          <p:cNvSpPr txBox="1">
+            <a:spLocks noGrp="1"/>
+          </p:cNvSpPr>
           <p:nvPr>
-            <p:ph idx="11" type="ftr"/>
+            <p:ph type="ftr" idx="11"/>
           </p:nvPr>
         </p:nvSpPr>
         <p:spPr>
@@ -2972,7 +3083,7 @@
           </a:ln>
         </p:spPr>
         <p:txBody>
-          <a:bodyPr anchorCtr="0" anchor="ctr" bIns="45700" lIns="91425" spcFirstLastPara="1" rIns="91425" wrap="square" tIns="45700">
+          <a:bodyPr spcFirstLastPara="1" wrap="square" lIns="91425" tIns="45700" rIns="91425" bIns="45700" anchor="ctr" anchorCtr="0">
             <a:noAutofit/>
           </a:bodyPr>
           <a:lstStyle>
@@ -3076,15 +3187,19 @@
               <a:defRPr/>
             </a:lvl9pPr>
           </a:lstStyle>
-          <a:p/>
+          <a:p>
+            <a:endParaRPr/>
+          </a:p>
         </p:txBody>
       </p:sp>
       <p:sp>
         <p:nvSpPr>
           <p:cNvPr id="78" name="Google Shape;78;p11"/>
-          <p:cNvSpPr txBox="1"/>
+          <p:cNvSpPr txBox="1">
+            <a:spLocks noGrp="1"/>
+          </p:cNvSpPr>
           <p:nvPr>
-            <p:ph idx="12" type="sldNum"/>
+            <p:ph type="sldNum" idx="12"/>
           </p:nvPr>
         </p:nvSpPr>
         <p:spPr>
@@ -3101,67 +3216,67 @@
           </a:ln>
         </p:spPr>
         <p:txBody>
-          <a:bodyPr anchorCtr="0" anchor="ctr" bIns="45700" lIns="91425" spcFirstLastPara="1" rIns="91425" wrap="square" tIns="45700">
+          <a:bodyPr spcFirstLastPara="1" wrap="square" lIns="91425" tIns="45700" rIns="91425" bIns="45700" anchor="ctr" anchorCtr="0">
             <a:noAutofit/>
           </a:bodyPr>
           <a:lstStyle>
-            <a:lvl1pPr indent="0" lvl="0" marL="0" algn="r">
+            <a:lvl1pPr marL="0" lvl="0" indent="0" algn="r">
               <a:spcBef>
                 <a:spcPts val="0"/>
               </a:spcBef>
               <a:buNone/>
               <a:defRPr/>
             </a:lvl1pPr>
-            <a:lvl2pPr indent="0" lvl="1" marL="0" algn="r">
+            <a:lvl2pPr marL="0" lvl="1" indent="0" algn="r">
               <a:spcBef>
                 <a:spcPts val="0"/>
               </a:spcBef>
               <a:buNone/>
               <a:defRPr/>
             </a:lvl2pPr>
-            <a:lvl3pPr indent="0" lvl="2" marL="0" algn="r">
+            <a:lvl3pPr marL="0" lvl="2" indent="0" algn="r">
               <a:spcBef>
                 <a:spcPts val="0"/>
               </a:spcBef>
               <a:buNone/>
               <a:defRPr/>
             </a:lvl3pPr>
-            <a:lvl4pPr indent="0" lvl="3" marL="0" algn="r">
+            <a:lvl4pPr marL="0" lvl="3" indent="0" algn="r">
               <a:spcBef>
                 <a:spcPts val="0"/>
               </a:spcBef>
               <a:buNone/>
               <a:defRPr/>
             </a:lvl4pPr>
-            <a:lvl5pPr indent="0" lvl="4" marL="0" algn="r">
+            <a:lvl5pPr marL="0" lvl="4" indent="0" algn="r">
               <a:spcBef>
                 <a:spcPts val="0"/>
               </a:spcBef>
               <a:buNone/>
               <a:defRPr/>
             </a:lvl5pPr>
-            <a:lvl6pPr indent="0" lvl="5" marL="0" algn="r">
+            <a:lvl6pPr marL="0" lvl="5" indent="0" algn="r">
               <a:spcBef>
                 <a:spcPts val="0"/>
               </a:spcBef>
               <a:buNone/>
               <a:defRPr/>
             </a:lvl6pPr>
-            <a:lvl7pPr indent="0" lvl="6" marL="0" algn="r">
+            <a:lvl7pPr marL="0" lvl="6" indent="0" algn="r">
               <a:spcBef>
                 <a:spcPts val="0"/>
               </a:spcBef>
               <a:buNone/>
               <a:defRPr/>
             </a:lvl7pPr>
-            <a:lvl8pPr indent="0" lvl="7" marL="0" algn="r">
+            <a:lvl8pPr marL="0" lvl="7" indent="0" algn="r">
               <a:spcBef>
                 <a:spcPts val="0"/>
               </a:spcBef>
               <a:buNone/>
               <a:defRPr/>
             </a:lvl8pPr>
-            <a:lvl9pPr indent="0" lvl="8" marL="0" algn="r">
+            <a:lvl9pPr marL="0" lvl="8" indent="0" algn="r">
               <a:spcBef>
                 <a:spcPts val="0"/>
               </a:spcBef>
@@ -3170,7 +3285,7 @@
             </a:lvl9pPr>
           </a:lstStyle>
           <a:p>
-            <a:pPr indent="0" lvl="0" marL="0" rtl="0" algn="r">
+            <a:pPr marL="0" lvl="0" indent="0" algn="r" rtl="0">
               <a:spcBef>
                 <a:spcPts val="0"/>
               </a:spcBef>
@@ -3181,7 +3296,7 @@
             </a:pPr>
             <a:fld id="{00000000-1234-1234-1234-123412341234}" type="slidenum">
               <a:rPr lang="en-US"/>
-              <a:t>‹#›</a:t>
+              <a:t>‹Nº›</a:t>
             </a:fld>
             <a:endParaRPr/>
           </a:p>
@@ -3196,11 +3311,11 @@
 </file>
 
 <file path=ppt/slideLayouts/slideLayout11.xml><?xml version="1.0" encoding="utf-8"?>
-<p:sldLayout xmlns:a="http://schemas.openxmlformats.org/drawingml/2006/main" xmlns:r="http://schemas.openxmlformats.org/officeDocument/2006/relationships" xmlns:mc="http://schemas.openxmlformats.org/markup-compatibility/2006" xmlns:mv="urn:schemas-microsoft-com:mac:vml" xmlns:p="http://schemas.openxmlformats.org/presentationml/2006/main" xmlns:c="http://schemas.openxmlformats.org/drawingml/2006/chart" xmlns:dgm="http://schemas.openxmlformats.org/drawingml/2006/diagram" xmlns:o="urn:schemas-microsoft-com:office:office" xmlns:v="urn:schemas-microsoft-com:vml" xmlns:pvml="urn:schemas-microsoft-com:office:powerpoint" xmlns:com="http://schemas.openxmlformats.org/drawingml/2006/compatibility" xmlns:p14="http://schemas.microsoft.com/office/powerpoint/2010/main" xmlns:p15="http://schemas.microsoft.com/office/powerpoint/2012/main" xmlns:ahyp="http://schemas.microsoft.com/office/drawing/2018/hyperlinkcolor" matchingName="Vertical Title and Text" type="vertTitleAndTx">
+<p:sldLayout xmlns:a="http://schemas.openxmlformats.org/drawingml/2006/main" xmlns:r="http://schemas.openxmlformats.org/officeDocument/2006/relationships" xmlns:p="http://schemas.openxmlformats.org/presentationml/2006/main" matchingName="Vertical Title and Text" type="vertTitleAndTx">
   <p:cSld name="VERTICAL_TITLE_AND_VERTICAL_TEXT">
     <p:spTree>
       <p:nvGrpSpPr>
-        <p:cNvPr id="79" name="Shape 79"/>
+        <p:cNvPr id="1" name="Shape 79"/>
         <p:cNvGrpSpPr/>
         <p:nvPr/>
       </p:nvGrpSpPr>
@@ -3215,7 +3330,9 @@
       <p:sp>
         <p:nvSpPr>
           <p:cNvPr id="80" name="Google Shape;80;p12"/>
-          <p:cNvSpPr txBox="1"/>
+          <p:cNvSpPr txBox="1">
+            <a:spLocks noGrp="1"/>
+          </p:cNvSpPr>
           <p:nvPr>
             <p:ph type="title"/>
           </p:nvPr>
@@ -3234,7 +3351,7 @@
           </a:ln>
         </p:spPr>
         <p:txBody>
-          <a:bodyPr anchorCtr="0" anchor="b" bIns="45700" lIns="91425" spcFirstLastPara="1" rIns="91425" wrap="square" tIns="45700">
+          <a:bodyPr spcFirstLastPara="1" wrap="square" lIns="91425" tIns="45700" rIns="91425" bIns="45700" anchor="b" anchorCtr="0">
             <a:normAutofit/>
           </a:bodyPr>
           <a:lstStyle>
@@ -3344,15 +3461,19 @@
               <a:defRPr/>
             </a:lvl9pPr>
           </a:lstStyle>
-          <a:p/>
+          <a:p>
+            <a:endParaRPr/>
+          </a:p>
         </p:txBody>
       </p:sp>
       <p:sp>
         <p:nvSpPr>
           <p:cNvPr id="81" name="Google Shape;81;p12"/>
-          <p:cNvSpPr txBox="1"/>
+          <p:cNvSpPr txBox="1">
+            <a:spLocks noGrp="1"/>
+          </p:cNvSpPr>
           <p:nvPr>
-            <p:ph idx="1" type="body"/>
+            <p:ph type="body" idx="1"/>
           </p:nvPr>
         </p:nvSpPr>
         <p:spPr>
@@ -3369,11 +3490,11 @@
           </a:ln>
         </p:spPr>
         <p:txBody>
-          <a:bodyPr anchorCtr="0" anchor="t" bIns="45700" lIns="91425" spcFirstLastPara="1" rIns="91425" wrap="square" tIns="45700">
+          <a:bodyPr spcFirstLastPara="1" wrap="square" lIns="91425" tIns="45700" rIns="91425" bIns="45700" anchor="t" anchorCtr="0">
             <a:normAutofit/>
           </a:bodyPr>
           <a:lstStyle>
-            <a:lvl1pPr indent="-342900" lvl="0" marL="457200" algn="l">
+            <a:lvl1pPr marL="457200" lvl="0" indent="-342900" algn="l">
               <a:lnSpc>
                 <a:spcPct val="120000"/>
               </a:lnSpc>
@@ -3390,7 +3511,7 @@
               <a:buChar char="•"/>
               <a:defRPr/>
             </a:lvl1pPr>
-            <a:lvl2pPr indent="-342900" lvl="1" marL="914400" algn="l">
+            <a:lvl2pPr marL="914400" lvl="1" indent="-342900" algn="l">
               <a:lnSpc>
                 <a:spcPct val="120000"/>
               </a:lnSpc>
@@ -3407,7 +3528,7 @@
               <a:buChar char="+"/>
               <a:defRPr/>
             </a:lvl2pPr>
-            <a:lvl3pPr indent="-342900" lvl="2" marL="1371600" algn="l">
+            <a:lvl3pPr marL="1371600" lvl="2" indent="-342900" algn="l">
               <a:lnSpc>
                 <a:spcPct val="120000"/>
               </a:lnSpc>
@@ -3424,7 +3545,7 @@
               <a:buChar char="•"/>
               <a:defRPr/>
             </a:lvl3pPr>
-            <a:lvl4pPr indent="-342900" lvl="3" marL="1828800" algn="l">
+            <a:lvl4pPr marL="1828800" lvl="3" indent="-342900" algn="l">
               <a:lnSpc>
                 <a:spcPct val="120000"/>
               </a:lnSpc>
@@ -3441,7 +3562,7 @@
               <a:buChar char="+"/>
               <a:defRPr/>
             </a:lvl4pPr>
-            <a:lvl5pPr indent="-342900" lvl="4" marL="2286000" algn="l">
+            <a:lvl5pPr marL="2286000" lvl="4" indent="-342900" algn="l">
               <a:lnSpc>
                 <a:spcPct val="120000"/>
               </a:lnSpc>
@@ -3458,7 +3579,7 @@
               <a:buChar char="•"/>
               <a:defRPr/>
             </a:lvl5pPr>
-            <a:lvl6pPr indent="-342900" lvl="5" marL="2743200" algn="l">
+            <a:lvl6pPr marL="2743200" lvl="5" indent="-342900" algn="l">
               <a:lnSpc>
                 <a:spcPct val="90000"/>
               </a:lnSpc>
@@ -3475,7 +3596,7 @@
               <a:buChar char="•"/>
               <a:defRPr/>
             </a:lvl6pPr>
-            <a:lvl7pPr indent="-342900" lvl="6" marL="3200400" algn="l">
+            <a:lvl7pPr marL="3200400" lvl="6" indent="-342900" algn="l">
               <a:lnSpc>
                 <a:spcPct val="90000"/>
               </a:lnSpc>
@@ -3492,7 +3613,7 @@
               <a:buChar char="•"/>
               <a:defRPr/>
             </a:lvl7pPr>
-            <a:lvl8pPr indent="-342900" lvl="7" marL="3657600" algn="l">
+            <a:lvl8pPr marL="3657600" lvl="7" indent="-342900" algn="l">
               <a:lnSpc>
                 <a:spcPct val="90000"/>
               </a:lnSpc>
@@ -3509,7 +3630,7 @@
               <a:buChar char="•"/>
               <a:defRPr/>
             </a:lvl8pPr>
-            <a:lvl9pPr indent="-342900" lvl="8" marL="4114800" algn="l">
+            <a:lvl9pPr marL="4114800" lvl="8" indent="-342900" algn="l">
               <a:lnSpc>
                 <a:spcPct val="90000"/>
               </a:lnSpc>
@@ -3527,15 +3648,19 @@
               <a:defRPr/>
             </a:lvl9pPr>
           </a:lstStyle>
-          <a:p/>
+          <a:p>
+            <a:endParaRPr/>
+          </a:p>
         </p:txBody>
       </p:sp>
       <p:sp>
         <p:nvSpPr>
           <p:cNvPr id="82" name="Google Shape;82;p12"/>
-          <p:cNvSpPr txBox="1"/>
+          <p:cNvSpPr txBox="1">
+            <a:spLocks noGrp="1"/>
+          </p:cNvSpPr>
           <p:nvPr>
-            <p:ph idx="10" type="dt"/>
+            <p:ph type="dt" idx="10"/>
           </p:nvPr>
         </p:nvSpPr>
         <p:spPr>
@@ -3552,7 +3677,7 @@
           </a:ln>
         </p:spPr>
         <p:txBody>
-          <a:bodyPr anchorCtr="0" anchor="ctr" bIns="45700" lIns="91425" spcFirstLastPara="1" rIns="91425" wrap="square" tIns="45700">
+          <a:bodyPr spcFirstLastPara="1" wrap="square" lIns="91425" tIns="45700" rIns="91425" bIns="45700" anchor="ctr" anchorCtr="0">
             <a:noAutofit/>
           </a:bodyPr>
           <a:lstStyle>
@@ -3656,15 +3781,19 @@
               <a:defRPr/>
             </a:lvl9pPr>
           </a:lstStyle>
-          <a:p/>
+          <a:p>
+            <a:endParaRPr/>
+          </a:p>
         </p:txBody>
       </p:sp>
       <p:sp>
         <p:nvSpPr>
           <p:cNvPr id="83" name="Google Shape;83;p12"/>
-          <p:cNvSpPr txBox="1"/>
+          <p:cNvSpPr txBox="1">
+            <a:spLocks noGrp="1"/>
+          </p:cNvSpPr>
           <p:nvPr>
-            <p:ph idx="11" type="ftr"/>
+            <p:ph type="ftr" idx="11"/>
           </p:nvPr>
         </p:nvSpPr>
         <p:spPr>
@@ -3681,7 +3810,7 @@
           </a:ln>
         </p:spPr>
         <p:txBody>
-          <a:bodyPr anchorCtr="0" anchor="ctr" bIns="45700" lIns="91425" spcFirstLastPara="1" rIns="91425" wrap="square" tIns="45700">
+          <a:bodyPr spcFirstLastPara="1" wrap="square" lIns="91425" tIns="45700" rIns="91425" bIns="45700" anchor="ctr" anchorCtr="0">
             <a:noAutofit/>
           </a:bodyPr>
           <a:lstStyle>
@@ -3785,15 +3914,19 @@
               <a:defRPr/>
             </a:lvl9pPr>
           </a:lstStyle>
-          <a:p/>
+          <a:p>
+            <a:endParaRPr/>
+          </a:p>
         </p:txBody>
       </p:sp>
       <p:sp>
         <p:nvSpPr>
           <p:cNvPr id="84" name="Google Shape;84;p12"/>
-          <p:cNvSpPr txBox="1"/>
+          <p:cNvSpPr txBox="1">
+            <a:spLocks noGrp="1"/>
+          </p:cNvSpPr>
           <p:nvPr>
-            <p:ph idx="12" type="sldNum"/>
+            <p:ph type="sldNum" idx="12"/>
           </p:nvPr>
         </p:nvSpPr>
         <p:spPr>
@@ -3810,67 +3943,67 @@
           </a:ln>
         </p:spPr>
         <p:txBody>
-          <a:bodyPr anchorCtr="0" anchor="ctr" bIns="45700" lIns="91425" spcFirstLastPara="1" rIns="91425" wrap="square" tIns="45700">
+          <a:bodyPr spcFirstLastPara="1" wrap="square" lIns="91425" tIns="45700" rIns="91425" bIns="45700" anchor="ctr" anchorCtr="0">
             <a:noAutofit/>
           </a:bodyPr>
           <a:lstStyle>
-            <a:lvl1pPr indent="0" lvl="0" marL="0" algn="r">
+            <a:lvl1pPr marL="0" lvl="0" indent="0" algn="r">
               <a:spcBef>
                 <a:spcPts val="0"/>
               </a:spcBef>
               <a:buNone/>
               <a:defRPr/>
             </a:lvl1pPr>
-            <a:lvl2pPr indent="0" lvl="1" marL="0" algn="r">
+            <a:lvl2pPr marL="0" lvl="1" indent="0" algn="r">
               <a:spcBef>
                 <a:spcPts val="0"/>
               </a:spcBef>
               <a:buNone/>
               <a:defRPr/>
             </a:lvl2pPr>
-            <a:lvl3pPr indent="0" lvl="2" marL="0" algn="r">
+            <a:lvl3pPr marL="0" lvl="2" indent="0" algn="r">
               <a:spcBef>
                 <a:spcPts val="0"/>
               </a:spcBef>
               <a:buNone/>
               <a:defRPr/>
             </a:lvl3pPr>
-            <a:lvl4pPr indent="0" lvl="3" marL="0" algn="r">
+            <a:lvl4pPr marL="0" lvl="3" indent="0" algn="r">
               <a:spcBef>
                 <a:spcPts val="0"/>
               </a:spcBef>
               <a:buNone/>
               <a:defRPr/>
             </a:lvl4pPr>
-            <a:lvl5pPr indent="0" lvl="4" marL="0" algn="r">
+            <a:lvl5pPr marL="0" lvl="4" indent="0" algn="r">
               <a:spcBef>
                 <a:spcPts val="0"/>
               </a:spcBef>
               <a:buNone/>
               <a:defRPr/>
             </a:lvl5pPr>
-            <a:lvl6pPr indent="0" lvl="5" marL="0" algn="r">
+            <a:lvl6pPr marL="0" lvl="5" indent="0" algn="r">
               <a:spcBef>
                 <a:spcPts val="0"/>
               </a:spcBef>
               <a:buNone/>
               <a:defRPr/>
             </a:lvl6pPr>
-            <a:lvl7pPr indent="0" lvl="6" marL="0" algn="r">
+            <a:lvl7pPr marL="0" lvl="6" indent="0" algn="r">
               <a:spcBef>
                 <a:spcPts val="0"/>
               </a:spcBef>
               <a:buNone/>
               <a:defRPr/>
             </a:lvl7pPr>
-            <a:lvl8pPr indent="0" lvl="7" marL="0" algn="r">
+            <a:lvl8pPr marL="0" lvl="7" indent="0" algn="r">
               <a:spcBef>
                 <a:spcPts val="0"/>
               </a:spcBef>
               <a:buNone/>
               <a:defRPr/>
             </a:lvl8pPr>
-            <a:lvl9pPr indent="0" lvl="8" marL="0" algn="r">
+            <a:lvl9pPr marL="0" lvl="8" indent="0" algn="r">
               <a:spcBef>
                 <a:spcPts val="0"/>
               </a:spcBef>
@@ -3879,7 +4012,7 @@
             </a:lvl9pPr>
           </a:lstStyle>
           <a:p>
-            <a:pPr indent="0" lvl="0" marL="0" rtl="0" algn="r">
+            <a:pPr marL="0" lvl="0" indent="0" algn="r" rtl="0">
               <a:spcBef>
                 <a:spcPts val="0"/>
               </a:spcBef>
@@ -3890,7 +4023,7 @@
             </a:pPr>
             <a:fld id="{00000000-1234-1234-1234-123412341234}" type="slidenum">
               <a:rPr lang="en-US"/>
-              <a:t>‹#›</a:t>
+              <a:t>‹Nº›</a:t>
             </a:fld>
             <a:endParaRPr/>
           </a:p>
@@ -3905,11 +4038,11 @@
 </file>
 
 <file path=ppt/slideLayouts/slideLayout2.xml><?xml version="1.0" encoding="utf-8"?>
-<p:sldLayout xmlns:a="http://schemas.openxmlformats.org/drawingml/2006/main" xmlns:r="http://schemas.openxmlformats.org/officeDocument/2006/relationships" xmlns:mc="http://schemas.openxmlformats.org/markup-compatibility/2006" xmlns:mv="urn:schemas-microsoft-com:mac:vml" xmlns:p="http://schemas.openxmlformats.org/presentationml/2006/main" xmlns:c="http://schemas.openxmlformats.org/drawingml/2006/chart" xmlns:dgm="http://schemas.openxmlformats.org/drawingml/2006/diagram" xmlns:o="urn:schemas-microsoft-com:office:office" xmlns:v="urn:schemas-microsoft-com:vml" xmlns:pvml="urn:schemas-microsoft-com:office:powerpoint" xmlns:com="http://schemas.openxmlformats.org/drawingml/2006/compatibility" xmlns:p14="http://schemas.microsoft.com/office/powerpoint/2010/main" xmlns:p15="http://schemas.microsoft.com/office/powerpoint/2012/main" xmlns:ahyp="http://schemas.microsoft.com/office/drawing/2018/hyperlinkcolor" matchingName="Title and Content" type="obj">
+<p:sldLayout xmlns:a="http://schemas.openxmlformats.org/drawingml/2006/main" xmlns:r="http://schemas.openxmlformats.org/officeDocument/2006/relationships" xmlns:p="http://schemas.openxmlformats.org/presentationml/2006/main" matchingName="Title and Content" type="obj">
   <p:cSld name="OBJECT">
     <p:spTree>
       <p:nvGrpSpPr>
-        <p:cNvPr id="22" name="Shape 22"/>
+        <p:cNvPr id="1" name="Shape 22"/>
         <p:cNvGrpSpPr/>
         <p:nvPr/>
       </p:nvGrpSpPr>
@@ -3924,7 +4057,9 @@
       <p:sp>
         <p:nvSpPr>
           <p:cNvPr id="23" name="Google Shape;23;p3"/>
-          <p:cNvSpPr txBox="1"/>
+          <p:cNvSpPr txBox="1">
+            <a:spLocks noGrp="1"/>
+          </p:cNvSpPr>
           <p:nvPr>
             <p:ph type="title"/>
           </p:nvPr>
@@ -3943,7 +4078,7 @@
           </a:ln>
         </p:spPr>
         <p:txBody>
-          <a:bodyPr anchorCtr="0" anchor="b" bIns="45700" lIns="91425" spcFirstLastPara="1" rIns="91425" wrap="square" tIns="45700">
+          <a:bodyPr spcFirstLastPara="1" wrap="square" lIns="91425" tIns="45700" rIns="91425" bIns="45700" anchor="b" anchorCtr="0">
             <a:normAutofit/>
           </a:bodyPr>
           <a:lstStyle>
@@ -4053,15 +4188,19 @@
               <a:defRPr/>
             </a:lvl9pPr>
           </a:lstStyle>
-          <a:p/>
+          <a:p>
+            <a:endParaRPr/>
+          </a:p>
         </p:txBody>
       </p:sp>
       <p:sp>
         <p:nvSpPr>
           <p:cNvPr id="24" name="Google Shape;24;p3"/>
-          <p:cNvSpPr txBox="1"/>
+          <p:cNvSpPr txBox="1">
+            <a:spLocks noGrp="1"/>
+          </p:cNvSpPr>
           <p:nvPr>
-            <p:ph idx="1" type="body"/>
+            <p:ph type="body" idx="1"/>
           </p:nvPr>
         </p:nvSpPr>
         <p:spPr>
@@ -4078,11 +4217,11 @@
           </a:ln>
         </p:spPr>
         <p:txBody>
-          <a:bodyPr anchorCtr="0" anchor="t" bIns="45700" lIns="91425" spcFirstLastPara="1" rIns="91425" wrap="square" tIns="45700">
+          <a:bodyPr spcFirstLastPara="1" wrap="square" lIns="91425" tIns="45700" rIns="91425" bIns="45700" anchor="t" anchorCtr="0">
             <a:normAutofit/>
           </a:bodyPr>
           <a:lstStyle>
-            <a:lvl1pPr indent="-330200" lvl="0" marL="457200" algn="l">
+            <a:lvl1pPr marL="457200" lvl="0" indent="-330200" algn="l">
               <a:lnSpc>
                 <a:spcPct val="120000"/>
               </a:lnSpc>
@@ -4099,7 +4238,7 @@
               <a:buChar char="•"/>
               <a:defRPr/>
             </a:lvl1pPr>
-            <a:lvl2pPr indent="-317500" lvl="1" marL="914400" algn="l">
+            <a:lvl2pPr marL="914400" lvl="1" indent="-317500" algn="l">
               <a:lnSpc>
                 <a:spcPct val="120000"/>
               </a:lnSpc>
@@ -4116,7 +4255,7 @@
               <a:buChar char="+"/>
               <a:defRPr/>
             </a:lvl2pPr>
-            <a:lvl3pPr indent="-317500" lvl="2" marL="1371600" algn="l">
+            <a:lvl3pPr marL="1371600" lvl="2" indent="-317500" algn="l">
               <a:lnSpc>
                 <a:spcPct val="120000"/>
               </a:lnSpc>
@@ -4133,7 +4272,7 @@
               <a:buChar char="•"/>
               <a:defRPr sz="1400"/>
             </a:lvl3pPr>
-            <a:lvl4pPr indent="-304800" lvl="3" marL="1828800" algn="l">
+            <a:lvl4pPr marL="1828800" lvl="3" indent="-304800" algn="l">
               <a:lnSpc>
                 <a:spcPct val="120000"/>
               </a:lnSpc>
@@ -4150,7 +4289,7 @@
               <a:buChar char="+"/>
               <a:defRPr sz="1200"/>
             </a:lvl4pPr>
-            <a:lvl5pPr indent="-304800" lvl="4" marL="2286000" algn="l">
+            <a:lvl5pPr marL="2286000" lvl="4" indent="-304800" algn="l">
               <a:lnSpc>
                 <a:spcPct val="120000"/>
               </a:lnSpc>
@@ -4167,7 +4306,7 @@
               <a:buChar char="•"/>
               <a:defRPr sz="1200"/>
             </a:lvl5pPr>
-            <a:lvl6pPr indent="-342900" lvl="5" marL="2743200" algn="l">
+            <a:lvl6pPr marL="2743200" lvl="5" indent="-342900" algn="l">
               <a:lnSpc>
                 <a:spcPct val="90000"/>
               </a:lnSpc>
@@ -4184,7 +4323,7 @@
               <a:buChar char="•"/>
               <a:defRPr/>
             </a:lvl6pPr>
-            <a:lvl7pPr indent="-342900" lvl="6" marL="3200400" algn="l">
+            <a:lvl7pPr marL="3200400" lvl="6" indent="-342900" algn="l">
               <a:lnSpc>
                 <a:spcPct val="90000"/>
               </a:lnSpc>
@@ -4201,7 +4340,7 @@
               <a:buChar char="•"/>
               <a:defRPr/>
             </a:lvl7pPr>
-            <a:lvl8pPr indent="-342900" lvl="7" marL="3657600" algn="l">
+            <a:lvl8pPr marL="3657600" lvl="7" indent="-342900" algn="l">
               <a:lnSpc>
                 <a:spcPct val="90000"/>
               </a:lnSpc>
@@ -4218,7 +4357,7 @@
               <a:buChar char="•"/>
               <a:defRPr/>
             </a:lvl8pPr>
-            <a:lvl9pPr indent="-342900" lvl="8" marL="4114800" algn="l">
+            <a:lvl9pPr marL="4114800" lvl="8" indent="-342900" algn="l">
               <a:lnSpc>
                 <a:spcPct val="90000"/>
               </a:lnSpc>
@@ -4236,15 +4375,19 @@
               <a:defRPr/>
             </a:lvl9pPr>
           </a:lstStyle>
-          <a:p/>
+          <a:p>
+            <a:endParaRPr/>
+          </a:p>
         </p:txBody>
       </p:sp>
       <p:sp>
         <p:nvSpPr>
           <p:cNvPr id="25" name="Google Shape;25;p3"/>
-          <p:cNvSpPr txBox="1"/>
+          <p:cNvSpPr txBox="1">
+            <a:spLocks noGrp="1"/>
+          </p:cNvSpPr>
           <p:nvPr>
-            <p:ph idx="10" type="dt"/>
+            <p:ph type="dt" idx="10"/>
           </p:nvPr>
         </p:nvSpPr>
         <p:spPr>
@@ -4261,7 +4404,7 @@
           </a:ln>
         </p:spPr>
         <p:txBody>
-          <a:bodyPr anchorCtr="0" anchor="ctr" bIns="45700" lIns="91425" spcFirstLastPara="1" rIns="91425" wrap="square" tIns="45700">
+          <a:bodyPr spcFirstLastPara="1" wrap="square" lIns="91425" tIns="45700" rIns="91425" bIns="45700" anchor="ctr" anchorCtr="0">
             <a:noAutofit/>
           </a:bodyPr>
           <a:lstStyle>
@@ -4365,15 +4508,19 @@
               <a:defRPr/>
             </a:lvl9pPr>
           </a:lstStyle>
-          <a:p/>
+          <a:p>
+            <a:endParaRPr/>
+          </a:p>
         </p:txBody>
       </p:sp>
       <p:sp>
         <p:nvSpPr>
           <p:cNvPr id="26" name="Google Shape;26;p3"/>
-          <p:cNvSpPr txBox="1"/>
+          <p:cNvSpPr txBox="1">
+            <a:spLocks noGrp="1"/>
+          </p:cNvSpPr>
           <p:nvPr>
-            <p:ph idx="11" type="ftr"/>
+            <p:ph type="ftr" idx="11"/>
           </p:nvPr>
         </p:nvSpPr>
         <p:spPr>
@@ -4390,7 +4537,7 @@
           </a:ln>
         </p:spPr>
         <p:txBody>
-          <a:bodyPr anchorCtr="0" anchor="ctr" bIns="45700" lIns="91425" spcFirstLastPara="1" rIns="91425" wrap="square" tIns="45700">
+          <a:bodyPr spcFirstLastPara="1" wrap="square" lIns="91425" tIns="45700" rIns="91425" bIns="45700" anchor="ctr" anchorCtr="0">
             <a:noAutofit/>
           </a:bodyPr>
           <a:lstStyle>
@@ -4494,15 +4641,19 @@
               <a:defRPr/>
             </a:lvl9pPr>
           </a:lstStyle>
-          <a:p/>
+          <a:p>
+            <a:endParaRPr/>
+          </a:p>
         </p:txBody>
       </p:sp>
       <p:sp>
         <p:nvSpPr>
           <p:cNvPr id="27" name="Google Shape;27;p3"/>
-          <p:cNvSpPr txBox="1"/>
+          <p:cNvSpPr txBox="1">
+            <a:spLocks noGrp="1"/>
+          </p:cNvSpPr>
           <p:nvPr>
-            <p:ph idx="12" type="sldNum"/>
+            <p:ph type="sldNum" idx="12"/>
           </p:nvPr>
         </p:nvSpPr>
         <p:spPr>
@@ -4519,67 +4670,67 @@
           </a:ln>
         </p:spPr>
         <p:txBody>
-          <a:bodyPr anchorCtr="0" anchor="ctr" bIns="45700" lIns="91425" spcFirstLastPara="1" rIns="91425" wrap="square" tIns="45700">
+          <a:bodyPr spcFirstLastPara="1" wrap="square" lIns="91425" tIns="45700" rIns="91425" bIns="45700" anchor="ctr" anchorCtr="0">
             <a:noAutofit/>
           </a:bodyPr>
           <a:lstStyle>
-            <a:lvl1pPr indent="0" lvl="0" marL="0" algn="r">
+            <a:lvl1pPr marL="0" lvl="0" indent="0" algn="r">
               <a:spcBef>
                 <a:spcPts val="0"/>
               </a:spcBef>
               <a:buNone/>
               <a:defRPr/>
             </a:lvl1pPr>
-            <a:lvl2pPr indent="0" lvl="1" marL="0" algn="r">
+            <a:lvl2pPr marL="0" lvl="1" indent="0" algn="r">
               <a:spcBef>
                 <a:spcPts val="0"/>
               </a:spcBef>
               <a:buNone/>
               <a:defRPr/>
             </a:lvl2pPr>
-            <a:lvl3pPr indent="0" lvl="2" marL="0" algn="r">
+            <a:lvl3pPr marL="0" lvl="2" indent="0" algn="r">
               <a:spcBef>
                 <a:spcPts val="0"/>
               </a:spcBef>
               <a:buNone/>
               <a:defRPr/>
             </a:lvl3pPr>
-            <a:lvl4pPr indent="0" lvl="3" marL="0" algn="r">
+            <a:lvl4pPr marL="0" lvl="3" indent="0" algn="r">
               <a:spcBef>
                 <a:spcPts val="0"/>
               </a:spcBef>
               <a:buNone/>
               <a:defRPr/>
             </a:lvl4pPr>
-            <a:lvl5pPr indent="0" lvl="4" marL="0" algn="r">
+            <a:lvl5pPr marL="0" lvl="4" indent="0" algn="r">
               <a:spcBef>
                 <a:spcPts val="0"/>
               </a:spcBef>
               <a:buNone/>
               <a:defRPr/>
             </a:lvl5pPr>
-            <a:lvl6pPr indent="0" lvl="5" marL="0" algn="r">
+            <a:lvl6pPr marL="0" lvl="5" indent="0" algn="r">
               <a:spcBef>
                 <a:spcPts val="0"/>
               </a:spcBef>
               <a:buNone/>
               <a:defRPr/>
             </a:lvl6pPr>
-            <a:lvl7pPr indent="0" lvl="6" marL="0" algn="r">
+            <a:lvl7pPr marL="0" lvl="6" indent="0" algn="r">
               <a:spcBef>
                 <a:spcPts val="0"/>
               </a:spcBef>
               <a:buNone/>
               <a:defRPr/>
             </a:lvl7pPr>
-            <a:lvl8pPr indent="0" lvl="7" marL="0" algn="r">
+            <a:lvl8pPr marL="0" lvl="7" indent="0" algn="r">
               <a:spcBef>
                 <a:spcPts val="0"/>
               </a:spcBef>
               <a:buNone/>
               <a:defRPr/>
             </a:lvl8pPr>
-            <a:lvl9pPr indent="0" lvl="8" marL="0" algn="r">
+            <a:lvl9pPr marL="0" lvl="8" indent="0" algn="r">
               <a:spcBef>
                 <a:spcPts val="0"/>
               </a:spcBef>
@@ -4588,7 +4739,7 @@
             </a:lvl9pPr>
           </a:lstStyle>
           <a:p>
-            <a:pPr indent="0" lvl="0" marL="0" rtl="0" algn="r">
+            <a:pPr marL="0" lvl="0" indent="0" algn="r" rtl="0">
               <a:spcBef>
                 <a:spcPts val="0"/>
               </a:spcBef>
@@ -4599,7 +4750,7 @@
             </a:pPr>
             <a:fld id="{00000000-1234-1234-1234-123412341234}" type="slidenum">
               <a:rPr lang="en-US"/>
-              <a:t>‹#›</a:t>
+              <a:t>‹Nº›</a:t>
             </a:fld>
             <a:endParaRPr/>
           </a:p>
@@ -4614,11 +4765,11 @@
 </file>
 
 <file path=ppt/slideLayouts/slideLayout3.xml><?xml version="1.0" encoding="utf-8"?>
-<p:sldLayout xmlns:a="http://schemas.openxmlformats.org/drawingml/2006/main" xmlns:r="http://schemas.openxmlformats.org/officeDocument/2006/relationships" xmlns:mc="http://schemas.openxmlformats.org/markup-compatibility/2006" xmlns:mv="urn:schemas-microsoft-com:mac:vml" xmlns:p="http://schemas.openxmlformats.org/presentationml/2006/main" xmlns:c="http://schemas.openxmlformats.org/drawingml/2006/chart" xmlns:dgm="http://schemas.openxmlformats.org/drawingml/2006/diagram" xmlns:o="urn:schemas-microsoft-com:office:office" xmlns:v="urn:schemas-microsoft-com:vml" xmlns:pvml="urn:schemas-microsoft-com:office:powerpoint" xmlns:com="http://schemas.openxmlformats.org/drawingml/2006/compatibility" xmlns:p14="http://schemas.microsoft.com/office/powerpoint/2010/main" xmlns:p15="http://schemas.microsoft.com/office/powerpoint/2012/main" xmlns:ahyp="http://schemas.microsoft.com/office/drawing/2018/hyperlinkcolor" matchingName="Section Header" type="secHead">
+<p:sldLayout xmlns:a="http://schemas.openxmlformats.org/drawingml/2006/main" xmlns:r="http://schemas.openxmlformats.org/officeDocument/2006/relationships" xmlns:p="http://schemas.openxmlformats.org/presentationml/2006/main" matchingName="Section Header" type="secHead">
   <p:cSld name="SECTION_HEADER">
     <p:spTree>
       <p:nvGrpSpPr>
-        <p:cNvPr id="28" name="Shape 28"/>
+        <p:cNvPr id="1" name="Shape 28"/>
         <p:cNvGrpSpPr/>
         <p:nvPr/>
       </p:nvGrpSpPr>
@@ -4633,7 +4784,9 @@
       <p:sp>
         <p:nvSpPr>
           <p:cNvPr id="29" name="Google Shape;29;p4"/>
-          <p:cNvSpPr txBox="1"/>
+          <p:cNvSpPr txBox="1">
+            <a:spLocks noGrp="1"/>
+          </p:cNvSpPr>
           <p:nvPr>
             <p:ph type="title"/>
           </p:nvPr>
@@ -4652,7 +4805,7 @@
           </a:ln>
         </p:spPr>
         <p:txBody>
-          <a:bodyPr anchorCtr="0" anchor="b" bIns="45700" lIns="91425" spcFirstLastPara="1" rIns="91425" wrap="square" tIns="45700">
+          <a:bodyPr spcFirstLastPara="1" wrap="square" lIns="91425" tIns="45700" rIns="91425" bIns="45700" anchor="b" anchorCtr="0">
             <a:normAutofit/>
           </a:bodyPr>
           <a:lstStyle>
@@ -4763,15 +4916,19 @@
               <a:defRPr/>
             </a:lvl9pPr>
           </a:lstStyle>
-          <a:p/>
+          <a:p>
+            <a:endParaRPr/>
+          </a:p>
         </p:txBody>
       </p:sp>
       <p:sp>
         <p:nvSpPr>
           <p:cNvPr id="30" name="Google Shape;30;p4"/>
-          <p:cNvSpPr txBox="1"/>
+          <p:cNvSpPr txBox="1">
+            <a:spLocks noGrp="1"/>
+          </p:cNvSpPr>
           <p:nvPr>
-            <p:ph idx="1" type="body"/>
+            <p:ph type="body" idx="1"/>
           </p:nvPr>
         </p:nvSpPr>
         <p:spPr>
@@ -4788,11 +4945,11 @@
           </a:ln>
         </p:spPr>
         <p:txBody>
-          <a:bodyPr anchorCtr="0" anchor="t" bIns="45700" lIns="91425" spcFirstLastPara="1" rIns="91425" wrap="square" tIns="45700">
+          <a:bodyPr spcFirstLastPara="1" wrap="square" lIns="91425" tIns="45700" rIns="91425" bIns="45700" anchor="t" anchorCtr="0">
             <a:normAutofit/>
           </a:bodyPr>
           <a:lstStyle>
-            <a:lvl1pPr indent="-228600" lvl="0" marL="457200" algn="l">
+            <a:lvl1pPr marL="457200" lvl="0" indent="-228600" algn="l">
               <a:lnSpc>
                 <a:spcPct val="120000"/>
               </a:lnSpc>
@@ -4813,7 +4970,7 @@
                 </a:solidFill>
               </a:defRPr>
             </a:lvl1pPr>
-            <a:lvl2pPr indent="-228600" lvl="1" marL="914400" algn="l">
+            <a:lvl2pPr marL="914400" lvl="1" indent="-228600" algn="l">
               <a:lnSpc>
                 <a:spcPct val="120000"/>
               </a:lnSpc>
@@ -4834,7 +4991,7 @@
                 </a:solidFill>
               </a:defRPr>
             </a:lvl2pPr>
-            <a:lvl3pPr indent="-228600" lvl="2" marL="1371600" algn="l">
+            <a:lvl3pPr marL="1371600" lvl="2" indent="-228600" algn="l">
               <a:lnSpc>
                 <a:spcPct val="120000"/>
               </a:lnSpc>
@@ -4855,7 +5012,7 @@
                 </a:solidFill>
               </a:defRPr>
             </a:lvl3pPr>
-            <a:lvl4pPr indent="-228600" lvl="3" marL="1828800" algn="l">
+            <a:lvl4pPr marL="1828800" lvl="3" indent="-228600" algn="l">
               <a:lnSpc>
                 <a:spcPct val="120000"/>
               </a:lnSpc>
@@ -4876,7 +5033,7 @@
                 </a:solidFill>
               </a:defRPr>
             </a:lvl4pPr>
-            <a:lvl5pPr indent="-228600" lvl="4" marL="2286000" algn="l">
+            <a:lvl5pPr marL="2286000" lvl="4" indent="-228600" algn="l">
               <a:lnSpc>
                 <a:spcPct val="120000"/>
               </a:lnSpc>
@@ -4897,7 +5054,7 @@
                 </a:solidFill>
               </a:defRPr>
             </a:lvl5pPr>
-            <a:lvl6pPr indent="-228600" lvl="5" marL="2743200" algn="l">
+            <a:lvl6pPr marL="2743200" lvl="5" indent="-228600" algn="l">
               <a:lnSpc>
                 <a:spcPct val="90000"/>
               </a:lnSpc>
@@ -4918,7 +5075,7 @@
                 </a:solidFill>
               </a:defRPr>
             </a:lvl6pPr>
-            <a:lvl7pPr indent="-228600" lvl="6" marL="3200400" algn="l">
+            <a:lvl7pPr marL="3200400" lvl="6" indent="-228600" algn="l">
               <a:lnSpc>
                 <a:spcPct val="90000"/>
               </a:lnSpc>
@@ -4939,7 +5096,7 @@
                 </a:solidFill>
               </a:defRPr>
             </a:lvl7pPr>
-            <a:lvl8pPr indent="-228600" lvl="7" marL="3657600" algn="l">
+            <a:lvl8pPr marL="3657600" lvl="7" indent="-228600" algn="l">
               <a:lnSpc>
                 <a:spcPct val="90000"/>
               </a:lnSpc>
@@ -4960,7 +5117,7 @@
                 </a:solidFill>
               </a:defRPr>
             </a:lvl8pPr>
-            <a:lvl9pPr indent="-228600" lvl="8" marL="4114800" algn="l">
+            <a:lvl9pPr marL="4114800" lvl="8" indent="-228600" algn="l">
               <a:lnSpc>
                 <a:spcPct val="90000"/>
               </a:lnSpc>
@@ -4982,15 +5139,19 @@
               </a:defRPr>
             </a:lvl9pPr>
           </a:lstStyle>
-          <a:p/>
+          <a:p>
+            <a:endParaRPr/>
+          </a:p>
         </p:txBody>
       </p:sp>
       <p:sp>
         <p:nvSpPr>
           <p:cNvPr id="31" name="Google Shape;31;p4"/>
-          <p:cNvSpPr txBox="1"/>
+          <p:cNvSpPr txBox="1">
+            <a:spLocks noGrp="1"/>
+          </p:cNvSpPr>
           <p:nvPr>
-            <p:ph idx="10" type="dt"/>
+            <p:ph type="dt" idx="10"/>
           </p:nvPr>
         </p:nvSpPr>
         <p:spPr>
@@ -5007,7 +5168,7 @@
           </a:ln>
         </p:spPr>
         <p:txBody>
-          <a:bodyPr anchorCtr="0" anchor="ctr" bIns="45700" lIns="91425" spcFirstLastPara="1" rIns="91425" wrap="square" tIns="45700">
+          <a:bodyPr spcFirstLastPara="1" wrap="square" lIns="91425" tIns="45700" rIns="91425" bIns="45700" anchor="ctr" anchorCtr="0">
             <a:noAutofit/>
           </a:bodyPr>
           <a:lstStyle>
@@ -5111,15 +5272,19 @@
               <a:defRPr/>
             </a:lvl9pPr>
           </a:lstStyle>
-          <a:p/>
+          <a:p>
+            <a:endParaRPr/>
+          </a:p>
         </p:txBody>
       </p:sp>
       <p:sp>
         <p:nvSpPr>
           <p:cNvPr id="32" name="Google Shape;32;p4"/>
-          <p:cNvSpPr txBox="1"/>
+          <p:cNvSpPr txBox="1">
+            <a:spLocks noGrp="1"/>
+          </p:cNvSpPr>
           <p:nvPr>
-            <p:ph idx="11" type="ftr"/>
+            <p:ph type="ftr" idx="11"/>
           </p:nvPr>
         </p:nvSpPr>
         <p:spPr>
@@ -5136,7 +5301,7 @@
           </a:ln>
         </p:spPr>
         <p:txBody>
-          <a:bodyPr anchorCtr="0" anchor="ctr" bIns="45700" lIns="91425" spcFirstLastPara="1" rIns="91425" wrap="square" tIns="45700">
+          <a:bodyPr spcFirstLastPara="1" wrap="square" lIns="91425" tIns="45700" rIns="91425" bIns="45700" anchor="ctr" anchorCtr="0">
             <a:noAutofit/>
           </a:bodyPr>
           <a:lstStyle>
@@ -5240,15 +5405,19 @@
               <a:defRPr/>
             </a:lvl9pPr>
           </a:lstStyle>
-          <a:p/>
+          <a:p>
+            <a:endParaRPr/>
+          </a:p>
         </p:txBody>
       </p:sp>
       <p:sp>
         <p:nvSpPr>
           <p:cNvPr id="33" name="Google Shape;33;p4"/>
-          <p:cNvSpPr txBox="1"/>
+          <p:cNvSpPr txBox="1">
+            <a:spLocks noGrp="1"/>
+          </p:cNvSpPr>
           <p:nvPr>
-            <p:ph idx="12" type="sldNum"/>
+            <p:ph type="sldNum" idx="12"/>
           </p:nvPr>
         </p:nvSpPr>
         <p:spPr>
@@ -5265,67 +5434,67 @@
           </a:ln>
         </p:spPr>
         <p:txBody>
-          <a:bodyPr anchorCtr="0" anchor="ctr" bIns="45700" lIns="91425" spcFirstLastPara="1" rIns="91425" wrap="square" tIns="45700">
+          <a:bodyPr spcFirstLastPara="1" wrap="square" lIns="91425" tIns="45700" rIns="91425" bIns="45700" anchor="ctr" anchorCtr="0">
             <a:noAutofit/>
           </a:bodyPr>
           <a:lstStyle>
-            <a:lvl1pPr indent="0" lvl="0" marL="0" algn="r">
+            <a:lvl1pPr marL="0" lvl="0" indent="0" algn="r">
               <a:spcBef>
                 <a:spcPts val="0"/>
               </a:spcBef>
               <a:buNone/>
               <a:defRPr/>
             </a:lvl1pPr>
-            <a:lvl2pPr indent="0" lvl="1" marL="0" algn="r">
+            <a:lvl2pPr marL="0" lvl="1" indent="0" algn="r">
               <a:spcBef>
                 <a:spcPts val="0"/>
               </a:spcBef>
               <a:buNone/>
               <a:defRPr/>
             </a:lvl2pPr>
-            <a:lvl3pPr indent="0" lvl="2" marL="0" algn="r">
+            <a:lvl3pPr marL="0" lvl="2" indent="0" algn="r">
               <a:spcBef>
                 <a:spcPts val="0"/>
               </a:spcBef>
               <a:buNone/>
               <a:defRPr/>
             </a:lvl3pPr>
-            <a:lvl4pPr indent="0" lvl="3" marL="0" algn="r">
+            <a:lvl4pPr marL="0" lvl="3" indent="0" algn="r">
               <a:spcBef>
                 <a:spcPts val="0"/>
               </a:spcBef>
               <a:buNone/>
               <a:defRPr/>
             </a:lvl4pPr>
-            <a:lvl5pPr indent="0" lvl="4" marL="0" algn="r">
+            <a:lvl5pPr marL="0" lvl="4" indent="0" algn="r">
               <a:spcBef>
                 <a:spcPts val="0"/>
               </a:spcBef>
               <a:buNone/>
               <a:defRPr/>
             </a:lvl5pPr>
-            <a:lvl6pPr indent="0" lvl="5" marL="0" algn="r">
+            <a:lvl6pPr marL="0" lvl="5" indent="0" algn="r">
               <a:spcBef>
                 <a:spcPts val="0"/>
               </a:spcBef>
               <a:buNone/>
               <a:defRPr/>
             </a:lvl6pPr>
-            <a:lvl7pPr indent="0" lvl="6" marL="0" algn="r">
+            <a:lvl7pPr marL="0" lvl="6" indent="0" algn="r">
               <a:spcBef>
                 <a:spcPts val="0"/>
               </a:spcBef>
               <a:buNone/>
               <a:defRPr/>
             </a:lvl7pPr>
-            <a:lvl8pPr indent="0" lvl="7" marL="0" algn="r">
+            <a:lvl8pPr marL="0" lvl="7" indent="0" algn="r">
               <a:spcBef>
                 <a:spcPts val="0"/>
               </a:spcBef>
               <a:buNone/>
               <a:defRPr/>
             </a:lvl8pPr>
-            <a:lvl9pPr indent="0" lvl="8" marL="0" algn="r">
+            <a:lvl9pPr marL="0" lvl="8" indent="0" algn="r">
               <a:spcBef>
                 <a:spcPts val="0"/>
               </a:spcBef>
@@ -5334,7 +5503,7 @@
             </a:lvl9pPr>
           </a:lstStyle>
           <a:p>
-            <a:pPr indent="0" lvl="0" marL="0" rtl="0" algn="r">
+            <a:pPr marL="0" lvl="0" indent="0" algn="r" rtl="0">
               <a:spcBef>
                 <a:spcPts val="0"/>
               </a:spcBef>
@@ -5345,7 +5514,7 @@
             </a:pPr>
             <a:fld id="{00000000-1234-1234-1234-123412341234}" type="slidenum">
               <a:rPr lang="en-US"/>
-              <a:t>‹#›</a:t>
+              <a:t>‹Nº›</a:t>
             </a:fld>
             <a:endParaRPr/>
           </a:p>
@@ -5360,11 +5529,11 @@
 </file>
 
 <file path=ppt/slideLayouts/slideLayout4.xml><?xml version="1.0" encoding="utf-8"?>
-<p:sldLayout xmlns:a="http://schemas.openxmlformats.org/drawingml/2006/main" xmlns:r="http://schemas.openxmlformats.org/officeDocument/2006/relationships" xmlns:mc="http://schemas.openxmlformats.org/markup-compatibility/2006" xmlns:mv="urn:schemas-microsoft-com:mac:vml" xmlns:p="http://schemas.openxmlformats.org/presentationml/2006/main" xmlns:c="http://schemas.openxmlformats.org/drawingml/2006/chart" xmlns:dgm="http://schemas.openxmlformats.org/drawingml/2006/diagram" xmlns:o="urn:schemas-microsoft-com:office:office" xmlns:v="urn:schemas-microsoft-com:vml" xmlns:pvml="urn:schemas-microsoft-com:office:powerpoint" xmlns:com="http://schemas.openxmlformats.org/drawingml/2006/compatibility" xmlns:p14="http://schemas.microsoft.com/office/powerpoint/2010/main" xmlns:p15="http://schemas.microsoft.com/office/powerpoint/2012/main" xmlns:ahyp="http://schemas.microsoft.com/office/drawing/2018/hyperlinkcolor" matchingName="Two Content" type="twoObj">
+<p:sldLayout xmlns:a="http://schemas.openxmlformats.org/drawingml/2006/main" xmlns:r="http://schemas.openxmlformats.org/officeDocument/2006/relationships" xmlns:p="http://schemas.openxmlformats.org/presentationml/2006/main" matchingName="Two Content" type="twoObj">
   <p:cSld name="TWO_OBJECTS">
     <p:spTree>
       <p:nvGrpSpPr>
-        <p:cNvPr id="34" name="Shape 34"/>
+        <p:cNvPr id="1" name="Shape 34"/>
         <p:cNvGrpSpPr/>
         <p:nvPr/>
       </p:nvGrpSpPr>
@@ -5379,7 +5548,9 @@
       <p:sp>
         <p:nvSpPr>
           <p:cNvPr id="35" name="Google Shape;35;p5"/>
-          <p:cNvSpPr txBox="1"/>
+          <p:cNvSpPr txBox="1">
+            <a:spLocks noGrp="1"/>
+          </p:cNvSpPr>
           <p:nvPr>
             <p:ph type="title"/>
           </p:nvPr>
@@ -5398,7 +5569,7 @@
           </a:ln>
         </p:spPr>
         <p:txBody>
-          <a:bodyPr anchorCtr="0" anchor="b" bIns="45700" lIns="91425" spcFirstLastPara="1" rIns="91425" wrap="square" tIns="45700">
+          <a:bodyPr spcFirstLastPara="1" wrap="square" lIns="91425" tIns="45700" rIns="91425" bIns="45700" anchor="b" anchorCtr="0">
             <a:normAutofit/>
           </a:bodyPr>
           <a:lstStyle>
@@ -5508,15 +5679,19 @@
               <a:defRPr/>
             </a:lvl9pPr>
           </a:lstStyle>
-          <a:p/>
+          <a:p>
+            <a:endParaRPr/>
+          </a:p>
         </p:txBody>
       </p:sp>
       <p:sp>
         <p:nvSpPr>
           <p:cNvPr id="36" name="Google Shape;36;p5"/>
-          <p:cNvSpPr txBox="1"/>
+          <p:cNvSpPr txBox="1">
+            <a:spLocks noGrp="1"/>
+          </p:cNvSpPr>
           <p:nvPr>
-            <p:ph idx="1" type="body"/>
+            <p:ph type="body" idx="1"/>
           </p:nvPr>
         </p:nvSpPr>
         <p:spPr>
@@ -5533,11 +5708,11 @@
           </a:ln>
         </p:spPr>
         <p:txBody>
-          <a:bodyPr anchorCtr="0" anchor="t" bIns="45700" lIns="91425" spcFirstLastPara="1" rIns="91425" wrap="square" tIns="45700">
+          <a:bodyPr spcFirstLastPara="1" wrap="square" lIns="91425" tIns="45700" rIns="91425" bIns="45700" anchor="t" anchorCtr="0">
             <a:normAutofit/>
           </a:bodyPr>
           <a:lstStyle>
-            <a:lvl1pPr indent="-342900" lvl="0" marL="457200" algn="l">
+            <a:lvl1pPr marL="457200" lvl="0" indent="-342900" algn="l">
               <a:lnSpc>
                 <a:spcPct val="120000"/>
               </a:lnSpc>
@@ -5554,7 +5729,7 @@
               <a:buChar char="•"/>
               <a:defRPr/>
             </a:lvl1pPr>
-            <a:lvl2pPr indent="-342900" lvl="1" marL="914400" algn="l">
+            <a:lvl2pPr marL="914400" lvl="1" indent="-342900" algn="l">
               <a:lnSpc>
                 <a:spcPct val="120000"/>
               </a:lnSpc>
@@ -5571,7 +5746,7 @@
               <a:buChar char="+"/>
               <a:defRPr/>
             </a:lvl2pPr>
-            <a:lvl3pPr indent="-342900" lvl="2" marL="1371600" algn="l">
+            <a:lvl3pPr marL="1371600" lvl="2" indent="-342900" algn="l">
               <a:lnSpc>
                 <a:spcPct val="120000"/>
               </a:lnSpc>
@@ -5588,7 +5763,7 @@
               <a:buChar char="•"/>
               <a:defRPr/>
             </a:lvl3pPr>
-            <a:lvl4pPr indent="-342900" lvl="3" marL="1828800" algn="l">
+            <a:lvl4pPr marL="1828800" lvl="3" indent="-342900" algn="l">
               <a:lnSpc>
                 <a:spcPct val="120000"/>
               </a:lnSpc>
@@ -5605,7 +5780,7 @@
               <a:buChar char="+"/>
               <a:defRPr/>
             </a:lvl4pPr>
-            <a:lvl5pPr indent="-342900" lvl="4" marL="2286000" algn="l">
+            <a:lvl5pPr marL="2286000" lvl="4" indent="-342900" algn="l">
               <a:lnSpc>
                 <a:spcPct val="120000"/>
               </a:lnSpc>
@@ -5622,7 +5797,7 @@
               <a:buChar char="•"/>
               <a:defRPr/>
             </a:lvl5pPr>
-            <a:lvl6pPr indent="-342900" lvl="5" marL="2743200" algn="l">
+            <a:lvl6pPr marL="2743200" lvl="5" indent="-342900" algn="l">
               <a:lnSpc>
                 <a:spcPct val="90000"/>
               </a:lnSpc>
@@ -5639,7 +5814,7 @@
               <a:buChar char="•"/>
               <a:defRPr/>
             </a:lvl6pPr>
-            <a:lvl7pPr indent="-342900" lvl="6" marL="3200400" algn="l">
+            <a:lvl7pPr marL="3200400" lvl="6" indent="-342900" algn="l">
               <a:lnSpc>
                 <a:spcPct val="90000"/>
               </a:lnSpc>
@@ -5656,7 +5831,7 @@
               <a:buChar char="•"/>
               <a:defRPr/>
             </a:lvl7pPr>
-            <a:lvl8pPr indent="-342900" lvl="7" marL="3657600" algn="l">
+            <a:lvl8pPr marL="3657600" lvl="7" indent="-342900" algn="l">
               <a:lnSpc>
                 <a:spcPct val="90000"/>
               </a:lnSpc>
@@ -5673,7 +5848,7 @@
               <a:buChar char="•"/>
               <a:defRPr/>
             </a:lvl8pPr>
-            <a:lvl9pPr indent="-342900" lvl="8" marL="4114800" algn="l">
+            <a:lvl9pPr marL="4114800" lvl="8" indent="-342900" algn="l">
               <a:lnSpc>
                 <a:spcPct val="90000"/>
               </a:lnSpc>
@@ -5691,15 +5866,19 @@
               <a:defRPr/>
             </a:lvl9pPr>
           </a:lstStyle>
-          <a:p/>
+          <a:p>
+            <a:endParaRPr/>
+          </a:p>
         </p:txBody>
       </p:sp>
       <p:sp>
         <p:nvSpPr>
           <p:cNvPr id="37" name="Google Shape;37;p5"/>
-          <p:cNvSpPr txBox="1"/>
+          <p:cNvSpPr txBox="1">
+            <a:spLocks noGrp="1"/>
+          </p:cNvSpPr>
           <p:nvPr>
-            <p:ph idx="2" type="body"/>
+            <p:ph type="body" idx="2"/>
           </p:nvPr>
         </p:nvSpPr>
         <p:spPr>
@@ -5716,11 +5895,11 @@
           </a:ln>
         </p:spPr>
         <p:txBody>
-          <a:bodyPr anchorCtr="0" anchor="t" bIns="45700" lIns="91425" spcFirstLastPara="1" rIns="91425" wrap="square" tIns="45700">
+          <a:bodyPr spcFirstLastPara="1" wrap="square" lIns="91425" tIns="45700" rIns="91425" bIns="45700" anchor="t" anchorCtr="0">
             <a:normAutofit/>
           </a:bodyPr>
           <a:lstStyle>
-            <a:lvl1pPr indent="-342900" lvl="0" marL="457200" algn="l">
+            <a:lvl1pPr marL="457200" lvl="0" indent="-342900" algn="l">
               <a:lnSpc>
                 <a:spcPct val="120000"/>
               </a:lnSpc>
@@ -5737,7 +5916,7 @@
               <a:buChar char="•"/>
               <a:defRPr/>
             </a:lvl1pPr>
-            <a:lvl2pPr indent="-342900" lvl="1" marL="914400" algn="l">
+            <a:lvl2pPr marL="914400" lvl="1" indent="-342900" algn="l">
               <a:lnSpc>
                 <a:spcPct val="120000"/>
               </a:lnSpc>
@@ -5754,7 +5933,7 @@
               <a:buChar char="+"/>
               <a:defRPr/>
             </a:lvl2pPr>
-            <a:lvl3pPr indent="-342900" lvl="2" marL="1371600" algn="l">
+            <a:lvl3pPr marL="1371600" lvl="2" indent="-342900" algn="l">
               <a:lnSpc>
                 <a:spcPct val="120000"/>
               </a:lnSpc>
@@ -5771,7 +5950,7 @@
               <a:buChar char="•"/>
               <a:defRPr/>
             </a:lvl3pPr>
-            <a:lvl4pPr indent="-342900" lvl="3" marL="1828800" algn="l">
+            <a:lvl4pPr marL="1828800" lvl="3" indent="-342900" algn="l">
               <a:lnSpc>
                 <a:spcPct val="120000"/>
               </a:lnSpc>
@@ -5788,7 +5967,7 @@
               <a:buChar char="+"/>
               <a:defRPr/>
             </a:lvl4pPr>
-            <a:lvl5pPr indent="-342900" lvl="4" marL="2286000" algn="l">
+            <a:lvl5pPr marL="2286000" lvl="4" indent="-342900" algn="l">
               <a:lnSpc>
                 <a:spcPct val="120000"/>
               </a:lnSpc>
@@ -5805,7 +5984,7 @@
               <a:buChar char="•"/>
               <a:defRPr/>
             </a:lvl5pPr>
-            <a:lvl6pPr indent="-342900" lvl="5" marL="2743200" algn="l">
+            <a:lvl6pPr marL="2743200" lvl="5" indent="-342900" algn="l">
               <a:lnSpc>
                 <a:spcPct val="90000"/>
               </a:lnSpc>
@@ -5822,7 +6001,7 @@
               <a:buChar char="•"/>
               <a:defRPr/>
             </a:lvl6pPr>
-            <a:lvl7pPr indent="-342900" lvl="6" marL="3200400" algn="l">
+            <a:lvl7pPr marL="3200400" lvl="6" indent="-342900" algn="l">
               <a:lnSpc>
                 <a:spcPct val="90000"/>
               </a:lnSpc>
@@ -5839,7 +6018,7 @@
               <a:buChar char="•"/>
               <a:defRPr/>
             </a:lvl7pPr>
-            <a:lvl8pPr indent="-342900" lvl="7" marL="3657600" algn="l">
+            <a:lvl8pPr marL="3657600" lvl="7" indent="-342900" algn="l">
               <a:lnSpc>
                 <a:spcPct val="90000"/>
               </a:lnSpc>
@@ -5856,7 +6035,7 @@
               <a:buChar char="•"/>
               <a:defRPr/>
             </a:lvl8pPr>
-            <a:lvl9pPr indent="-342900" lvl="8" marL="4114800" algn="l">
+            <a:lvl9pPr marL="4114800" lvl="8" indent="-342900" algn="l">
               <a:lnSpc>
                 <a:spcPct val="90000"/>
               </a:lnSpc>
@@ -5874,15 +6053,19 @@
               <a:defRPr/>
             </a:lvl9pPr>
           </a:lstStyle>
-          <a:p/>
+          <a:p>
+            <a:endParaRPr/>
+          </a:p>
         </p:txBody>
       </p:sp>
       <p:sp>
         <p:nvSpPr>
           <p:cNvPr id="38" name="Google Shape;38;p5"/>
-          <p:cNvSpPr txBox="1"/>
+          <p:cNvSpPr txBox="1">
+            <a:spLocks noGrp="1"/>
+          </p:cNvSpPr>
           <p:nvPr>
-            <p:ph idx="10" type="dt"/>
+            <p:ph type="dt" idx="10"/>
           </p:nvPr>
         </p:nvSpPr>
         <p:spPr>
@@ -5899,7 +6082,7 @@
           </a:ln>
         </p:spPr>
         <p:txBody>
-          <a:bodyPr anchorCtr="0" anchor="ctr" bIns="45700" lIns="91425" spcFirstLastPara="1" rIns="91425" wrap="square" tIns="45700">
+          <a:bodyPr spcFirstLastPara="1" wrap="square" lIns="91425" tIns="45700" rIns="91425" bIns="45700" anchor="ctr" anchorCtr="0">
             <a:noAutofit/>
           </a:bodyPr>
           <a:lstStyle>
@@ -6003,15 +6186,19 @@
               <a:defRPr/>
             </a:lvl9pPr>
           </a:lstStyle>
-          <a:p/>
+          <a:p>
+            <a:endParaRPr/>
+          </a:p>
         </p:txBody>
       </p:sp>
       <p:sp>
         <p:nvSpPr>
           <p:cNvPr id="39" name="Google Shape;39;p5"/>
-          <p:cNvSpPr txBox="1"/>
+          <p:cNvSpPr txBox="1">
+            <a:spLocks noGrp="1"/>
+          </p:cNvSpPr>
           <p:nvPr>
-            <p:ph idx="11" type="ftr"/>
+            <p:ph type="ftr" idx="11"/>
           </p:nvPr>
         </p:nvSpPr>
         <p:spPr>
@@ -6028,7 +6215,7 @@
           </a:ln>
         </p:spPr>
         <p:txBody>
-          <a:bodyPr anchorCtr="0" anchor="ctr" bIns="45700" lIns="91425" spcFirstLastPara="1" rIns="91425" wrap="square" tIns="45700">
+          <a:bodyPr spcFirstLastPara="1" wrap="square" lIns="91425" tIns="45700" rIns="91425" bIns="45700" anchor="ctr" anchorCtr="0">
             <a:noAutofit/>
           </a:bodyPr>
           <a:lstStyle>
@@ -6132,15 +6319,19 @@
               <a:defRPr/>
             </a:lvl9pPr>
           </a:lstStyle>
-          <a:p/>
+          <a:p>
+            <a:endParaRPr/>
+          </a:p>
         </p:txBody>
       </p:sp>
       <p:sp>
         <p:nvSpPr>
           <p:cNvPr id="40" name="Google Shape;40;p5"/>
-          <p:cNvSpPr txBox="1"/>
+          <p:cNvSpPr txBox="1">
+            <a:spLocks noGrp="1"/>
+          </p:cNvSpPr>
           <p:nvPr>
-            <p:ph idx="12" type="sldNum"/>
+            <p:ph type="sldNum" idx="12"/>
           </p:nvPr>
         </p:nvSpPr>
         <p:spPr>
@@ -6157,67 +6348,67 @@
           </a:ln>
         </p:spPr>
         <p:txBody>
-          <a:bodyPr anchorCtr="0" anchor="ctr" bIns="45700" lIns="91425" spcFirstLastPara="1" rIns="91425" wrap="square" tIns="45700">
+          <a:bodyPr spcFirstLastPara="1" wrap="square" lIns="91425" tIns="45700" rIns="91425" bIns="45700" anchor="ctr" anchorCtr="0">
             <a:noAutofit/>
           </a:bodyPr>
           <a:lstStyle>
-            <a:lvl1pPr indent="0" lvl="0" marL="0" algn="r">
+            <a:lvl1pPr marL="0" lvl="0" indent="0" algn="r">
               <a:spcBef>
                 <a:spcPts val="0"/>
               </a:spcBef>
               <a:buNone/>
               <a:defRPr/>
             </a:lvl1pPr>
-            <a:lvl2pPr indent="0" lvl="1" marL="0" algn="r">
+            <a:lvl2pPr marL="0" lvl="1" indent="0" algn="r">
               <a:spcBef>
                 <a:spcPts val="0"/>
               </a:spcBef>
               <a:buNone/>
               <a:defRPr/>
             </a:lvl2pPr>
-            <a:lvl3pPr indent="0" lvl="2" marL="0" algn="r">
+            <a:lvl3pPr marL="0" lvl="2" indent="0" algn="r">
               <a:spcBef>
                 <a:spcPts val="0"/>
               </a:spcBef>
               <a:buNone/>
               <a:defRPr/>
             </a:lvl3pPr>
-            <a:lvl4pPr indent="0" lvl="3" marL="0" algn="r">
+            <a:lvl4pPr marL="0" lvl="3" indent="0" algn="r">
               <a:spcBef>
                 <a:spcPts val="0"/>
               </a:spcBef>
               <a:buNone/>
               <a:defRPr/>
             </a:lvl4pPr>
-            <a:lvl5pPr indent="0" lvl="4" marL="0" algn="r">
+            <a:lvl5pPr marL="0" lvl="4" indent="0" algn="r">
               <a:spcBef>
                 <a:spcPts val="0"/>
               </a:spcBef>
               <a:buNone/>
               <a:defRPr/>
             </a:lvl5pPr>
-            <a:lvl6pPr indent="0" lvl="5" marL="0" algn="r">
+            <a:lvl6pPr marL="0" lvl="5" indent="0" algn="r">
               <a:spcBef>
                 <a:spcPts val="0"/>
               </a:spcBef>
               <a:buNone/>
               <a:defRPr/>
             </a:lvl6pPr>
-            <a:lvl7pPr indent="0" lvl="6" marL="0" algn="r">
+            <a:lvl7pPr marL="0" lvl="6" indent="0" algn="r">
               <a:spcBef>
                 <a:spcPts val="0"/>
               </a:spcBef>
               <a:buNone/>
               <a:defRPr/>
             </a:lvl7pPr>
-            <a:lvl8pPr indent="0" lvl="7" marL="0" algn="r">
+            <a:lvl8pPr marL="0" lvl="7" indent="0" algn="r">
               <a:spcBef>
                 <a:spcPts val="0"/>
               </a:spcBef>
               <a:buNone/>
               <a:defRPr/>
             </a:lvl8pPr>
-            <a:lvl9pPr indent="0" lvl="8" marL="0" algn="r">
+            <a:lvl9pPr marL="0" lvl="8" indent="0" algn="r">
               <a:spcBef>
                 <a:spcPts val="0"/>
               </a:spcBef>
@@ -6226,7 +6417,7 @@
             </a:lvl9pPr>
           </a:lstStyle>
           <a:p>
-            <a:pPr indent="0" lvl="0" marL="0" rtl="0" algn="r">
+            <a:pPr marL="0" lvl="0" indent="0" algn="r" rtl="0">
               <a:spcBef>
                 <a:spcPts val="0"/>
               </a:spcBef>
@@ -6237,7 +6428,7 @@
             </a:pPr>
             <a:fld id="{00000000-1234-1234-1234-123412341234}" type="slidenum">
               <a:rPr lang="en-US"/>
-              <a:t>‹#›</a:t>
+              <a:t>‹Nº›</a:t>
             </a:fld>
             <a:endParaRPr/>
           </a:p>
@@ -6252,11 +6443,11 @@
 </file>
 
 <file path=ppt/slideLayouts/slideLayout5.xml><?xml version="1.0" encoding="utf-8"?>
-<p:sldLayout xmlns:a="http://schemas.openxmlformats.org/drawingml/2006/main" xmlns:r="http://schemas.openxmlformats.org/officeDocument/2006/relationships" xmlns:mc="http://schemas.openxmlformats.org/markup-compatibility/2006" xmlns:mv="urn:schemas-microsoft-com:mac:vml" xmlns:p="http://schemas.openxmlformats.org/presentationml/2006/main" xmlns:c="http://schemas.openxmlformats.org/drawingml/2006/chart" xmlns:dgm="http://schemas.openxmlformats.org/drawingml/2006/diagram" xmlns:o="urn:schemas-microsoft-com:office:office" xmlns:v="urn:schemas-microsoft-com:vml" xmlns:pvml="urn:schemas-microsoft-com:office:powerpoint" xmlns:com="http://schemas.openxmlformats.org/drawingml/2006/compatibility" xmlns:p14="http://schemas.microsoft.com/office/powerpoint/2010/main" xmlns:p15="http://schemas.microsoft.com/office/powerpoint/2012/main" xmlns:ahyp="http://schemas.microsoft.com/office/drawing/2018/hyperlinkcolor" matchingName="Comparison" type="twoTxTwoObj">
+<p:sldLayout xmlns:a="http://schemas.openxmlformats.org/drawingml/2006/main" xmlns:r="http://schemas.openxmlformats.org/officeDocument/2006/relationships" xmlns:p="http://schemas.openxmlformats.org/presentationml/2006/main" matchingName="Comparison" type="twoTxTwoObj">
   <p:cSld name="TWO_OBJECTS_WITH_TEXT">
     <p:spTree>
       <p:nvGrpSpPr>
-        <p:cNvPr id="41" name="Shape 41"/>
+        <p:cNvPr id="1" name="Shape 41"/>
         <p:cNvGrpSpPr/>
         <p:nvPr/>
       </p:nvGrpSpPr>
@@ -6271,7 +6462,9 @@
       <p:sp>
         <p:nvSpPr>
           <p:cNvPr id="42" name="Google Shape;42;p6"/>
-          <p:cNvSpPr txBox="1"/>
+          <p:cNvSpPr txBox="1">
+            <a:spLocks noGrp="1"/>
+          </p:cNvSpPr>
           <p:nvPr>
             <p:ph type="title"/>
           </p:nvPr>
@@ -6290,7 +6483,7 @@
           </a:ln>
         </p:spPr>
         <p:txBody>
-          <a:bodyPr anchorCtr="0" anchor="b" bIns="45700" lIns="91425" spcFirstLastPara="1" rIns="91425" wrap="square" tIns="45700">
+          <a:bodyPr spcFirstLastPara="1" wrap="square" lIns="91425" tIns="45700" rIns="91425" bIns="45700" anchor="b" anchorCtr="0">
             <a:normAutofit/>
           </a:bodyPr>
           <a:lstStyle>
@@ -6400,15 +6593,19 @@
               <a:defRPr/>
             </a:lvl9pPr>
           </a:lstStyle>
-          <a:p/>
+          <a:p>
+            <a:endParaRPr/>
+          </a:p>
         </p:txBody>
       </p:sp>
       <p:sp>
         <p:nvSpPr>
           <p:cNvPr id="43" name="Google Shape;43;p6"/>
-          <p:cNvSpPr txBox="1"/>
+          <p:cNvSpPr txBox="1">
+            <a:spLocks noGrp="1"/>
+          </p:cNvSpPr>
           <p:nvPr>
-            <p:ph idx="1" type="body"/>
+            <p:ph type="body" idx="1"/>
           </p:nvPr>
         </p:nvSpPr>
         <p:spPr>
@@ -6425,11 +6622,11 @@
           </a:ln>
         </p:spPr>
         <p:txBody>
-          <a:bodyPr anchorCtr="0" anchor="b" bIns="45700" lIns="91425" spcFirstLastPara="1" rIns="91425" wrap="square" tIns="45700">
+          <a:bodyPr spcFirstLastPara="1" wrap="square" lIns="91425" tIns="45700" rIns="91425" bIns="45700" anchor="b" anchorCtr="0">
             <a:normAutofit/>
           </a:bodyPr>
           <a:lstStyle>
-            <a:lvl1pPr indent="-228600" lvl="0" marL="457200" algn="l">
+            <a:lvl1pPr marL="457200" lvl="0" indent="-228600" algn="l">
               <a:lnSpc>
                 <a:spcPct val="120000"/>
               </a:lnSpc>
@@ -6444,9 +6641,9 @@
               </a:buClr>
               <a:buSzPts val="2000"/>
               <a:buNone/>
-              <a:defRPr b="1" sz="2000" cap="none"/>
+              <a:defRPr sz="2000" b="1" cap="none"/>
             </a:lvl1pPr>
-            <a:lvl2pPr indent="-228600" lvl="1" marL="914400" algn="l">
+            <a:lvl2pPr marL="914400" lvl="1" indent="-228600" algn="l">
               <a:lnSpc>
                 <a:spcPct val="120000"/>
               </a:lnSpc>
@@ -6461,9 +6658,9 @@
               </a:buClr>
               <a:buSzPts val="2000"/>
               <a:buNone/>
-              <a:defRPr b="1" sz="2000"/>
+              <a:defRPr sz="2000" b="1"/>
             </a:lvl2pPr>
-            <a:lvl3pPr indent="-228600" lvl="2" marL="1371600" algn="l">
+            <a:lvl3pPr marL="1371600" lvl="2" indent="-228600" algn="l">
               <a:lnSpc>
                 <a:spcPct val="120000"/>
               </a:lnSpc>
@@ -6478,9 +6675,9 @@
               </a:buClr>
               <a:buSzPts val="1800"/>
               <a:buNone/>
-              <a:defRPr b="1" sz="1800"/>
+              <a:defRPr sz="1800" b="1"/>
             </a:lvl3pPr>
-            <a:lvl4pPr indent="-228600" lvl="3" marL="1828800" algn="l">
+            <a:lvl4pPr marL="1828800" lvl="3" indent="-228600" algn="l">
               <a:lnSpc>
                 <a:spcPct val="120000"/>
               </a:lnSpc>
@@ -6495,9 +6692,9 @@
               </a:buClr>
               <a:buSzPts val="1600"/>
               <a:buNone/>
-              <a:defRPr b="1" sz="1600"/>
+              <a:defRPr sz="1600" b="1"/>
             </a:lvl4pPr>
-            <a:lvl5pPr indent="-228600" lvl="4" marL="2286000" algn="l">
+            <a:lvl5pPr marL="2286000" lvl="4" indent="-228600" algn="l">
               <a:lnSpc>
                 <a:spcPct val="120000"/>
               </a:lnSpc>
@@ -6512,9 +6709,9 @@
               </a:buClr>
               <a:buSzPts val="1600"/>
               <a:buNone/>
-              <a:defRPr b="1" sz="1600"/>
+              <a:defRPr sz="1600" b="1"/>
             </a:lvl5pPr>
-            <a:lvl6pPr indent="-228600" lvl="5" marL="2743200" algn="l">
+            <a:lvl6pPr marL="2743200" lvl="5" indent="-228600" algn="l">
               <a:lnSpc>
                 <a:spcPct val="90000"/>
               </a:lnSpc>
@@ -6529,9 +6726,9 @@
               </a:buClr>
               <a:buSzPts val="1600"/>
               <a:buNone/>
-              <a:defRPr b="1" sz="1600"/>
+              <a:defRPr sz="1600" b="1"/>
             </a:lvl6pPr>
-            <a:lvl7pPr indent="-228600" lvl="6" marL="3200400" algn="l">
+            <a:lvl7pPr marL="3200400" lvl="6" indent="-228600" algn="l">
               <a:lnSpc>
                 <a:spcPct val="90000"/>
               </a:lnSpc>
@@ -6546,9 +6743,9 @@
               </a:buClr>
               <a:buSzPts val="1600"/>
               <a:buNone/>
-              <a:defRPr b="1" sz="1600"/>
+              <a:defRPr sz="1600" b="1"/>
             </a:lvl7pPr>
-            <a:lvl8pPr indent="-228600" lvl="7" marL="3657600" algn="l">
+            <a:lvl8pPr marL="3657600" lvl="7" indent="-228600" algn="l">
               <a:lnSpc>
                 <a:spcPct val="90000"/>
               </a:lnSpc>
@@ -6563,9 +6760,9 @@
               </a:buClr>
               <a:buSzPts val="1600"/>
               <a:buNone/>
-              <a:defRPr b="1" sz="1600"/>
+              <a:defRPr sz="1600" b="1"/>
             </a:lvl8pPr>
-            <a:lvl9pPr indent="-228600" lvl="8" marL="4114800" algn="l">
+            <a:lvl9pPr marL="4114800" lvl="8" indent="-228600" algn="l">
               <a:lnSpc>
                 <a:spcPct val="90000"/>
               </a:lnSpc>
@@ -6580,18 +6777,22 @@
               </a:buClr>
               <a:buSzPts val="1600"/>
               <a:buNone/>
-              <a:defRPr b="1" sz="1600"/>
+              <a:defRPr sz="1600" b="1"/>
             </a:lvl9pPr>
           </a:lstStyle>
-          <a:p/>
+          <a:p>
+            <a:endParaRPr/>
+          </a:p>
         </p:txBody>
       </p:sp>
       <p:sp>
         <p:nvSpPr>
           <p:cNvPr id="44" name="Google Shape;44;p6"/>
-          <p:cNvSpPr txBox="1"/>
+          <p:cNvSpPr txBox="1">
+            <a:spLocks noGrp="1"/>
+          </p:cNvSpPr>
           <p:nvPr>
-            <p:ph idx="2" type="body"/>
+            <p:ph type="body" idx="2"/>
           </p:nvPr>
         </p:nvSpPr>
         <p:spPr>
@@ -6608,11 +6809,11 @@
           </a:ln>
         </p:spPr>
         <p:txBody>
-          <a:bodyPr anchorCtr="0" anchor="t" bIns="45700" lIns="91425" spcFirstLastPara="1" rIns="91425" wrap="square" tIns="45700">
+          <a:bodyPr spcFirstLastPara="1" wrap="square" lIns="91425" tIns="45700" rIns="91425" bIns="45700" anchor="t" anchorCtr="0">
             <a:normAutofit/>
           </a:bodyPr>
           <a:lstStyle>
-            <a:lvl1pPr indent="-342900" lvl="0" marL="457200" algn="l">
+            <a:lvl1pPr marL="457200" lvl="0" indent="-342900" algn="l">
               <a:lnSpc>
                 <a:spcPct val="120000"/>
               </a:lnSpc>
@@ -6629,7 +6830,7 @@
               <a:buChar char="•"/>
               <a:defRPr/>
             </a:lvl1pPr>
-            <a:lvl2pPr indent="-342900" lvl="1" marL="914400" algn="l">
+            <a:lvl2pPr marL="914400" lvl="1" indent="-342900" algn="l">
               <a:lnSpc>
                 <a:spcPct val="120000"/>
               </a:lnSpc>
@@ -6646,7 +6847,7 @@
               <a:buChar char="+"/>
               <a:defRPr/>
             </a:lvl2pPr>
-            <a:lvl3pPr indent="-342900" lvl="2" marL="1371600" algn="l">
+            <a:lvl3pPr marL="1371600" lvl="2" indent="-342900" algn="l">
               <a:lnSpc>
                 <a:spcPct val="120000"/>
               </a:lnSpc>
@@ -6663,7 +6864,7 @@
               <a:buChar char="•"/>
               <a:defRPr/>
             </a:lvl3pPr>
-            <a:lvl4pPr indent="-342900" lvl="3" marL="1828800" algn="l">
+            <a:lvl4pPr marL="1828800" lvl="3" indent="-342900" algn="l">
               <a:lnSpc>
                 <a:spcPct val="120000"/>
               </a:lnSpc>
@@ -6680,7 +6881,7 @@
               <a:buChar char="+"/>
               <a:defRPr/>
             </a:lvl4pPr>
-            <a:lvl5pPr indent="-342900" lvl="4" marL="2286000" algn="l">
+            <a:lvl5pPr marL="2286000" lvl="4" indent="-342900" algn="l">
               <a:lnSpc>
                 <a:spcPct val="120000"/>
               </a:lnSpc>
@@ -6697,7 +6898,7 @@
               <a:buChar char="•"/>
               <a:defRPr/>
             </a:lvl5pPr>
-            <a:lvl6pPr indent="-342900" lvl="5" marL="2743200" algn="l">
+            <a:lvl6pPr marL="2743200" lvl="5" indent="-342900" algn="l">
               <a:lnSpc>
                 <a:spcPct val="90000"/>
               </a:lnSpc>
@@ -6714,7 +6915,7 @@
               <a:buChar char="•"/>
               <a:defRPr/>
             </a:lvl6pPr>
-            <a:lvl7pPr indent="-342900" lvl="6" marL="3200400" algn="l">
+            <a:lvl7pPr marL="3200400" lvl="6" indent="-342900" algn="l">
               <a:lnSpc>
                 <a:spcPct val="90000"/>
               </a:lnSpc>
@@ -6731,7 +6932,7 @@
               <a:buChar char="•"/>
               <a:defRPr/>
             </a:lvl7pPr>
-            <a:lvl8pPr indent="-342900" lvl="7" marL="3657600" algn="l">
+            <a:lvl8pPr marL="3657600" lvl="7" indent="-342900" algn="l">
               <a:lnSpc>
                 <a:spcPct val="90000"/>
               </a:lnSpc>
@@ -6748,7 +6949,7 @@
               <a:buChar char="•"/>
               <a:defRPr/>
             </a:lvl8pPr>
-            <a:lvl9pPr indent="-342900" lvl="8" marL="4114800" algn="l">
+            <a:lvl9pPr marL="4114800" lvl="8" indent="-342900" algn="l">
               <a:lnSpc>
                 <a:spcPct val="90000"/>
               </a:lnSpc>
@@ -6766,15 +6967,19 @@
               <a:defRPr/>
             </a:lvl9pPr>
           </a:lstStyle>
-          <a:p/>
+          <a:p>
+            <a:endParaRPr/>
+          </a:p>
         </p:txBody>
       </p:sp>
       <p:sp>
         <p:nvSpPr>
           <p:cNvPr id="45" name="Google Shape;45;p6"/>
-          <p:cNvSpPr txBox="1"/>
+          <p:cNvSpPr txBox="1">
+            <a:spLocks noGrp="1"/>
+          </p:cNvSpPr>
           <p:nvPr>
-            <p:ph idx="3" type="body"/>
+            <p:ph type="body" idx="3"/>
           </p:nvPr>
         </p:nvSpPr>
         <p:spPr>
@@ -6791,11 +6996,11 @@
           </a:ln>
         </p:spPr>
         <p:txBody>
-          <a:bodyPr anchorCtr="0" anchor="b" bIns="45700" lIns="91425" spcFirstLastPara="1" rIns="91425" wrap="square" tIns="45700">
+          <a:bodyPr spcFirstLastPara="1" wrap="square" lIns="91425" tIns="45700" rIns="91425" bIns="45700" anchor="b" anchorCtr="0">
             <a:normAutofit/>
           </a:bodyPr>
           <a:lstStyle>
-            <a:lvl1pPr indent="-228600" lvl="0" marL="457200" algn="l">
+            <a:lvl1pPr marL="457200" lvl="0" indent="-228600" algn="l">
               <a:lnSpc>
                 <a:spcPct val="120000"/>
               </a:lnSpc>
@@ -6810,9 +7015,9 @@
               </a:buClr>
               <a:buSzPts val="2000"/>
               <a:buNone/>
-              <a:defRPr b="1" sz="2000" cap="none"/>
+              <a:defRPr sz="2000" b="1" cap="none"/>
             </a:lvl1pPr>
-            <a:lvl2pPr indent="-228600" lvl="1" marL="914400" algn="l">
+            <a:lvl2pPr marL="914400" lvl="1" indent="-228600" algn="l">
               <a:lnSpc>
                 <a:spcPct val="120000"/>
               </a:lnSpc>
@@ -6827,9 +7032,9 @@
               </a:buClr>
               <a:buSzPts val="2000"/>
               <a:buNone/>
-              <a:defRPr b="1" sz="2000"/>
+              <a:defRPr sz="2000" b="1"/>
             </a:lvl2pPr>
-            <a:lvl3pPr indent="-228600" lvl="2" marL="1371600" algn="l">
+            <a:lvl3pPr marL="1371600" lvl="2" indent="-228600" algn="l">
               <a:lnSpc>
                 <a:spcPct val="120000"/>
               </a:lnSpc>
@@ -6844,9 +7049,9 @@
               </a:buClr>
               <a:buSzPts val="1800"/>
               <a:buNone/>
-              <a:defRPr b="1" sz="1800"/>
+              <a:defRPr sz="1800" b="1"/>
             </a:lvl3pPr>
-            <a:lvl4pPr indent="-228600" lvl="3" marL="1828800" algn="l">
+            <a:lvl4pPr marL="1828800" lvl="3" indent="-228600" algn="l">
               <a:lnSpc>
                 <a:spcPct val="120000"/>
               </a:lnSpc>
@@ -6861,9 +7066,9 @@
               </a:buClr>
               <a:buSzPts val="1600"/>
               <a:buNone/>
-              <a:defRPr b="1" sz="1600"/>
+              <a:defRPr sz="1600" b="1"/>
             </a:lvl4pPr>
-            <a:lvl5pPr indent="-228600" lvl="4" marL="2286000" algn="l">
+            <a:lvl5pPr marL="2286000" lvl="4" indent="-228600" algn="l">
               <a:lnSpc>
                 <a:spcPct val="120000"/>
               </a:lnSpc>
@@ -6878,9 +7083,9 @@
               </a:buClr>
               <a:buSzPts val="1600"/>
               <a:buNone/>
-              <a:defRPr b="1" sz="1600"/>
+              <a:defRPr sz="1600" b="1"/>
             </a:lvl5pPr>
-            <a:lvl6pPr indent="-228600" lvl="5" marL="2743200" algn="l">
+            <a:lvl6pPr marL="2743200" lvl="5" indent="-228600" algn="l">
               <a:lnSpc>
                 <a:spcPct val="90000"/>
               </a:lnSpc>
@@ -6895,9 +7100,9 @@
               </a:buClr>
               <a:buSzPts val="1600"/>
               <a:buNone/>
-              <a:defRPr b="1" sz="1600"/>
+              <a:defRPr sz="1600" b="1"/>
             </a:lvl6pPr>
-            <a:lvl7pPr indent="-228600" lvl="6" marL="3200400" algn="l">
+            <a:lvl7pPr marL="3200400" lvl="6" indent="-228600" algn="l">
               <a:lnSpc>
                 <a:spcPct val="90000"/>
               </a:lnSpc>
@@ -6912,9 +7117,9 @@
               </a:buClr>
               <a:buSzPts val="1600"/>
               <a:buNone/>
-              <a:defRPr b="1" sz="1600"/>
+              <a:defRPr sz="1600" b="1"/>
             </a:lvl7pPr>
-            <a:lvl8pPr indent="-228600" lvl="7" marL="3657600" algn="l">
+            <a:lvl8pPr marL="3657600" lvl="7" indent="-228600" algn="l">
               <a:lnSpc>
                 <a:spcPct val="90000"/>
               </a:lnSpc>
@@ -6929,9 +7134,9 @@
               </a:buClr>
               <a:buSzPts val="1600"/>
               <a:buNone/>
-              <a:defRPr b="1" sz="1600"/>
+              <a:defRPr sz="1600" b="1"/>
             </a:lvl8pPr>
-            <a:lvl9pPr indent="-228600" lvl="8" marL="4114800" algn="l">
+            <a:lvl9pPr marL="4114800" lvl="8" indent="-228600" algn="l">
               <a:lnSpc>
                 <a:spcPct val="90000"/>
               </a:lnSpc>
@@ -6946,18 +7151,22 @@
               </a:buClr>
               <a:buSzPts val="1600"/>
               <a:buNone/>
-              <a:defRPr b="1" sz="1600"/>
+              <a:defRPr sz="1600" b="1"/>
             </a:lvl9pPr>
           </a:lstStyle>
-          <a:p/>
+          <a:p>
+            <a:endParaRPr/>
+          </a:p>
         </p:txBody>
       </p:sp>
       <p:sp>
         <p:nvSpPr>
           <p:cNvPr id="46" name="Google Shape;46;p6"/>
-          <p:cNvSpPr txBox="1"/>
+          <p:cNvSpPr txBox="1">
+            <a:spLocks noGrp="1"/>
+          </p:cNvSpPr>
           <p:nvPr>
-            <p:ph idx="4" type="body"/>
+            <p:ph type="body" idx="4"/>
           </p:nvPr>
         </p:nvSpPr>
         <p:spPr>
@@ -6974,11 +7183,11 @@
           </a:ln>
         </p:spPr>
         <p:txBody>
-          <a:bodyPr anchorCtr="0" anchor="t" bIns="45700" lIns="91425" spcFirstLastPara="1" rIns="91425" wrap="square" tIns="45700">
+          <a:bodyPr spcFirstLastPara="1" wrap="square" lIns="91425" tIns="45700" rIns="91425" bIns="45700" anchor="t" anchorCtr="0">
             <a:normAutofit/>
           </a:bodyPr>
           <a:lstStyle>
-            <a:lvl1pPr indent="-342900" lvl="0" marL="457200" algn="l">
+            <a:lvl1pPr marL="457200" lvl="0" indent="-342900" algn="l">
               <a:lnSpc>
                 <a:spcPct val="120000"/>
               </a:lnSpc>
@@ -6995,7 +7204,7 @@
               <a:buChar char="•"/>
               <a:defRPr/>
             </a:lvl1pPr>
-            <a:lvl2pPr indent="-342900" lvl="1" marL="914400" algn="l">
+            <a:lvl2pPr marL="914400" lvl="1" indent="-342900" algn="l">
               <a:lnSpc>
                 <a:spcPct val="120000"/>
               </a:lnSpc>
@@ -7012,7 +7221,7 @@
               <a:buChar char="+"/>
               <a:defRPr/>
             </a:lvl2pPr>
-            <a:lvl3pPr indent="-342900" lvl="2" marL="1371600" algn="l">
+            <a:lvl3pPr marL="1371600" lvl="2" indent="-342900" algn="l">
               <a:lnSpc>
                 <a:spcPct val="120000"/>
               </a:lnSpc>
@@ -7029,7 +7238,7 @@
               <a:buChar char="•"/>
               <a:defRPr/>
             </a:lvl3pPr>
-            <a:lvl4pPr indent="-342900" lvl="3" marL="1828800" algn="l">
+            <a:lvl4pPr marL="1828800" lvl="3" indent="-342900" algn="l">
               <a:lnSpc>
                 <a:spcPct val="120000"/>
               </a:lnSpc>
@@ -7046,7 +7255,7 @@
               <a:buChar char="+"/>
               <a:defRPr/>
             </a:lvl4pPr>
-            <a:lvl5pPr indent="-342900" lvl="4" marL="2286000" algn="l">
+            <a:lvl5pPr marL="2286000" lvl="4" indent="-342900" algn="l">
               <a:lnSpc>
                 <a:spcPct val="120000"/>
               </a:lnSpc>
@@ -7063,7 +7272,7 @@
               <a:buChar char="•"/>
               <a:defRPr/>
             </a:lvl5pPr>
-            <a:lvl6pPr indent="-342900" lvl="5" marL="2743200" algn="l">
+            <a:lvl6pPr marL="2743200" lvl="5" indent="-342900" algn="l">
               <a:lnSpc>
                 <a:spcPct val="90000"/>
               </a:lnSpc>
@@ -7080,7 +7289,7 @@
               <a:buChar char="•"/>
               <a:defRPr/>
             </a:lvl6pPr>
-            <a:lvl7pPr indent="-342900" lvl="6" marL="3200400" algn="l">
+            <a:lvl7pPr marL="3200400" lvl="6" indent="-342900" algn="l">
               <a:lnSpc>
                 <a:spcPct val="90000"/>
               </a:lnSpc>
@@ -7097,7 +7306,7 @@
               <a:buChar char="•"/>
               <a:defRPr/>
             </a:lvl7pPr>
-            <a:lvl8pPr indent="-342900" lvl="7" marL="3657600" algn="l">
+            <a:lvl8pPr marL="3657600" lvl="7" indent="-342900" algn="l">
               <a:lnSpc>
                 <a:spcPct val="90000"/>
               </a:lnSpc>
@@ -7114,7 +7323,7 @@
               <a:buChar char="•"/>
               <a:defRPr/>
             </a:lvl8pPr>
-            <a:lvl9pPr indent="-342900" lvl="8" marL="4114800" algn="l">
+            <a:lvl9pPr marL="4114800" lvl="8" indent="-342900" algn="l">
               <a:lnSpc>
                 <a:spcPct val="90000"/>
               </a:lnSpc>
@@ -7132,15 +7341,19 @@
               <a:defRPr/>
             </a:lvl9pPr>
           </a:lstStyle>
-          <a:p/>
+          <a:p>
+            <a:endParaRPr/>
+          </a:p>
         </p:txBody>
       </p:sp>
       <p:sp>
         <p:nvSpPr>
           <p:cNvPr id="47" name="Google Shape;47;p6"/>
-          <p:cNvSpPr txBox="1"/>
+          <p:cNvSpPr txBox="1">
+            <a:spLocks noGrp="1"/>
+          </p:cNvSpPr>
           <p:nvPr>
-            <p:ph idx="10" type="dt"/>
+            <p:ph type="dt" idx="10"/>
           </p:nvPr>
         </p:nvSpPr>
         <p:spPr>
@@ -7157,7 +7370,7 @@
           </a:ln>
         </p:spPr>
         <p:txBody>
-          <a:bodyPr anchorCtr="0" anchor="ctr" bIns="45700" lIns="91425" spcFirstLastPara="1" rIns="91425" wrap="square" tIns="45700">
+          <a:bodyPr spcFirstLastPara="1" wrap="square" lIns="91425" tIns="45700" rIns="91425" bIns="45700" anchor="ctr" anchorCtr="0">
             <a:noAutofit/>
           </a:bodyPr>
           <a:lstStyle>
@@ -7261,15 +7474,19 @@
               <a:defRPr/>
             </a:lvl9pPr>
           </a:lstStyle>
-          <a:p/>
+          <a:p>
+            <a:endParaRPr/>
+          </a:p>
         </p:txBody>
       </p:sp>
       <p:sp>
         <p:nvSpPr>
           <p:cNvPr id="48" name="Google Shape;48;p6"/>
-          <p:cNvSpPr txBox="1"/>
+          <p:cNvSpPr txBox="1">
+            <a:spLocks noGrp="1"/>
+          </p:cNvSpPr>
           <p:nvPr>
-            <p:ph idx="11" type="ftr"/>
+            <p:ph type="ftr" idx="11"/>
           </p:nvPr>
         </p:nvSpPr>
         <p:spPr>
@@ -7286,7 +7503,7 @@
           </a:ln>
         </p:spPr>
         <p:txBody>
-          <a:bodyPr anchorCtr="0" anchor="ctr" bIns="45700" lIns="91425" spcFirstLastPara="1" rIns="91425" wrap="square" tIns="45700">
+          <a:bodyPr spcFirstLastPara="1" wrap="square" lIns="91425" tIns="45700" rIns="91425" bIns="45700" anchor="ctr" anchorCtr="0">
             <a:noAutofit/>
           </a:bodyPr>
           <a:lstStyle>
@@ -7390,15 +7607,19 @@
               <a:defRPr/>
             </a:lvl9pPr>
           </a:lstStyle>
-          <a:p/>
+          <a:p>
+            <a:endParaRPr/>
+          </a:p>
         </p:txBody>
       </p:sp>
       <p:sp>
         <p:nvSpPr>
           <p:cNvPr id="49" name="Google Shape;49;p6"/>
-          <p:cNvSpPr txBox="1"/>
+          <p:cNvSpPr txBox="1">
+            <a:spLocks noGrp="1"/>
+          </p:cNvSpPr>
           <p:nvPr>
-            <p:ph idx="12" type="sldNum"/>
+            <p:ph type="sldNum" idx="12"/>
           </p:nvPr>
         </p:nvSpPr>
         <p:spPr>
@@ -7415,67 +7636,67 @@
           </a:ln>
         </p:spPr>
         <p:txBody>
-          <a:bodyPr anchorCtr="0" anchor="ctr" bIns="45700" lIns="91425" spcFirstLastPara="1" rIns="91425" wrap="square" tIns="45700">
+          <a:bodyPr spcFirstLastPara="1" wrap="square" lIns="91425" tIns="45700" rIns="91425" bIns="45700" anchor="ctr" anchorCtr="0">
             <a:noAutofit/>
           </a:bodyPr>
           <a:lstStyle>
-            <a:lvl1pPr indent="0" lvl="0" marL="0" algn="r">
+            <a:lvl1pPr marL="0" lvl="0" indent="0" algn="r">
               <a:spcBef>
                 <a:spcPts val="0"/>
               </a:spcBef>
               <a:buNone/>
               <a:defRPr/>
             </a:lvl1pPr>
-            <a:lvl2pPr indent="0" lvl="1" marL="0" algn="r">
+            <a:lvl2pPr marL="0" lvl="1" indent="0" algn="r">
               <a:spcBef>
                 <a:spcPts val="0"/>
               </a:spcBef>
               <a:buNone/>
               <a:defRPr/>
             </a:lvl2pPr>
-            <a:lvl3pPr indent="0" lvl="2" marL="0" algn="r">
+            <a:lvl3pPr marL="0" lvl="2" indent="0" algn="r">
               <a:spcBef>
                 <a:spcPts val="0"/>
               </a:spcBef>
               <a:buNone/>
               <a:defRPr/>
             </a:lvl3pPr>
-            <a:lvl4pPr indent="0" lvl="3" marL="0" algn="r">
+            <a:lvl4pPr marL="0" lvl="3" indent="0" algn="r">
               <a:spcBef>
                 <a:spcPts val="0"/>
               </a:spcBef>
               <a:buNone/>
               <a:defRPr/>
             </a:lvl4pPr>
-            <a:lvl5pPr indent="0" lvl="4" marL="0" algn="r">
+            <a:lvl5pPr marL="0" lvl="4" indent="0" algn="r">
               <a:spcBef>
                 <a:spcPts val="0"/>
               </a:spcBef>
               <a:buNone/>
               <a:defRPr/>
             </a:lvl5pPr>
-            <a:lvl6pPr indent="0" lvl="5" marL="0" algn="r">
+            <a:lvl6pPr marL="0" lvl="5" indent="0" algn="r">
               <a:spcBef>
                 <a:spcPts val="0"/>
               </a:spcBef>
               <a:buNone/>
               <a:defRPr/>
             </a:lvl6pPr>
-            <a:lvl7pPr indent="0" lvl="6" marL="0" algn="r">
+            <a:lvl7pPr marL="0" lvl="6" indent="0" algn="r">
               <a:spcBef>
                 <a:spcPts val="0"/>
               </a:spcBef>
               <a:buNone/>
               <a:defRPr/>
             </a:lvl7pPr>
-            <a:lvl8pPr indent="0" lvl="7" marL="0" algn="r">
+            <a:lvl8pPr marL="0" lvl="7" indent="0" algn="r">
               <a:spcBef>
                 <a:spcPts val="0"/>
               </a:spcBef>
               <a:buNone/>
               <a:defRPr/>
             </a:lvl8pPr>
-            <a:lvl9pPr indent="0" lvl="8" marL="0" algn="r">
+            <a:lvl9pPr marL="0" lvl="8" indent="0" algn="r">
               <a:spcBef>
                 <a:spcPts val="0"/>
               </a:spcBef>
@@ -7484,7 +7705,7 @@
             </a:lvl9pPr>
           </a:lstStyle>
           <a:p>
-            <a:pPr indent="0" lvl="0" marL="0" rtl="0" algn="r">
+            <a:pPr marL="0" lvl="0" indent="0" algn="r" rtl="0">
               <a:spcBef>
                 <a:spcPts val="0"/>
               </a:spcBef>
@@ -7495,7 +7716,7 @@
             </a:pPr>
             <a:fld id="{00000000-1234-1234-1234-123412341234}" type="slidenum">
               <a:rPr lang="en-US"/>
-              <a:t>‹#›</a:t>
+              <a:t>‹Nº›</a:t>
             </a:fld>
             <a:endParaRPr/>
           </a:p>
@@ -7510,11 +7731,11 @@
 </file>
 
 <file path=ppt/slideLayouts/slideLayout6.xml><?xml version="1.0" encoding="utf-8"?>
-<p:sldLayout xmlns:a="http://schemas.openxmlformats.org/drawingml/2006/main" xmlns:r="http://schemas.openxmlformats.org/officeDocument/2006/relationships" xmlns:mc="http://schemas.openxmlformats.org/markup-compatibility/2006" xmlns:mv="urn:schemas-microsoft-com:mac:vml" xmlns:p="http://schemas.openxmlformats.org/presentationml/2006/main" xmlns:c="http://schemas.openxmlformats.org/drawingml/2006/chart" xmlns:dgm="http://schemas.openxmlformats.org/drawingml/2006/diagram" xmlns:o="urn:schemas-microsoft-com:office:office" xmlns:v="urn:schemas-microsoft-com:vml" xmlns:pvml="urn:schemas-microsoft-com:office:powerpoint" xmlns:com="http://schemas.openxmlformats.org/drawingml/2006/compatibility" xmlns:p14="http://schemas.microsoft.com/office/powerpoint/2010/main" xmlns:p15="http://schemas.microsoft.com/office/powerpoint/2012/main" xmlns:ahyp="http://schemas.microsoft.com/office/drawing/2018/hyperlinkcolor" matchingName="Title Only" type="titleOnly">
+<p:sldLayout xmlns:a="http://schemas.openxmlformats.org/drawingml/2006/main" xmlns:r="http://schemas.openxmlformats.org/officeDocument/2006/relationships" xmlns:p="http://schemas.openxmlformats.org/presentationml/2006/main" matchingName="Title Only" type="titleOnly">
   <p:cSld name="TITLE_ONLY">
     <p:spTree>
       <p:nvGrpSpPr>
-        <p:cNvPr id="50" name="Shape 50"/>
+        <p:cNvPr id="1" name="Shape 50"/>
         <p:cNvGrpSpPr/>
         <p:nvPr/>
       </p:nvGrpSpPr>
@@ -7529,7 +7750,9 @@
       <p:sp>
         <p:nvSpPr>
           <p:cNvPr id="51" name="Google Shape;51;p7"/>
-          <p:cNvSpPr txBox="1"/>
+          <p:cNvSpPr txBox="1">
+            <a:spLocks noGrp="1"/>
+          </p:cNvSpPr>
           <p:nvPr>
             <p:ph type="title"/>
           </p:nvPr>
@@ -7548,7 +7771,7 @@
           </a:ln>
         </p:spPr>
         <p:txBody>
-          <a:bodyPr anchorCtr="0" anchor="b" bIns="45700" lIns="91425" spcFirstLastPara="1" rIns="91425" wrap="square" tIns="45700">
+          <a:bodyPr spcFirstLastPara="1" wrap="square" lIns="91425" tIns="45700" rIns="91425" bIns="45700" anchor="b" anchorCtr="0">
             <a:normAutofit/>
           </a:bodyPr>
           <a:lstStyle>
@@ -7658,15 +7881,19 @@
               <a:defRPr/>
             </a:lvl9pPr>
           </a:lstStyle>
-          <a:p/>
+          <a:p>
+            <a:endParaRPr/>
+          </a:p>
         </p:txBody>
       </p:sp>
       <p:sp>
         <p:nvSpPr>
           <p:cNvPr id="52" name="Google Shape;52;p7"/>
-          <p:cNvSpPr txBox="1"/>
+          <p:cNvSpPr txBox="1">
+            <a:spLocks noGrp="1"/>
+          </p:cNvSpPr>
           <p:nvPr>
-            <p:ph idx="10" type="dt"/>
+            <p:ph type="dt" idx="10"/>
           </p:nvPr>
         </p:nvSpPr>
         <p:spPr>
@@ -7683,7 +7910,7 @@
           </a:ln>
         </p:spPr>
         <p:txBody>
-          <a:bodyPr anchorCtr="0" anchor="ctr" bIns="45700" lIns="91425" spcFirstLastPara="1" rIns="91425" wrap="square" tIns="45700">
+          <a:bodyPr spcFirstLastPara="1" wrap="square" lIns="91425" tIns="45700" rIns="91425" bIns="45700" anchor="ctr" anchorCtr="0">
             <a:noAutofit/>
           </a:bodyPr>
           <a:lstStyle>
@@ -7787,15 +8014,19 @@
               <a:defRPr/>
             </a:lvl9pPr>
           </a:lstStyle>
-          <a:p/>
+          <a:p>
+            <a:endParaRPr/>
+          </a:p>
         </p:txBody>
       </p:sp>
       <p:sp>
         <p:nvSpPr>
           <p:cNvPr id="53" name="Google Shape;53;p7"/>
-          <p:cNvSpPr txBox="1"/>
+          <p:cNvSpPr txBox="1">
+            <a:spLocks noGrp="1"/>
+          </p:cNvSpPr>
           <p:nvPr>
-            <p:ph idx="11" type="ftr"/>
+            <p:ph type="ftr" idx="11"/>
           </p:nvPr>
         </p:nvSpPr>
         <p:spPr>
@@ -7812,7 +8043,7 @@
           </a:ln>
         </p:spPr>
         <p:txBody>
-          <a:bodyPr anchorCtr="0" anchor="ctr" bIns="45700" lIns="91425" spcFirstLastPara="1" rIns="91425" wrap="square" tIns="45700">
+          <a:bodyPr spcFirstLastPara="1" wrap="square" lIns="91425" tIns="45700" rIns="91425" bIns="45700" anchor="ctr" anchorCtr="0">
             <a:noAutofit/>
           </a:bodyPr>
           <a:lstStyle>
@@ -7916,15 +8147,19 @@
               <a:defRPr/>
             </a:lvl9pPr>
           </a:lstStyle>
-          <a:p/>
+          <a:p>
+            <a:endParaRPr/>
+          </a:p>
         </p:txBody>
       </p:sp>
       <p:sp>
         <p:nvSpPr>
           <p:cNvPr id="54" name="Google Shape;54;p7"/>
-          <p:cNvSpPr txBox="1"/>
+          <p:cNvSpPr txBox="1">
+            <a:spLocks noGrp="1"/>
+          </p:cNvSpPr>
           <p:nvPr>
-            <p:ph idx="12" type="sldNum"/>
+            <p:ph type="sldNum" idx="12"/>
           </p:nvPr>
         </p:nvSpPr>
         <p:spPr>
@@ -7941,67 +8176,67 @@
           </a:ln>
         </p:spPr>
         <p:txBody>
-          <a:bodyPr anchorCtr="0" anchor="ctr" bIns="45700" lIns="91425" spcFirstLastPara="1" rIns="91425" wrap="square" tIns="45700">
+          <a:bodyPr spcFirstLastPara="1" wrap="square" lIns="91425" tIns="45700" rIns="91425" bIns="45700" anchor="ctr" anchorCtr="0">
             <a:noAutofit/>
           </a:bodyPr>
           <a:lstStyle>
-            <a:lvl1pPr indent="0" lvl="0" marL="0" algn="r">
+            <a:lvl1pPr marL="0" lvl="0" indent="0" algn="r">
               <a:spcBef>
                 <a:spcPts val="0"/>
               </a:spcBef>
               <a:buNone/>
               <a:defRPr/>
             </a:lvl1pPr>
-            <a:lvl2pPr indent="0" lvl="1" marL="0" algn="r">
+            <a:lvl2pPr marL="0" lvl="1" indent="0" algn="r">
               <a:spcBef>
                 <a:spcPts val="0"/>
               </a:spcBef>
               <a:buNone/>
               <a:defRPr/>
             </a:lvl2pPr>
-            <a:lvl3pPr indent="0" lvl="2" marL="0" algn="r">
+            <a:lvl3pPr marL="0" lvl="2" indent="0" algn="r">
               <a:spcBef>
                 <a:spcPts val="0"/>
               </a:spcBef>
               <a:buNone/>
               <a:defRPr/>
             </a:lvl3pPr>
-            <a:lvl4pPr indent="0" lvl="3" marL="0" algn="r">
+            <a:lvl4pPr marL="0" lvl="3" indent="0" algn="r">
               <a:spcBef>
                 <a:spcPts val="0"/>
               </a:spcBef>
               <a:buNone/>
               <a:defRPr/>
             </a:lvl4pPr>
-            <a:lvl5pPr indent="0" lvl="4" marL="0" algn="r">
+            <a:lvl5pPr marL="0" lvl="4" indent="0" algn="r">
               <a:spcBef>
                 <a:spcPts val="0"/>
               </a:spcBef>
               <a:buNone/>
               <a:defRPr/>
             </a:lvl5pPr>
-            <a:lvl6pPr indent="0" lvl="5" marL="0" algn="r">
+            <a:lvl6pPr marL="0" lvl="5" indent="0" algn="r">
               <a:spcBef>
                 <a:spcPts val="0"/>
               </a:spcBef>
               <a:buNone/>
               <a:defRPr/>
             </a:lvl6pPr>
-            <a:lvl7pPr indent="0" lvl="6" marL="0" algn="r">
+            <a:lvl7pPr marL="0" lvl="6" indent="0" algn="r">
               <a:spcBef>
                 <a:spcPts val="0"/>
               </a:spcBef>
               <a:buNone/>
               <a:defRPr/>
             </a:lvl7pPr>
-            <a:lvl8pPr indent="0" lvl="7" marL="0" algn="r">
+            <a:lvl8pPr marL="0" lvl="7" indent="0" algn="r">
               <a:spcBef>
                 <a:spcPts val="0"/>
               </a:spcBef>
               <a:buNone/>
               <a:defRPr/>
             </a:lvl8pPr>
-            <a:lvl9pPr indent="0" lvl="8" marL="0" algn="r">
+            <a:lvl9pPr marL="0" lvl="8" indent="0" algn="r">
               <a:spcBef>
                 <a:spcPts val="0"/>
               </a:spcBef>
@@ -8010,7 +8245,7 @@
             </a:lvl9pPr>
           </a:lstStyle>
           <a:p>
-            <a:pPr indent="0" lvl="0" marL="0" rtl="0" algn="r">
+            <a:pPr marL="0" lvl="0" indent="0" algn="r" rtl="0">
               <a:spcBef>
                 <a:spcPts val="0"/>
               </a:spcBef>
@@ -8021,7 +8256,7 @@
             </a:pPr>
             <a:fld id="{00000000-1234-1234-1234-123412341234}" type="slidenum">
               <a:rPr lang="en-US"/>
-              <a:t>‹#›</a:t>
+              <a:t>‹Nº›</a:t>
             </a:fld>
             <a:endParaRPr/>
           </a:p>
@@ -8036,11 +8271,11 @@
 </file>
 
 <file path=ppt/slideLayouts/slideLayout7.xml><?xml version="1.0" encoding="utf-8"?>
-<p:sldLayout xmlns:a="http://schemas.openxmlformats.org/drawingml/2006/main" xmlns:r="http://schemas.openxmlformats.org/officeDocument/2006/relationships" xmlns:mc="http://schemas.openxmlformats.org/markup-compatibility/2006" xmlns:mv="urn:schemas-microsoft-com:mac:vml" xmlns:p="http://schemas.openxmlformats.org/presentationml/2006/main" xmlns:c="http://schemas.openxmlformats.org/drawingml/2006/chart" xmlns:dgm="http://schemas.openxmlformats.org/drawingml/2006/diagram" xmlns:o="urn:schemas-microsoft-com:office:office" xmlns:v="urn:schemas-microsoft-com:vml" xmlns:pvml="urn:schemas-microsoft-com:office:powerpoint" xmlns:com="http://schemas.openxmlformats.org/drawingml/2006/compatibility" xmlns:p14="http://schemas.microsoft.com/office/powerpoint/2010/main" xmlns:p15="http://schemas.microsoft.com/office/powerpoint/2012/main" xmlns:ahyp="http://schemas.microsoft.com/office/drawing/2018/hyperlinkcolor" matchingName="Blank" type="blank">
+<p:sldLayout xmlns:a="http://schemas.openxmlformats.org/drawingml/2006/main" xmlns:r="http://schemas.openxmlformats.org/officeDocument/2006/relationships" xmlns:p="http://schemas.openxmlformats.org/presentationml/2006/main" matchingName="Blank" type="blank">
   <p:cSld name="BLANK">
     <p:spTree>
       <p:nvGrpSpPr>
-        <p:cNvPr id="55" name="Shape 55"/>
+        <p:cNvPr id="1" name="Shape 55"/>
         <p:cNvGrpSpPr/>
         <p:nvPr/>
       </p:nvGrpSpPr>
@@ -8055,9 +8290,11 @@
       <p:sp>
         <p:nvSpPr>
           <p:cNvPr id="56" name="Google Shape;56;p8"/>
-          <p:cNvSpPr txBox="1"/>
+          <p:cNvSpPr txBox="1">
+            <a:spLocks noGrp="1"/>
+          </p:cNvSpPr>
           <p:nvPr>
-            <p:ph idx="10" type="dt"/>
+            <p:ph type="dt" idx="10"/>
           </p:nvPr>
         </p:nvSpPr>
         <p:spPr>
@@ -8074,7 +8311,7 @@
           </a:ln>
         </p:spPr>
         <p:txBody>
-          <a:bodyPr anchorCtr="0" anchor="ctr" bIns="45700" lIns="91425" spcFirstLastPara="1" rIns="91425" wrap="square" tIns="45700">
+          <a:bodyPr spcFirstLastPara="1" wrap="square" lIns="91425" tIns="45700" rIns="91425" bIns="45700" anchor="ctr" anchorCtr="0">
             <a:noAutofit/>
           </a:bodyPr>
           <a:lstStyle>
@@ -8178,15 +8415,19 @@
               <a:defRPr/>
             </a:lvl9pPr>
           </a:lstStyle>
-          <a:p/>
+          <a:p>
+            <a:endParaRPr/>
+          </a:p>
         </p:txBody>
       </p:sp>
       <p:sp>
         <p:nvSpPr>
           <p:cNvPr id="57" name="Google Shape;57;p8"/>
-          <p:cNvSpPr txBox="1"/>
+          <p:cNvSpPr txBox="1">
+            <a:spLocks noGrp="1"/>
+          </p:cNvSpPr>
           <p:nvPr>
-            <p:ph idx="11" type="ftr"/>
+            <p:ph type="ftr" idx="11"/>
           </p:nvPr>
         </p:nvSpPr>
         <p:spPr>
@@ -8203,7 +8444,7 @@
           </a:ln>
         </p:spPr>
         <p:txBody>
-          <a:bodyPr anchorCtr="0" anchor="ctr" bIns="45700" lIns="91425" spcFirstLastPara="1" rIns="91425" wrap="square" tIns="45700">
+          <a:bodyPr spcFirstLastPara="1" wrap="square" lIns="91425" tIns="45700" rIns="91425" bIns="45700" anchor="ctr" anchorCtr="0">
             <a:noAutofit/>
           </a:bodyPr>
           <a:lstStyle>
@@ -8307,15 +8548,19 @@
               <a:defRPr/>
             </a:lvl9pPr>
           </a:lstStyle>
-          <a:p/>
+          <a:p>
+            <a:endParaRPr/>
+          </a:p>
         </p:txBody>
       </p:sp>
       <p:sp>
         <p:nvSpPr>
           <p:cNvPr id="58" name="Google Shape;58;p8"/>
-          <p:cNvSpPr txBox="1"/>
+          <p:cNvSpPr txBox="1">
+            <a:spLocks noGrp="1"/>
+          </p:cNvSpPr>
           <p:nvPr>
-            <p:ph idx="12" type="sldNum"/>
+            <p:ph type="sldNum" idx="12"/>
           </p:nvPr>
         </p:nvSpPr>
         <p:spPr>
@@ -8332,67 +8577,67 @@
           </a:ln>
         </p:spPr>
         <p:txBody>
-          <a:bodyPr anchorCtr="0" anchor="ctr" bIns="45700" lIns="91425" spcFirstLastPara="1" rIns="91425" wrap="square" tIns="45700">
+          <a:bodyPr spcFirstLastPara="1" wrap="square" lIns="91425" tIns="45700" rIns="91425" bIns="45700" anchor="ctr" anchorCtr="0">
             <a:noAutofit/>
           </a:bodyPr>
           <a:lstStyle>
-            <a:lvl1pPr indent="0" lvl="0" marL="0" algn="r">
+            <a:lvl1pPr marL="0" lvl="0" indent="0" algn="r">
               <a:spcBef>
                 <a:spcPts val="0"/>
               </a:spcBef>
               <a:buNone/>
               <a:defRPr/>
             </a:lvl1pPr>
-            <a:lvl2pPr indent="0" lvl="1" marL="0" algn="r">
+            <a:lvl2pPr marL="0" lvl="1" indent="0" algn="r">
               <a:spcBef>
                 <a:spcPts val="0"/>
               </a:spcBef>
               <a:buNone/>
               <a:defRPr/>
             </a:lvl2pPr>
-            <a:lvl3pPr indent="0" lvl="2" marL="0" algn="r">
+            <a:lvl3pPr marL="0" lvl="2" indent="0" algn="r">
               <a:spcBef>
                 <a:spcPts val="0"/>
               </a:spcBef>
               <a:buNone/>
               <a:defRPr/>
             </a:lvl3pPr>
-            <a:lvl4pPr indent="0" lvl="3" marL="0" algn="r">
+            <a:lvl4pPr marL="0" lvl="3" indent="0" algn="r">
               <a:spcBef>
                 <a:spcPts val="0"/>
               </a:spcBef>
               <a:buNone/>
               <a:defRPr/>
             </a:lvl4pPr>
-            <a:lvl5pPr indent="0" lvl="4" marL="0" algn="r">
+            <a:lvl5pPr marL="0" lvl="4" indent="0" algn="r">
               <a:spcBef>
                 <a:spcPts val="0"/>
               </a:spcBef>
               <a:buNone/>
               <a:defRPr/>
             </a:lvl5pPr>
-            <a:lvl6pPr indent="0" lvl="5" marL="0" algn="r">
+            <a:lvl6pPr marL="0" lvl="5" indent="0" algn="r">
               <a:spcBef>
                 <a:spcPts val="0"/>
               </a:spcBef>
               <a:buNone/>
               <a:defRPr/>
             </a:lvl6pPr>
-            <a:lvl7pPr indent="0" lvl="6" marL="0" algn="r">
+            <a:lvl7pPr marL="0" lvl="6" indent="0" algn="r">
               <a:spcBef>
                 <a:spcPts val="0"/>
               </a:spcBef>
               <a:buNone/>
               <a:defRPr/>
             </a:lvl7pPr>
-            <a:lvl8pPr indent="0" lvl="7" marL="0" algn="r">
+            <a:lvl8pPr marL="0" lvl="7" indent="0" algn="r">
               <a:spcBef>
                 <a:spcPts val="0"/>
               </a:spcBef>
               <a:buNone/>
               <a:defRPr/>
             </a:lvl8pPr>
-            <a:lvl9pPr indent="0" lvl="8" marL="0" algn="r">
+            <a:lvl9pPr marL="0" lvl="8" indent="0" algn="r">
               <a:spcBef>
                 <a:spcPts val="0"/>
               </a:spcBef>
@@ -8401,7 +8646,7 @@
             </a:lvl9pPr>
           </a:lstStyle>
           <a:p>
-            <a:pPr indent="0" lvl="0" marL="0" rtl="0" algn="r">
+            <a:pPr marL="0" lvl="0" indent="0" algn="r" rtl="0">
               <a:spcBef>
                 <a:spcPts val="0"/>
               </a:spcBef>
@@ -8412,7 +8657,7 @@
             </a:pPr>
             <a:fld id="{00000000-1234-1234-1234-123412341234}" type="slidenum">
               <a:rPr lang="en-US"/>
-              <a:t>‹#›</a:t>
+              <a:t>‹Nº›</a:t>
             </a:fld>
             <a:endParaRPr/>
           </a:p>
@@ -8427,11 +8672,11 @@
 </file>
 
 <file path=ppt/slideLayouts/slideLayout8.xml><?xml version="1.0" encoding="utf-8"?>
-<p:sldLayout xmlns:a="http://schemas.openxmlformats.org/drawingml/2006/main" xmlns:r="http://schemas.openxmlformats.org/officeDocument/2006/relationships" xmlns:mc="http://schemas.openxmlformats.org/markup-compatibility/2006" xmlns:mv="urn:schemas-microsoft-com:mac:vml" xmlns:p="http://schemas.openxmlformats.org/presentationml/2006/main" xmlns:c="http://schemas.openxmlformats.org/drawingml/2006/chart" xmlns:dgm="http://schemas.openxmlformats.org/drawingml/2006/diagram" xmlns:o="urn:schemas-microsoft-com:office:office" xmlns:v="urn:schemas-microsoft-com:vml" xmlns:pvml="urn:schemas-microsoft-com:office:powerpoint" xmlns:com="http://schemas.openxmlformats.org/drawingml/2006/compatibility" xmlns:p14="http://schemas.microsoft.com/office/powerpoint/2010/main" xmlns:p15="http://schemas.microsoft.com/office/powerpoint/2012/main" xmlns:ahyp="http://schemas.microsoft.com/office/drawing/2018/hyperlinkcolor" matchingName="Content with Caption" type="objTx">
+<p:sldLayout xmlns:a="http://schemas.openxmlformats.org/drawingml/2006/main" xmlns:r="http://schemas.openxmlformats.org/officeDocument/2006/relationships" xmlns:p="http://schemas.openxmlformats.org/presentationml/2006/main" matchingName="Content with Caption" type="objTx">
   <p:cSld name="OBJECT_WITH_CAPTION_TEXT">
     <p:spTree>
       <p:nvGrpSpPr>
-        <p:cNvPr id="59" name="Shape 59"/>
+        <p:cNvPr id="1" name="Shape 59"/>
         <p:cNvGrpSpPr/>
         <p:nvPr/>
       </p:nvGrpSpPr>
@@ -8446,7 +8691,9 @@
       <p:sp>
         <p:nvSpPr>
           <p:cNvPr id="60" name="Google Shape;60;p9"/>
-          <p:cNvSpPr txBox="1"/>
+          <p:cNvSpPr txBox="1">
+            <a:spLocks noGrp="1"/>
+          </p:cNvSpPr>
           <p:nvPr>
             <p:ph type="title"/>
           </p:nvPr>
@@ -8465,7 +8712,7 @@
           </a:ln>
         </p:spPr>
         <p:txBody>
-          <a:bodyPr anchorCtr="0" anchor="b" bIns="45700" lIns="91425" spcFirstLastPara="1" rIns="91425" wrap="square" tIns="45700">
+          <a:bodyPr spcFirstLastPara="1" wrap="square" lIns="91425" tIns="45700" rIns="91425" bIns="45700" anchor="b" anchorCtr="0">
             <a:normAutofit/>
           </a:bodyPr>
           <a:lstStyle>
@@ -8576,15 +8823,19 @@
               <a:defRPr/>
             </a:lvl9pPr>
           </a:lstStyle>
-          <a:p/>
+          <a:p>
+            <a:endParaRPr/>
+          </a:p>
         </p:txBody>
       </p:sp>
       <p:sp>
         <p:nvSpPr>
           <p:cNvPr id="61" name="Google Shape;61;p9"/>
-          <p:cNvSpPr txBox="1"/>
+          <p:cNvSpPr txBox="1">
+            <a:spLocks noGrp="1"/>
+          </p:cNvSpPr>
           <p:nvPr>
-            <p:ph idx="1" type="body"/>
+            <p:ph type="body" idx="1"/>
           </p:nvPr>
         </p:nvSpPr>
         <p:spPr>
@@ -8601,11 +8852,11 @@
           </a:ln>
         </p:spPr>
         <p:txBody>
-          <a:bodyPr anchorCtr="0" anchor="t" bIns="45700" lIns="91425" spcFirstLastPara="1" rIns="91425" wrap="square" tIns="45700">
+          <a:bodyPr spcFirstLastPara="1" wrap="square" lIns="91425" tIns="45700" rIns="91425" bIns="45700" anchor="t" anchorCtr="0">
             <a:normAutofit/>
           </a:bodyPr>
           <a:lstStyle>
-            <a:lvl1pPr indent="-381000" lvl="0" marL="457200" algn="l">
+            <a:lvl1pPr marL="457200" lvl="0" indent="-381000" algn="l">
               <a:lnSpc>
                 <a:spcPct val="120000"/>
               </a:lnSpc>
@@ -8622,7 +8873,7 @@
               <a:buChar char="•"/>
               <a:defRPr sz="2400"/>
             </a:lvl1pPr>
-            <a:lvl2pPr indent="-355600" lvl="1" marL="914400" algn="l">
+            <a:lvl2pPr marL="914400" lvl="1" indent="-355600" algn="l">
               <a:lnSpc>
                 <a:spcPct val="120000"/>
               </a:lnSpc>
@@ -8639,7 +8890,7 @@
               <a:buChar char="+"/>
               <a:defRPr sz="2000"/>
             </a:lvl2pPr>
-            <a:lvl3pPr indent="-342900" lvl="2" marL="1371600" algn="l">
+            <a:lvl3pPr marL="1371600" lvl="2" indent="-342900" algn="l">
               <a:lnSpc>
                 <a:spcPct val="120000"/>
               </a:lnSpc>
@@ -8656,7 +8907,7 @@
               <a:buChar char="•"/>
               <a:defRPr sz="1800"/>
             </a:lvl3pPr>
-            <a:lvl4pPr indent="-330200" lvl="3" marL="1828800" algn="l">
+            <a:lvl4pPr marL="1828800" lvl="3" indent="-330200" algn="l">
               <a:lnSpc>
                 <a:spcPct val="120000"/>
               </a:lnSpc>
@@ -8673,7 +8924,7 @@
               <a:buChar char="+"/>
               <a:defRPr sz="1600"/>
             </a:lvl4pPr>
-            <a:lvl5pPr indent="-330200" lvl="4" marL="2286000" algn="l">
+            <a:lvl5pPr marL="2286000" lvl="4" indent="-330200" algn="l">
               <a:lnSpc>
                 <a:spcPct val="120000"/>
               </a:lnSpc>
@@ -8690,7 +8941,7 @@
               <a:buChar char="•"/>
               <a:defRPr sz="1600"/>
             </a:lvl5pPr>
-            <a:lvl6pPr indent="-355600" lvl="5" marL="2743200" algn="l">
+            <a:lvl6pPr marL="2743200" lvl="5" indent="-355600" algn="l">
               <a:lnSpc>
                 <a:spcPct val="90000"/>
               </a:lnSpc>
@@ -8707,7 +8958,7 @@
               <a:buChar char="•"/>
               <a:defRPr sz="2000"/>
             </a:lvl6pPr>
-            <a:lvl7pPr indent="-355600" lvl="6" marL="3200400" algn="l">
+            <a:lvl7pPr marL="3200400" lvl="6" indent="-355600" algn="l">
               <a:lnSpc>
                 <a:spcPct val="90000"/>
               </a:lnSpc>
@@ -8724,7 +8975,7 @@
               <a:buChar char="•"/>
               <a:defRPr sz="2000"/>
             </a:lvl7pPr>
-            <a:lvl8pPr indent="-355600" lvl="7" marL="3657600" algn="l">
+            <a:lvl8pPr marL="3657600" lvl="7" indent="-355600" algn="l">
               <a:lnSpc>
                 <a:spcPct val="90000"/>
               </a:lnSpc>
@@ -8741,7 +8992,7 @@
               <a:buChar char="•"/>
               <a:defRPr sz="2000"/>
             </a:lvl8pPr>
-            <a:lvl9pPr indent="-355600" lvl="8" marL="4114800" algn="l">
+            <a:lvl9pPr marL="4114800" lvl="8" indent="-355600" algn="l">
               <a:lnSpc>
                 <a:spcPct val="90000"/>
               </a:lnSpc>
@@ -8759,15 +9010,19 @@
               <a:defRPr sz="2000"/>
             </a:lvl9pPr>
           </a:lstStyle>
-          <a:p/>
+          <a:p>
+            <a:endParaRPr/>
+          </a:p>
         </p:txBody>
       </p:sp>
       <p:sp>
         <p:nvSpPr>
           <p:cNvPr id="62" name="Google Shape;62;p9"/>
-          <p:cNvSpPr txBox="1"/>
+          <p:cNvSpPr txBox="1">
+            <a:spLocks noGrp="1"/>
+          </p:cNvSpPr>
           <p:nvPr>
-            <p:ph idx="2" type="body"/>
+            <p:ph type="body" idx="2"/>
           </p:nvPr>
         </p:nvSpPr>
         <p:spPr>
@@ -8784,11 +9039,11 @@
           </a:ln>
         </p:spPr>
         <p:txBody>
-          <a:bodyPr anchorCtr="0" anchor="t" bIns="45700" lIns="91425" spcFirstLastPara="1" rIns="91425" wrap="square" tIns="45700">
+          <a:bodyPr spcFirstLastPara="1" wrap="square" lIns="91425" tIns="45700" rIns="91425" bIns="45700" anchor="t" anchorCtr="0">
             <a:normAutofit/>
           </a:bodyPr>
           <a:lstStyle>
-            <a:lvl1pPr indent="-228600" lvl="0" marL="457200" algn="l">
+            <a:lvl1pPr marL="457200" lvl="0" indent="-228600" algn="l">
               <a:lnSpc>
                 <a:spcPct val="120000"/>
               </a:lnSpc>
@@ -8805,7 +9060,7 @@
               <a:buNone/>
               <a:defRPr sz="1600"/>
             </a:lvl1pPr>
-            <a:lvl2pPr indent="-228600" lvl="1" marL="914400" algn="l">
+            <a:lvl2pPr marL="914400" lvl="1" indent="-228600" algn="l">
               <a:lnSpc>
                 <a:spcPct val="120000"/>
               </a:lnSpc>
@@ -8822,7 +9077,7 @@
               <a:buNone/>
               <a:defRPr sz="1400"/>
             </a:lvl2pPr>
-            <a:lvl3pPr indent="-228600" lvl="2" marL="1371600" algn="l">
+            <a:lvl3pPr marL="1371600" lvl="2" indent="-228600" algn="l">
               <a:lnSpc>
                 <a:spcPct val="120000"/>
               </a:lnSpc>
@@ -8839,7 +9094,7 @@
               <a:buNone/>
               <a:defRPr sz="1200"/>
             </a:lvl3pPr>
-            <a:lvl4pPr indent="-228600" lvl="3" marL="1828800" algn="l">
+            <a:lvl4pPr marL="1828800" lvl="3" indent="-228600" algn="l">
               <a:lnSpc>
                 <a:spcPct val="120000"/>
               </a:lnSpc>
@@ -8856,7 +9111,7 @@
               <a:buNone/>
               <a:defRPr sz="1000"/>
             </a:lvl4pPr>
-            <a:lvl5pPr indent="-228600" lvl="4" marL="2286000" algn="l">
+            <a:lvl5pPr marL="2286000" lvl="4" indent="-228600" algn="l">
               <a:lnSpc>
                 <a:spcPct val="120000"/>
               </a:lnSpc>
@@ -8873,7 +9128,7 @@
               <a:buNone/>
               <a:defRPr sz="1000"/>
             </a:lvl5pPr>
-            <a:lvl6pPr indent="-228600" lvl="5" marL="2743200" algn="l">
+            <a:lvl6pPr marL="2743200" lvl="5" indent="-228600" algn="l">
               <a:lnSpc>
                 <a:spcPct val="90000"/>
               </a:lnSpc>
@@ -8890,7 +9145,7 @@
               <a:buNone/>
               <a:defRPr sz="1000"/>
             </a:lvl6pPr>
-            <a:lvl7pPr indent="-228600" lvl="6" marL="3200400" algn="l">
+            <a:lvl7pPr marL="3200400" lvl="6" indent="-228600" algn="l">
               <a:lnSpc>
                 <a:spcPct val="90000"/>
               </a:lnSpc>
@@ -8907,7 +9162,7 @@
               <a:buNone/>
               <a:defRPr sz="1000"/>
             </a:lvl7pPr>
-            <a:lvl8pPr indent="-228600" lvl="7" marL="3657600" algn="l">
+            <a:lvl8pPr marL="3657600" lvl="7" indent="-228600" algn="l">
               <a:lnSpc>
                 <a:spcPct val="90000"/>
               </a:lnSpc>
@@ -8924,7 +9179,7 @@
               <a:buNone/>
               <a:defRPr sz="1000"/>
             </a:lvl8pPr>
-            <a:lvl9pPr indent="-228600" lvl="8" marL="4114800" algn="l">
+            <a:lvl9pPr marL="4114800" lvl="8" indent="-228600" algn="l">
               <a:lnSpc>
                 <a:spcPct val="90000"/>
               </a:lnSpc>
@@ -8942,15 +9197,19 @@
               <a:defRPr sz="1000"/>
             </a:lvl9pPr>
           </a:lstStyle>
-          <a:p/>
+          <a:p>
+            <a:endParaRPr/>
+          </a:p>
         </p:txBody>
       </p:sp>
       <p:sp>
         <p:nvSpPr>
           <p:cNvPr id="63" name="Google Shape;63;p9"/>
-          <p:cNvSpPr txBox="1"/>
+          <p:cNvSpPr txBox="1">
+            <a:spLocks noGrp="1"/>
+          </p:cNvSpPr>
           <p:nvPr>
-            <p:ph idx="10" type="dt"/>
+            <p:ph type="dt" idx="10"/>
           </p:nvPr>
         </p:nvSpPr>
         <p:spPr>
@@ -8967,7 +9226,7 @@
           </a:ln>
         </p:spPr>
         <p:txBody>
-          <a:bodyPr anchorCtr="0" anchor="ctr" bIns="45700" lIns="91425" spcFirstLastPara="1" rIns="91425" wrap="square" tIns="45700">
+          <a:bodyPr spcFirstLastPara="1" wrap="square" lIns="91425" tIns="45700" rIns="91425" bIns="45700" anchor="ctr" anchorCtr="0">
             <a:noAutofit/>
           </a:bodyPr>
           <a:lstStyle>
@@ -9071,15 +9330,19 @@
               <a:defRPr/>
             </a:lvl9pPr>
           </a:lstStyle>
-          <a:p/>
+          <a:p>
+            <a:endParaRPr/>
+          </a:p>
         </p:txBody>
       </p:sp>
       <p:sp>
         <p:nvSpPr>
           <p:cNvPr id="64" name="Google Shape;64;p9"/>
-          <p:cNvSpPr txBox="1"/>
+          <p:cNvSpPr txBox="1">
+            <a:spLocks noGrp="1"/>
+          </p:cNvSpPr>
           <p:nvPr>
-            <p:ph idx="11" type="ftr"/>
+            <p:ph type="ftr" idx="11"/>
           </p:nvPr>
         </p:nvSpPr>
         <p:spPr>
@@ -9096,7 +9359,7 @@
           </a:ln>
         </p:spPr>
         <p:txBody>
-          <a:bodyPr anchorCtr="0" anchor="ctr" bIns="45700" lIns="91425" spcFirstLastPara="1" rIns="91425" wrap="square" tIns="45700">
+          <a:bodyPr spcFirstLastPara="1" wrap="square" lIns="91425" tIns="45700" rIns="91425" bIns="45700" anchor="ctr" anchorCtr="0">
             <a:noAutofit/>
           </a:bodyPr>
           <a:lstStyle>
@@ -9200,15 +9463,19 @@
               <a:defRPr/>
             </a:lvl9pPr>
           </a:lstStyle>
-          <a:p/>
+          <a:p>
+            <a:endParaRPr/>
+          </a:p>
         </p:txBody>
       </p:sp>
       <p:sp>
         <p:nvSpPr>
           <p:cNvPr id="65" name="Google Shape;65;p9"/>
-          <p:cNvSpPr txBox="1"/>
+          <p:cNvSpPr txBox="1">
+            <a:spLocks noGrp="1"/>
+          </p:cNvSpPr>
           <p:nvPr>
-            <p:ph idx="12" type="sldNum"/>
+            <p:ph type="sldNum" idx="12"/>
           </p:nvPr>
         </p:nvSpPr>
         <p:spPr>
@@ -9225,67 +9492,67 @@
           </a:ln>
         </p:spPr>
         <p:txBody>
-          <a:bodyPr anchorCtr="0" anchor="ctr" bIns="45700" lIns="91425" spcFirstLastPara="1" rIns="91425" wrap="square" tIns="45700">
+          <a:bodyPr spcFirstLastPara="1" wrap="square" lIns="91425" tIns="45700" rIns="91425" bIns="45700" anchor="ctr" anchorCtr="0">
             <a:noAutofit/>
           </a:bodyPr>
           <a:lstStyle>
-            <a:lvl1pPr indent="0" lvl="0" marL="0" algn="r">
+            <a:lvl1pPr marL="0" lvl="0" indent="0" algn="r">
               <a:spcBef>
                 <a:spcPts val="0"/>
               </a:spcBef>
               <a:buNone/>
               <a:defRPr/>
             </a:lvl1pPr>
-            <a:lvl2pPr indent="0" lvl="1" marL="0" algn="r">
+            <a:lvl2pPr marL="0" lvl="1" indent="0" algn="r">
               <a:spcBef>
                 <a:spcPts val="0"/>
               </a:spcBef>
               <a:buNone/>
               <a:defRPr/>
             </a:lvl2pPr>
-            <a:lvl3pPr indent="0" lvl="2" marL="0" algn="r">
+            <a:lvl3pPr marL="0" lvl="2" indent="0" algn="r">
               <a:spcBef>
                 <a:spcPts val="0"/>
               </a:spcBef>
               <a:buNone/>
               <a:defRPr/>
             </a:lvl3pPr>
-            <a:lvl4pPr indent="0" lvl="3" marL="0" algn="r">
+            <a:lvl4pPr marL="0" lvl="3" indent="0" algn="r">
               <a:spcBef>
                 <a:spcPts val="0"/>
               </a:spcBef>
               <a:buNone/>
               <a:defRPr/>
             </a:lvl4pPr>
-            <a:lvl5pPr indent="0" lvl="4" marL="0" algn="r">
+            <a:lvl5pPr marL="0" lvl="4" indent="0" algn="r">
               <a:spcBef>
                 <a:spcPts val="0"/>
               </a:spcBef>
               <a:buNone/>
               <a:defRPr/>
             </a:lvl5pPr>
-            <a:lvl6pPr indent="0" lvl="5" marL="0" algn="r">
+            <a:lvl6pPr marL="0" lvl="5" indent="0" algn="r">
               <a:spcBef>
                 <a:spcPts val="0"/>
               </a:spcBef>
               <a:buNone/>
               <a:defRPr/>
             </a:lvl6pPr>
-            <a:lvl7pPr indent="0" lvl="6" marL="0" algn="r">
+            <a:lvl7pPr marL="0" lvl="6" indent="0" algn="r">
               <a:spcBef>
                 <a:spcPts val="0"/>
               </a:spcBef>
               <a:buNone/>
               <a:defRPr/>
             </a:lvl7pPr>
-            <a:lvl8pPr indent="0" lvl="7" marL="0" algn="r">
+            <a:lvl8pPr marL="0" lvl="7" indent="0" algn="r">
               <a:spcBef>
                 <a:spcPts val="0"/>
               </a:spcBef>
               <a:buNone/>
               <a:defRPr/>
             </a:lvl8pPr>
-            <a:lvl9pPr indent="0" lvl="8" marL="0" algn="r">
+            <a:lvl9pPr marL="0" lvl="8" indent="0" algn="r">
               <a:spcBef>
                 <a:spcPts val="0"/>
               </a:spcBef>
@@ -9294,7 +9561,7 @@
             </a:lvl9pPr>
           </a:lstStyle>
           <a:p>
-            <a:pPr indent="0" lvl="0" marL="0" rtl="0" algn="r">
+            <a:pPr marL="0" lvl="0" indent="0" algn="r" rtl="0">
               <a:spcBef>
                 <a:spcPts val="0"/>
               </a:spcBef>
@@ -9305,7 +9572,7 @@
             </a:pPr>
             <a:fld id="{00000000-1234-1234-1234-123412341234}" type="slidenum">
               <a:rPr lang="en-US"/>
-              <a:t>‹#›</a:t>
+              <a:t>‹Nº›</a:t>
             </a:fld>
             <a:endParaRPr/>
           </a:p>
@@ -9320,11 +9587,11 @@
 </file>
 
 <file path=ppt/slideLayouts/slideLayout9.xml><?xml version="1.0" encoding="utf-8"?>
-<p:sldLayout xmlns:a="http://schemas.openxmlformats.org/drawingml/2006/main" xmlns:r="http://schemas.openxmlformats.org/officeDocument/2006/relationships" xmlns:mc="http://schemas.openxmlformats.org/markup-compatibility/2006" xmlns:mv="urn:schemas-microsoft-com:mac:vml" xmlns:p="http://schemas.openxmlformats.org/presentationml/2006/main" xmlns:c="http://schemas.openxmlformats.org/drawingml/2006/chart" xmlns:dgm="http://schemas.openxmlformats.org/drawingml/2006/diagram" xmlns:o="urn:schemas-microsoft-com:office:office" xmlns:v="urn:schemas-microsoft-com:vml" xmlns:pvml="urn:schemas-microsoft-com:office:powerpoint" xmlns:com="http://schemas.openxmlformats.org/drawingml/2006/compatibility" xmlns:p14="http://schemas.microsoft.com/office/powerpoint/2010/main" xmlns:p15="http://schemas.microsoft.com/office/powerpoint/2012/main" xmlns:ahyp="http://schemas.microsoft.com/office/drawing/2018/hyperlinkcolor" matchingName="Picture with Caption" type="picTx">
+<p:sldLayout xmlns:a="http://schemas.openxmlformats.org/drawingml/2006/main" xmlns:r="http://schemas.openxmlformats.org/officeDocument/2006/relationships" xmlns:p="http://schemas.openxmlformats.org/presentationml/2006/main" matchingName="Picture with Caption" type="picTx">
   <p:cSld name="PICTURE_WITH_CAPTION_TEXT">
     <p:spTree>
       <p:nvGrpSpPr>
-        <p:cNvPr id="66" name="Shape 66"/>
+        <p:cNvPr id="1" name="Shape 66"/>
         <p:cNvGrpSpPr/>
         <p:nvPr/>
       </p:nvGrpSpPr>
@@ -9339,7 +9606,9 @@
       <p:sp>
         <p:nvSpPr>
           <p:cNvPr id="67" name="Google Shape;67;p10"/>
-          <p:cNvSpPr txBox="1"/>
+          <p:cNvSpPr txBox="1">
+            <a:spLocks noGrp="1"/>
+          </p:cNvSpPr>
           <p:nvPr>
             <p:ph type="title"/>
           </p:nvPr>
@@ -9358,7 +9627,7 @@
           </a:ln>
         </p:spPr>
         <p:txBody>
-          <a:bodyPr anchorCtr="0" anchor="b" bIns="45700" lIns="91425" spcFirstLastPara="1" rIns="91425" wrap="square" tIns="45700">
+          <a:bodyPr spcFirstLastPara="1" wrap="square" lIns="91425" tIns="45700" rIns="91425" bIns="45700" anchor="b" anchorCtr="0">
             <a:noAutofit/>
           </a:bodyPr>
           <a:lstStyle>
@@ -9469,15 +9738,19 @@
               <a:defRPr/>
             </a:lvl9pPr>
           </a:lstStyle>
-          <a:p/>
+          <a:p>
+            <a:endParaRPr/>
+          </a:p>
         </p:txBody>
       </p:sp>
       <p:sp>
         <p:nvSpPr>
           <p:cNvPr id="68" name="Google Shape;68;p10"/>
-          <p:cNvSpPr/>
+          <p:cNvSpPr>
+            <a:spLocks noGrp="1"/>
+          </p:cNvSpPr>
           <p:nvPr>
-            <p:ph idx="2" type="pic"/>
+            <p:ph type="pic" idx="2"/>
           </p:nvPr>
         </p:nvSpPr>
         <p:spPr>
@@ -9497,9 +9770,11 @@
       <p:sp>
         <p:nvSpPr>
           <p:cNvPr id="69" name="Google Shape;69;p10"/>
-          <p:cNvSpPr txBox="1"/>
+          <p:cNvSpPr txBox="1">
+            <a:spLocks noGrp="1"/>
+          </p:cNvSpPr>
           <p:nvPr>
-            <p:ph idx="1" type="body"/>
+            <p:ph type="body" idx="1"/>
           </p:nvPr>
         </p:nvSpPr>
         <p:spPr>
@@ -9516,11 +9791,11 @@
           </a:ln>
         </p:spPr>
         <p:txBody>
-          <a:bodyPr anchorCtr="0" anchor="t" bIns="45700" lIns="91425" spcFirstLastPara="1" rIns="91425" wrap="square" tIns="45700">
+          <a:bodyPr spcFirstLastPara="1" wrap="square" lIns="91425" tIns="45700" rIns="91425" bIns="45700" anchor="t" anchorCtr="0">
             <a:normAutofit/>
           </a:bodyPr>
           <a:lstStyle>
-            <a:lvl1pPr indent="-228600" lvl="0" marL="457200" algn="l">
+            <a:lvl1pPr marL="457200" lvl="0" indent="-228600" algn="l">
               <a:lnSpc>
                 <a:spcPct val="120000"/>
               </a:lnSpc>
@@ -9537,7 +9812,7 @@
               <a:buNone/>
               <a:defRPr sz="1600"/>
             </a:lvl1pPr>
-            <a:lvl2pPr indent="-228600" lvl="1" marL="914400" algn="l">
+            <a:lvl2pPr marL="914400" lvl="1" indent="-228600" algn="l">
               <a:lnSpc>
                 <a:spcPct val="120000"/>
               </a:lnSpc>
@@ -9554,7 +9829,7 @@
               <a:buNone/>
               <a:defRPr sz="1400"/>
             </a:lvl2pPr>
-            <a:lvl3pPr indent="-228600" lvl="2" marL="1371600" algn="l">
+            <a:lvl3pPr marL="1371600" lvl="2" indent="-228600" algn="l">
               <a:lnSpc>
                 <a:spcPct val="120000"/>
               </a:lnSpc>
@@ -9571,7 +9846,7 @@
               <a:buNone/>
               <a:defRPr sz="1200"/>
             </a:lvl3pPr>
-            <a:lvl4pPr indent="-228600" lvl="3" marL="1828800" algn="l">
+            <a:lvl4pPr marL="1828800" lvl="3" indent="-228600" algn="l">
               <a:lnSpc>
                 <a:spcPct val="120000"/>
               </a:lnSpc>
@@ -9588,7 +9863,7 @@
               <a:buNone/>
               <a:defRPr sz="1000"/>
             </a:lvl4pPr>
-            <a:lvl5pPr indent="-228600" lvl="4" marL="2286000" algn="l">
+            <a:lvl5pPr marL="2286000" lvl="4" indent="-228600" algn="l">
               <a:lnSpc>
                 <a:spcPct val="120000"/>
               </a:lnSpc>
@@ -9605,7 +9880,7 @@
               <a:buNone/>
               <a:defRPr sz="1000"/>
             </a:lvl5pPr>
-            <a:lvl6pPr indent="-228600" lvl="5" marL="2743200" algn="l">
+            <a:lvl6pPr marL="2743200" lvl="5" indent="-228600" algn="l">
               <a:lnSpc>
                 <a:spcPct val="90000"/>
               </a:lnSpc>
@@ -9622,7 +9897,7 @@
               <a:buNone/>
               <a:defRPr sz="1000"/>
             </a:lvl6pPr>
-            <a:lvl7pPr indent="-228600" lvl="6" marL="3200400" algn="l">
+            <a:lvl7pPr marL="3200400" lvl="6" indent="-228600" algn="l">
               <a:lnSpc>
                 <a:spcPct val="90000"/>
               </a:lnSpc>
@@ -9639,7 +9914,7 @@
               <a:buNone/>
               <a:defRPr sz="1000"/>
             </a:lvl7pPr>
-            <a:lvl8pPr indent="-228600" lvl="7" marL="3657600" algn="l">
+            <a:lvl8pPr marL="3657600" lvl="7" indent="-228600" algn="l">
               <a:lnSpc>
                 <a:spcPct val="90000"/>
               </a:lnSpc>
@@ -9656,7 +9931,7 @@
               <a:buNone/>
               <a:defRPr sz="1000"/>
             </a:lvl8pPr>
-            <a:lvl9pPr indent="-228600" lvl="8" marL="4114800" algn="l">
+            <a:lvl9pPr marL="4114800" lvl="8" indent="-228600" algn="l">
               <a:lnSpc>
                 <a:spcPct val="90000"/>
               </a:lnSpc>
@@ -9674,15 +9949,19 @@
               <a:defRPr sz="1000"/>
             </a:lvl9pPr>
           </a:lstStyle>
-          <a:p/>
+          <a:p>
+            <a:endParaRPr/>
+          </a:p>
         </p:txBody>
       </p:sp>
       <p:sp>
         <p:nvSpPr>
           <p:cNvPr id="70" name="Google Shape;70;p10"/>
-          <p:cNvSpPr txBox="1"/>
+          <p:cNvSpPr txBox="1">
+            <a:spLocks noGrp="1"/>
+          </p:cNvSpPr>
           <p:nvPr>
-            <p:ph idx="10" type="dt"/>
+            <p:ph type="dt" idx="10"/>
           </p:nvPr>
         </p:nvSpPr>
         <p:spPr>
@@ -9699,7 +9978,7 @@
           </a:ln>
         </p:spPr>
         <p:txBody>
-          <a:bodyPr anchorCtr="0" anchor="ctr" bIns="45700" lIns="91425" spcFirstLastPara="1" rIns="91425" wrap="square" tIns="45700">
+          <a:bodyPr spcFirstLastPara="1" wrap="square" lIns="91425" tIns="45700" rIns="91425" bIns="45700" anchor="ctr" anchorCtr="0">
             <a:noAutofit/>
           </a:bodyPr>
           <a:lstStyle>
@@ -9803,15 +10082,19 @@
               <a:defRPr/>
             </a:lvl9pPr>
           </a:lstStyle>
-          <a:p/>
+          <a:p>
+            <a:endParaRPr/>
+          </a:p>
         </p:txBody>
       </p:sp>
       <p:sp>
         <p:nvSpPr>
           <p:cNvPr id="71" name="Google Shape;71;p10"/>
-          <p:cNvSpPr txBox="1"/>
+          <p:cNvSpPr txBox="1">
+            <a:spLocks noGrp="1"/>
+          </p:cNvSpPr>
           <p:nvPr>
-            <p:ph idx="11" type="ftr"/>
+            <p:ph type="ftr" idx="11"/>
           </p:nvPr>
         </p:nvSpPr>
         <p:spPr>
@@ -9828,7 +10111,7 @@
           </a:ln>
         </p:spPr>
         <p:txBody>
-          <a:bodyPr anchorCtr="0" anchor="ctr" bIns="45700" lIns="91425" spcFirstLastPara="1" rIns="91425" wrap="square" tIns="45700">
+          <a:bodyPr spcFirstLastPara="1" wrap="square" lIns="91425" tIns="45700" rIns="91425" bIns="45700" anchor="ctr" anchorCtr="0">
             <a:noAutofit/>
           </a:bodyPr>
           <a:lstStyle>
@@ -9932,15 +10215,19 @@
               <a:defRPr/>
             </a:lvl9pPr>
           </a:lstStyle>
-          <a:p/>
+          <a:p>
+            <a:endParaRPr/>
+          </a:p>
         </p:txBody>
       </p:sp>
       <p:sp>
         <p:nvSpPr>
           <p:cNvPr id="72" name="Google Shape;72;p10"/>
-          <p:cNvSpPr txBox="1"/>
+          <p:cNvSpPr txBox="1">
+            <a:spLocks noGrp="1"/>
+          </p:cNvSpPr>
           <p:nvPr>
-            <p:ph idx="12" type="sldNum"/>
+            <p:ph type="sldNum" idx="12"/>
           </p:nvPr>
         </p:nvSpPr>
         <p:spPr>
@@ -9957,67 +10244,67 @@
           </a:ln>
         </p:spPr>
         <p:txBody>
-          <a:bodyPr anchorCtr="0" anchor="ctr" bIns="45700" lIns="91425" spcFirstLastPara="1" rIns="91425" wrap="square" tIns="45700">
+          <a:bodyPr spcFirstLastPara="1" wrap="square" lIns="91425" tIns="45700" rIns="91425" bIns="45700" anchor="ctr" anchorCtr="0">
             <a:noAutofit/>
           </a:bodyPr>
           <a:lstStyle>
-            <a:lvl1pPr indent="0" lvl="0" marL="0" algn="r">
+            <a:lvl1pPr marL="0" lvl="0" indent="0" algn="r">
               <a:spcBef>
                 <a:spcPts val="0"/>
               </a:spcBef>
               <a:buNone/>
               <a:defRPr/>
             </a:lvl1pPr>
-            <a:lvl2pPr indent="0" lvl="1" marL="0" algn="r">
+            <a:lvl2pPr marL="0" lvl="1" indent="0" algn="r">
               <a:spcBef>
                 <a:spcPts val="0"/>
               </a:spcBef>
               <a:buNone/>
               <a:defRPr/>
             </a:lvl2pPr>
-            <a:lvl3pPr indent="0" lvl="2" marL="0" algn="r">
+            <a:lvl3pPr marL="0" lvl="2" indent="0" algn="r">
               <a:spcBef>
                 <a:spcPts val="0"/>
               </a:spcBef>
               <a:buNone/>
               <a:defRPr/>
             </a:lvl3pPr>
-            <a:lvl4pPr indent="0" lvl="3" marL="0" algn="r">
+            <a:lvl4pPr marL="0" lvl="3" indent="0" algn="r">
               <a:spcBef>
                 <a:spcPts val="0"/>
               </a:spcBef>
               <a:buNone/>
               <a:defRPr/>
             </a:lvl4pPr>
-            <a:lvl5pPr indent="0" lvl="4" marL="0" algn="r">
+            <a:lvl5pPr marL="0" lvl="4" indent="0" algn="r">
               <a:spcBef>
                 <a:spcPts val="0"/>
               </a:spcBef>
               <a:buNone/>
               <a:defRPr/>
             </a:lvl5pPr>
-            <a:lvl6pPr indent="0" lvl="5" marL="0" algn="r">
+            <a:lvl6pPr marL="0" lvl="5" indent="0" algn="r">
               <a:spcBef>
                 <a:spcPts val="0"/>
               </a:spcBef>
               <a:buNone/>
               <a:defRPr/>
             </a:lvl6pPr>
-            <a:lvl7pPr indent="0" lvl="6" marL="0" algn="r">
+            <a:lvl7pPr marL="0" lvl="6" indent="0" algn="r">
               <a:spcBef>
                 <a:spcPts val="0"/>
               </a:spcBef>
               <a:buNone/>
               <a:defRPr/>
             </a:lvl7pPr>
-            <a:lvl8pPr indent="0" lvl="7" marL="0" algn="r">
+            <a:lvl8pPr marL="0" lvl="7" indent="0" algn="r">
               <a:spcBef>
                 <a:spcPts val="0"/>
               </a:spcBef>
               <a:buNone/>
               <a:defRPr/>
             </a:lvl8pPr>
-            <a:lvl9pPr indent="0" lvl="8" marL="0" algn="r">
+            <a:lvl9pPr marL="0" lvl="8" indent="0" algn="r">
               <a:spcBef>
                 <a:spcPts val="0"/>
               </a:spcBef>
@@ -10026,7 +10313,7 @@
             </a:lvl9pPr>
           </a:lstStyle>
           <a:p>
-            <a:pPr indent="0" lvl="0" marL="0" rtl="0" algn="r">
+            <a:pPr marL="0" lvl="0" indent="0" algn="r" rtl="0">
               <a:spcBef>
                 <a:spcPts val="0"/>
               </a:spcBef>
@@ -10037,7 +10324,7 @@
             </a:pPr>
             <a:fld id="{00000000-1234-1234-1234-123412341234}" type="slidenum">
               <a:rPr lang="en-US"/>
-              <a:t>‹#›</a:t>
+              <a:t>‹Nº›</a:t>
             </a:fld>
             <a:endParaRPr/>
           </a:p>
@@ -10052,18 +10339,19 @@
 </file>
 
 <file path=ppt/slideMasters/slideMaster1.xml><?xml version="1.0" encoding="utf-8"?>
-<p:sldMaster xmlns:a="http://schemas.openxmlformats.org/drawingml/2006/main" xmlns:r="http://schemas.openxmlformats.org/officeDocument/2006/relationships" xmlns:mc="http://schemas.openxmlformats.org/markup-compatibility/2006" xmlns:mv="urn:schemas-microsoft-com:mac:vml" xmlns:p="http://schemas.openxmlformats.org/presentationml/2006/main" xmlns:c="http://schemas.openxmlformats.org/drawingml/2006/chart" xmlns:dgm="http://schemas.openxmlformats.org/drawingml/2006/diagram" xmlns:o="urn:schemas-microsoft-com:office:office" xmlns:v="urn:schemas-microsoft-com:vml" xmlns:pvml="urn:schemas-microsoft-com:office:powerpoint" xmlns:com="http://schemas.openxmlformats.org/drawingml/2006/compatibility" xmlns:p14="http://schemas.microsoft.com/office/powerpoint/2010/main" xmlns:p15="http://schemas.microsoft.com/office/powerpoint/2012/main" xmlns:ahyp="http://schemas.microsoft.com/office/drawing/2018/hyperlinkcolor">
+<p:sldMaster xmlns:a="http://schemas.openxmlformats.org/drawingml/2006/main" xmlns:r="http://schemas.openxmlformats.org/officeDocument/2006/relationships" xmlns:p="http://schemas.openxmlformats.org/presentationml/2006/main">
   <p:cSld>
     <p:bg>
       <p:bgPr>
         <a:solidFill>
           <a:schemeClr val="lt2"/>
         </a:solidFill>
+        <a:effectLst/>
       </p:bgPr>
     </p:bg>
     <p:spTree>
       <p:nvGrpSpPr>
-        <p:cNvPr id="5" name="Shape 5"/>
+        <p:cNvPr id="1" name="Shape 5"/>
         <p:cNvGrpSpPr/>
         <p:nvPr/>
       </p:nvGrpSpPr>
@@ -10078,7 +10366,9 @@
       <p:sp>
         <p:nvSpPr>
           <p:cNvPr id="6" name="Google Shape;6;p1"/>
-          <p:cNvSpPr txBox="1"/>
+          <p:cNvSpPr txBox="1">
+            <a:spLocks noGrp="1"/>
+          </p:cNvSpPr>
           <p:nvPr>
             <p:ph type="title"/>
           </p:nvPr>
@@ -10097,11 +10387,11 @@
           </a:ln>
         </p:spPr>
         <p:txBody>
-          <a:bodyPr anchorCtr="0" anchor="b" bIns="45700" lIns="91425" spcFirstLastPara="1" rIns="91425" wrap="square" tIns="45700">
+          <a:bodyPr spcFirstLastPara="1" wrap="square" lIns="91425" tIns="45700" rIns="91425" bIns="45700" anchor="b" anchorCtr="0">
             <a:normAutofit/>
           </a:bodyPr>
           <a:lstStyle>
-            <a:lvl1pPr lvl="0" marR="0" rtl="0" algn="l">
+            <a:lvl1pPr marR="0" lvl="0" algn="l" rtl="0">
               <a:lnSpc>
                 <a:spcPct val="120000"/>
               </a:lnSpc>
@@ -10117,7 +10407,7 @@
               <a:buSzPts val="4000"/>
               <a:buFont typeface="Libre Franklin Black"/>
               <a:buNone/>
-              <a:defRPr b="0" i="1" sz="4000" u="none" cap="none" strike="noStrike">
+              <a:defRPr sz="4000" b="0" i="1" u="none" strike="noStrike" cap="none">
                 <a:solidFill>
                   <a:srgbClr val="000000"/>
                 </a:solidFill>
@@ -10219,15 +10509,19 @@
               <a:defRPr sz="1800"/>
             </a:lvl9pPr>
           </a:lstStyle>
-          <a:p/>
+          <a:p>
+            <a:endParaRPr/>
+          </a:p>
         </p:txBody>
       </p:sp>
       <p:sp>
         <p:nvSpPr>
           <p:cNvPr id="7" name="Google Shape;7;p1"/>
-          <p:cNvSpPr txBox="1"/>
+          <p:cNvSpPr txBox="1">
+            <a:spLocks noGrp="1"/>
+          </p:cNvSpPr>
           <p:nvPr>
-            <p:ph idx="1" type="body"/>
+            <p:ph type="body" idx="1"/>
           </p:nvPr>
         </p:nvSpPr>
         <p:spPr>
@@ -10244,11 +10538,11 @@
           </a:ln>
         </p:spPr>
         <p:txBody>
-          <a:bodyPr anchorCtr="0" anchor="t" bIns="45700" lIns="91425" spcFirstLastPara="1" rIns="91425" wrap="square" tIns="45700">
+          <a:bodyPr spcFirstLastPara="1" wrap="square" lIns="91425" tIns="45700" rIns="91425" bIns="45700" anchor="t" anchorCtr="0">
             <a:normAutofit/>
           </a:bodyPr>
           <a:lstStyle>
-            <a:lvl1pPr indent="-330200" lvl="0" marL="457200" marR="0" rtl="0" algn="l">
+            <a:lvl1pPr marL="457200" marR="0" lvl="0" indent="-330200" algn="l" rtl="0">
               <a:lnSpc>
                 <a:spcPct val="120000"/>
               </a:lnSpc>
@@ -10264,7 +10558,7 @@
               <a:buSzPts val="1600"/>
               <a:buFont typeface="Arial"/>
               <a:buChar char="•"/>
-              <a:defRPr b="0" i="0" sz="1600" u="none" cap="none" strike="noStrike">
+              <a:defRPr sz="1600" b="0" i="0" u="none" strike="noStrike" cap="none">
                 <a:solidFill>
                   <a:schemeClr val="dk1"/>
                 </a:solidFill>
@@ -10274,7 +10568,7 @@
                 <a:sym typeface="Consolas"/>
               </a:defRPr>
             </a:lvl1pPr>
-            <a:lvl2pPr indent="-317500" lvl="1" marL="914400" marR="0" rtl="0" algn="l">
+            <a:lvl2pPr marL="914400" marR="0" lvl="1" indent="-317500" algn="l" rtl="0">
               <a:lnSpc>
                 <a:spcPct val="120000"/>
               </a:lnSpc>
@@ -10290,7 +10584,7 @@
               <a:buSzPts val="1400"/>
               <a:buFont typeface="Consolas"/>
               <a:buChar char="+"/>
-              <a:defRPr b="0" i="0" sz="1400" u="none" cap="none" strike="noStrike">
+              <a:defRPr sz="1400" b="0" i="0" u="none" strike="noStrike" cap="none">
                 <a:solidFill>
                   <a:schemeClr val="dk1"/>
                 </a:solidFill>
@@ -10300,7 +10594,7 @@
                 <a:sym typeface="Consolas"/>
               </a:defRPr>
             </a:lvl2pPr>
-            <a:lvl3pPr indent="-317500" lvl="2" marL="1371600" marR="0" rtl="0" algn="l">
+            <a:lvl3pPr marL="1371600" marR="0" lvl="2" indent="-317500" algn="l" rtl="0">
               <a:lnSpc>
                 <a:spcPct val="120000"/>
               </a:lnSpc>
@@ -10316,7 +10610,7 @@
               <a:buSzPts val="1400"/>
               <a:buFont typeface="Arial"/>
               <a:buChar char="•"/>
-              <a:defRPr b="0" i="0" sz="1400" u="none" cap="none" strike="noStrike">
+              <a:defRPr sz="1400" b="0" i="0" u="none" strike="noStrike" cap="none">
                 <a:solidFill>
                   <a:schemeClr val="dk1"/>
                 </a:solidFill>
@@ -10326,7 +10620,7 @@
                 <a:sym typeface="Consolas"/>
               </a:defRPr>
             </a:lvl3pPr>
-            <a:lvl4pPr indent="-304800" lvl="3" marL="1828800" marR="0" rtl="0" algn="l">
+            <a:lvl4pPr marL="1828800" marR="0" lvl="3" indent="-304800" algn="l" rtl="0">
               <a:lnSpc>
                 <a:spcPct val="120000"/>
               </a:lnSpc>
@@ -10342,7 +10636,7 @@
               <a:buSzPts val="1200"/>
               <a:buFont typeface="Consolas"/>
               <a:buChar char="+"/>
-              <a:defRPr b="0" i="0" sz="1200" u="none" cap="none" strike="noStrike">
+              <a:defRPr sz="1200" b="0" i="0" u="none" strike="noStrike" cap="none">
                 <a:solidFill>
                   <a:schemeClr val="dk1"/>
                 </a:solidFill>
@@ -10352,7 +10646,7 @@
                 <a:sym typeface="Consolas"/>
               </a:defRPr>
             </a:lvl4pPr>
-            <a:lvl5pPr indent="-304800" lvl="4" marL="2286000" marR="0" rtl="0" algn="l">
+            <a:lvl5pPr marL="2286000" marR="0" lvl="4" indent="-304800" algn="l" rtl="0">
               <a:lnSpc>
                 <a:spcPct val="120000"/>
               </a:lnSpc>
@@ -10368,7 +10662,7 @@
               <a:buSzPts val="1200"/>
               <a:buFont typeface="Arial"/>
               <a:buChar char="•"/>
-              <a:defRPr b="0" i="0" sz="1200" u="none" cap="none" strike="noStrike">
+              <a:defRPr sz="1200" b="0" i="0" u="none" strike="noStrike" cap="none">
                 <a:solidFill>
                   <a:schemeClr val="dk1"/>
                 </a:solidFill>
@@ -10378,7 +10672,7 @@
                 <a:sym typeface="Consolas"/>
               </a:defRPr>
             </a:lvl5pPr>
-            <a:lvl6pPr indent="-342900" lvl="5" marL="2743200" marR="0" rtl="0" algn="l">
+            <a:lvl6pPr marL="2743200" marR="0" lvl="5" indent="-342900" algn="l" rtl="0">
               <a:lnSpc>
                 <a:spcPct val="90000"/>
               </a:lnSpc>
@@ -10394,7 +10688,7 @@
               <a:buSzPts val="1800"/>
               <a:buFont typeface="Arial"/>
               <a:buChar char="•"/>
-              <a:defRPr b="0" i="0" sz="1800" u="none" cap="none" strike="noStrike">
+              <a:defRPr sz="1800" b="0" i="0" u="none" strike="noStrike" cap="none">
                 <a:solidFill>
                   <a:schemeClr val="dk1"/>
                 </a:solidFill>
@@ -10404,7 +10698,7 @@
                 <a:sym typeface="Consolas"/>
               </a:defRPr>
             </a:lvl6pPr>
-            <a:lvl7pPr indent="-342900" lvl="6" marL="3200400" marR="0" rtl="0" algn="l">
+            <a:lvl7pPr marL="3200400" marR="0" lvl="6" indent="-342900" algn="l" rtl="0">
               <a:lnSpc>
                 <a:spcPct val="90000"/>
               </a:lnSpc>
@@ -10420,7 +10714,7 @@
               <a:buSzPts val="1800"/>
               <a:buFont typeface="Arial"/>
               <a:buChar char="•"/>
-              <a:defRPr b="0" i="0" sz="1800" u="none" cap="none" strike="noStrike">
+              <a:defRPr sz="1800" b="0" i="0" u="none" strike="noStrike" cap="none">
                 <a:solidFill>
                   <a:schemeClr val="dk1"/>
                 </a:solidFill>
@@ -10430,7 +10724,7 @@
                 <a:sym typeface="Consolas"/>
               </a:defRPr>
             </a:lvl7pPr>
-            <a:lvl8pPr indent="-342900" lvl="7" marL="3657600" marR="0" rtl="0" algn="l">
+            <a:lvl8pPr marL="3657600" marR="0" lvl="7" indent="-342900" algn="l" rtl="0">
               <a:lnSpc>
                 <a:spcPct val="90000"/>
               </a:lnSpc>
@@ -10446,7 +10740,7 @@
               <a:buSzPts val="1800"/>
               <a:buFont typeface="Arial"/>
               <a:buChar char="•"/>
-              <a:defRPr b="0" i="0" sz="1800" u="none" cap="none" strike="noStrike">
+              <a:defRPr sz="1800" b="0" i="0" u="none" strike="noStrike" cap="none">
                 <a:solidFill>
                   <a:schemeClr val="dk1"/>
                 </a:solidFill>
@@ -10456,7 +10750,7 @@
                 <a:sym typeface="Consolas"/>
               </a:defRPr>
             </a:lvl8pPr>
-            <a:lvl9pPr indent="-342900" lvl="8" marL="4114800" marR="0" rtl="0" algn="l">
+            <a:lvl9pPr marL="4114800" marR="0" lvl="8" indent="-342900" algn="l" rtl="0">
               <a:lnSpc>
                 <a:spcPct val="90000"/>
               </a:lnSpc>
@@ -10472,574 +10766,7 @@
               <a:buSzPts val="1800"/>
               <a:buFont typeface="Arial"/>
               <a:buChar char="•"/>
-              <a:defRPr b="0" i="0" sz="1800" u="none" cap="none" strike="noStrike">
-                <a:solidFill>
-                  <a:schemeClr val="dk1"/>
-                </a:solidFill>
-                <a:latin typeface="Consolas"/>
-                <a:ea typeface="Consolas"/>
-                <a:cs typeface="Consolas"/>
-                <a:sym typeface="Consolas"/>
-              </a:defRPr>
-            </a:lvl9pPr>
-          </a:lstStyle>
-          <a:p/>
-        </p:txBody>
-      </p:sp>
-      <p:sp>
-        <p:nvSpPr>
-          <p:cNvPr id="8" name="Google Shape;8;p1"/>
-          <p:cNvSpPr txBox="1"/>
-          <p:nvPr>
-            <p:ph idx="10" type="dt"/>
-          </p:nvPr>
-        </p:nvSpPr>
-        <p:spPr>
-          <a:xfrm rot="-5400000">
-            <a:off x="-1029207" y="4680813"/>
-            <a:ext cx="2758330" cy="365125"/>
-          </a:xfrm>
-          <a:prstGeom prst="rect">
-            <a:avLst/>
-          </a:prstGeom>
-          <a:noFill/>
-          <a:ln>
-            <a:noFill/>
-          </a:ln>
-        </p:spPr>
-        <p:txBody>
-          <a:bodyPr anchorCtr="0" anchor="ctr" bIns="45700" lIns="91425" spcFirstLastPara="1" rIns="91425" wrap="square" tIns="45700">
-            <a:noAutofit/>
-          </a:bodyPr>
-          <a:lstStyle>
-            <a:lvl1pPr lvl="0" marR="0" rtl="0" algn="l">
-              <a:spcBef>
-                <a:spcPts val="0"/>
-              </a:spcBef>
-              <a:spcAft>
-                <a:spcPts val="0"/>
-              </a:spcAft>
-              <a:buSzPts val="1400"/>
-              <a:buNone/>
-              <a:defRPr b="0" i="0" sz="1100" u="none" cap="none" strike="noStrike">
-                <a:solidFill>
-                  <a:schemeClr val="dk1"/>
-                </a:solidFill>
-                <a:latin typeface="Consolas"/>
-                <a:ea typeface="Consolas"/>
-                <a:cs typeface="Consolas"/>
-                <a:sym typeface="Consolas"/>
-              </a:defRPr>
-            </a:lvl1pPr>
-            <a:lvl2pPr lvl="1" marR="0" rtl="0" algn="l">
-              <a:spcBef>
-                <a:spcPts val="0"/>
-              </a:spcBef>
-              <a:spcAft>
-                <a:spcPts val="0"/>
-              </a:spcAft>
-              <a:buSzPts val="1400"/>
-              <a:buNone/>
-              <a:defRPr b="0" i="0" sz="1800" u="none" cap="none" strike="noStrike">
-                <a:solidFill>
-                  <a:schemeClr val="dk1"/>
-                </a:solidFill>
-                <a:latin typeface="Consolas"/>
-                <a:ea typeface="Consolas"/>
-                <a:cs typeface="Consolas"/>
-                <a:sym typeface="Consolas"/>
-              </a:defRPr>
-            </a:lvl2pPr>
-            <a:lvl3pPr lvl="2" marR="0" rtl="0" algn="l">
-              <a:spcBef>
-                <a:spcPts val="0"/>
-              </a:spcBef>
-              <a:spcAft>
-                <a:spcPts val="0"/>
-              </a:spcAft>
-              <a:buSzPts val="1400"/>
-              <a:buNone/>
-              <a:defRPr b="0" i="0" sz="1800" u="none" cap="none" strike="noStrike">
-                <a:solidFill>
-                  <a:schemeClr val="dk1"/>
-                </a:solidFill>
-                <a:latin typeface="Consolas"/>
-                <a:ea typeface="Consolas"/>
-                <a:cs typeface="Consolas"/>
-                <a:sym typeface="Consolas"/>
-              </a:defRPr>
-            </a:lvl3pPr>
-            <a:lvl4pPr lvl="3" marR="0" rtl="0" algn="l">
-              <a:spcBef>
-                <a:spcPts val="0"/>
-              </a:spcBef>
-              <a:spcAft>
-                <a:spcPts val="0"/>
-              </a:spcAft>
-              <a:buSzPts val="1400"/>
-              <a:buNone/>
-              <a:defRPr b="0" i="0" sz="1800" u="none" cap="none" strike="noStrike">
-                <a:solidFill>
-                  <a:schemeClr val="dk1"/>
-                </a:solidFill>
-                <a:latin typeface="Consolas"/>
-                <a:ea typeface="Consolas"/>
-                <a:cs typeface="Consolas"/>
-                <a:sym typeface="Consolas"/>
-              </a:defRPr>
-            </a:lvl4pPr>
-            <a:lvl5pPr lvl="4" marR="0" rtl="0" algn="l">
-              <a:spcBef>
-                <a:spcPts val="0"/>
-              </a:spcBef>
-              <a:spcAft>
-                <a:spcPts val="0"/>
-              </a:spcAft>
-              <a:buSzPts val="1400"/>
-              <a:buNone/>
-              <a:defRPr b="0" i="0" sz="1800" u="none" cap="none" strike="noStrike">
-                <a:solidFill>
-                  <a:schemeClr val="dk1"/>
-                </a:solidFill>
-                <a:latin typeface="Consolas"/>
-                <a:ea typeface="Consolas"/>
-                <a:cs typeface="Consolas"/>
-                <a:sym typeface="Consolas"/>
-              </a:defRPr>
-            </a:lvl5pPr>
-            <a:lvl6pPr lvl="5" marR="0" rtl="0" algn="l">
-              <a:spcBef>
-                <a:spcPts val="0"/>
-              </a:spcBef>
-              <a:spcAft>
-                <a:spcPts val="0"/>
-              </a:spcAft>
-              <a:buSzPts val="1400"/>
-              <a:buNone/>
-              <a:defRPr b="0" i="0" sz="1800" u="none" cap="none" strike="noStrike">
-                <a:solidFill>
-                  <a:schemeClr val="dk1"/>
-                </a:solidFill>
-                <a:latin typeface="Consolas"/>
-                <a:ea typeface="Consolas"/>
-                <a:cs typeface="Consolas"/>
-                <a:sym typeface="Consolas"/>
-              </a:defRPr>
-            </a:lvl6pPr>
-            <a:lvl7pPr lvl="6" marR="0" rtl="0" algn="l">
-              <a:spcBef>
-                <a:spcPts val="0"/>
-              </a:spcBef>
-              <a:spcAft>
-                <a:spcPts val="0"/>
-              </a:spcAft>
-              <a:buSzPts val="1400"/>
-              <a:buNone/>
-              <a:defRPr b="0" i="0" sz="1800" u="none" cap="none" strike="noStrike">
-                <a:solidFill>
-                  <a:schemeClr val="dk1"/>
-                </a:solidFill>
-                <a:latin typeface="Consolas"/>
-                <a:ea typeface="Consolas"/>
-                <a:cs typeface="Consolas"/>
-                <a:sym typeface="Consolas"/>
-              </a:defRPr>
-            </a:lvl7pPr>
-            <a:lvl8pPr lvl="7" marR="0" rtl="0" algn="l">
-              <a:spcBef>
-                <a:spcPts val="0"/>
-              </a:spcBef>
-              <a:spcAft>
-                <a:spcPts val="0"/>
-              </a:spcAft>
-              <a:buSzPts val="1400"/>
-              <a:buNone/>
-              <a:defRPr b="0" i="0" sz="1800" u="none" cap="none" strike="noStrike">
-                <a:solidFill>
-                  <a:schemeClr val="dk1"/>
-                </a:solidFill>
-                <a:latin typeface="Consolas"/>
-                <a:ea typeface="Consolas"/>
-                <a:cs typeface="Consolas"/>
-                <a:sym typeface="Consolas"/>
-              </a:defRPr>
-            </a:lvl8pPr>
-            <a:lvl9pPr lvl="8" marR="0" rtl="0" algn="l">
-              <a:spcBef>
-                <a:spcPts val="0"/>
-              </a:spcBef>
-              <a:spcAft>
-                <a:spcPts val="0"/>
-              </a:spcAft>
-              <a:buSzPts val="1400"/>
-              <a:buNone/>
-              <a:defRPr b="0" i="0" sz="1800" u="none" cap="none" strike="noStrike">
-                <a:solidFill>
-                  <a:schemeClr val="dk1"/>
-                </a:solidFill>
-                <a:latin typeface="Consolas"/>
-                <a:ea typeface="Consolas"/>
-                <a:cs typeface="Consolas"/>
-                <a:sym typeface="Consolas"/>
-              </a:defRPr>
-            </a:lvl9pPr>
-          </a:lstStyle>
-          <a:p/>
-        </p:txBody>
-      </p:sp>
-      <p:sp>
-        <p:nvSpPr>
-          <p:cNvPr id="9" name="Google Shape;9;p1"/>
-          <p:cNvSpPr txBox="1"/>
-          <p:nvPr>
-            <p:ph idx="11" type="ftr"/>
-          </p:nvPr>
-        </p:nvSpPr>
-        <p:spPr>
-          <a:xfrm>
-            <a:off x="661112" y="6356350"/>
-            <a:ext cx="5509684" cy="365125"/>
-          </a:xfrm>
-          <a:prstGeom prst="rect">
-            <a:avLst/>
-          </a:prstGeom>
-          <a:noFill/>
-          <a:ln>
-            <a:noFill/>
-          </a:ln>
-        </p:spPr>
-        <p:txBody>
-          <a:bodyPr anchorCtr="0" anchor="ctr" bIns="45700" lIns="91425" spcFirstLastPara="1" rIns="91425" wrap="square" tIns="45700">
-            <a:noAutofit/>
-          </a:bodyPr>
-          <a:lstStyle>
-            <a:lvl1pPr lvl="0" marR="0" rtl="0" algn="l">
-              <a:spcBef>
-                <a:spcPts val="0"/>
-              </a:spcBef>
-              <a:spcAft>
-                <a:spcPts val="0"/>
-              </a:spcAft>
-              <a:buSzPts val="1400"/>
-              <a:buNone/>
-              <a:defRPr b="0" i="0" sz="1100" u="none" cap="none" strike="noStrike">
-                <a:solidFill>
-                  <a:schemeClr val="dk1"/>
-                </a:solidFill>
-                <a:latin typeface="Consolas"/>
-                <a:ea typeface="Consolas"/>
-                <a:cs typeface="Consolas"/>
-                <a:sym typeface="Consolas"/>
-              </a:defRPr>
-            </a:lvl1pPr>
-            <a:lvl2pPr lvl="1" marR="0" rtl="0" algn="l">
-              <a:spcBef>
-                <a:spcPts val="0"/>
-              </a:spcBef>
-              <a:spcAft>
-                <a:spcPts val="0"/>
-              </a:spcAft>
-              <a:buSzPts val="1400"/>
-              <a:buNone/>
-              <a:defRPr b="0" i="0" sz="1800" u="none" cap="none" strike="noStrike">
-                <a:solidFill>
-                  <a:schemeClr val="dk1"/>
-                </a:solidFill>
-                <a:latin typeface="Consolas"/>
-                <a:ea typeface="Consolas"/>
-                <a:cs typeface="Consolas"/>
-                <a:sym typeface="Consolas"/>
-              </a:defRPr>
-            </a:lvl2pPr>
-            <a:lvl3pPr lvl="2" marR="0" rtl="0" algn="l">
-              <a:spcBef>
-                <a:spcPts val="0"/>
-              </a:spcBef>
-              <a:spcAft>
-                <a:spcPts val="0"/>
-              </a:spcAft>
-              <a:buSzPts val="1400"/>
-              <a:buNone/>
-              <a:defRPr b="0" i="0" sz="1800" u="none" cap="none" strike="noStrike">
-                <a:solidFill>
-                  <a:schemeClr val="dk1"/>
-                </a:solidFill>
-                <a:latin typeface="Consolas"/>
-                <a:ea typeface="Consolas"/>
-                <a:cs typeface="Consolas"/>
-                <a:sym typeface="Consolas"/>
-              </a:defRPr>
-            </a:lvl3pPr>
-            <a:lvl4pPr lvl="3" marR="0" rtl="0" algn="l">
-              <a:spcBef>
-                <a:spcPts val="0"/>
-              </a:spcBef>
-              <a:spcAft>
-                <a:spcPts val="0"/>
-              </a:spcAft>
-              <a:buSzPts val="1400"/>
-              <a:buNone/>
-              <a:defRPr b="0" i="0" sz="1800" u="none" cap="none" strike="noStrike">
-                <a:solidFill>
-                  <a:schemeClr val="dk1"/>
-                </a:solidFill>
-                <a:latin typeface="Consolas"/>
-                <a:ea typeface="Consolas"/>
-                <a:cs typeface="Consolas"/>
-                <a:sym typeface="Consolas"/>
-              </a:defRPr>
-            </a:lvl4pPr>
-            <a:lvl5pPr lvl="4" marR="0" rtl="0" algn="l">
-              <a:spcBef>
-                <a:spcPts val="0"/>
-              </a:spcBef>
-              <a:spcAft>
-                <a:spcPts val="0"/>
-              </a:spcAft>
-              <a:buSzPts val="1400"/>
-              <a:buNone/>
-              <a:defRPr b="0" i="0" sz="1800" u="none" cap="none" strike="noStrike">
-                <a:solidFill>
-                  <a:schemeClr val="dk1"/>
-                </a:solidFill>
-                <a:latin typeface="Consolas"/>
-                <a:ea typeface="Consolas"/>
-                <a:cs typeface="Consolas"/>
-                <a:sym typeface="Consolas"/>
-              </a:defRPr>
-            </a:lvl5pPr>
-            <a:lvl6pPr lvl="5" marR="0" rtl="0" algn="l">
-              <a:spcBef>
-                <a:spcPts val="0"/>
-              </a:spcBef>
-              <a:spcAft>
-                <a:spcPts val="0"/>
-              </a:spcAft>
-              <a:buSzPts val="1400"/>
-              <a:buNone/>
-              <a:defRPr b="0" i="0" sz="1800" u="none" cap="none" strike="noStrike">
-                <a:solidFill>
-                  <a:schemeClr val="dk1"/>
-                </a:solidFill>
-                <a:latin typeface="Consolas"/>
-                <a:ea typeface="Consolas"/>
-                <a:cs typeface="Consolas"/>
-                <a:sym typeface="Consolas"/>
-              </a:defRPr>
-            </a:lvl6pPr>
-            <a:lvl7pPr lvl="6" marR="0" rtl="0" algn="l">
-              <a:spcBef>
-                <a:spcPts val="0"/>
-              </a:spcBef>
-              <a:spcAft>
-                <a:spcPts val="0"/>
-              </a:spcAft>
-              <a:buSzPts val="1400"/>
-              <a:buNone/>
-              <a:defRPr b="0" i="0" sz="1800" u="none" cap="none" strike="noStrike">
-                <a:solidFill>
-                  <a:schemeClr val="dk1"/>
-                </a:solidFill>
-                <a:latin typeface="Consolas"/>
-                <a:ea typeface="Consolas"/>
-                <a:cs typeface="Consolas"/>
-                <a:sym typeface="Consolas"/>
-              </a:defRPr>
-            </a:lvl7pPr>
-            <a:lvl8pPr lvl="7" marR="0" rtl="0" algn="l">
-              <a:spcBef>
-                <a:spcPts val="0"/>
-              </a:spcBef>
-              <a:spcAft>
-                <a:spcPts val="0"/>
-              </a:spcAft>
-              <a:buSzPts val="1400"/>
-              <a:buNone/>
-              <a:defRPr b="0" i="0" sz="1800" u="none" cap="none" strike="noStrike">
-                <a:solidFill>
-                  <a:schemeClr val="dk1"/>
-                </a:solidFill>
-                <a:latin typeface="Consolas"/>
-                <a:ea typeface="Consolas"/>
-                <a:cs typeface="Consolas"/>
-                <a:sym typeface="Consolas"/>
-              </a:defRPr>
-            </a:lvl8pPr>
-            <a:lvl9pPr lvl="8" marR="0" rtl="0" algn="l">
-              <a:spcBef>
-                <a:spcPts val="0"/>
-              </a:spcBef>
-              <a:spcAft>
-                <a:spcPts val="0"/>
-              </a:spcAft>
-              <a:buSzPts val="1400"/>
-              <a:buNone/>
-              <a:defRPr b="0" i="0" sz="1800" u="none" cap="none" strike="noStrike">
-                <a:solidFill>
-                  <a:schemeClr val="dk1"/>
-                </a:solidFill>
-                <a:latin typeface="Consolas"/>
-                <a:ea typeface="Consolas"/>
-                <a:cs typeface="Consolas"/>
-                <a:sym typeface="Consolas"/>
-              </a:defRPr>
-            </a:lvl9pPr>
-          </a:lstStyle>
-          <a:p/>
-        </p:txBody>
-      </p:sp>
-      <p:sp>
-        <p:nvSpPr>
-          <p:cNvPr id="10" name="Google Shape;10;p1"/>
-          <p:cNvSpPr txBox="1"/>
-          <p:nvPr>
-            <p:ph idx="12" type="sldNum"/>
-          </p:nvPr>
-        </p:nvSpPr>
-        <p:spPr>
-          <a:xfrm>
-            <a:off x="10905482" y="6356350"/>
-            <a:ext cx="1112082" cy="365125"/>
-          </a:xfrm>
-          <a:prstGeom prst="rect">
-            <a:avLst/>
-          </a:prstGeom>
-          <a:noFill/>
-          <a:ln>
-            <a:noFill/>
-          </a:ln>
-        </p:spPr>
-        <p:txBody>
-          <a:bodyPr anchorCtr="0" anchor="ctr" bIns="45700" lIns="91425" spcFirstLastPara="1" rIns="91425" wrap="square" tIns="45700">
-            <a:noAutofit/>
-          </a:bodyPr>
-          <a:lstStyle>
-            <a:lvl1pPr indent="0" lvl="0" marL="0" marR="0" rtl="0" algn="r">
-              <a:spcBef>
-                <a:spcPts val="0"/>
-              </a:spcBef>
-              <a:buNone/>
-              <a:defRPr b="0" i="0" sz="1100" u="none" cap="none" strike="noStrike">
-                <a:solidFill>
-                  <a:schemeClr val="dk1"/>
-                </a:solidFill>
-                <a:latin typeface="Consolas"/>
-                <a:ea typeface="Consolas"/>
-                <a:cs typeface="Consolas"/>
-                <a:sym typeface="Consolas"/>
-              </a:defRPr>
-            </a:lvl1pPr>
-            <a:lvl2pPr indent="0" lvl="1" marL="0" marR="0" rtl="0" algn="r">
-              <a:spcBef>
-                <a:spcPts val="0"/>
-              </a:spcBef>
-              <a:buNone/>
-              <a:defRPr b="0" i="0" sz="1100" u="none" cap="none" strike="noStrike">
-                <a:solidFill>
-                  <a:schemeClr val="dk1"/>
-                </a:solidFill>
-                <a:latin typeface="Consolas"/>
-                <a:ea typeface="Consolas"/>
-                <a:cs typeface="Consolas"/>
-                <a:sym typeface="Consolas"/>
-              </a:defRPr>
-            </a:lvl2pPr>
-            <a:lvl3pPr indent="0" lvl="2" marL="0" marR="0" rtl="0" algn="r">
-              <a:spcBef>
-                <a:spcPts val="0"/>
-              </a:spcBef>
-              <a:buNone/>
-              <a:defRPr b="0" i="0" sz="1100" u="none" cap="none" strike="noStrike">
-                <a:solidFill>
-                  <a:schemeClr val="dk1"/>
-                </a:solidFill>
-                <a:latin typeface="Consolas"/>
-                <a:ea typeface="Consolas"/>
-                <a:cs typeface="Consolas"/>
-                <a:sym typeface="Consolas"/>
-              </a:defRPr>
-            </a:lvl3pPr>
-            <a:lvl4pPr indent="0" lvl="3" marL="0" marR="0" rtl="0" algn="r">
-              <a:spcBef>
-                <a:spcPts val="0"/>
-              </a:spcBef>
-              <a:buNone/>
-              <a:defRPr b="0" i="0" sz="1100" u="none" cap="none" strike="noStrike">
-                <a:solidFill>
-                  <a:schemeClr val="dk1"/>
-                </a:solidFill>
-                <a:latin typeface="Consolas"/>
-                <a:ea typeface="Consolas"/>
-                <a:cs typeface="Consolas"/>
-                <a:sym typeface="Consolas"/>
-              </a:defRPr>
-            </a:lvl4pPr>
-            <a:lvl5pPr indent="0" lvl="4" marL="0" marR="0" rtl="0" algn="r">
-              <a:spcBef>
-                <a:spcPts val="0"/>
-              </a:spcBef>
-              <a:buNone/>
-              <a:defRPr b="0" i="0" sz="1100" u="none" cap="none" strike="noStrike">
-                <a:solidFill>
-                  <a:schemeClr val="dk1"/>
-                </a:solidFill>
-                <a:latin typeface="Consolas"/>
-                <a:ea typeface="Consolas"/>
-                <a:cs typeface="Consolas"/>
-                <a:sym typeface="Consolas"/>
-              </a:defRPr>
-            </a:lvl5pPr>
-            <a:lvl6pPr indent="0" lvl="5" marL="0" marR="0" rtl="0" algn="r">
-              <a:spcBef>
-                <a:spcPts val="0"/>
-              </a:spcBef>
-              <a:buNone/>
-              <a:defRPr b="0" i="0" sz="1100" u="none" cap="none" strike="noStrike">
-                <a:solidFill>
-                  <a:schemeClr val="dk1"/>
-                </a:solidFill>
-                <a:latin typeface="Consolas"/>
-                <a:ea typeface="Consolas"/>
-                <a:cs typeface="Consolas"/>
-                <a:sym typeface="Consolas"/>
-              </a:defRPr>
-            </a:lvl6pPr>
-            <a:lvl7pPr indent="0" lvl="6" marL="0" marR="0" rtl="0" algn="r">
-              <a:spcBef>
-                <a:spcPts val="0"/>
-              </a:spcBef>
-              <a:buNone/>
-              <a:defRPr b="0" i="0" sz="1100" u="none" cap="none" strike="noStrike">
-                <a:solidFill>
-                  <a:schemeClr val="dk1"/>
-                </a:solidFill>
-                <a:latin typeface="Consolas"/>
-                <a:ea typeface="Consolas"/>
-                <a:cs typeface="Consolas"/>
-                <a:sym typeface="Consolas"/>
-              </a:defRPr>
-            </a:lvl7pPr>
-            <a:lvl8pPr indent="0" lvl="7" marL="0" marR="0" rtl="0" algn="r">
-              <a:spcBef>
-                <a:spcPts val="0"/>
-              </a:spcBef>
-              <a:buNone/>
-              <a:defRPr b="0" i="0" sz="1100" u="none" cap="none" strike="noStrike">
-                <a:solidFill>
-                  <a:schemeClr val="dk1"/>
-                </a:solidFill>
-                <a:latin typeface="Consolas"/>
-                <a:ea typeface="Consolas"/>
-                <a:cs typeface="Consolas"/>
-                <a:sym typeface="Consolas"/>
-              </a:defRPr>
-            </a:lvl8pPr>
-            <a:lvl9pPr indent="0" lvl="8" marL="0" marR="0" rtl="0" algn="r">
-              <a:spcBef>
-                <a:spcPts val="0"/>
-              </a:spcBef>
-              <a:buNone/>
-              <a:defRPr b="0" i="0" sz="1100" u="none" cap="none" strike="noStrike">
+              <a:defRPr sz="1800" b="0" i="0" u="none" strike="noStrike" cap="none">
                 <a:solidFill>
                   <a:schemeClr val="dk1"/>
                 </a:solidFill>
@@ -11051,7 +10778,586 @@
             </a:lvl9pPr>
           </a:lstStyle>
           <a:p>
-            <a:pPr indent="0" lvl="0" marL="0" rtl="0" algn="r">
+            <a:endParaRPr/>
+          </a:p>
+        </p:txBody>
+      </p:sp>
+      <p:sp>
+        <p:nvSpPr>
+          <p:cNvPr id="8" name="Google Shape;8;p1"/>
+          <p:cNvSpPr txBox="1">
+            <a:spLocks noGrp="1"/>
+          </p:cNvSpPr>
+          <p:nvPr>
+            <p:ph type="dt" idx="10"/>
+          </p:nvPr>
+        </p:nvSpPr>
+        <p:spPr>
+          <a:xfrm rot="-5400000">
+            <a:off x="-1029207" y="4680813"/>
+            <a:ext cx="2758330" cy="365125"/>
+          </a:xfrm>
+          <a:prstGeom prst="rect">
+            <a:avLst/>
+          </a:prstGeom>
+          <a:noFill/>
+          <a:ln>
+            <a:noFill/>
+          </a:ln>
+        </p:spPr>
+        <p:txBody>
+          <a:bodyPr spcFirstLastPara="1" wrap="square" lIns="91425" tIns="45700" rIns="91425" bIns="45700" anchor="ctr" anchorCtr="0">
+            <a:noAutofit/>
+          </a:bodyPr>
+          <a:lstStyle>
+            <a:lvl1pPr marR="0" lvl="0" algn="l" rtl="0">
+              <a:spcBef>
+                <a:spcPts val="0"/>
+              </a:spcBef>
+              <a:spcAft>
+                <a:spcPts val="0"/>
+              </a:spcAft>
+              <a:buSzPts val="1400"/>
+              <a:buNone/>
+              <a:defRPr sz="1100" b="0" i="0" u="none" strike="noStrike" cap="none">
+                <a:solidFill>
+                  <a:schemeClr val="dk1"/>
+                </a:solidFill>
+                <a:latin typeface="Consolas"/>
+                <a:ea typeface="Consolas"/>
+                <a:cs typeface="Consolas"/>
+                <a:sym typeface="Consolas"/>
+              </a:defRPr>
+            </a:lvl1pPr>
+            <a:lvl2pPr marR="0" lvl="1" algn="l" rtl="0">
+              <a:spcBef>
+                <a:spcPts val="0"/>
+              </a:spcBef>
+              <a:spcAft>
+                <a:spcPts val="0"/>
+              </a:spcAft>
+              <a:buSzPts val="1400"/>
+              <a:buNone/>
+              <a:defRPr sz="1800" b="0" i="0" u="none" strike="noStrike" cap="none">
+                <a:solidFill>
+                  <a:schemeClr val="dk1"/>
+                </a:solidFill>
+                <a:latin typeface="Consolas"/>
+                <a:ea typeface="Consolas"/>
+                <a:cs typeface="Consolas"/>
+                <a:sym typeface="Consolas"/>
+              </a:defRPr>
+            </a:lvl2pPr>
+            <a:lvl3pPr marR="0" lvl="2" algn="l" rtl="0">
+              <a:spcBef>
+                <a:spcPts val="0"/>
+              </a:spcBef>
+              <a:spcAft>
+                <a:spcPts val="0"/>
+              </a:spcAft>
+              <a:buSzPts val="1400"/>
+              <a:buNone/>
+              <a:defRPr sz="1800" b="0" i="0" u="none" strike="noStrike" cap="none">
+                <a:solidFill>
+                  <a:schemeClr val="dk1"/>
+                </a:solidFill>
+                <a:latin typeface="Consolas"/>
+                <a:ea typeface="Consolas"/>
+                <a:cs typeface="Consolas"/>
+                <a:sym typeface="Consolas"/>
+              </a:defRPr>
+            </a:lvl3pPr>
+            <a:lvl4pPr marR="0" lvl="3" algn="l" rtl="0">
+              <a:spcBef>
+                <a:spcPts val="0"/>
+              </a:spcBef>
+              <a:spcAft>
+                <a:spcPts val="0"/>
+              </a:spcAft>
+              <a:buSzPts val="1400"/>
+              <a:buNone/>
+              <a:defRPr sz="1800" b="0" i="0" u="none" strike="noStrike" cap="none">
+                <a:solidFill>
+                  <a:schemeClr val="dk1"/>
+                </a:solidFill>
+                <a:latin typeface="Consolas"/>
+                <a:ea typeface="Consolas"/>
+                <a:cs typeface="Consolas"/>
+                <a:sym typeface="Consolas"/>
+              </a:defRPr>
+            </a:lvl4pPr>
+            <a:lvl5pPr marR="0" lvl="4" algn="l" rtl="0">
+              <a:spcBef>
+                <a:spcPts val="0"/>
+              </a:spcBef>
+              <a:spcAft>
+                <a:spcPts val="0"/>
+              </a:spcAft>
+              <a:buSzPts val="1400"/>
+              <a:buNone/>
+              <a:defRPr sz="1800" b="0" i="0" u="none" strike="noStrike" cap="none">
+                <a:solidFill>
+                  <a:schemeClr val="dk1"/>
+                </a:solidFill>
+                <a:latin typeface="Consolas"/>
+                <a:ea typeface="Consolas"/>
+                <a:cs typeface="Consolas"/>
+                <a:sym typeface="Consolas"/>
+              </a:defRPr>
+            </a:lvl5pPr>
+            <a:lvl6pPr marR="0" lvl="5" algn="l" rtl="0">
+              <a:spcBef>
+                <a:spcPts val="0"/>
+              </a:spcBef>
+              <a:spcAft>
+                <a:spcPts val="0"/>
+              </a:spcAft>
+              <a:buSzPts val="1400"/>
+              <a:buNone/>
+              <a:defRPr sz="1800" b="0" i="0" u="none" strike="noStrike" cap="none">
+                <a:solidFill>
+                  <a:schemeClr val="dk1"/>
+                </a:solidFill>
+                <a:latin typeface="Consolas"/>
+                <a:ea typeface="Consolas"/>
+                <a:cs typeface="Consolas"/>
+                <a:sym typeface="Consolas"/>
+              </a:defRPr>
+            </a:lvl6pPr>
+            <a:lvl7pPr marR="0" lvl="6" algn="l" rtl="0">
+              <a:spcBef>
+                <a:spcPts val="0"/>
+              </a:spcBef>
+              <a:spcAft>
+                <a:spcPts val="0"/>
+              </a:spcAft>
+              <a:buSzPts val="1400"/>
+              <a:buNone/>
+              <a:defRPr sz="1800" b="0" i="0" u="none" strike="noStrike" cap="none">
+                <a:solidFill>
+                  <a:schemeClr val="dk1"/>
+                </a:solidFill>
+                <a:latin typeface="Consolas"/>
+                <a:ea typeface="Consolas"/>
+                <a:cs typeface="Consolas"/>
+                <a:sym typeface="Consolas"/>
+              </a:defRPr>
+            </a:lvl7pPr>
+            <a:lvl8pPr marR="0" lvl="7" algn="l" rtl="0">
+              <a:spcBef>
+                <a:spcPts val="0"/>
+              </a:spcBef>
+              <a:spcAft>
+                <a:spcPts val="0"/>
+              </a:spcAft>
+              <a:buSzPts val="1400"/>
+              <a:buNone/>
+              <a:defRPr sz="1800" b="0" i="0" u="none" strike="noStrike" cap="none">
+                <a:solidFill>
+                  <a:schemeClr val="dk1"/>
+                </a:solidFill>
+                <a:latin typeface="Consolas"/>
+                <a:ea typeface="Consolas"/>
+                <a:cs typeface="Consolas"/>
+                <a:sym typeface="Consolas"/>
+              </a:defRPr>
+            </a:lvl8pPr>
+            <a:lvl9pPr marR="0" lvl="8" algn="l" rtl="0">
+              <a:spcBef>
+                <a:spcPts val="0"/>
+              </a:spcBef>
+              <a:spcAft>
+                <a:spcPts val="0"/>
+              </a:spcAft>
+              <a:buSzPts val="1400"/>
+              <a:buNone/>
+              <a:defRPr sz="1800" b="0" i="0" u="none" strike="noStrike" cap="none">
+                <a:solidFill>
+                  <a:schemeClr val="dk1"/>
+                </a:solidFill>
+                <a:latin typeface="Consolas"/>
+                <a:ea typeface="Consolas"/>
+                <a:cs typeface="Consolas"/>
+                <a:sym typeface="Consolas"/>
+              </a:defRPr>
+            </a:lvl9pPr>
+          </a:lstStyle>
+          <a:p>
+            <a:endParaRPr/>
+          </a:p>
+        </p:txBody>
+      </p:sp>
+      <p:sp>
+        <p:nvSpPr>
+          <p:cNvPr id="9" name="Google Shape;9;p1"/>
+          <p:cNvSpPr txBox="1">
+            <a:spLocks noGrp="1"/>
+          </p:cNvSpPr>
+          <p:nvPr>
+            <p:ph type="ftr" idx="11"/>
+          </p:nvPr>
+        </p:nvSpPr>
+        <p:spPr>
+          <a:xfrm>
+            <a:off x="661112" y="6356350"/>
+            <a:ext cx="5509684" cy="365125"/>
+          </a:xfrm>
+          <a:prstGeom prst="rect">
+            <a:avLst/>
+          </a:prstGeom>
+          <a:noFill/>
+          <a:ln>
+            <a:noFill/>
+          </a:ln>
+        </p:spPr>
+        <p:txBody>
+          <a:bodyPr spcFirstLastPara="1" wrap="square" lIns="91425" tIns="45700" rIns="91425" bIns="45700" anchor="ctr" anchorCtr="0">
+            <a:noAutofit/>
+          </a:bodyPr>
+          <a:lstStyle>
+            <a:lvl1pPr marR="0" lvl="0" algn="l" rtl="0">
+              <a:spcBef>
+                <a:spcPts val="0"/>
+              </a:spcBef>
+              <a:spcAft>
+                <a:spcPts val="0"/>
+              </a:spcAft>
+              <a:buSzPts val="1400"/>
+              <a:buNone/>
+              <a:defRPr sz="1100" b="0" i="0" u="none" strike="noStrike" cap="none">
+                <a:solidFill>
+                  <a:schemeClr val="dk1"/>
+                </a:solidFill>
+                <a:latin typeface="Consolas"/>
+                <a:ea typeface="Consolas"/>
+                <a:cs typeface="Consolas"/>
+                <a:sym typeface="Consolas"/>
+              </a:defRPr>
+            </a:lvl1pPr>
+            <a:lvl2pPr marR="0" lvl="1" algn="l" rtl="0">
+              <a:spcBef>
+                <a:spcPts val="0"/>
+              </a:spcBef>
+              <a:spcAft>
+                <a:spcPts val="0"/>
+              </a:spcAft>
+              <a:buSzPts val="1400"/>
+              <a:buNone/>
+              <a:defRPr sz="1800" b="0" i="0" u="none" strike="noStrike" cap="none">
+                <a:solidFill>
+                  <a:schemeClr val="dk1"/>
+                </a:solidFill>
+                <a:latin typeface="Consolas"/>
+                <a:ea typeface="Consolas"/>
+                <a:cs typeface="Consolas"/>
+                <a:sym typeface="Consolas"/>
+              </a:defRPr>
+            </a:lvl2pPr>
+            <a:lvl3pPr marR="0" lvl="2" algn="l" rtl="0">
+              <a:spcBef>
+                <a:spcPts val="0"/>
+              </a:spcBef>
+              <a:spcAft>
+                <a:spcPts val="0"/>
+              </a:spcAft>
+              <a:buSzPts val="1400"/>
+              <a:buNone/>
+              <a:defRPr sz="1800" b="0" i="0" u="none" strike="noStrike" cap="none">
+                <a:solidFill>
+                  <a:schemeClr val="dk1"/>
+                </a:solidFill>
+                <a:latin typeface="Consolas"/>
+                <a:ea typeface="Consolas"/>
+                <a:cs typeface="Consolas"/>
+                <a:sym typeface="Consolas"/>
+              </a:defRPr>
+            </a:lvl3pPr>
+            <a:lvl4pPr marR="0" lvl="3" algn="l" rtl="0">
+              <a:spcBef>
+                <a:spcPts val="0"/>
+              </a:spcBef>
+              <a:spcAft>
+                <a:spcPts val="0"/>
+              </a:spcAft>
+              <a:buSzPts val="1400"/>
+              <a:buNone/>
+              <a:defRPr sz="1800" b="0" i="0" u="none" strike="noStrike" cap="none">
+                <a:solidFill>
+                  <a:schemeClr val="dk1"/>
+                </a:solidFill>
+                <a:latin typeface="Consolas"/>
+                <a:ea typeface="Consolas"/>
+                <a:cs typeface="Consolas"/>
+                <a:sym typeface="Consolas"/>
+              </a:defRPr>
+            </a:lvl4pPr>
+            <a:lvl5pPr marR="0" lvl="4" algn="l" rtl="0">
+              <a:spcBef>
+                <a:spcPts val="0"/>
+              </a:spcBef>
+              <a:spcAft>
+                <a:spcPts val="0"/>
+              </a:spcAft>
+              <a:buSzPts val="1400"/>
+              <a:buNone/>
+              <a:defRPr sz="1800" b="0" i="0" u="none" strike="noStrike" cap="none">
+                <a:solidFill>
+                  <a:schemeClr val="dk1"/>
+                </a:solidFill>
+                <a:latin typeface="Consolas"/>
+                <a:ea typeface="Consolas"/>
+                <a:cs typeface="Consolas"/>
+                <a:sym typeface="Consolas"/>
+              </a:defRPr>
+            </a:lvl5pPr>
+            <a:lvl6pPr marR="0" lvl="5" algn="l" rtl="0">
+              <a:spcBef>
+                <a:spcPts val="0"/>
+              </a:spcBef>
+              <a:spcAft>
+                <a:spcPts val="0"/>
+              </a:spcAft>
+              <a:buSzPts val="1400"/>
+              <a:buNone/>
+              <a:defRPr sz="1800" b="0" i="0" u="none" strike="noStrike" cap="none">
+                <a:solidFill>
+                  <a:schemeClr val="dk1"/>
+                </a:solidFill>
+                <a:latin typeface="Consolas"/>
+                <a:ea typeface="Consolas"/>
+                <a:cs typeface="Consolas"/>
+                <a:sym typeface="Consolas"/>
+              </a:defRPr>
+            </a:lvl6pPr>
+            <a:lvl7pPr marR="0" lvl="6" algn="l" rtl="0">
+              <a:spcBef>
+                <a:spcPts val="0"/>
+              </a:spcBef>
+              <a:spcAft>
+                <a:spcPts val="0"/>
+              </a:spcAft>
+              <a:buSzPts val="1400"/>
+              <a:buNone/>
+              <a:defRPr sz="1800" b="0" i="0" u="none" strike="noStrike" cap="none">
+                <a:solidFill>
+                  <a:schemeClr val="dk1"/>
+                </a:solidFill>
+                <a:latin typeface="Consolas"/>
+                <a:ea typeface="Consolas"/>
+                <a:cs typeface="Consolas"/>
+                <a:sym typeface="Consolas"/>
+              </a:defRPr>
+            </a:lvl7pPr>
+            <a:lvl8pPr marR="0" lvl="7" algn="l" rtl="0">
+              <a:spcBef>
+                <a:spcPts val="0"/>
+              </a:spcBef>
+              <a:spcAft>
+                <a:spcPts val="0"/>
+              </a:spcAft>
+              <a:buSzPts val="1400"/>
+              <a:buNone/>
+              <a:defRPr sz="1800" b="0" i="0" u="none" strike="noStrike" cap="none">
+                <a:solidFill>
+                  <a:schemeClr val="dk1"/>
+                </a:solidFill>
+                <a:latin typeface="Consolas"/>
+                <a:ea typeface="Consolas"/>
+                <a:cs typeface="Consolas"/>
+                <a:sym typeface="Consolas"/>
+              </a:defRPr>
+            </a:lvl8pPr>
+            <a:lvl9pPr marR="0" lvl="8" algn="l" rtl="0">
+              <a:spcBef>
+                <a:spcPts val="0"/>
+              </a:spcBef>
+              <a:spcAft>
+                <a:spcPts val="0"/>
+              </a:spcAft>
+              <a:buSzPts val="1400"/>
+              <a:buNone/>
+              <a:defRPr sz="1800" b="0" i="0" u="none" strike="noStrike" cap="none">
+                <a:solidFill>
+                  <a:schemeClr val="dk1"/>
+                </a:solidFill>
+                <a:latin typeface="Consolas"/>
+                <a:ea typeface="Consolas"/>
+                <a:cs typeface="Consolas"/>
+                <a:sym typeface="Consolas"/>
+              </a:defRPr>
+            </a:lvl9pPr>
+          </a:lstStyle>
+          <a:p>
+            <a:endParaRPr/>
+          </a:p>
+        </p:txBody>
+      </p:sp>
+      <p:sp>
+        <p:nvSpPr>
+          <p:cNvPr id="10" name="Google Shape;10;p1"/>
+          <p:cNvSpPr txBox="1">
+            <a:spLocks noGrp="1"/>
+          </p:cNvSpPr>
+          <p:nvPr>
+            <p:ph type="sldNum" idx="12"/>
+          </p:nvPr>
+        </p:nvSpPr>
+        <p:spPr>
+          <a:xfrm>
+            <a:off x="10905482" y="6356350"/>
+            <a:ext cx="1112082" cy="365125"/>
+          </a:xfrm>
+          <a:prstGeom prst="rect">
+            <a:avLst/>
+          </a:prstGeom>
+          <a:noFill/>
+          <a:ln>
+            <a:noFill/>
+          </a:ln>
+        </p:spPr>
+        <p:txBody>
+          <a:bodyPr spcFirstLastPara="1" wrap="square" lIns="91425" tIns="45700" rIns="91425" bIns="45700" anchor="ctr" anchorCtr="0">
+            <a:noAutofit/>
+          </a:bodyPr>
+          <a:lstStyle>
+            <a:lvl1pPr marL="0" marR="0" lvl="0" indent="0" algn="r" rtl="0">
+              <a:spcBef>
+                <a:spcPts val="0"/>
+              </a:spcBef>
+              <a:buNone/>
+              <a:defRPr sz="1100" b="0" i="0" u="none" strike="noStrike" cap="none">
+                <a:solidFill>
+                  <a:schemeClr val="dk1"/>
+                </a:solidFill>
+                <a:latin typeface="Consolas"/>
+                <a:ea typeface="Consolas"/>
+                <a:cs typeface="Consolas"/>
+                <a:sym typeface="Consolas"/>
+              </a:defRPr>
+            </a:lvl1pPr>
+            <a:lvl2pPr marL="0" marR="0" lvl="1" indent="0" algn="r" rtl="0">
+              <a:spcBef>
+                <a:spcPts val="0"/>
+              </a:spcBef>
+              <a:buNone/>
+              <a:defRPr sz="1100" b="0" i="0" u="none" strike="noStrike" cap="none">
+                <a:solidFill>
+                  <a:schemeClr val="dk1"/>
+                </a:solidFill>
+                <a:latin typeface="Consolas"/>
+                <a:ea typeface="Consolas"/>
+                <a:cs typeface="Consolas"/>
+                <a:sym typeface="Consolas"/>
+              </a:defRPr>
+            </a:lvl2pPr>
+            <a:lvl3pPr marL="0" marR="0" lvl="2" indent="0" algn="r" rtl="0">
+              <a:spcBef>
+                <a:spcPts val="0"/>
+              </a:spcBef>
+              <a:buNone/>
+              <a:defRPr sz="1100" b="0" i="0" u="none" strike="noStrike" cap="none">
+                <a:solidFill>
+                  <a:schemeClr val="dk1"/>
+                </a:solidFill>
+                <a:latin typeface="Consolas"/>
+                <a:ea typeface="Consolas"/>
+                <a:cs typeface="Consolas"/>
+                <a:sym typeface="Consolas"/>
+              </a:defRPr>
+            </a:lvl3pPr>
+            <a:lvl4pPr marL="0" marR="0" lvl="3" indent="0" algn="r" rtl="0">
+              <a:spcBef>
+                <a:spcPts val="0"/>
+              </a:spcBef>
+              <a:buNone/>
+              <a:defRPr sz="1100" b="0" i="0" u="none" strike="noStrike" cap="none">
+                <a:solidFill>
+                  <a:schemeClr val="dk1"/>
+                </a:solidFill>
+                <a:latin typeface="Consolas"/>
+                <a:ea typeface="Consolas"/>
+                <a:cs typeface="Consolas"/>
+                <a:sym typeface="Consolas"/>
+              </a:defRPr>
+            </a:lvl4pPr>
+            <a:lvl5pPr marL="0" marR="0" lvl="4" indent="0" algn="r" rtl="0">
+              <a:spcBef>
+                <a:spcPts val="0"/>
+              </a:spcBef>
+              <a:buNone/>
+              <a:defRPr sz="1100" b="0" i="0" u="none" strike="noStrike" cap="none">
+                <a:solidFill>
+                  <a:schemeClr val="dk1"/>
+                </a:solidFill>
+                <a:latin typeface="Consolas"/>
+                <a:ea typeface="Consolas"/>
+                <a:cs typeface="Consolas"/>
+                <a:sym typeface="Consolas"/>
+              </a:defRPr>
+            </a:lvl5pPr>
+            <a:lvl6pPr marL="0" marR="0" lvl="5" indent="0" algn="r" rtl="0">
+              <a:spcBef>
+                <a:spcPts val="0"/>
+              </a:spcBef>
+              <a:buNone/>
+              <a:defRPr sz="1100" b="0" i="0" u="none" strike="noStrike" cap="none">
+                <a:solidFill>
+                  <a:schemeClr val="dk1"/>
+                </a:solidFill>
+                <a:latin typeface="Consolas"/>
+                <a:ea typeface="Consolas"/>
+                <a:cs typeface="Consolas"/>
+                <a:sym typeface="Consolas"/>
+              </a:defRPr>
+            </a:lvl6pPr>
+            <a:lvl7pPr marL="0" marR="0" lvl="6" indent="0" algn="r" rtl="0">
+              <a:spcBef>
+                <a:spcPts val="0"/>
+              </a:spcBef>
+              <a:buNone/>
+              <a:defRPr sz="1100" b="0" i="0" u="none" strike="noStrike" cap="none">
+                <a:solidFill>
+                  <a:schemeClr val="dk1"/>
+                </a:solidFill>
+                <a:latin typeface="Consolas"/>
+                <a:ea typeface="Consolas"/>
+                <a:cs typeface="Consolas"/>
+                <a:sym typeface="Consolas"/>
+              </a:defRPr>
+            </a:lvl7pPr>
+            <a:lvl8pPr marL="0" marR="0" lvl="7" indent="0" algn="r" rtl="0">
+              <a:spcBef>
+                <a:spcPts val="0"/>
+              </a:spcBef>
+              <a:buNone/>
+              <a:defRPr sz="1100" b="0" i="0" u="none" strike="noStrike" cap="none">
+                <a:solidFill>
+                  <a:schemeClr val="dk1"/>
+                </a:solidFill>
+                <a:latin typeface="Consolas"/>
+                <a:ea typeface="Consolas"/>
+                <a:cs typeface="Consolas"/>
+                <a:sym typeface="Consolas"/>
+              </a:defRPr>
+            </a:lvl8pPr>
+            <a:lvl9pPr marL="0" marR="0" lvl="8" indent="0" algn="r" rtl="0">
+              <a:spcBef>
+                <a:spcPts val="0"/>
+              </a:spcBef>
+              <a:buNone/>
+              <a:defRPr sz="1100" b="0" i="0" u="none" strike="noStrike" cap="none">
+                <a:solidFill>
+                  <a:schemeClr val="dk1"/>
+                </a:solidFill>
+                <a:latin typeface="Consolas"/>
+                <a:ea typeface="Consolas"/>
+                <a:cs typeface="Consolas"/>
+                <a:sym typeface="Consolas"/>
+              </a:defRPr>
+            </a:lvl9pPr>
+          </a:lstStyle>
+          <a:p>
+            <a:pPr marL="0" lvl="0" indent="0" algn="r" rtl="0">
               <a:spcBef>
                 <a:spcPts val="0"/>
               </a:spcBef>
@@ -11062,7 +11368,7 @@
             </a:pPr>
             <a:fld id="{00000000-1234-1234-1234-123412341234}" type="slidenum">
               <a:rPr lang="en-US"/>
-              <a:t>‹#›</a:t>
+              <a:t>‹Nº›</a:t>
             </a:fld>
             <a:endParaRPr/>
           </a:p>
@@ -11111,14 +11417,14 @@
                 <a:avLst/>
               </a:prstGeom>
               <a:noFill/>
-              <a:ln cap="flat" cmpd="sng" w="9525">
+              <a:ln w="9525" cap="flat" cmpd="sng">
                 <a:solidFill>
                   <a:schemeClr val="dk1"/>
                 </a:solidFill>
                 <a:prstDash val="solid"/>
                 <a:miter lim="800000"/>
-                <a:headEnd len="sm" w="sm" type="none"/>
-                <a:tailEnd len="sm" w="sm" type="none"/>
+                <a:headEnd type="none" w="sm" len="sm"/>
+                <a:tailEnd type="none" w="sm" len="sm"/>
               </a:ln>
             </p:spPr>
           </p:cxnSp>
@@ -11137,14 +11443,14 @@
                 <a:avLst/>
               </a:prstGeom>
               <a:noFill/>
-              <a:ln cap="flat" cmpd="sng" w="9525">
+              <a:ln w="9525" cap="flat" cmpd="sng">
                 <a:solidFill>
                   <a:schemeClr val="dk1"/>
                 </a:solidFill>
                 <a:prstDash val="solid"/>
                 <a:miter lim="800000"/>
-                <a:headEnd len="sm" w="sm" type="none"/>
-                <a:tailEnd len="sm" w="sm" type="none"/>
+                <a:headEnd type="none" w="sm" len="sm"/>
+                <a:tailEnd type="none" w="sm" len="sm"/>
               </a:ln>
             </p:spPr>
           </p:cxnSp>
@@ -11164,23 +11470,23 @@
               <a:avLst/>
             </a:prstGeom>
             <a:noFill/>
-            <a:ln cap="flat" cmpd="sng" w="9525">
+            <a:ln w="9525" cap="flat" cmpd="sng">
               <a:solidFill>
                 <a:schemeClr val="dk1"/>
               </a:solidFill>
               <a:prstDash val="solid"/>
               <a:miter lim="800000"/>
-              <a:headEnd len="sm" w="sm" type="none"/>
-              <a:tailEnd len="sm" w="sm" type="none"/>
+              <a:headEnd type="none" w="sm" len="sm"/>
+              <a:tailEnd type="none" w="sm" len="sm"/>
             </a:ln>
           </p:spPr>
           <p:txBody>
-            <a:bodyPr anchorCtr="0" anchor="ctr" bIns="45700" lIns="91425" spcFirstLastPara="1" rIns="91425" wrap="square" tIns="45700">
+            <a:bodyPr spcFirstLastPara="1" wrap="square" lIns="91425" tIns="45700" rIns="91425" bIns="45700" anchor="ctr" anchorCtr="0">
               <a:noAutofit/>
             </a:bodyPr>
             <a:lstStyle/>
             <a:p>
-              <a:pPr indent="0" lvl="0" marL="0" marR="0" rtl="0" algn="ctr">
+              <a:pPr marL="0" marR="0" lvl="0" indent="0" algn="ctr" rtl="0">
                 <a:spcBef>
                   <a:spcPts val="0"/>
                 </a:spcBef>
@@ -11189,10 +11495,7 @@
                 </a:spcAft>
                 <a:buNone/>
               </a:pPr>
-              <a:r>
-                <a:t/>
-              </a:r>
-              <a:endParaRPr b="0" i="0" sz="1800" u="none" cap="none" strike="noStrike">
+              <a:endParaRPr sz="1800" b="0" i="0" u="none" strike="noStrike" cap="none">
                 <a:solidFill>
                   <a:schemeClr val="lt1"/>
                 </a:solidFill>
@@ -11207,7 +11510,7 @@
       </p:grpSp>
     </p:spTree>
   </p:cSld>
-  <p:clrMap accent1="accent1" accent2="accent2" accent3="accent3" accent4="accent4" accent5="accent5" accent6="accent6" bg1="lt1" bg2="dk2" tx1="dk1" tx2="lt2" folHlink="folHlink" hlink="hlink"/>
+  <p:clrMap bg1="lt1" tx1="dk1" bg2="dk2" tx2="lt2" accent1="accent1" accent2="accent2" accent3="accent3" accent4="accent4" accent5="accent5" accent6="accent6" hlink="hlink" folHlink="folHlink"/>
   <p:sldLayoutIdLst>
     <p:sldLayoutId id="2147483648" r:id="rId1"/>
     <p:sldLayoutId id="2147483649" r:id="rId2"/>
@@ -11221,10 +11524,10 @@
     <p:sldLayoutId id="2147483657" r:id="rId10"/>
     <p:sldLayoutId id="2147483658" r:id="rId11"/>
   </p:sldLayoutIdLst>
-  <p:hf dt="0" ftr="0" hdr="0" sldNum="0"/>
+  <p:hf sldNum="0" hdr="0" ftr="0" dt="0"/>
   <p:txStyles>
     <p:titleStyle>
-      <a:defPPr lvl="0" marR="0" rtl="0" algn="l">
+      <a:defPPr marR="0" lvl="0" algn="l" rtl="0">
         <a:lnSpc>
           <a:spcPct val="100000"/>
         </a:lnSpc>
@@ -11235,7 +11538,7 @@
           <a:spcPts val="0"/>
         </a:spcAft>
       </a:defPPr>
-      <a:lvl1pPr lvl="0" marR="0" rtl="0" algn="l">
+      <a:lvl1pPr marR="0" lvl="0" algn="l" rtl="0">
         <a:lnSpc>
           <a:spcPct val="100000"/>
         </a:lnSpc>
@@ -11249,7 +11552,7 @@
           <a:srgbClr val="000000"/>
         </a:buClr>
         <a:buFont typeface="Arial"/>
-        <a:defRPr b="0" i="0" sz="1400" u="none" cap="none" strike="noStrike">
+        <a:defRPr sz="1400" b="0" i="0" u="none" strike="noStrike" cap="none">
           <a:solidFill>
             <a:srgbClr val="000000"/>
           </a:solidFill>
@@ -11259,7 +11562,7 @@
           <a:sym typeface="Arial"/>
         </a:defRPr>
       </a:lvl1pPr>
-      <a:lvl2pPr lvl="1" marR="0" rtl="0" algn="l">
+      <a:lvl2pPr marR="0" lvl="1" algn="l" rtl="0">
         <a:lnSpc>
           <a:spcPct val="100000"/>
         </a:lnSpc>
@@ -11273,7 +11576,7 @@
           <a:srgbClr val="000000"/>
         </a:buClr>
         <a:buFont typeface="Arial"/>
-        <a:defRPr b="0" i="0" sz="1400" u="none" cap="none" strike="noStrike">
+        <a:defRPr sz="1400" b="0" i="0" u="none" strike="noStrike" cap="none">
           <a:solidFill>
             <a:srgbClr val="000000"/>
           </a:solidFill>
@@ -11283,7 +11586,7 @@
           <a:sym typeface="Arial"/>
         </a:defRPr>
       </a:lvl2pPr>
-      <a:lvl3pPr lvl="2" marR="0" rtl="0" algn="l">
+      <a:lvl3pPr marR="0" lvl="2" algn="l" rtl="0">
         <a:lnSpc>
           <a:spcPct val="100000"/>
         </a:lnSpc>
@@ -11297,7 +11600,7 @@
           <a:srgbClr val="000000"/>
         </a:buClr>
         <a:buFont typeface="Arial"/>
-        <a:defRPr b="0" i="0" sz="1400" u="none" cap="none" strike="noStrike">
+        <a:defRPr sz="1400" b="0" i="0" u="none" strike="noStrike" cap="none">
           <a:solidFill>
             <a:srgbClr val="000000"/>
           </a:solidFill>
@@ -11307,7 +11610,7 @@
           <a:sym typeface="Arial"/>
         </a:defRPr>
       </a:lvl3pPr>
-      <a:lvl4pPr lvl="3" marR="0" rtl="0" algn="l">
+      <a:lvl4pPr marR="0" lvl="3" algn="l" rtl="0">
         <a:lnSpc>
           <a:spcPct val="100000"/>
         </a:lnSpc>
@@ -11321,7 +11624,7 @@
           <a:srgbClr val="000000"/>
         </a:buClr>
         <a:buFont typeface="Arial"/>
-        <a:defRPr b="0" i="0" sz="1400" u="none" cap="none" strike="noStrike">
+        <a:defRPr sz="1400" b="0" i="0" u="none" strike="noStrike" cap="none">
           <a:solidFill>
             <a:srgbClr val="000000"/>
           </a:solidFill>
@@ -11331,7 +11634,7 @@
           <a:sym typeface="Arial"/>
         </a:defRPr>
       </a:lvl4pPr>
-      <a:lvl5pPr lvl="4" marR="0" rtl="0" algn="l">
+      <a:lvl5pPr marR="0" lvl="4" algn="l" rtl="0">
         <a:lnSpc>
           <a:spcPct val="100000"/>
         </a:lnSpc>
@@ -11345,7 +11648,7 @@
           <a:srgbClr val="000000"/>
         </a:buClr>
         <a:buFont typeface="Arial"/>
-        <a:defRPr b="0" i="0" sz="1400" u="none" cap="none" strike="noStrike">
+        <a:defRPr sz="1400" b="0" i="0" u="none" strike="noStrike" cap="none">
           <a:solidFill>
             <a:srgbClr val="000000"/>
           </a:solidFill>
@@ -11355,7 +11658,7 @@
           <a:sym typeface="Arial"/>
         </a:defRPr>
       </a:lvl5pPr>
-      <a:lvl6pPr lvl="5" marR="0" rtl="0" algn="l">
+      <a:lvl6pPr marR="0" lvl="5" algn="l" rtl="0">
         <a:lnSpc>
           <a:spcPct val="100000"/>
         </a:lnSpc>
@@ -11369,7 +11672,7 @@
           <a:srgbClr val="000000"/>
         </a:buClr>
         <a:buFont typeface="Arial"/>
-        <a:defRPr b="0" i="0" sz="1400" u="none" cap="none" strike="noStrike">
+        <a:defRPr sz="1400" b="0" i="0" u="none" strike="noStrike" cap="none">
           <a:solidFill>
             <a:srgbClr val="000000"/>
           </a:solidFill>
@@ -11379,7 +11682,7 @@
           <a:sym typeface="Arial"/>
         </a:defRPr>
       </a:lvl6pPr>
-      <a:lvl7pPr lvl="6" marR="0" rtl="0" algn="l">
+      <a:lvl7pPr marR="0" lvl="6" algn="l" rtl="0">
         <a:lnSpc>
           <a:spcPct val="100000"/>
         </a:lnSpc>
@@ -11393,7 +11696,7 @@
           <a:srgbClr val="000000"/>
         </a:buClr>
         <a:buFont typeface="Arial"/>
-        <a:defRPr b="0" i="0" sz="1400" u="none" cap="none" strike="noStrike">
+        <a:defRPr sz="1400" b="0" i="0" u="none" strike="noStrike" cap="none">
           <a:solidFill>
             <a:srgbClr val="000000"/>
           </a:solidFill>
@@ -11403,7 +11706,7 @@
           <a:sym typeface="Arial"/>
         </a:defRPr>
       </a:lvl7pPr>
-      <a:lvl8pPr lvl="7" marR="0" rtl="0" algn="l">
+      <a:lvl8pPr marR="0" lvl="7" algn="l" rtl="0">
         <a:lnSpc>
           <a:spcPct val="100000"/>
         </a:lnSpc>
@@ -11417,7 +11720,7 @@
           <a:srgbClr val="000000"/>
         </a:buClr>
         <a:buFont typeface="Arial"/>
-        <a:defRPr b="0" i="0" sz="1400" u="none" cap="none" strike="noStrike">
+        <a:defRPr sz="1400" b="0" i="0" u="none" strike="noStrike" cap="none">
           <a:solidFill>
             <a:srgbClr val="000000"/>
           </a:solidFill>
@@ -11427,7 +11730,7 @@
           <a:sym typeface="Arial"/>
         </a:defRPr>
       </a:lvl8pPr>
-      <a:lvl9pPr lvl="8" marR="0" rtl="0" algn="l">
+      <a:lvl9pPr marR="0" lvl="8" algn="l" rtl="0">
         <a:lnSpc>
           <a:spcPct val="100000"/>
         </a:lnSpc>
@@ -11441,7 +11744,7 @@
           <a:srgbClr val="000000"/>
         </a:buClr>
         <a:buFont typeface="Arial"/>
-        <a:defRPr b="0" i="0" sz="1400" u="none" cap="none" strike="noStrike">
+        <a:defRPr sz="1400" b="0" i="0" u="none" strike="noStrike" cap="none">
           <a:solidFill>
             <a:srgbClr val="000000"/>
           </a:solidFill>
@@ -11453,7 +11756,7 @@
       </a:lvl9pPr>
     </p:titleStyle>
     <p:bodyStyle>
-      <a:defPPr lvl="0" marR="0" rtl="0" algn="l">
+      <a:defPPr marR="0" lvl="0" algn="l" rtl="0">
         <a:lnSpc>
           <a:spcPct val="100000"/>
         </a:lnSpc>
@@ -11464,7 +11767,7 @@
           <a:spcPts val="0"/>
         </a:spcAft>
       </a:defPPr>
-      <a:lvl1pPr lvl="0" marR="0" rtl="0" algn="l">
+      <a:lvl1pPr marR="0" lvl="0" algn="l" rtl="0">
         <a:lnSpc>
           <a:spcPct val="100000"/>
         </a:lnSpc>
@@ -11478,7 +11781,7 @@
           <a:srgbClr val="000000"/>
         </a:buClr>
         <a:buFont typeface="Arial"/>
-        <a:defRPr b="0" i="0" sz="1400" u="none" cap="none" strike="noStrike">
+        <a:defRPr sz="1400" b="0" i="0" u="none" strike="noStrike" cap="none">
           <a:solidFill>
             <a:srgbClr val="000000"/>
           </a:solidFill>
@@ -11488,7 +11791,7 @@
           <a:sym typeface="Arial"/>
         </a:defRPr>
       </a:lvl1pPr>
-      <a:lvl2pPr lvl="1" marR="0" rtl="0" algn="l">
+      <a:lvl2pPr marR="0" lvl="1" algn="l" rtl="0">
         <a:lnSpc>
           <a:spcPct val="100000"/>
         </a:lnSpc>
@@ -11502,7 +11805,7 @@
           <a:srgbClr val="000000"/>
         </a:buClr>
         <a:buFont typeface="Arial"/>
-        <a:defRPr b="0" i="0" sz="1400" u="none" cap="none" strike="noStrike">
+        <a:defRPr sz="1400" b="0" i="0" u="none" strike="noStrike" cap="none">
           <a:solidFill>
             <a:srgbClr val="000000"/>
           </a:solidFill>
@@ -11512,7 +11815,7 @@
           <a:sym typeface="Arial"/>
         </a:defRPr>
       </a:lvl2pPr>
-      <a:lvl3pPr lvl="2" marR="0" rtl="0" algn="l">
+      <a:lvl3pPr marR="0" lvl="2" algn="l" rtl="0">
         <a:lnSpc>
           <a:spcPct val="100000"/>
         </a:lnSpc>
@@ -11526,7 +11829,7 @@
           <a:srgbClr val="000000"/>
         </a:buClr>
         <a:buFont typeface="Arial"/>
-        <a:defRPr b="0" i="0" sz="1400" u="none" cap="none" strike="noStrike">
+        <a:defRPr sz="1400" b="0" i="0" u="none" strike="noStrike" cap="none">
           <a:solidFill>
             <a:srgbClr val="000000"/>
           </a:solidFill>
@@ -11536,7 +11839,7 @@
           <a:sym typeface="Arial"/>
         </a:defRPr>
       </a:lvl3pPr>
-      <a:lvl4pPr lvl="3" marR="0" rtl="0" algn="l">
+      <a:lvl4pPr marR="0" lvl="3" algn="l" rtl="0">
         <a:lnSpc>
           <a:spcPct val="100000"/>
         </a:lnSpc>
@@ -11550,7 +11853,7 @@
           <a:srgbClr val="000000"/>
         </a:buClr>
         <a:buFont typeface="Arial"/>
-        <a:defRPr b="0" i="0" sz="1400" u="none" cap="none" strike="noStrike">
+        <a:defRPr sz="1400" b="0" i="0" u="none" strike="noStrike" cap="none">
           <a:solidFill>
             <a:srgbClr val="000000"/>
           </a:solidFill>
@@ -11560,7 +11863,7 @@
           <a:sym typeface="Arial"/>
         </a:defRPr>
       </a:lvl4pPr>
-      <a:lvl5pPr lvl="4" marR="0" rtl="0" algn="l">
+      <a:lvl5pPr marR="0" lvl="4" algn="l" rtl="0">
         <a:lnSpc>
           <a:spcPct val="100000"/>
         </a:lnSpc>
@@ -11574,7 +11877,7 @@
           <a:srgbClr val="000000"/>
         </a:buClr>
         <a:buFont typeface="Arial"/>
-        <a:defRPr b="0" i="0" sz="1400" u="none" cap="none" strike="noStrike">
+        <a:defRPr sz="1400" b="0" i="0" u="none" strike="noStrike" cap="none">
           <a:solidFill>
             <a:srgbClr val="000000"/>
           </a:solidFill>
@@ -11584,7 +11887,7 @@
           <a:sym typeface="Arial"/>
         </a:defRPr>
       </a:lvl5pPr>
-      <a:lvl6pPr lvl="5" marR="0" rtl="0" algn="l">
+      <a:lvl6pPr marR="0" lvl="5" algn="l" rtl="0">
         <a:lnSpc>
           <a:spcPct val="100000"/>
         </a:lnSpc>
@@ -11598,7 +11901,7 @@
           <a:srgbClr val="000000"/>
         </a:buClr>
         <a:buFont typeface="Arial"/>
-        <a:defRPr b="0" i="0" sz="1400" u="none" cap="none" strike="noStrike">
+        <a:defRPr sz="1400" b="0" i="0" u="none" strike="noStrike" cap="none">
           <a:solidFill>
             <a:srgbClr val="000000"/>
           </a:solidFill>
@@ -11608,7 +11911,7 @@
           <a:sym typeface="Arial"/>
         </a:defRPr>
       </a:lvl6pPr>
-      <a:lvl7pPr lvl="6" marR="0" rtl="0" algn="l">
+      <a:lvl7pPr marR="0" lvl="6" algn="l" rtl="0">
         <a:lnSpc>
           <a:spcPct val="100000"/>
         </a:lnSpc>
@@ -11622,7 +11925,7 @@
           <a:srgbClr val="000000"/>
         </a:buClr>
         <a:buFont typeface="Arial"/>
-        <a:defRPr b="0" i="0" sz="1400" u="none" cap="none" strike="noStrike">
+        <a:defRPr sz="1400" b="0" i="0" u="none" strike="noStrike" cap="none">
           <a:solidFill>
             <a:srgbClr val="000000"/>
           </a:solidFill>
@@ -11632,7 +11935,7 @@
           <a:sym typeface="Arial"/>
         </a:defRPr>
       </a:lvl7pPr>
-      <a:lvl8pPr lvl="7" marR="0" rtl="0" algn="l">
+      <a:lvl8pPr marR="0" lvl="7" algn="l" rtl="0">
         <a:lnSpc>
           <a:spcPct val="100000"/>
         </a:lnSpc>
@@ -11646,7 +11949,7 @@
           <a:srgbClr val="000000"/>
         </a:buClr>
         <a:buFont typeface="Arial"/>
-        <a:defRPr b="0" i="0" sz="1400" u="none" cap="none" strike="noStrike">
+        <a:defRPr sz="1400" b="0" i="0" u="none" strike="noStrike" cap="none">
           <a:solidFill>
             <a:srgbClr val="000000"/>
           </a:solidFill>
@@ -11656,7 +11959,7 @@
           <a:sym typeface="Arial"/>
         </a:defRPr>
       </a:lvl8pPr>
-      <a:lvl9pPr lvl="8" marR="0" rtl="0" algn="l">
+      <a:lvl9pPr marR="0" lvl="8" algn="l" rtl="0">
         <a:lnSpc>
           <a:spcPct val="100000"/>
         </a:lnSpc>
@@ -11670,7 +11973,7 @@
           <a:srgbClr val="000000"/>
         </a:buClr>
         <a:buFont typeface="Arial"/>
-        <a:defRPr b="0" i="0" sz="1400" u="none" cap="none" strike="noStrike">
+        <a:defRPr sz="1400" b="0" i="0" u="none" strike="noStrike" cap="none">
           <a:solidFill>
             <a:srgbClr val="000000"/>
           </a:solidFill>
@@ -11682,7 +11985,7 @@
       </a:lvl9pPr>
     </p:bodyStyle>
     <p:otherStyle>
-      <a:defPPr lvl="0" marR="0" rtl="0" algn="l">
+      <a:defPPr marR="0" lvl="0" algn="l" rtl="0">
         <a:lnSpc>
           <a:spcPct val="100000"/>
         </a:lnSpc>
@@ -11693,7 +11996,7 @@
           <a:spcPts val="0"/>
         </a:spcAft>
       </a:defPPr>
-      <a:lvl1pPr lvl="0" marR="0" rtl="0" algn="l">
+      <a:lvl1pPr marR="0" lvl="0" algn="l" rtl="0">
         <a:lnSpc>
           <a:spcPct val="100000"/>
         </a:lnSpc>
@@ -11707,7 +12010,7 @@
           <a:srgbClr val="000000"/>
         </a:buClr>
         <a:buFont typeface="Arial"/>
-        <a:defRPr b="0" i="0" sz="1400" u="none" cap="none" strike="noStrike">
+        <a:defRPr sz="1400" b="0" i="0" u="none" strike="noStrike" cap="none">
           <a:solidFill>
             <a:srgbClr val="000000"/>
           </a:solidFill>
@@ -11717,7 +12020,7 @@
           <a:sym typeface="Arial"/>
         </a:defRPr>
       </a:lvl1pPr>
-      <a:lvl2pPr lvl="1" marR="0" rtl="0" algn="l">
+      <a:lvl2pPr marR="0" lvl="1" algn="l" rtl="0">
         <a:lnSpc>
           <a:spcPct val="100000"/>
         </a:lnSpc>
@@ -11731,7 +12034,7 @@
           <a:srgbClr val="000000"/>
         </a:buClr>
         <a:buFont typeface="Arial"/>
-        <a:defRPr b="0" i="0" sz="1400" u="none" cap="none" strike="noStrike">
+        <a:defRPr sz="1400" b="0" i="0" u="none" strike="noStrike" cap="none">
           <a:solidFill>
             <a:srgbClr val="000000"/>
           </a:solidFill>
@@ -11741,7 +12044,7 @@
           <a:sym typeface="Arial"/>
         </a:defRPr>
       </a:lvl2pPr>
-      <a:lvl3pPr lvl="2" marR="0" rtl="0" algn="l">
+      <a:lvl3pPr marR="0" lvl="2" algn="l" rtl="0">
         <a:lnSpc>
           <a:spcPct val="100000"/>
         </a:lnSpc>
@@ -11755,7 +12058,7 @@
           <a:srgbClr val="000000"/>
         </a:buClr>
         <a:buFont typeface="Arial"/>
-        <a:defRPr b="0" i="0" sz="1400" u="none" cap="none" strike="noStrike">
+        <a:defRPr sz="1400" b="0" i="0" u="none" strike="noStrike" cap="none">
           <a:solidFill>
             <a:srgbClr val="000000"/>
           </a:solidFill>
@@ -11765,7 +12068,7 @@
           <a:sym typeface="Arial"/>
         </a:defRPr>
       </a:lvl3pPr>
-      <a:lvl4pPr lvl="3" marR="0" rtl="0" algn="l">
+      <a:lvl4pPr marR="0" lvl="3" algn="l" rtl="0">
         <a:lnSpc>
           <a:spcPct val="100000"/>
         </a:lnSpc>
@@ -11779,7 +12082,7 @@
           <a:srgbClr val="000000"/>
         </a:buClr>
         <a:buFont typeface="Arial"/>
-        <a:defRPr b="0" i="0" sz="1400" u="none" cap="none" strike="noStrike">
+        <a:defRPr sz="1400" b="0" i="0" u="none" strike="noStrike" cap="none">
           <a:solidFill>
             <a:srgbClr val="000000"/>
           </a:solidFill>
@@ -11789,7 +12092,7 @@
           <a:sym typeface="Arial"/>
         </a:defRPr>
       </a:lvl4pPr>
-      <a:lvl5pPr lvl="4" marR="0" rtl="0" algn="l">
+      <a:lvl5pPr marR="0" lvl="4" algn="l" rtl="0">
         <a:lnSpc>
           <a:spcPct val="100000"/>
         </a:lnSpc>
@@ -11803,7 +12106,7 @@
           <a:srgbClr val="000000"/>
         </a:buClr>
         <a:buFont typeface="Arial"/>
-        <a:defRPr b="0" i="0" sz="1400" u="none" cap="none" strike="noStrike">
+        <a:defRPr sz="1400" b="0" i="0" u="none" strike="noStrike" cap="none">
           <a:solidFill>
             <a:srgbClr val="000000"/>
           </a:solidFill>
@@ -11813,7 +12116,7 @@
           <a:sym typeface="Arial"/>
         </a:defRPr>
       </a:lvl5pPr>
-      <a:lvl6pPr lvl="5" marR="0" rtl="0" algn="l">
+      <a:lvl6pPr marR="0" lvl="5" algn="l" rtl="0">
         <a:lnSpc>
           <a:spcPct val="100000"/>
         </a:lnSpc>
@@ -11827,7 +12130,7 @@
           <a:srgbClr val="000000"/>
         </a:buClr>
         <a:buFont typeface="Arial"/>
-        <a:defRPr b="0" i="0" sz="1400" u="none" cap="none" strike="noStrike">
+        <a:defRPr sz="1400" b="0" i="0" u="none" strike="noStrike" cap="none">
           <a:solidFill>
             <a:srgbClr val="000000"/>
           </a:solidFill>
@@ -11837,7 +12140,7 @@
           <a:sym typeface="Arial"/>
         </a:defRPr>
       </a:lvl6pPr>
-      <a:lvl7pPr lvl="6" marR="0" rtl="0" algn="l">
+      <a:lvl7pPr marR="0" lvl="6" algn="l" rtl="0">
         <a:lnSpc>
           <a:spcPct val="100000"/>
         </a:lnSpc>
@@ -11851,7 +12154,7 @@
           <a:srgbClr val="000000"/>
         </a:buClr>
         <a:buFont typeface="Arial"/>
-        <a:defRPr b="0" i="0" sz="1400" u="none" cap="none" strike="noStrike">
+        <a:defRPr sz="1400" b="0" i="0" u="none" strike="noStrike" cap="none">
           <a:solidFill>
             <a:srgbClr val="000000"/>
           </a:solidFill>
@@ -11861,7 +12164,7 @@
           <a:sym typeface="Arial"/>
         </a:defRPr>
       </a:lvl7pPr>
-      <a:lvl8pPr lvl="7" marR="0" rtl="0" algn="l">
+      <a:lvl8pPr marR="0" lvl="7" algn="l" rtl="0">
         <a:lnSpc>
           <a:spcPct val="100000"/>
         </a:lnSpc>
@@ -11875,7 +12178,7 @@
           <a:srgbClr val="000000"/>
         </a:buClr>
         <a:buFont typeface="Arial"/>
-        <a:defRPr b="0" i="0" sz="1400" u="none" cap="none" strike="noStrike">
+        <a:defRPr sz="1400" b="0" i="0" u="none" strike="noStrike" cap="none">
           <a:solidFill>
             <a:srgbClr val="000000"/>
           </a:solidFill>
@@ -11885,7 +12188,7 @@
           <a:sym typeface="Arial"/>
         </a:defRPr>
       </a:lvl8pPr>
-      <a:lvl9pPr lvl="8" marR="0" rtl="0" algn="l">
+      <a:lvl9pPr marR="0" lvl="8" algn="l" rtl="0">
         <a:lnSpc>
           <a:spcPct val="100000"/>
         </a:lnSpc>
@@ -11899,7 +12202,7 @@
           <a:srgbClr val="000000"/>
         </a:buClr>
         <a:buFont typeface="Arial"/>
-        <a:defRPr b="0" i="0" sz="1400" u="none" cap="none" strike="noStrike">
+        <a:defRPr sz="1400" b="0" i="0" u="none" strike="noStrike" cap="none">
           <a:solidFill>
             <a:srgbClr val="000000"/>
           </a:solidFill>
@@ -11915,18 +12218,19 @@
 </file>
 
 <file path=ppt/slides/slide1.xml><?xml version="1.0" encoding="utf-8"?>
-<p:sld xmlns:a="http://schemas.openxmlformats.org/drawingml/2006/main" xmlns:r="http://schemas.openxmlformats.org/officeDocument/2006/relationships" xmlns:mc="http://schemas.openxmlformats.org/markup-compatibility/2006" xmlns:mv="urn:schemas-microsoft-com:mac:vml" xmlns:p="http://schemas.openxmlformats.org/presentationml/2006/main" xmlns:c="http://schemas.openxmlformats.org/drawingml/2006/chart" xmlns:dgm="http://schemas.openxmlformats.org/drawingml/2006/diagram" xmlns:o="urn:schemas-microsoft-com:office:office" xmlns:v="urn:schemas-microsoft-com:vml" xmlns:pvml="urn:schemas-microsoft-com:office:powerpoint" xmlns:com="http://schemas.openxmlformats.org/drawingml/2006/compatibility" xmlns:p14="http://schemas.microsoft.com/office/powerpoint/2010/main" xmlns:p15="http://schemas.microsoft.com/office/powerpoint/2012/main" xmlns:ahyp="http://schemas.microsoft.com/office/drawing/2018/hyperlinkcolor">
+<p:sld xmlns:a="http://schemas.openxmlformats.org/drawingml/2006/main" xmlns:r="http://schemas.openxmlformats.org/officeDocument/2006/relationships" xmlns:p="http://schemas.openxmlformats.org/presentationml/2006/main">
   <p:cSld>
     <p:bg>
       <p:bgPr>
         <a:solidFill>
           <a:schemeClr val="lt2"/>
         </a:solidFill>
+        <a:effectLst/>
       </p:bgPr>
     </p:bg>
     <p:spTree>
       <p:nvGrpSpPr>
-        <p:cNvPr id="88" name="Shape 88"/>
+        <p:cNvPr id="1" name="Shape 88"/>
         <p:cNvGrpSpPr/>
         <p:nvPr/>
       </p:nvGrpSpPr>
@@ -11981,14 +12285,14 @@
                 <a:avLst/>
               </a:prstGeom>
               <a:noFill/>
-              <a:ln cap="flat" cmpd="sng" w="9525">
+              <a:ln w="9525" cap="flat" cmpd="sng">
                 <a:solidFill>
                   <a:schemeClr val="dk1"/>
                 </a:solidFill>
                 <a:prstDash val="solid"/>
                 <a:miter lim="800000"/>
-                <a:headEnd len="sm" w="sm" type="none"/>
-                <a:tailEnd len="sm" w="sm" type="none"/>
+                <a:headEnd type="none" w="sm" len="sm"/>
+                <a:tailEnd type="none" w="sm" len="sm"/>
               </a:ln>
             </p:spPr>
           </p:cxnSp>
@@ -12007,14 +12311,14 @@
                 <a:avLst/>
               </a:prstGeom>
               <a:noFill/>
-              <a:ln cap="flat" cmpd="sng" w="9525">
+              <a:ln w="9525" cap="flat" cmpd="sng">
                 <a:solidFill>
                   <a:schemeClr val="dk1"/>
                 </a:solidFill>
                 <a:prstDash val="solid"/>
                 <a:miter lim="800000"/>
-                <a:headEnd len="sm" w="sm" type="none"/>
-                <a:tailEnd len="sm" w="sm" type="none"/>
+                <a:headEnd type="none" w="sm" len="sm"/>
+                <a:tailEnd type="none" w="sm" len="sm"/>
               </a:ln>
             </p:spPr>
           </p:cxnSp>
@@ -12034,23 +12338,23 @@
               <a:avLst/>
             </a:prstGeom>
             <a:noFill/>
-            <a:ln cap="flat" cmpd="sng" w="9525">
+            <a:ln w="9525" cap="flat" cmpd="sng">
               <a:solidFill>
                 <a:schemeClr val="dk1"/>
               </a:solidFill>
               <a:prstDash val="solid"/>
               <a:miter lim="800000"/>
-              <a:headEnd len="sm" w="sm" type="none"/>
-              <a:tailEnd len="sm" w="sm" type="none"/>
+              <a:headEnd type="none" w="sm" len="sm"/>
+              <a:tailEnd type="none" w="sm" len="sm"/>
             </a:ln>
           </p:spPr>
           <p:txBody>
-            <a:bodyPr anchorCtr="0" anchor="ctr" bIns="45700" lIns="91425" spcFirstLastPara="1" rIns="91425" wrap="square" tIns="45700">
+            <a:bodyPr spcFirstLastPara="1" wrap="square" lIns="91425" tIns="45700" rIns="91425" bIns="45700" anchor="ctr" anchorCtr="0">
               <a:noAutofit/>
             </a:bodyPr>
             <a:lstStyle/>
             <a:p>
-              <a:pPr indent="0" lvl="0" marL="0" marR="0" rtl="0" algn="ctr">
+              <a:pPr marL="0" marR="0" lvl="0" indent="0" algn="ctr" rtl="0">
                 <a:spcBef>
                   <a:spcPts val="0"/>
                 </a:spcBef>
@@ -12059,10 +12363,7 @@
                 </a:spcAft>
                 <a:buNone/>
               </a:pPr>
-              <a:r>
-                <a:t/>
-              </a:r>
-              <a:endParaRPr b="0" i="0" sz="1800" u="none" cap="none" strike="noStrike">
+              <a:endParaRPr sz="1800" b="0" i="0" u="none" strike="noStrike" cap="none">
                 <a:solidFill>
                   <a:schemeClr val="lt1"/>
                 </a:solidFill>
@@ -12097,12 +12398,12 @@
           </a:ln>
         </p:spPr>
         <p:txBody>
-          <a:bodyPr anchorCtr="0" anchor="ctr" bIns="45700" lIns="91425" spcFirstLastPara="1" rIns="91425" wrap="square" tIns="45700">
+          <a:bodyPr spcFirstLastPara="1" wrap="square" lIns="91425" tIns="45700" rIns="91425" bIns="45700" anchor="ctr" anchorCtr="0">
             <a:noAutofit/>
           </a:bodyPr>
           <a:lstStyle/>
           <a:p>
-            <a:pPr indent="0" lvl="0" marL="0" marR="0" rtl="0" algn="ctr">
+            <a:pPr marL="0" marR="0" lvl="0" indent="0" algn="ctr" rtl="0">
               <a:spcBef>
                 <a:spcPts val="0"/>
               </a:spcBef>
@@ -12111,10 +12412,7 @@
               </a:spcAft>
               <a:buNone/>
             </a:pPr>
-            <a:r>
-              <a:t/>
-            </a:r>
-            <a:endParaRPr b="0" i="0" sz="1800" u="none" cap="none" strike="noStrike">
+            <a:endParaRPr sz="1800" b="0" i="0" u="none" strike="noStrike" cap="none">
               <a:solidFill>
                 <a:schemeClr val="lt1"/>
               </a:solidFill>
@@ -12138,9 +12436,13 @@
             <a:ext cx="6968018" cy="6640286"/>
           </a:xfrm>
           <a:custGeom>
-            <a:rect b="b" l="l" r="r" t="t"/>
+            <a:avLst/>
+            <a:gdLst/>
+            <a:ahLst/>
+            <a:cxnLst/>
+            <a:rect l="l" t="t" r="r" b="b"/>
             <a:pathLst>
-              <a:path extrusionOk="0" h="6643444" w="6968018">
+              <a:path w="6968018" h="6643444" extrusionOk="0">
                 <a:moveTo>
                   <a:pt x="6352331" y="0"/>
                 </a:moveTo>
@@ -12164,7 +12466,7 @@
             <a:noFill/>
           </a:ln>
           <a:effectLst>
-            <a:outerShdw blurRad="50800" rotWithShape="0" algn="tl" dir="2700000" dist="38100">
+            <a:outerShdw blurRad="50800" dist="38100" dir="2700000" algn="tl" rotWithShape="0">
               <a:srgbClr val="000000">
                 <a:alpha val="40000"/>
               </a:srgbClr>
@@ -12172,12 +12474,12 @@
           </a:effectLst>
         </p:spPr>
         <p:txBody>
-          <a:bodyPr anchorCtr="0" anchor="ctr" bIns="45700" lIns="91425" spcFirstLastPara="1" rIns="91425" wrap="square" tIns="45700">
+          <a:bodyPr spcFirstLastPara="1" wrap="square" lIns="91425" tIns="45700" rIns="91425" bIns="45700" anchor="ctr" anchorCtr="0">
             <a:noAutofit/>
           </a:bodyPr>
           <a:lstStyle/>
           <a:p>
-            <a:pPr indent="0" lvl="0" marL="0" marR="0" rtl="0" algn="ctr">
+            <a:pPr marL="0" marR="0" lvl="0" indent="0" algn="ctr" rtl="0">
               <a:spcBef>
                 <a:spcPts val="0"/>
               </a:spcBef>
@@ -12186,10 +12488,7 @@
               </a:spcAft>
               <a:buNone/>
             </a:pPr>
-            <a:r>
-              <a:t/>
-            </a:r>
-            <a:endParaRPr b="0" i="0" sz="1800" u="none" cap="none" strike="noStrike">
+            <a:endParaRPr sz="1800" b="0" i="0" u="none" strike="noStrike" cap="none">
               <a:solidFill>
                 <a:schemeClr val="lt1"/>
               </a:solidFill>
@@ -12213,9 +12512,13 @@
             <a:ext cx="6678117" cy="6490996"/>
           </a:xfrm>
           <a:custGeom>
-            <a:rect b="b" l="l" r="r" t="t"/>
+            <a:avLst/>
+            <a:gdLst/>
+            <a:ahLst/>
+            <a:cxnLst/>
+            <a:rect l="l" t="t" r="r" b="b"/>
             <a:pathLst>
-              <a:path extrusionOk="0" h="6461436" w="6647705">
+              <a:path w="6647705" h="6461436" extrusionOk="0">
                 <a:moveTo>
                   <a:pt x="6004504" y="217"/>
                 </a:moveTo>
@@ -12324,19 +12627,19 @@
             <a:blip r:embed="rId3">
               <a:alphaModFix/>
             </a:blip>
-            <a:tile algn="tl" flip="none" tx="0" sx="100000" ty="0" sy="100000"/>
+            <a:tile tx="0" ty="0" sx="100000" sy="100000" flip="none" algn="tl"/>
           </a:blipFill>
           <a:ln>
             <a:noFill/>
           </a:ln>
         </p:spPr>
         <p:txBody>
-          <a:bodyPr anchorCtr="0" anchor="ctr" bIns="45700" lIns="91425" spcFirstLastPara="1" rIns="91425" wrap="square" tIns="45700">
+          <a:bodyPr spcFirstLastPara="1" wrap="square" lIns="91425" tIns="45700" rIns="91425" bIns="45700" anchor="ctr" anchorCtr="0">
             <a:noAutofit/>
           </a:bodyPr>
           <a:lstStyle/>
           <a:p>
-            <a:pPr indent="0" lvl="0" marL="0" marR="0" rtl="0" algn="ctr">
+            <a:pPr marL="0" marR="0" lvl="0" indent="0" algn="ctr" rtl="0">
               <a:spcBef>
                 <a:spcPts val="0"/>
               </a:spcBef>
@@ -12345,10 +12648,7 @@
               </a:spcAft>
               <a:buNone/>
             </a:pPr>
-            <a:r>
-              <a:t/>
-            </a:r>
-            <a:endParaRPr b="0" i="0" sz="1800" u="none" cap="none" strike="noStrike">
+            <a:endParaRPr sz="1800" b="0" i="0" u="none" strike="noStrike" cap="none">
               <a:solidFill>
                 <a:schemeClr val="lt1"/>
               </a:solidFill>
@@ -12370,7 +12670,7 @@
           <a:blip r:embed="rId4">
             <a:alphaModFix amt="84000"/>
           </a:blip>
-          <a:srcRect b="2" l="15040" r="15043" t="0"/>
+          <a:srcRect l="15040" r="15043" b="2"/>
           <a:stretch/>
         </p:blipFill>
         <p:spPr>
@@ -12379,9 +12679,13 @@
             <a:ext cx="6678117" cy="6490996"/>
           </a:xfrm>
           <a:custGeom>
-            <a:rect b="b" l="l" r="r" t="t"/>
+            <a:avLst/>
+            <a:gdLst/>
+            <a:ahLst/>
+            <a:cxnLst/>
+            <a:rect l="l" t="t" r="r" b="b"/>
             <a:pathLst>
-              <a:path extrusionOk="0" h="6461436" w="6647705">
+              <a:path w="6647705" h="6461436" extrusionOk="0">
                 <a:moveTo>
                   <a:pt x="6004504" y="217"/>
                 </a:moveTo>
@@ -12495,7 +12799,9 @@
       <p:sp>
         <p:nvSpPr>
           <p:cNvPr id="98" name="Google Shape;98;p13"/>
-          <p:cNvSpPr txBox="1"/>
+          <p:cNvSpPr txBox="1">
+            <a:spLocks noGrp="1"/>
+          </p:cNvSpPr>
           <p:nvPr>
             <p:ph type="ctrTitle"/>
           </p:nvPr>
@@ -12514,12 +12820,12 @@
           </a:ln>
         </p:spPr>
         <p:txBody>
-          <a:bodyPr anchorCtr="0" anchor="b" bIns="45700" lIns="91425" spcFirstLastPara="1" rIns="91425" wrap="square" tIns="45700">
+          <a:bodyPr spcFirstLastPara="1" wrap="square" lIns="91425" tIns="45700" rIns="91425" bIns="45700" anchor="b" anchorCtr="0">
             <a:normAutofit/>
           </a:bodyPr>
           <a:lstStyle/>
           <a:p>
-            <a:pPr indent="0" lvl="0" marL="0" rtl="0" algn="l">
+            <a:pPr marL="0" lvl="0" indent="0" algn="l" rtl="0">
               <a:lnSpc>
                 <a:spcPct val="120000"/>
               </a:lnSpc>
@@ -12556,9 +12862,13 @@
             <a:ext cx="444795" cy="1868387"/>
           </a:xfrm>
           <a:custGeom>
-            <a:rect b="b" l="l" r="r" t="t"/>
+            <a:avLst/>
+            <a:gdLst/>
+            <a:ahLst/>
+            <a:cxnLst/>
+            <a:rect l="l" t="t" r="r" b="b"/>
             <a:pathLst>
-              <a:path extrusionOk="0" h="1868387" w="444795">
+              <a:path w="444795" h="1868387" extrusionOk="0">
                 <a:moveTo>
                   <a:pt x="0" y="78388"/>
                 </a:moveTo>
@@ -12664,13 +12974,13 @@
             <a:blip r:embed="rId5">
               <a:alphaModFix amt="84000"/>
             </a:blip>
-            <a:tile algn="tl" flip="none" tx="0" sx="100000" ty="0" sy="100000"/>
+            <a:tile tx="0" ty="0" sx="100000" sy="100000" flip="none" algn="tl"/>
           </a:blipFill>
           <a:ln>
             <a:noFill/>
           </a:ln>
           <a:effectLst>
-            <a:outerShdw blurRad="63500" rotWithShape="0" algn="tr" dir="8100000" dist="12700">
+            <a:outerShdw blurRad="63500" dist="12700" dir="8100000" algn="tr" rotWithShape="0">
               <a:srgbClr val="000000">
                 <a:alpha val="31764"/>
               </a:srgbClr>
@@ -12678,12 +12988,12 @@
           </a:effectLst>
         </p:spPr>
         <p:txBody>
-          <a:bodyPr anchorCtr="0" anchor="ctr" bIns="45700" lIns="91425" spcFirstLastPara="1" rIns="91425" wrap="square" tIns="45700">
+          <a:bodyPr spcFirstLastPara="1" wrap="square" lIns="91425" tIns="45700" rIns="91425" bIns="45700" anchor="ctr" anchorCtr="0">
             <a:noAutofit/>
           </a:bodyPr>
           <a:lstStyle/>
           <a:p>
-            <a:pPr indent="0" lvl="0" marL="0" marR="0" rtl="0" algn="ctr">
+            <a:pPr marL="0" marR="0" lvl="0" indent="0" algn="ctr" rtl="0">
               <a:spcBef>
                 <a:spcPts val="0"/>
               </a:spcBef>
@@ -12692,10 +13002,7 @@
               </a:spcAft>
               <a:buNone/>
             </a:pPr>
-            <a:r>
-              <a:t/>
-            </a:r>
-            <a:endParaRPr b="0" i="0" sz="1800" u="none" cap="none" strike="noStrike">
+            <a:endParaRPr sz="1800" b="0" i="0" u="none" strike="noStrike" cap="none">
               <a:solidFill>
                 <a:schemeClr val="lt1"/>
               </a:solidFill>
@@ -12710,9 +13017,11 @@
       <p:sp>
         <p:nvSpPr>
           <p:cNvPr id="100" name="Google Shape;100;p13"/>
-          <p:cNvSpPr txBox="1"/>
+          <p:cNvSpPr txBox="1">
+            <a:spLocks noGrp="1"/>
+          </p:cNvSpPr>
           <p:nvPr>
-            <p:ph idx="1" type="subTitle"/>
+            <p:ph type="subTitle" idx="1"/>
           </p:nvPr>
         </p:nvSpPr>
         <p:spPr>
@@ -12729,12 +13038,12 @@
           </a:ln>
         </p:spPr>
         <p:txBody>
-          <a:bodyPr anchorCtr="0" anchor="t" bIns="45700" lIns="91425" spcFirstLastPara="1" rIns="91425" wrap="square" tIns="45700">
+          <a:bodyPr spcFirstLastPara="1" wrap="square" lIns="91425" tIns="45700" rIns="91425" bIns="45700" anchor="t" anchorCtr="0">
             <a:normAutofit/>
           </a:bodyPr>
           <a:lstStyle/>
           <a:p>
-            <a:pPr indent="0" lvl="0" marL="0" rtl="0" algn="l">
+            <a:pPr marL="0" lvl="0" indent="0" algn="l" rtl="0">
               <a:lnSpc>
                 <a:spcPct val="110000"/>
               </a:lnSpc>
@@ -12758,7 +13067,7 @@
             <a:endParaRPr/>
           </a:p>
           <a:p>
-            <a:pPr indent="0" lvl="0" marL="0" rtl="0" algn="l">
+            <a:pPr marL="0" lvl="0" indent="0" algn="l" rtl="0">
               <a:lnSpc>
                 <a:spcPct val="110000"/>
               </a:lnSpc>
@@ -12782,7 +13091,7 @@
             <a:endParaRPr/>
           </a:p>
           <a:p>
-            <a:pPr indent="0" lvl="0" marL="0" rtl="0" algn="l">
+            <a:pPr marL="0" lvl="0" indent="0" algn="l" rtl="0">
               <a:lnSpc>
                 <a:spcPct val="110000"/>
               </a:lnSpc>
@@ -12806,7 +13115,7 @@
             <a:endParaRPr/>
           </a:p>
           <a:p>
-            <a:pPr indent="0" lvl="0" marL="0" rtl="0" algn="l">
+            <a:pPr marL="0" lvl="0" indent="0" algn="l" rtl="0">
               <a:lnSpc>
                 <a:spcPct val="110000"/>
               </a:lnSpc>
@@ -12830,7 +13139,7 @@
             <a:endParaRPr/>
           </a:p>
           <a:p>
-            <a:pPr indent="0" lvl="0" marL="0" rtl="0" algn="l">
+            <a:pPr marL="0" lvl="0" indent="0" algn="l" rtl="0">
               <a:lnSpc>
                 <a:spcPct val="110000"/>
               </a:lnSpc>
@@ -12854,7 +13163,7 @@
             <a:endParaRPr/>
           </a:p>
           <a:p>
-            <a:pPr indent="0" lvl="0" marL="0" rtl="0" algn="l">
+            <a:pPr marL="0" lvl="0" indent="0" algn="l" rtl="0">
               <a:lnSpc>
                 <a:spcPct val="110000"/>
               </a:lnSpc>
@@ -12922,14 +13231,14 @@
                 <a:avLst/>
               </a:prstGeom>
               <a:noFill/>
-              <a:ln cap="flat" cmpd="sng" w="9525">
+              <a:ln w="9525" cap="flat" cmpd="sng">
                 <a:solidFill>
                   <a:schemeClr val="dk1"/>
                 </a:solidFill>
                 <a:prstDash val="solid"/>
                 <a:miter lim="800000"/>
-                <a:headEnd len="sm" w="sm" type="none"/>
-                <a:tailEnd len="sm" w="sm" type="none"/>
+                <a:headEnd type="none" w="sm" len="sm"/>
+                <a:tailEnd type="none" w="sm" len="sm"/>
               </a:ln>
             </p:spPr>
           </p:cxnSp>
@@ -12948,14 +13257,14 @@
                 <a:avLst/>
               </a:prstGeom>
               <a:noFill/>
-              <a:ln cap="flat" cmpd="sng" w="9525">
+              <a:ln w="9525" cap="flat" cmpd="sng">
                 <a:solidFill>
                   <a:schemeClr val="dk1"/>
                 </a:solidFill>
                 <a:prstDash val="solid"/>
                 <a:miter lim="800000"/>
-                <a:headEnd len="sm" w="sm" type="none"/>
-                <a:tailEnd len="sm" w="sm" type="none"/>
+                <a:headEnd type="none" w="sm" len="sm"/>
+                <a:tailEnd type="none" w="sm" len="sm"/>
               </a:ln>
             </p:spPr>
           </p:cxnSp>
@@ -12975,23 +13284,23 @@
               <a:avLst/>
             </a:prstGeom>
             <a:noFill/>
-            <a:ln cap="flat" cmpd="sng" w="9525">
+            <a:ln w="9525" cap="flat" cmpd="sng">
               <a:solidFill>
                 <a:schemeClr val="dk1"/>
               </a:solidFill>
               <a:prstDash val="solid"/>
               <a:miter lim="800000"/>
-              <a:headEnd len="sm" w="sm" type="none"/>
-              <a:tailEnd len="sm" w="sm" type="none"/>
+              <a:headEnd type="none" w="sm" len="sm"/>
+              <a:tailEnd type="none" w="sm" len="sm"/>
             </a:ln>
           </p:spPr>
           <p:txBody>
-            <a:bodyPr anchorCtr="0" anchor="ctr" bIns="45700" lIns="91425" spcFirstLastPara="1" rIns="91425" wrap="square" tIns="45700">
+            <a:bodyPr spcFirstLastPara="1" wrap="square" lIns="91425" tIns="45700" rIns="91425" bIns="45700" anchor="ctr" anchorCtr="0">
               <a:noAutofit/>
             </a:bodyPr>
             <a:lstStyle/>
             <a:p>
-              <a:pPr indent="0" lvl="0" marL="0" marR="0" rtl="0" algn="ctr">
+              <a:pPr marL="0" marR="0" lvl="0" indent="0" algn="ctr" rtl="0">
                 <a:spcBef>
                   <a:spcPts val="0"/>
                 </a:spcBef>
@@ -13000,10 +13309,7 @@
                 </a:spcAft>
                 <a:buNone/>
               </a:pPr>
-              <a:r>
-                <a:t/>
-              </a:r>
-              <a:endParaRPr b="0" i="0" sz="1800" u="none" cap="none" strike="noStrike">
+              <a:endParaRPr sz="1800" b="0" i="0" u="none" strike="noStrike" cap="none">
                 <a:solidFill>
                   <a:schemeClr val="lt1"/>
                 </a:solidFill>
@@ -13026,7 +13332,7 @@
           <a:blip r:embed="rId6">
             <a:alphaModFix/>
           </a:blip>
-          <a:srcRect b="0" l="0" r="0" t="0"/>
+          <a:srcRect/>
           <a:stretch/>
         </p:blipFill>
         <p:spPr>
@@ -13081,7 +13387,7 @@
           <a:blip r:embed="rId8">
             <a:alphaModFix/>
           </a:blip>
-          <a:srcRect b="45382" l="0" r="0" t="0"/>
+          <a:srcRect b="45382"/>
           <a:stretch/>
         </p:blipFill>
         <p:spPr>
@@ -13106,13 +13412,13 @@
   <p:timing>
     <p:tnLst>
       <p:par>
-        <p:cTn dur="indefinite" nodeType="tmRoot" restart="never">
+        <p:cTn id="1" dur="indefinite" restart="never" nodeType="tmRoot">
           <p:childTnLst>
             <p:seq concurrent="1" nextAc="seek">
-              <p:cTn dur="indefinite" id="2" nodeType="mainSeq">
+              <p:cTn id="2" dur="indefinite" nodeType="mainSeq">
                 <p:childTnLst>
                   <p:par>
-                    <p:cTn fill="hold">
+                    <p:cTn id="3" fill="hold">
                       <p:stCondLst>
                         <p:cond delay="indefinite"/>
                         <p:cond evt="onBegin" delay="0">
@@ -13121,20 +13427,20 @@
                       </p:stCondLst>
                       <p:childTnLst>
                         <p:par>
-                          <p:cTn fill="hold">
+                          <p:cTn id="4" fill="hold">
                             <p:stCondLst>
                               <p:cond delay="0"/>
                             </p:stCondLst>
                             <p:childTnLst>
                               <p:par>
-                                <p:cTn fill="hold" nodeType="withEffect" presetClass="entr" presetID="10" presetSubtype="0">
+                                <p:cTn id="5" presetID="10" presetClass="entr" presetSubtype="0" fill="hold" nodeType="withEffect">
                                   <p:stCondLst>
                                     <p:cond delay="1000"/>
                                   </p:stCondLst>
                                   <p:childTnLst>
                                     <p:set>
                                       <p:cBhvr>
-                                        <p:cTn dur="1" fill="hold">
+                                        <p:cTn id="6" dur="1" fill="hold">
                                           <p:stCondLst>
                                             <p:cond delay="0"/>
                                           </p:stCondLst>
@@ -13150,9 +13456,9 @@
                                         <p:strVal val="visible"/>
                                       </p:to>
                                     </p:set>
-                                    <p:animEffect filter="fade" transition="in">
+                                    <p:animEffect transition="in" filter="fade">
                                       <p:cBhvr>
-                                        <p:cTn dur="700"/>
+                                        <p:cTn id="7" dur="700"/>
                                         <p:tgtEl>
                                           <p:spTgt spid="98"/>
                                         </p:tgtEl>
@@ -13170,14 +13476,14 @@
                 </p:childTnLst>
               </p:cTn>
               <p:prevCondLst>
-                <p:cond evt="onPrev">
+                <p:cond evt="onPrev" delay="0">
                   <p:tgtEl>
                     <p:sldTgt/>
                   </p:tgtEl>
                 </p:cond>
               </p:prevCondLst>
               <p:nextCondLst>
-                <p:cond evt="onNext">
+                <p:cond evt="onNext" delay="0">
                   <p:tgtEl>
                     <p:sldTgt/>
                   </p:tgtEl>
@@ -13193,11 +13499,11 @@
 </file>
 
 <file path=ppt/slides/slide10.xml><?xml version="1.0" encoding="utf-8"?>
-<p:sld xmlns:a="http://schemas.openxmlformats.org/drawingml/2006/main" xmlns:r="http://schemas.openxmlformats.org/officeDocument/2006/relationships" xmlns:mc="http://schemas.openxmlformats.org/markup-compatibility/2006" xmlns:mv="urn:schemas-microsoft-com:mac:vml" xmlns:p="http://schemas.openxmlformats.org/presentationml/2006/main" xmlns:c="http://schemas.openxmlformats.org/drawingml/2006/chart" xmlns:dgm="http://schemas.openxmlformats.org/drawingml/2006/diagram" xmlns:o="urn:schemas-microsoft-com:office:office" xmlns:v="urn:schemas-microsoft-com:vml" xmlns:pvml="urn:schemas-microsoft-com:office:powerpoint" xmlns:com="http://schemas.openxmlformats.org/drawingml/2006/compatibility" xmlns:p14="http://schemas.microsoft.com/office/powerpoint/2010/main" xmlns:p15="http://schemas.microsoft.com/office/powerpoint/2012/main" xmlns:ahyp="http://schemas.microsoft.com/office/drawing/2018/hyperlinkcolor">
+<p:sld xmlns:a="http://schemas.openxmlformats.org/drawingml/2006/main" xmlns:r="http://schemas.openxmlformats.org/officeDocument/2006/relationships" xmlns:p="http://schemas.openxmlformats.org/presentationml/2006/main">
   <p:cSld>
     <p:spTree>
       <p:nvGrpSpPr>
-        <p:cNvPr id="200" name="Shape 200"/>
+        <p:cNvPr id="1" name="Shape 200"/>
         <p:cNvGrpSpPr/>
         <p:nvPr/>
       </p:nvGrpSpPr>
@@ -13212,7 +13518,9 @@
       <p:sp>
         <p:nvSpPr>
           <p:cNvPr id="201" name="Google Shape;201;p22"/>
-          <p:cNvSpPr txBox="1"/>
+          <p:cNvSpPr txBox="1">
+            <a:spLocks noGrp="1"/>
+          </p:cNvSpPr>
           <p:nvPr>
             <p:ph type="title"/>
           </p:nvPr>
@@ -13227,12 +13535,12 @@
           </a:prstGeom>
         </p:spPr>
         <p:txBody>
-          <a:bodyPr anchorCtr="0" anchor="t" bIns="45700" lIns="91425" spcFirstLastPara="1" rIns="91425" wrap="square" tIns="45700">
+          <a:bodyPr spcFirstLastPara="1" wrap="square" lIns="91425" tIns="45700" rIns="91425" bIns="45700" anchor="t" anchorCtr="0">
             <a:normAutofit/>
           </a:bodyPr>
           <a:lstStyle/>
           <a:p>
-            <a:pPr indent="0" lvl="0" marL="0" rtl="0" algn="ctr">
+            <a:pPr marL="0" lvl="0" indent="0" algn="ctr" rtl="0">
               <a:spcBef>
                 <a:spcPts val="0"/>
               </a:spcBef>
@@ -13252,9 +13560,11 @@
       <p:sp>
         <p:nvSpPr>
           <p:cNvPr id="202" name="Google Shape;202;p22"/>
-          <p:cNvSpPr txBox="1"/>
+          <p:cNvSpPr txBox="1">
+            <a:spLocks noGrp="1"/>
+          </p:cNvSpPr>
           <p:nvPr>
-            <p:ph idx="1" type="body"/>
+            <p:ph type="body" idx="1"/>
           </p:nvPr>
         </p:nvSpPr>
         <p:spPr>
@@ -13267,12 +13577,12 @@
           </a:prstGeom>
         </p:spPr>
         <p:txBody>
-          <a:bodyPr anchorCtr="0" anchor="ctr" bIns="45700" lIns="91425" spcFirstLastPara="1" rIns="91425" wrap="square" tIns="45700">
-            <a:normAutofit fontScale="77500" lnSpcReduction="20000"/>
+          <a:bodyPr spcFirstLastPara="1" wrap="square" lIns="91425" tIns="45700" rIns="91425" bIns="45700" anchor="ctr" anchorCtr="0">
+            <a:normAutofit/>
           </a:bodyPr>
           <a:lstStyle/>
           <a:p>
-            <a:pPr indent="0" lvl="0" marL="0" rtl="0" algn="l">
+            <a:pPr marL="0" lvl="0" indent="0" algn="l" rtl="0">
               <a:spcBef>
                 <a:spcPts val="1000"/>
               </a:spcBef>
@@ -13282,30 +13592,39 @@
               <a:buNone/>
             </a:pPr>
             <a:r>
-              <a:rPr lang="en-US" sz="2050"/>
-              <a:t>Test </a:t>
+              <a:rPr lang="en-US" sz="2050" dirty="0"/>
+              <a:t>Test Plan de </a:t>
             </a:r>
             <a:r>
-              <a:rPr lang="en-US" sz="2050"/>
-              <a:t>Plan de pruebas</a:t>
+              <a:rPr lang="en-US" sz="2050" dirty="0" err="1"/>
+              <a:t>pruebas</a:t>
             </a:r>
             <a:r>
-              <a:rPr lang="en-US" sz="2050"/>
+              <a:rPr lang="en-US" sz="2050" dirty="0"/>
               <a:t>: </a:t>
             </a:r>
             <a:r>
-              <a:rPr lang="en-US" sz="2050" u="sng">
+              <a:rPr lang="en-US" sz="2050" u="sng" dirty="0">
                 <a:solidFill>
                   <a:schemeClr val="hlink"/>
                 </a:solidFill>
                 <a:hlinkClick r:id="rId3"/>
               </a:rPr>
-              <a:t>Plan de pruebas</a:t>
+              <a:t>Plan de </a:t>
             </a:r>
-            <a:endParaRPr sz="2050"/>
+            <a:r>
+              <a:rPr lang="en-US" sz="2050" u="sng" dirty="0" err="1">
+                <a:solidFill>
+                  <a:schemeClr val="hlink"/>
+                </a:solidFill>
+                <a:hlinkClick r:id="rId3"/>
+              </a:rPr>
+              <a:t>pruebas</a:t>
+            </a:r>
+            <a:endParaRPr sz="2050" dirty="0"/>
           </a:p>
           <a:p>
-            <a:pPr indent="0" lvl="0" marL="0" rtl="0" algn="l">
+            <a:pPr marL="0" lvl="0" indent="0" algn="l" rtl="0">
               <a:spcBef>
                 <a:spcPts val="1000"/>
               </a:spcBef>
@@ -13314,13 +13633,10 @@
               </a:spcAft>
               <a:buNone/>
             </a:pPr>
-            <a:r>
-              <a:t/>
-            </a:r>
-            <a:endParaRPr/>
+            <a:endParaRPr dirty="0"/>
           </a:p>
           <a:p>
-            <a:pPr indent="0" lvl="0" marL="0" rtl="0" algn="l">
+            <a:pPr marL="0" lvl="0" indent="0" algn="l" rtl="0">
               <a:spcBef>
                 <a:spcPts val="1000"/>
               </a:spcBef>
@@ -13329,10 +13645,7 @@
               </a:spcAft>
               <a:buNone/>
             </a:pPr>
-            <a:r>
-              <a:t/>
-            </a:r>
-            <a:endParaRPr/>
+            <a:endParaRPr dirty="0"/>
           </a:p>
         </p:txBody>
       </p:sp>
@@ -13374,7 +13687,7 @@
           <a:blip r:embed="rId5">
             <a:alphaModFix/>
           </a:blip>
-          <a:srcRect b="35055" l="0" r="0" t="47575"/>
+          <a:srcRect t="47575" b="35055"/>
           <a:stretch/>
         </p:blipFill>
         <p:spPr>
@@ -13394,9 +13707,11 @@
       <p:sp>
         <p:nvSpPr>
           <p:cNvPr id="205" name="Google Shape;205;p22"/>
-          <p:cNvSpPr txBox="1"/>
+          <p:cNvSpPr txBox="1">
+            <a:spLocks noGrp="1"/>
+          </p:cNvSpPr>
           <p:nvPr>
-            <p:ph idx="1" type="body"/>
+            <p:ph type="body" idx="1"/>
           </p:nvPr>
         </p:nvSpPr>
         <p:spPr>
@@ -13409,12 +13724,12 @@
           </a:prstGeom>
         </p:spPr>
         <p:txBody>
-          <a:bodyPr anchorCtr="0" anchor="t" bIns="45700" lIns="91425" spcFirstLastPara="1" rIns="91425" wrap="square" tIns="45700">
-            <a:normAutofit lnSpcReduction="20000"/>
+          <a:bodyPr spcFirstLastPara="1" wrap="square" lIns="91425" tIns="45700" rIns="91425" bIns="45700" anchor="t" anchorCtr="0">
+            <a:normAutofit fontScale="85000" lnSpcReduction="20000"/>
           </a:bodyPr>
           <a:lstStyle/>
           <a:p>
-            <a:pPr indent="0" lvl="0" marL="0" rtl="0" algn="l">
+            <a:pPr marL="0" lvl="0" indent="0" algn="l" rtl="0">
               <a:spcBef>
                 <a:spcPts val="1000"/>
               </a:spcBef>
@@ -13423,13 +13738,10 @@
               </a:spcAft>
               <a:buNone/>
             </a:pPr>
-            <a:r>
-              <a:t/>
-            </a:r>
             <a:endParaRPr/>
           </a:p>
           <a:p>
-            <a:pPr indent="0" lvl="0" marL="0" rtl="0" algn="l">
+            <a:pPr marL="0" lvl="0" indent="0" algn="l" rtl="0">
               <a:spcBef>
                 <a:spcPts val="1000"/>
               </a:spcBef>
@@ -13438,13 +13750,10 @@
               </a:spcAft>
               <a:buNone/>
             </a:pPr>
-            <a:r>
-              <a:t/>
-            </a:r>
             <a:endParaRPr/>
           </a:p>
           <a:p>
-            <a:pPr indent="0" lvl="0" marL="0" rtl="0" algn="just">
+            <a:pPr marL="0" lvl="0" indent="0" algn="just" rtl="0">
               <a:spcBef>
                 <a:spcPts val="1000"/>
               </a:spcBef>
@@ -13675,11 +13984,267 @@
 </file>
 
 <file path=ppt/slides/slide11.xml><?xml version="1.0" encoding="utf-8"?>
-<p:sld xmlns:a="http://schemas.openxmlformats.org/drawingml/2006/main" xmlns:r="http://schemas.openxmlformats.org/officeDocument/2006/relationships" xmlns:mc="http://schemas.openxmlformats.org/markup-compatibility/2006" xmlns:mv="urn:schemas-microsoft-com:mac:vml" xmlns:p="http://schemas.openxmlformats.org/presentationml/2006/main" xmlns:c="http://schemas.openxmlformats.org/drawingml/2006/chart" xmlns:dgm="http://schemas.openxmlformats.org/drawingml/2006/diagram" xmlns:o="urn:schemas-microsoft-com:office:office" xmlns:v="urn:schemas-microsoft-com:vml" xmlns:pvml="urn:schemas-microsoft-com:office:powerpoint" xmlns:com="http://schemas.openxmlformats.org/drawingml/2006/compatibility" xmlns:p14="http://schemas.microsoft.com/office/powerpoint/2010/main" xmlns:p15="http://schemas.microsoft.com/office/powerpoint/2012/main" xmlns:ahyp="http://schemas.microsoft.com/office/drawing/2018/hyperlinkcolor">
+<p:sld xmlns:a="http://schemas.openxmlformats.org/drawingml/2006/main" xmlns:r="http://schemas.openxmlformats.org/officeDocument/2006/relationships" xmlns:p="http://schemas.openxmlformats.org/presentationml/2006/main">
   <p:cSld>
     <p:spTree>
       <p:nvGrpSpPr>
-        <p:cNvPr id="216" name="Shape 216"/>
+        <p:cNvPr id="1" name=""/>
+        <p:cNvGrpSpPr/>
+        <p:nvPr/>
+      </p:nvGrpSpPr>
+      <p:grpSpPr>
+        <a:xfrm>
+          <a:off x="0" y="0"/>
+          <a:ext cx="0" cy="0"/>
+          <a:chOff x="0" y="0"/>
+          <a:chExt cx="0" cy="0"/>
+        </a:xfrm>
+      </p:grpSpPr>
+      <p:sp>
+        <p:nvSpPr>
+          <p:cNvPr id="2" name="Título 1">
+            <a:extLst>
+              <a:ext uri="{FF2B5EF4-FFF2-40B4-BE49-F238E27FC236}">
+                <a16:creationId xmlns:a16="http://schemas.microsoft.com/office/drawing/2014/main" id="{9EE07A32-9A0E-4925-DEA9-1E228E27A155}"/>
+              </a:ext>
+            </a:extLst>
+          </p:cNvPr>
+          <p:cNvSpPr>
+            <a:spLocks noGrp="1"/>
+          </p:cNvSpPr>
+          <p:nvPr>
+            <p:ph type="title"/>
+          </p:nvPr>
+        </p:nvSpPr>
+        <p:spPr>
+          <a:xfrm>
+            <a:off x="1219200" y="365126"/>
+            <a:ext cx="9493249" cy="1040250"/>
+          </a:xfrm>
+        </p:spPr>
+        <p:txBody>
+          <a:bodyPr/>
+          <a:lstStyle/>
+          <a:p>
+            <a:r>
+              <a:rPr lang="es-MX" dirty="0"/>
+              <a:t>Pruebas unitarias</a:t>
+            </a:r>
+            <a:endParaRPr lang="es-CO" dirty="0"/>
+          </a:p>
+        </p:txBody>
+      </p:sp>
+      <p:pic>
+        <p:nvPicPr>
+          <p:cNvPr id="6" name="Google Shape;187;p21">
+            <a:extLst>
+              <a:ext uri="{FF2B5EF4-FFF2-40B4-BE49-F238E27FC236}">
+                <a16:creationId xmlns:a16="http://schemas.microsoft.com/office/drawing/2014/main" id="{1EC99712-196B-99AA-A41A-D74AB9237246}"/>
+              </a:ext>
+            </a:extLst>
+          </p:cNvPr>
+          <p:cNvPicPr preferRelativeResize="0"/>
+          <p:nvPr/>
+        </p:nvPicPr>
+        <p:blipFill>
+          <a:blip r:embed="rId2">
+            <a:alphaModFix/>
+          </a:blip>
+          <a:stretch>
+            <a:fillRect/>
+          </a:stretch>
+        </p:blipFill>
+        <p:spPr>
+          <a:xfrm>
+            <a:off x="10663275" y="-1"/>
+            <a:ext cx="1528726" cy="1040250"/>
+          </a:xfrm>
+          <a:prstGeom prst="rect">
+            <a:avLst/>
+          </a:prstGeom>
+          <a:noFill/>
+          <a:ln>
+            <a:noFill/>
+          </a:ln>
+        </p:spPr>
+      </p:pic>
+      <p:pic>
+        <p:nvPicPr>
+          <p:cNvPr id="8" name="Imagen 7">
+            <a:extLst>
+              <a:ext uri="{FF2B5EF4-FFF2-40B4-BE49-F238E27FC236}">
+                <a16:creationId xmlns:a16="http://schemas.microsoft.com/office/drawing/2014/main" id="{D4B0AF52-2F24-427C-A191-0E84F494EC26}"/>
+              </a:ext>
+            </a:extLst>
+          </p:cNvPr>
+          <p:cNvPicPr>
+            <a:picLocks noChangeAspect="1"/>
+          </p:cNvPicPr>
+          <p:nvPr/>
+        </p:nvPicPr>
+        <p:blipFill>
+          <a:blip r:embed="rId3"/>
+          <a:stretch>
+            <a:fillRect/>
+          </a:stretch>
+        </p:blipFill>
+        <p:spPr>
+          <a:xfrm>
+            <a:off x="274320" y="1405376"/>
+            <a:ext cx="8157670" cy="4587884"/>
+          </a:xfrm>
+          <a:prstGeom prst="rect">
+            <a:avLst/>
+          </a:prstGeom>
+        </p:spPr>
+      </p:pic>
+    </p:spTree>
+    <p:extLst>
+      <p:ext uri="{BB962C8B-B14F-4D97-AF65-F5344CB8AC3E}">
+        <p14:creationId xmlns:p14="http://schemas.microsoft.com/office/powerpoint/2010/main" val="2779949576"/>
+      </p:ext>
+    </p:extLst>
+  </p:cSld>
+  <p:clrMapOvr>
+    <a:masterClrMapping/>
+  </p:clrMapOvr>
+</p:sld>
+</file>
+
+<file path=ppt/slides/slide12.xml><?xml version="1.0" encoding="utf-8"?>
+<p:sld xmlns:a="http://schemas.openxmlformats.org/drawingml/2006/main" xmlns:r="http://schemas.openxmlformats.org/officeDocument/2006/relationships" xmlns:p="http://schemas.openxmlformats.org/presentationml/2006/main">
+  <p:cSld>
+    <p:spTree>
+      <p:nvGrpSpPr>
+        <p:cNvPr id="1" name=""/>
+        <p:cNvGrpSpPr/>
+        <p:nvPr/>
+      </p:nvGrpSpPr>
+      <p:grpSpPr>
+        <a:xfrm>
+          <a:off x="0" y="0"/>
+          <a:ext cx="0" cy="0"/>
+          <a:chOff x="0" y="0"/>
+          <a:chExt cx="0" cy="0"/>
+        </a:xfrm>
+      </p:grpSpPr>
+      <p:sp>
+        <p:nvSpPr>
+          <p:cNvPr id="2" name="Título 1">
+            <a:extLst>
+              <a:ext uri="{FF2B5EF4-FFF2-40B4-BE49-F238E27FC236}">
+                <a16:creationId xmlns:a16="http://schemas.microsoft.com/office/drawing/2014/main" id="{9EE07A32-9A0E-4925-DEA9-1E228E27A155}"/>
+              </a:ext>
+            </a:extLst>
+          </p:cNvPr>
+          <p:cNvSpPr>
+            <a:spLocks noGrp="1"/>
+          </p:cNvSpPr>
+          <p:nvPr>
+            <p:ph type="title"/>
+          </p:nvPr>
+        </p:nvSpPr>
+        <p:spPr>
+          <a:xfrm>
+            <a:off x="1219200" y="365126"/>
+            <a:ext cx="9493249" cy="1040250"/>
+          </a:xfrm>
+        </p:spPr>
+        <p:txBody>
+          <a:bodyPr/>
+          <a:lstStyle/>
+          <a:p>
+            <a:r>
+              <a:rPr lang="es-MX" dirty="0"/>
+              <a:t>Pruebas unitarias</a:t>
+            </a:r>
+            <a:endParaRPr lang="es-CO" dirty="0"/>
+          </a:p>
+        </p:txBody>
+      </p:sp>
+      <p:pic>
+        <p:nvPicPr>
+          <p:cNvPr id="6" name="Google Shape;187;p21">
+            <a:extLst>
+              <a:ext uri="{FF2B5EF4-FFF2-40B4-BE49-F238E27FC236}">
+                <a16:creationId xmlns:a16="http://schemas.microsoft.com/office/drawing/2014/main" id="{1EC99712-196B-99AA-A41A-D74AB9237246}"/>
+              </a:ext>
+            </a:extLst>
+          </p:cNvPr>
+          <p:cNvPicPr preferRelativeResize="0"/>
+          <p:nvPr/>
+        </p:nvPicPr>
+        <p:blipFill>
+          <a:blip r:embed="rId2">
+            <a:alphaModFix/>
+          </a:blip>
+          <a:stretch>
+            <a:fillRect/>
+          </a:stretch>
+        </p:blipFill>
+        <p:spPr>
+          <a:xfrm>
+            <a:off x="10663275" y="-1"/>
+            <a:ext cx="1528726" cy="1040250"/>
+          </a:xfrm>
+          <a:prstGeom prst="rect">
+            <a:avLst/>
+          </a:prstGeom>
+          <a:noFill/>
+          <a:ln>
+            <a:noFill/>
+          </a:ln>
+        </p:spPr>
+      </p:pic>
+      <p:pic>
+        <p:nvPicPr>
+          <p:cNvPr id="3" name="Imagen 2">
+            <a:extLst>
+              <a:ext uri="{FF2B5EF4-FFF2-40B4-BE49-F238E27FC236}">
+                <a16:creationId xmlns:a16="http://schemas.microsoft.com/office/drawing/2014/main" id="{3D71573B-2881-9820-4826-5AD0D7AA29BE}"/>
+              </a:ext>
+            </a:extLst>
+          </p:cNvPr>
+          <p:cNvPicPr>
+            <a:picLocks noChangeAspect="1"/>
+          </p:cNvPicPr>
+          <p:nvPr/>
+        </p:nvPicPr>
+        <p:blipFill>
+          <a:blip r:embed="rId3"/>
+          <a:stretch>
+            <a:fillRect/>
+          </a:stretch>
+        </p:blipFill>
+        <p:spPr>
+          <a:xfrm>
+            <a:off x="1038161" y="1476248"/>
+            <a:ext cx="8320935" cy="4650232"/>
+          </a:xfrm>
+          <a:prstGeom prst="rect">
+            <a:avLst/>
+          </a:prstGeom>
+        </p:spPr>
+      </p:pic>
+    </p:spTree>
+    <p:extLst>
+      <p:ext uri="{BB962C8B-B14F-4D97-AF65-F5344CB8AC3E}">
+        <p14:creationId xmlns:p14="http://schemas.microsoft.com/office/powerpoint/2010/main" val="1892990431"/>
+      </p:ext>
+    </p:extLst>
+  </p:cSld>
+  <p:clrMapOvr>
+    <a:masterClrMapping/>
+  </p:clrMapOvr>
+</p:sld>
+</file>
+
+<file path=ppt/slides/slide13.xml><?xml version="1.0" encoding="utf-8"?>
+<p:sld xmlns:a="http://schemas.openxmlformats.org/drawingml/2006/main" xmlns:r="http://schemas.openxmlformats.org/officeDocument/2006/relationships" xmlns:p="http://schemas.openxmlformats.org/presentationml/2006/main">
+  <p:cSld>
+    <p:spTree>
+      <p:nvGrpSpPr>
+        <p:cNvPr id="1" name="Shape 216"/>
         <p:cNvGrpSpPr/>
         <p:nvPr/>
       </p:nvGrpSpPr>
@@ -13784,11 +14349,11 @@
 </file>
 
 <file path=ppt/slides/slide2.xml><?xml version="1.0" encoding="utf-8"?>
-<p:sld xmlns:a="http://schemas.openxmlformats.org/drawingml/2006/main" xmlns:r="http://schemas.openxmlformats.org/officeDocument/2006/relationships" xmlns:mc="http://schemas.openxmlformats.org/markup-compatibility/2006" xmlns:mv="urn:schemas-microsoft-com:mac:vml" xmlns:p="http://schemas.openxmlformats.org/presentationml/2006/main" xmlns:c="http://schemas.openxmlformats.org/drawingml/2006/chart" xmlns:dgm="http://schemas.openxmlformats.org/drawingml/2006/diagram" xmlns:o="urn:schemas-microsoft-com:office:office" xmlns:v="urn:schemas-microsoft-com:vml" xmlns:pvml="urn:schemas-microsoft-com:office:powerpoint" xmlns:com="http://schemas.openxmlformats.org/drawingml/2006/compatibility" xmlns:p14="http://schemas.microsoft.com/office/powerpoint/2010/main" xmlns:p15="http://schemas.microsoft.com/office/powerpoint/2012/main" xmlns:ahyp="http://schemas.microsoft.com/office/drawing/2018/hyperlinkcolor">
+<p:sld xmlns:a="http://schemas.openxmlformats.org/drawingml/2006/main" xmlns:r="http://schemas.openxmlformats.org/officeDocument/2006/relationships" xmlns:p="http://schemas.openxmlformats.org/presentationml/2006/main">
   <p:cSld>
     <p:spTree>
       <p:nvGrpSpPr>
-        <p:cNvPr id="112" name="Shape 112"/>
+        <p:cNvPr id="1" name="Shape 112"/>
         <p:cNvGrpSpPr/>
         <p:nvPr/>
       </p:nvGrpSpPr>
@@ -13803,7 +14368,9 @@
       <p:sp>
         <p:nvSpPr>
           <p:cNvPr id="113" name="Google Shape;113;p14"/>
-          <p:cNvSpPr txBox="1"/>
+          <p:cNvSpPr txBox="1">
+            <a:spLocks noGrp="1"/>
+          </p:cNvSpPr>
           <p:nvPr>
             <p:ph type="title"/>
           </p:nvPr>
@@ -13822,12 +14389,12 @@
           </a:ln>
         </p:spPr>
         <p:txBody>
-          <a:bodyPr anchorCtr="0" anchor="b" bIns="45700" lIns="91425" spcFirstLastPara="1" rIns="91425" wrap="square" tIns="45700">
+          <a:bodyPr spcFirstLastPara="1" wrap="square" lIns="91425" tIns="45700" rIns="91425" bIns="45700" anchor="b" anchorCtr="0">
             <a:normAutofit/>
           </a:bodyPr>
           <a:lstStyle/>
           <a:p>
-            <a:pPr indent="0" lvl="0" marL="0" rtl="0" algn="l">
+            <a:pPr marL="0" lvl="0" indent="0" algn="l" rtl="0">
               <a:lnSpc>
                 <a:spcPct val="120000"/>
               </a:lnSpc>
@@ -13859,9 +14426,11 @@
       <p:sp>
         <p:nvSpPr>
           <p:cNvPr id="114" name="Google Shape;114;p14"/>
-          <p:cNvSpPr txBox="1"/>
+          <p:cNvSpPr txBox="1">
+            <a:spLocks noGrp="1"/>
+          </p:cNvSpPr>
           <p:nvPr>
-            <p:ph idx="1" type="body"/>
+            <p:ph type="body" idx="1"/>
           </p:nvPr>
         </p:nvSpPr>
         <p:spPr>
@@ -13878,12 +14447,12 @@
           </a:ln>
         </p:spPr>
         <p:txBody>
-          <a:bodyPr anchorCtr="0" anchor="ctr" bIns="45700" lIns="91425" spcFirstLastPara="1" rIns="91425" wrap="square" tIns="45700">
+          <a:bodyPr spcFirstLastPara="1" wrap="square" lIns="91425" tIns="45700" rIns="91425" bIns="45700" anchor="ctr" anchorCtr="0">
             <a:normAutofit/>
           </a:bodyPr>
           <a:lstStyle/>
           <a:p>
-            <a:pPr indent="-127000" lvl="0" marL="228600" marR="0" rtl="0" algn="l">
+            <a:pPr marL="228600" marR="0" lvl="0" indent="-127000" algn="l" rtl="0">
               <a:lnSpc>
                 <a:spcPct val="120000"/>
               </a:lnSpc>
@@ -13902,24 +14471,12 @@
             </a:pPr>
             <a:r>
               <a:rPr lang="en-US"/>
-              <a:t> </a:t>
-            </a:r>
-            <a:r>
-              <a:rPr lang="en-US"/>
-              <a:t>Generar un sistema de compras online en lo que respecta de productos alimenticios,</a:t>
-            </a:r>
-            <a:r>
-              <a:rPr lang="en-US"/>
-              <a:t> </a:t>
-            </a:r>
-            <a:r>
-              <a:rPr lang="en-US"/>
-              <a:t>ya sean empaquetados o platos a la carta, para que las personas tengan la facilidad de ordenar desde la comodidad de su hogar, dicho sistema de negocio está siendo</a:t>
+              <a:t> Generar un sistema de compras online en lo que respecta de productos alimenticios, ya sean empaquetados o platos a la carta, para que las personas tengan la facilidad de ordenar desde la comodidad de su hogar, dicho sistema de negocio está siendo</a:t>
             </a:r>
             <a:endParaRPr/>
           </a:p>
           <a:p>
-            <a:pPr indent="-127000" lvl="0" marL="228600" marR="0" rtl="0" algn="l">
+            <a:pPr marL="228600" marR="0" lvl="0" indent="-127000" algn="l" rtl="0">
               <a:lnSpc>
                 <a:spcPct val="120000"/>
               </a:lnSpc>
@@ -13981,7 +14538,7 @@
           <a:blip r:embed="rId4">
             <a:alphaModFix/>
           </a:blip>
-          <a:srcRect b="45382" l="0" r="0" t="0"/>
+          <a:srcRect b="45382"/>
           <a:stretch/>
         </p:blipFill>
         <p:spPr>
@@ -14091,11 +14648,11 @@
 </file>
 
 <file path=ppt/slides/slide3.xml><?xml version="1.0" encoding="utf-8"?>
-<p:sld xmlns:a="http://schemas.openxmlformats.org/drawingml/2006/main" xmlns:r="http://schemas.openxmlformats.org/officeDocument/2006/relationships" xmlns:mc="http://schemas.openxmlformats.org/markup-compatibility/2006" xmlns:mv="urn:schemas-microsoft-com:mac:vml" xmlns:p="http://schemas.openxmlformats.org/presentationml/2006/main" xmlns:c="http://schemas.openxmlformats.org/drawingml/2006/chart" xmlns:dgm="http://schemas.openxmlformats.org/drawingml/2006/diagram" xmlns:o="urn:schemas-microsoft-com:office:office" xmlns:v="urn:schemas-microsoft-com:vml" xmlns:pvml="urn:schemas-microsoft-com:office:powerpoint" xmlns:com="http://schemas.openxmlformats.org/drawingml/2006/compatibility" xmlns:p14="http://schemas.microsoft.com/office/powerpoint/2010/main" xmlns:p15="http://schemas.microsoft.com/office/powerpoint/2012/main" xmlns:ahyp="http://schemas.microsoft.com/office/drawing/2018/hyperlinkcolor">
+<p:sld xmlns:a="http://schemas.openxmlformats.org/drawingml/2006/main" xmlns:r="http://schemas.openxmlformats.org/officeDocument/2006/relationships" xmlns:p="http://schemas.openxmlformats.org/presentationml/2006/main">
   <p:cSld>
     <p:spTree>
       <p:nvGrpSpPr>
-        <p:cNvPr id="123" name="Shape 123"/>
+        <p:cNvPr id="1" name="Shape 123"/>
         <p:cNvGrpSpPr/>
         <p:nvPr/>
       </p:nvGrpSpPr>
@@ -14110,7 +14667,9 @@
       <p:sp>
         <p:nvSpPr>
           <p:cNvPr id="124" name="Google Shape;124;p15"/>
-          <p:cNvSpPr txBox="1"/>
+          <p:cNvSpPr txBox="1">
+            <a:spLocks noGrp="1"/>
+          </p:cNvSpPr>
           <p:nvPr>
             <p:ph type="title"/>
           </p:nvPr>
@@ -14129,12 +14688,12 @@
           </a:ln>
         </p:spPr>
         <p:txBody>
-          <a:bodyPr anchorCtr="0" anchor="b" bIns="45700" lIns="91425" spcFirstLastPara="1" rIns="91425" wrap="square" tIns="45700">
+          <a:bodyPr spcFirstLastPara="1" wrap="square" lIns="91425" tIns="45700" rIns="91425" bIns="45700" anchor="b" anchorCtr="0">
             <a:normAutofit/>
           </a:bodyPr>
           <a:lstStyle/>
           <a:p>
-            <a:pPr indent="0" lvl="0" marL="0" marR="0" rtl="0" algn="l">
+            <a:pPr marL="0" marR="0" lvl="0" indent="0" algn="l" rtl="0">
               <a:lnSpc>
                 <a:spcPct val="120000"/>
               </a:lnSpc>
@@ -14158,7 +14717,7 @@
             <a:endParaRPr/>
           </a:p>
           <a:p>
-            <a:pPr indent="0" lvl="0" marL="0" marR="0" rtl="0" algn="l">
+            <a:pPr marL="0" marR="0" lvl="0" indent="0" algn="l" rtl="0">
               <a:lnSpc>
                 <a:spcPct val="120000"/>
               </a:lnSpc>
@@ -14175,9 +14734,6 @@
               <a:buFont typeface="Libre Franklin Black"/>
               <a:buNone/>
             </a:pPr>
-            <a:r>
-              <a:t/>
-            </a:r>
             <a:endParaRPr/>
           </a:p>
         </p:txBody>
@@ -14185,9 +14741,11 @@
       <p:sp>
         <p:nvSpPr>
           <p:cNvPr id="125" name="Google Shape;125;p15"/>
-          <p:cNvSpPr txBox="1"/>
+          <p:cNvSpPr txBox="1">
+            <a:spLocks noGrp="1"/>
+          </p:cNvSpPr>
           <p:nvPr>
-            <p:ph idx="1" type="body"/>
+            <p:ph type="body" idx="1"/>
           </p:nvPr>
         </p:nvSpPr>
         <p:spPr>
@@ -14204,12 +14762,12 @@
           </a:ln>
         </p:spPr>
         <p:txBody>
-          <a:bodyPr anchorCtr="0" anchor="ctr" bIns="45700" lIns="91425" spcFirstLastPara="1" rIns="91425" wrap="square" tIns="45700">
+          <a:bodyPr spcFirstLastPara="1" wrap="square" lIns="91425" tIns="45700" rIns="91425" bIns="45700" anchor="ctr" anchorCtr="0">
             <a:normAutofit/>
           </a:bodyPr>
           <a:lstStyle/>
           <a:p>
-            <a:pPr indent="-219456" lvl="0" marL="320040" rtl="0" algn="l">
+            <a:pPr marL="320040" lvl="0" indent="-219456" algn="l" rtl="0">
               <a:lnSpc>
                 <a:spcPct val="120000"/>
               </a:lnSpc>
@@ -14227,11 +14785,7 @@
             </a:pPr>
             <a:r>
               <a:rPr lang="en-US"/>
-              <a:t>  L</a:t>
-            </a:r>
-            <a:r>
-              <a:rPr lang="en-US"/>
-              <a:t>a idea surge en el momento de tener en cuenta un servicio de camarería, donde el aplicativo cumple la función de guardar dato por dato de cada pedido de un restaurante, organizando cada cosa y cumpliendo el aplicativo la función de carta del día (en caso de que en el día existan menús como de fin de semana). Al mismo tiempo el problema consta en el servicio de entrega de alimentos a los hogares, ya que en algunos casos los productos llegan fríos o los pedidos se confunden.</a:t>
+              <a:t>  La idea surge en el momento de tener en cuenta un servicio de camarería, donde el aplicativo cumple la función de guardar dato por dato de cada pedido de un restaurante, organizando cada cosa y cumpliendo el aplicativo la función de carta del día (en caso de que en el día existan menús como de fin de semana). Al mismo tiempo el problema consta en el servicio de entrega de alimentos a los hogares, ya que en algunos casos los productos llegan fríos o los pedidos se confunden.</a:t>
             </a:r>
             <a:endParaRPr/>
           </a:p>
@@ -14275,7 +14829,7 @@
           <a:blip r:embed="rId4">
             <a:alphaModFix/>
           </a:blip>
-          <a:srcRect b="38381" l="0" r="0" t="0"/>
+          <a:srcRect b="38381"/>
           <a:stretch/>
         </p:blipFill>
         <p:spPr>
@@ -14357,11 +14911,11 @@
 </file>
 
 <file path=ppt/slides/slide4.xml><?xml version="1.0" encoding="utf-8"?>
-<p:sld xmlns:a="http://schemas.openxmlformats.org/drawingml/2006/main" xmlns:r="http://schemas.openxmlformats.org/officeDocument/2006/relationships" xmlns:mc="http://schemas.openxmlformats.org/markup-compatibility/2006" xmlns:mv="urn:schemas-microsoft-com:mac:vml" xmlns:p="http://schemas.openxmlformats.org/presentationml/2006/main" xmlns:c="http://schemas.openxmlformats.org/drawingml/2006/chart" xmlns:dgm="http://schemas.openxmlformats.org/drawingml/2006/diagram" xmlns:o="urn:schemas-microsoft-com:office:office" xmlns:v="urn:schemas-microsoft-com:vml" xmlns:pvml="urn:schemas-microsoft-com:office:powerpoint" xmlns:com="http://schemas.openxmlformats.org/drawingml/2006/compatibility" xmlns:p14="http://schemas.microsoft.com/office/powerpoint/2010/main" xmlns:p15="http://schemas.microsoft.com/office/powerpoint/2012/main" xmlns:ahyp="http://schemas.microsoft.com/office/drawing/2018/hyperlinkcolor">
+<p:sld xmlns:a="http://schemas.openxmlformats.org/drawingml/2006/main" xmlns:r="http://schemas.openxmlformats.org/officeDocument/2006/relationships" xmlns:p="http://schemas.openxmlformats.org/presentationml/2006/main">
   <p:cSld>
     <p:spTree>
       <p:nvGrpSpPr>
-        <p:cNvPr id="133" name="Shape 133"/>
+        <p:cNvPr id="1" name="Shape 133"/>
         <p:cNvGrpSpPr/>
         <p:nvPr/>
       </p:nvGrpSpPr>
@@ -14376,7 +14930,9 @@
       <p:sp>
         <p:nvSpPr>
           <p:cNvPr id="134" name="Google Shape;134;p16"/>
-          <p:cNvSpPr txBox="1"/>
+          <p:cNvSpPr txBox="1">
+            <a:spLocks noGrp="1"/>
+          </p:cNvSpPr>
           <p:nvPr>
             <p:ph type="title"/>
           </p:nvPr>
@@ -14391,12 +14947,12 @@
           </a:prstGeom>
         </p:spPr>
         <p:txBody>
-          <a:bodyPr anchorCtr="0" anchor="b" bIns="45700" lIns="91425" spcFirstLastPara="1" rIns="91425" wrap="square" tIns="45700">
-            <a:normAutofit fontScale="90000"/>
+          <a:bodyPr spcFirstLastPara="1" wrap="square" lIns="91425" tIns="45700" rIns="91425" bIns="45700" anchor="b" anchorCtr="0">
+            <a:normAutofit/>
           </a:bodyPr>
           <a:lstStyle/>
           <a:p>
-            <a:pPr indent="0" lvl="0" marL="0" marR="0" rtl="0" algn="l">
+            <a:pPr marL="0" marR="0" lvl="0" indent="0" algn="l" rtl="0">
               <a:lnSpc>
                 <a:spcPct val="125000"/>
               </a:lnSpc>
@@ -14415,7 +14971,7 @@
             <a:endParaRPr/>
           </a:p>
           <a:p>
-            <a:pPr indent="0" lvl="0" marL="0" marR="0" rtl="0" algn="l">
+            <a:pPr marL="0" marR="0" lvl="0" indent="0" algn="l" rtl="0">
               <a:lnSpc>
                 <a:spcPct val="125000"/>
               </a:lnSpc>
@@ -14427,9 +14983,6 @@
               </a:spcAft>
               <a:buNone/>
             </a:pPr>
-            <a:r>
-              <a:t/>
-            </a:r>
             <a:endParaRPr/>
           </a:p>
         </p:txBody>
@@ -14437,9 +14990,11 @@
       <p:sp>
         <p:nvSpPr>
           <p:cNvPr id="135" name="Google Shape;135;p16"/>
-          <p:cNvSpPr txBox="1"/>
+          <p:cNvSpPr txBox="1">
+            <a:spLocks noGrp="1"/>
+          </p:cNvSpPr>
           <p:nvPr>
-            <p:ph idx="1" type="body"/>
+            <p:ph type="body" idx="1"/>
           </p:nvPr>
         </p:nvSpPr>
         <p:spPr>
@@ -14452,12 +15007,12 @@
           </a:prstGeom>
         </p:spPr>
         <p:txBody>
-          <a:bodyPr anchorCtr="0" anchor="t" bIns="45700" lIns="91425" spcFirstLastPara="1" rIns="91425" wrap="square" tIns="45700">
+          <a:bodyPr spcFirstLastPara="1" wrap="square" lIns="91425" tIns="45700" rIns="91425" bIns="45700" anchor="t" anchorCtr="0">
             <a:normAutofit/>
           </a:bodyPr>
           <a:lstStyle/>
           <a:p>
-            <a:pPr indent="0" lvl="0" marL="0" rtl="0" algn="l">
+            <a:pPr marL="0" lvl="0" indent="0" algn="l" rtl="0">
               <a:spcBef>
                 <a:spcPts val="1000"/>
               </a:spcBef>
@@ -14512,7 +15067,7 @@
           <a:blip r:embed="rId4">
             <a:alphaModFix/>
           </a:blip>
-          <a:srcRect b="42893" l="0" r="0" t="0"/>
+          <a:srcRect b="42893"/>
           <a:stretch/>
         </p:blipFill>
         <p:spPr>
@@ -14594,11 +15149,11 @@
 </file>
 
 <file path=ppt/slides/slide5.xml><?xml version="1.0" encoding="utf-8"?>
-<p:sld xmlns:a="http://schemas.openxmlformats.org/drawingml/2006/main" xmlns:r="http://schemas.openxmlformats.org/officeDocument/2006/relationships" xmlns:mc="http://schemas.openxmlformats.org/markup-compatibility/2006" xmlns:mv="urn:schemas-microsoft-com:mac:vml" xmlns:p="http://schemas.openxmlformats.org/presentationml/2006/main" xmlns:c="http://schemas.openxmlformats.org/drawingml/2006/chart" xmlns:dgm="http://schemas.openxmlformats.org/drawingml/2006/diagram" xmlns:o="urn:schemas-microsoft-com:office:office" xmlns:v="urn:schemas-microsoft-com:vml" xmlns:pvml="urn:schemas-microsoft-com:office:powerpoint" xmlns:com="http://schemas.openxmlformats.org/drawingml/2006/compatibility" xmlns:p14="http://schemas.microsoft.com/office/powerpoint/2010/main" xmlns:p15="http://schemas.microsoft.com/office/powerpoint/2012/main" xmlns:ahyp="http://schemas.microsoft.com/office/drawing/2018/hyperlinkcolor">
+<p:sld xmlns:a="http://schemas.openxmlformats.org/drawingml/2006/main" xmlns:r="http://schemas.openxmlformats.org/officeDocument/2006/relationships" xmlns:p="http://schemas.openxmlformats.org/presentationml/2006/main">
   <p:cSld>
     <p:spTree>
       <p:nvGrpSpPr>
-        <p:cNvPr id="143" name="Shape 143"/>
+        <p:cNvPr id="1" name="Shape 143"/>
         <p:cNvGrpSpPr/>
         <p:nvPr/>
       </p:nvGrpSpPr>
@@ -14613,7 +15168,9 @@
       <p:sp>
         <p:nvSpPr>
           <p:cNvPr id="144" name="Google Shape;144;p17"/>
-          <p:cNvSpPr txBox="1"/>
+          <p:cNvSpPr txBox="1">
+            <a:spLocks noGrp="1"/>
+          </p:cNvSpPr>
           <p:nvPr>
             <p:ph type="title"/>
           </p:nvPr>
@@ -14628,12 +15185,12 @@
           </a:prstGeom>
         </p:spPr>
         <p:txBody>
-          <a:bodyPr anchorCtr="0" anchor="t" bIns="45700" lIns="91425" spcFirstLastPara="1" rIns="91425" wrap="square" tIns="45700">
+          <a:bodyPr spcFirstLastPara="1" wrap="square" lIns="91425" tIns="45700" rIns="91425" bIns="45700" anchor="t" anchorCtr="0">
             <a:normAutofit/>
           </a:bodyPr>
           <a:lstStyle/>
           <a:p>
-            <a:pPr indent="0" lvl="0" marL="0" rtl="0" algn="ctr">
+            <a:pPr marL="0" lvl="0" indent="0" algn="ctr" rtl="0">
               <a:spcBef>
                 <a:spcPts val="0"/>
               </a:spcBef>
@@ -14716,7 +15273,7 @@
           <a:blip r:embed="rId5">
             <a:alphaModFix/>
           </a:blip>
-          <a:srcRect b="46890" l="0" r="0" t="0"/>
+          <a:srcRect b="46890"/>
           <a:stretch/>
         </p:blipFill>
         <p:spPr>
@@ -14743,7 +15300,7 @@
           <a:blip r:embed="rId6">
             <a:alphaModFix/>
           </a:blip>
-          <a:srcRect b="34258" l="0" r="0" t="15888"/>
+          <a:srcRect t="15888" b="34258"/>
           <a:stretch/>
         </p:blipFill>
         <p:spPr>
@@ -14797,11 +15354,11 @@
 </file>
 
 <file path=ppt/slides/slide6.xml><?xml version="1.0" encoding="utf-8"?>
-<p:sld xmlns:a="http://schemas.openxmlformats.org/drawingml/2006/main" xmlns:r="http://schemas.openxmlformats.org/officeDocument/2006/relationships" xmlns:mc="http://schemas.openxmlformats.org/markup-compatibility/2006" xmlns:mv="urn:schemas-microsoft-com:mac:vml" xmlns:p="http://schemas.openxmlformats.org/presentationml/2006/main" xmlns:c="http://schemas.openxmlformats.org/drawingml/2006/chart" xmlns:dgm="http://schemas.openxmlformats.org/drawingml/2006/diagram" xmlns:o="urn:schemas-microsoft-com:office:office" xmlns:v="urn:schemas-microsoft-com:vml" xmlns:pvml="urn:schemas-microsoft-com:office:powerpoint" xmlns:com="http://schemas.openxmlformats.org/drawingml/2006/compatibility" xmlns:p14="http://schemas.microsoft.com/office/powerpoint/2010/main" xmlns:p15="http://schemas.microsoft.com/office/powerpoint/2012/main" xmlns:ahyp="http://schemas.microsoft.com/office/drawing/2018/hyperlinkcolor">
+<p:sld xmlns:a="http://schemas.openxmlformats.org/drawingml/2006/main" xmlns:r="http://schemas.openxmlformats.org/officeDocument/2006/relationships" xmlns:p="http://schemas.openxmlformats.org/presentationml/2006/main">
   <p:cSld>
     <p:spTree>
       <p:nvGrpSpPr>
-        <p:cNvPr id="153" name="Shape 153"/>
+        <p:cNvPr id="1" name="Shape 153"/>
         <p:cNvGrpSpPr/>
         <p:nvPr/>
       </p:nvGrpSpPr>
@@ -14816,7 +15373,9 @@
       <p:sp>
         <p:nvSpPr>
           <p:cNvPr id="154" name="Google Shape;154;p18"/>
-          <p:cNvSpPr txBox="1"/>
+          <p:cNvSpPr txBox="1">
+            <a:spLocks noGrp="1"/>
+          </p:cNvSpPr>
           <p:nvPr>
             <p:ph type="title"/>
           </p:nvPr>
@@ -14831,12 +15390,12 @@
           </a:prstGeom>
         </p:spPr>
         <p:txBody>
-          <a:bodyPr anchorCtr="0" anchor="t" bIns="45700" lIns="91425" spcFirstLastPara="1" rIns="91425" wrap="square" tIns="45700">
+          <a:bodyPr spcFirstLastPara="1" wrap="square" lIns="91425" tIns="45700" rIns="91425" bIns="45700" anchor="t" anchorCtr="0">
             <a:normAutofit/>
           </a:bodyPr>
           <a:lstStyle/>
           <a:p>
-            <a:pPr indent="0" lvl="0" marL="0" rtl="0" algn="ctr">
+            <a:pPr marL="0" lvl="0" indent="0" algn="ctr" rtl="0">
               <a:spcBef>
                 <a:spcPts val="0"/>
               </a:spcBef>
@@ -14919,7 +15478,7 @@
           <a:blip r:embed="rId5">
             <a:alphaModFix/>
           </a:blip>
-          <a:srcRect b="40638" l="0" r="0" t="0"/>
+          <a:srcRect b="40638"/>
           <a:stretch/>
         </p:blipFill>
         <p:spPr>
@@ -15001,11 +15560,11 @@
 </file>
 
 <file path=ppt/slides/slide7.xml><?xml version="1.0" encoding="utf-8"?>
-<p:sld xmlns:a="http://schemas.openxmlformats.org/drawingml/2006/main" xmlns:r="http://schemas.openxmlformats.org/officeDocument/2006/relationships" xmlns:mc="http://schemas.openxmlformats.org/markup-compatibility/2006" xmlns:mv="urn:schemas-microsoft-com:mac:vml" xmlns:p="http://schemas.openxmlformats.org/presentationml/2006/main" xmlns:c="http://schemas.openxmlformats.org/drawingml/2006/chart" xmlns:dgm="http://schemas.openxmlformats.org/drawingml/2006/diagram" xmlns:o="urn:schemas-microsoft-com:office:office" xmlns:v="urn:schemas-microsoft-com:vml" xmlns:pvml="urn:schemas-microsoft-com:office:powerpoint" xmlns:com="http://schemas.openxmlformats.org/drawingml/2006/compatibility" xmlns:p14="http://schemas.microsoft.com/office/powerpoint/2010/main" xmlns:p15="http://schemas.microsoft.com/office/powerpoint/2012/main" xmlns:ahyp="http://schemas.microsoft.com/office/drawing/2018/hyperlinkcolor">
+<p:sld xmlns:a="http://schemas.openxmlformats.org/drawingml/2006/main" xmlns:r="http://schemas.openxmlformats.org/officeDocument/2006/relationships" xmlns:p="http://schemas.openxmlformats.org/presentationml/2006/main">
   <p:cSld>
     <p:spTree>
       <p:nvGrpSpPr>
-        <p:cNvPr id="163" name="Shape 163"/>
+        <p:cNvPr id="1" name="Shape 163"/>
         <p:cNvGrpSpPr/>
         <p:nvPr/>
       </p:nvGrpSpPr>
@@ -15020,7 +15579,9 @@
       <p:sp>
         <p:nvSpPr>
           <p:cNvPr id="164" name="Google Shape;164;p19"/>
-          <p:cNvSpPr txBox="1"/>
+          <p:cNvSpPr txBox="1">
+            <a:spLocks noGrp="1"/>
+          </p:cNvSpPr>
           <p:nvPr>
             <p:ph type="title"/>
           </p:nvPr>
@@ -15035,12 +15596,12 @@
           </a:prstGeom>
         </p:spPr>
         <p:txBody>
-          <a:bodyPr anchorCtr="0" anchor="t" bIns="45700" lIns="91425" spcFirstLastPara="1" rIns="91425" wrap="square" tIns="45700">
+          <a:bodyPr spcFirstLastPara="1" wrap="square" lIns="91425" tIns="45700" rIns="91425" bIns="45700" anchor="t" anchorCtr="0">
             <a:normAutofit/>
           </a:bodyPr>
           <a:lstStyle/>
           <a:p>
-            <a:pPr indent="0" lvl="0" marL="0" rtl="0" algn="l">
+            <a:pPr marL="0" lvl="0" indent="0" algn="l" rtl="0">
               <a:spcBef>
                 <a:spcPts val="0"/>
               </a:spcBef>
@@ -15060,9 +15621,11 @@
       <p:sp>
         <p:nvSpPr>
           <p:cNvPr id="165" name="Google Shape;165;p19"/>
-          <p:cNvSpPr txBox="1"/>
+          <p:cNvSpPr txBox="1">
+            <a:spLocks noGrp="1"/>
+          </p:cNvSpPr>
           <p:nvPr>
-            <p:ph idx="1" type="body"/>
+            <p:ph type="body" idx="1"/>
           </p:nvPr>
         </p:nvSpPr>
         <p:spPr>
@@ -15075,12 +15638,12 @@
           </a:prstGeom>
         </p:spPr>
         <p:txBody>
-          <a:bodyPr anchorCtr="0" anchor="t" bIns="45700" lIns="91425" spcFirstLastPara="1" rIns="91425" wrap="square" tIns="45700">
-            <a:normAutofit fontScale="85000" lnSpcReduction="20000"/>
+          <a:bodyPr spcFirstLastPara="1" wrap="square" lIns="91425" tIns="45700" rIns="91425" bIns="45700" anchor="t" anchorCtr="0">
+            <a:normAutofit fontScale="85000" lnSpcReduction="10000"/>
           </a:bodyPr>
           <a:lstStyle/>
           <a:p>
-            <a:pPr indent="0" lvl="0" marL="0" rtl="0" algn="l">
+            <a:pPr marL="0" lvl="0" indent="0" algn="l" rtl="0">
               <a:spcBef>
                 <a:spcPts val="1000"/>
               </a:spcBef>
@@ -15091,20 +15654,12 @@
             </a:pPr>
             <a:r>
               <a:rPr lang="en-US" sz="1500"/>
-              <a:t>Información concreta sobre hechos, elementos, entre otras cosas lo que permite estudiar, </a:t>
-            </a:r>
-            <a:r>
-              <a:rPr lang="en-US" sz="1500"/>
-              <a:t>analizar</a:t>
-            </a:r>
-            <a:r>
-              <a:rPr lang="en-US" sz="1500"/>
-              <a:t> o conocer.</a:t>
+              <a:t>Información concreta sobre hechos, elementos, entre otras cosas lo que permite estudiar, analizar o conocer.</a:t>
             </a:r>
             <a:endParaRPr sz="1500"/>
           </a:p>
           <a:p>
-            <a:pPr indent="0" lvl="0" marL="0" rtl="0" algn="l">
+            <a:pPr marL="0" lvl="0" indent="0" algn="l" rtl="0">
               <a:spcBef>
                 <a:spcPts val="1000"/>
               </a:spcBef>
@@ -15113,13 +15668,10 @@
               </a:spcAft>
               <a:buNone/>
             </a:pPr>
-            <a:r>
-              <a:t/>
-            </a:r>
             <a:endParaRPr/>
           </a:p>
           <a:p>
-            <a:pPr indent="0" lvl="0" marL="0" rtl="0" algn="l">
+            <a:pPr marL="0" lvl="0" indent="0" algn="l" rtl="0">
               <a:spcBef>
                 <a:spcPts val="1000"/>
               </a:spcBef>
@@ -15128,13 +15680,10 @@
               </a:spcAft>
               <a:buNone/>
             </a:pPr>
-            <a:r>
-              <a:t/>
-            </a:r>
             <a:endParaRPr/>
           </a:p>
           <a:p>
-            <a:pPr indent="0" lvl="0" marL="0" rtl="0" algn="l">
+            <a:pPr marL="0" lvl="0" indent="0" algn="l" rtl="0">
               <a:spcBef>
                 <a:spcPts val="1000"/>
               </a:spcBef>
@@ -15143,13 +15692,10 @@
               </a:spcAft>
               <a:buNone/>
             </a:pPr>
-            <a:r>
-              <a:t/>
-            </a:r>
             <a:endParaRPr/>
           </a:p>
           <a:p>
-            <a:pPr indent="0" lvl="0" marL="0" rtl="0" algn="l">
+            <a:pPr marL="0" lvl="0" indent="0" algn="l" rtl="0">
               <a:spcBef>
                 <a:spcPts val="1000"/>
               </a:spcBef>
@@ -15158,13 +15704,10 @@
               </a:spcAft>
               <a:buNone/>
             </a:pPr>
-            <a:r>
-              <a:t/>
-            </a:r>
             <a:endParaRPr/>
           </a:p>
           <a:p>
-            <a:pPr indent="0" lvl="0" marL="0" rtl="0" algn="l">
+            <a:pPr marL="0" lvl="0" indent="0" algn="l" rtl="0">
               <a:spcBef>
                 <a:spcPts val="1000"/>
               </a:spcBef>
@@ -15173,13 +15716,10 @@
               </a:spcAft>
               <a:buNone/>
             </a:pPr>
-            <a:r>
-              <a:t/>
-            </a:r>
             <a:endParaRPr/>
           </a:p>
           <a:p>
-            <a:pPr indent="0" lvl="0" marL="0" rtl="0" algn="l">
+            <a:pPr marL="0" lvl="0" indent="0" algn="l" rtl="0">
               <a:spcBef>
                 <a:spcPts val="1000"/>
               </a:spcBef>
@@ -15188,13 +15728,10 @@
               </a:spcAft>
               <a:buNone/>
             </a:pPr>
-            <a:r>
-              <a:t/>
-            </a:r>
             <a:endParaRPr/>
           </a:p>
           <a:p>
-            <a:pPr indent="0" lvl="0" marL="0" rtl="0" algn="l">
+            <a:pPr marL="0" lvl="0" indent="0" algn="l" rtl="0">
               <a:spcBef>
                 <a:spcPts val="1000"/>
               </a:spcBef>
@@ -15203,13 +15740,10 @@
               </a:spcAft>
               <a:buNone/>
             </a:pPr>
-            <a:r>
-              <a:t/>
-            </a:r>
             <a:endParaRPr/>
           </a:p>
           <a:p>
-            <a:pPr indent="0" lvl="0" marL="0" rtl="0" algn="l">
+            <a:pPr marL="0" lvl="0" indent="0" algn="l" rtl="0">
               <a:spcBef>
                 <a:spcPts val="1000"/>
               </a:spcBef>
@@ -15218,13 +15752,10 @@
               </a:spcAft>
               <a:buNone/>
             </a:pPr>
-            <a:r>
-              <a:t/>
-            </a:r>
             <a:endParaRPr/>
           </a:p>
           <a:p>
-            <a:pPr indent="0" lvl="0" marL="0" rtl="0" algn="l">
+            <a:pPr marL="0" lvl="0" indent="0" algn="l" rtl="0">
               <a:spcBef>
                 <a:spcPts val="1000"/>
               </a:spcBef>
@@ -15233,13 +15764,10 @@
               </a:spcAft>
               <a:buNone/>
             </a:pPr>
-            <a:r>
-              <a:t/>
-            </a:r>
             <a:endParaRPr/>
           </a:p>
           <a:p>
-            <a:pPr indent="0" lvl="0" marL="0" rtl="0" algn="l">
+            <a:pPr marL="0" lvl="0" indent="0" algn="l" rtl="0">
               <a:spcBef>
                 <a:spcPts val="1000"/>
               </a:spcBef>
@@ -15248,13 +15776,10 @@
               </a:spcAft>
               <a:buNone/>
             </a:pPr>
-            <a:r>
-              <a:t/>
-            </a:r>
             <a:endParaRPr/>
           </a:p>
           <a:p>
-            <a:pPr indent="0" lvl="0" marL="0" rtl="0" algn="l">
+            <a:pPr marL="0" lvl="0" indent="0" algn="l" rtl="0">
               <a:spcBef>
                 <a:spcPts val="1000"/>
               </a:spcBef>
@@ -15263,13 +15788,10 @@
               </a:spcAft>
               <a:buNone/>
             </a:pPr>
-            <a:r>
-              <a:t/>
-            </a:r>
             <a:endParaRPr/>
           </a:p>
           <a:p>
-            <a:pPr indent="0" lvl="0" marL="0" rtl="0" algn="l">
+            <a:pPr marL="0" lvl="0" indent="0" algn="l" rtl="0">
               <a:spcBef>
                 <a:spcPts val="1000"/>
               </a:spcBef>
@@ -15278,13 +15800,10 @@
               </a:spcAft>
               <a:buNone/>
             </a:pPr>
-            <a:r>
-              <a:t/>
-            </a:r>
             <a:endParaRPr/>
           </a:p>
           <a:p>
-            <a:pPr indent="0" lvl="0" marL="0" rtl="0" algn="l">
+            <a:pPr marL="0" lvl="0" indent="0" algn="l" rtl="0">
               <a:spcBef>
                 <a:spcPts val="1000"/>
               </a:spcBef>
@@ -15293,13 +15812,10 @@
               </a:spcAft>
               <a:buNone/>
             </a:pPr>
-            <a:r>
-              <a:t/>
-            </a:r>
             <a:endParaRPr/>
           </a:p>
           <a:p>
-            <a:pPr indent="0" lvl="0" marL="0" rtl="0" algn="l">
+            <a:pPr marL="0" lvl="0" indent="0" algn="l" rtl="0">
               <a:spcBef>
                 <a:spcPts val="1000"/>
               </a:spcBef>
@@ -15310,15 +15826,7 @@
             </a:pPr>
             <a:r>
               <a:rPr lang="en-US"/>
-              <a:t>Para </a:t>
-            </a:r>
-            <a:r>
-              <a:rPr lang="en-US"/>
-              <a:t>más</a:t>
-            </a:r>
-            <a:r>
-              <a:rPr lang="en-US"/>
-              <a:t> detalles acerca de este:                            </a:t>
+              <a:t>Para más detalles acerca de este:                            </a:t>
             </a:r>
             <a:r>
               <a:rPr lang="en-US" u="sng">
@@ -15332,7 +15840,7 @@
             <a:endParaRPr/>
           </a:p>
           <a:p>
-            <a:pPr indent="0" lvl="0" marL="0" rtl="0" algn="l">
+            <a:pPr marL="0" lvl="0" indent="0" algn="l" rtl="0">
               <a:spcBef>
                 <a:spcPts val="1000"/>
               </a:spcBef>
@@ -15341,9 +15849,6 @@
               </a:spcAft>
               <a:buNone/>
             </a:pPr>
-            <a:r>
-              <a:t/>
-            </a:r>
             <a:endParaRPr/>
           </a:p>
         </p:txBody>
@@ -15386,7 +15891,7 @@
           <a:blip r:embed="rId5">
             <a:alphaModFix/>
           </a:blip>
-          <a:srcRect b="45849" l="0" r="0" t="0"/>
+          <a:srcRect b="45849"/>
           <a:stretch/>
         </p:blipFill>
         <p:spPr>
@@ -15496,11 +16001,11 @@
 </file>
 
 <file path=ppt/slides/slide8.xml><?xml version="1.0" encoding="utf-8"?>
-<p:sld xmlns:a="http://schemas.openxmlformats.org/drawingml/2006/main" xmlns:r="http://schemas.openxmlformats.org/officeDocument/2006/relationships" xmlns:mc="http://schemas.openxmlformats.org/markup-compatibility/2006" xmlns:mv="urn:schemas-microsoft-com:mac:vml" xmlns:p="http://schemas.openxmlformats.org/presentationml/2006/main" xmlns:c="http://schemas.openxmlformats.org/drawingml/2006/chart" xmlns:dgm="http://schemas.openxmlformats.org/drawingml/2006/diagram" xmlns:o="urn:schemas-microsoft-com:office:office" xmlns:v="urn:schemas-microsoft-com:vml" xmlns:pvml="urn:schemas-microsoft-com:office:powerpoint" xmlns:com="http://schemas.openxmlformats.org/drawingml/2006/compatibility" xmlns:p14="http://schemas.microsoft.com/office/powerpoint/2010/main" xmlns:p15="http://schemas.microsoft.com/office/powerpoint/2012/main" xmlns:ahyp="http://schemas.microsoft.com/office/drawing/2018/hyperlinkcolor">
+<p:sld xmlns:a="http://schemas.openxmlformats.org/drawingml/2006/main" xmlns:r="http://schemas.openxmlformats.org/officeDocument/2006/relationships" xmlns:p="http://schemas.openxmlformats.org/presentationml/2006/main">
   <p:cSld>
     <p:spTree>
       <p:nvGrpSpPr>
-        <p:cNvPr id="174" name="Shape 174"/>
+        <p:cNvPr id="1" name="Shape 174"/>
         <p:cNvGrpSpPr/>
         <p:nvPr/>
       </p:nvGrpSpPr>
@@ -15515,7 +16020,9 @@
       <p:sp>
         <p:nvSpPr>
           <p:cNvPr id="175" name="Google Shape;175;p20"/>
-          <p:cNvSpPr txBox="1"/>
+          <p:cNvSpPr txBox="1">
+            <a:spLocks noGrp="1"/>
+          </p:cNvSpPr>
           <p:nvPr>
             <p:ph type="title"/>
           </p:nvPr>
@@ -15530,12 +16037,12 @@
           </a:prstGeom>
         </p:spPr>
         <p:txBody>
-          <a:bodyPr anchorCtr="0" anchor="b" bIns="45700" lIns="91425" spcFirstLastPara="1" rIns="91425" wrap="square" tIns="45700">
+          <a:bodyPr spcFirstLastPara="1" wrap="square" lIns="91425" tIns="45700" rIns="91425" bIns="45700" anchor="b" anchorCtr="0">
             <a:normAutofit/>
           </a:bodyPr>
           <a:lstStyle/>
           <a:p>
-            <a:pPr indent="0" lvl="0" marL="0" rtl="0" algn="l">
+            <a:pPr marL="0" lvl="0" indent="0" algn="l" rtl="0">
               <a:spcBef>
                 <a:spcPts val="0"/>
               </a:spcBef>
@@ -15590,7 +16097,7 @@
           <a:blip r:embed="rId4">
             <a:alphaModFix/>
           </a:blip>
-          <a:srcRect b="44124" l="0" r="0" t="0"/>
+          <a:srcRect b="44124"/>
           <a:stretch/>
         </p:blipFill>
         <p:spPr>
@@ -15728,11 +16235,11 @@
 </file>
 
 <file path=ppt/slides/slide9.xml><?xml version="1.0" encoding="utf-8"?>
-<p:sld xmlns:a="http://schemas.openxmlformats.org/drawingml/2006/main" xmlns:r="http://schemas.openxmlformats.org/officeDocument/2006/relationships" xmlns:mc="http://schemas.openxmlformats.org/markup-compatibility/2006" xmlns:mv="urn:schemas-microsoft-com:mac:vml" xmlns:p="http://schemas.openxmlformats.org/presentationml/2006/main" xmlns:c="http://schemas.openxmlformats.org/drawingml/2006/chart" xmlns:dgm="http://schemas.openxmlformats.org/drawingml/2006/diagram" xmlns:o="urn:schemas-microsoft-com:office:office" xmlns:v="urn:schemas-microsoft-com:vml" xmlns:pvml="urn:schemas-microsoft-com:office:powerpoint" xmlns:com="http://schemas.openxmlformats.org/drawingml/2006/compatibility" xmlns:p14="http://schemas.microsoft.com/office/powerpoint/2010/main" xmlns:p15="http://schemas.microsoft.com/office/powerpoint/2012/main" xmlns:ahyp="http://schemas.microsoft.com/office/drawing/2018/hyperlinkcolor">
+<p:sld xmlns:a="http://schemas.openxmlformats.org/drawingml/2006/main" xmlns:r="http://schemas.openxmlformats.org/officeDocument/2006/relationships" xmlns:p="http://schemas.openxmlformats.org/presentationml/2006/main">
   <p:cSld>
     <p:spTree>
       <p:nvGrpSpPr>
-        <p:cNvPr id="185" name="Shape 185"/>
+        <p:cNvPr id="1" name="Shape 185"/>
         <p:cNvGrpSpPr/>
         <p:nvPr/>
       </p:nvGrpSpPr>
@@ -15747,7 +16254,9 @@
       <p:sp>
         <p:nvSpPr>
           <p:cNvPr id="186" name="Google Shape;186;p21"/>
-          <p:cNvSpPr txBox="1"/>
+          <p:cNvSpPr txBox="1">
+            <a:spLocks noGrp="1"/>
+          </p:cNvSpPr>
           <p:nvPr>
             <p:ph type="title"/>
           </p:nvPr>
@@ -15762,12 +16271,12 @@
           </a:prstGeom>
         </p:spPr>
         <p:txBody>
-          <a:bodyPr anchorCtr="0" anchor="t" bIns="45700" lIns="91425" spcFirstLastPara="1" rIns="91425" wrap="square" tIns="45700">
+          <a:bodyPr spcFirstLastPara="1" wrap="square" lIns="91425" tIns="45700" rIns="91425" bIns="45700" anchor="t" anchorCtr="0">
             <a:normAutofit fontScale="90000"/>
           </a:bodyPr>
           <a:lstStyle/>
           <a:p>
-            <a:pPr indent="0" lvl="0" marL="0" rtl="0" algn="l">
+            <a:pPr marL="0" lvl="0" indent="0" algn="l" rtl="0">
               <a:spcBef>
                 <a:spcPts val="0"/>
               </a:spcBef>
@@ -15822,7 +16331,7 @@
           <a:blip r:embed="rId4">
             <a:alphaModFix/>
           </a:blip>
-          <a:srcRect b="138672" l="13130" r="-13129" t="-99507"/>
+          <a:srcRect l="13130" t="-99507" r="-13129" b="138672"/>
           <a:stretch/>
         </p:blipFill>
         <p:spPr>
@@ -15905,7 +16414,7 @@
           <a:blip r:embed="rId4">
             <a:alphaModFix/>
           </a:blip>
-          <a:srcRect b="46890" l="0" r="0" t="0"/>
+          <a:srcRect b="46890"/>
           <a:stretch/>
         </p:blipFill>
         <p:spPr>
@@ -15932,7 +16441,7 @@
           <a:blip r:embed="rId7">
             <a:alphaModFix/>
           </a:blip>
-          <a:srcRect b="0" l="0" r="0" t="5767"/>
+          <a:srcRect t="5767"/>
           <a:stretch/>
         </p:blipFill>
         <p:spPr>
@@ -16070,7 +16579,7 @@
 </file>
 
 <file path=ppt/theme/theme1.xml><?xml version="1.0" encoding="utf-8"?>
-<a:theme xmlns:a="http://schemas.openxmlformats.org/drawingml/2006/main" xmlns:r="http://schemas.openxmlformats.org/officeDocument/2006/relationships" name="StreetscapeVTI">
+<a:theme xmlns:a="http://schemas.openxmlformats.org/drawingml/2006/main" name="StreetscapeVTI">
   <a:themeElements>
     <a:clrScheme name="Streetscape2">
       <a:dk1>
@@ -16345,11 +16854,13 @@
       </a:bgFillStyleLst>
     </a:fmtScheme>
   </a:themeElements>
+  <a:objectDefaults/>
+  <a:extraClrSchemeLst/>
 </a:theme>
 </file>
 
 <file path=ppt/theme/theme2.xml><?xml version="1.0" encoding="utf-8"?>
-<a:theme xmlns:a="http://schemas.openxmlformats.org/drawingml/2006/main" xmlns:r="http://schemas.openxmlformats.org/officeDocument/2006/relationships">
+<a:theme xmlns:a="http://schemas.openxmlformats.org/drawingml/2006/main">
   <a:themeElements>
     <a:clrScheme name="Default">
       <a:dk1>
@@ -16624,5 +17135,7 @@
       </a:bgFillStyleLst>
     </a:fmtScheme>
   </a:themeElements>
+  <a:objectDefaults/>
+  <a:extraClrSchemeLst/>
 </a:theme>
 </file>